--- a/slides/voysey-thesis.pptx
+++ b/slides/voysey-thesis.pptx
@@ -5,14 +5,18 @@
     <p:sldMasterId id="2147483648" r:id="rId1"/>
   </p:sldMasterIdLst>
   <p:notesMasterIdLst>
-    <p:notesMasterId r:id="rId4"/>
+    <p:notesMasterId r:id="rId8"/>
   </p:notesMasterIdLst>
   <p:handoutMasterIdLst>
-    <p:handoutMasterId r:id="rId5"/>
+    <p:handoutMasterId r:id="rId9"/>
   </p:handoutMasterIdLst>
   <p:sldIdLst>
-    <p:sldId id="256" r:id="rId2"/>
-    <p:sldId id="257" r:id="rId3"/>
+    <p:sldId id="259" r:id="rId2"/>
+    <p:sldId id="260" r:id="rId3"/>
+    <p:sldId id="261" r:id="rId4"/>
+    <p:sldId id="262" r:id="rId5"/>
+    <p:sldId id="263" r:id="rId6"/>
+    <p:sldId id="258" r:id="rId7"/>
   </p:sldIdLst>
   <p:sldSz cx="9144000" cy="6858000" type="screen4x3"/>
   <p:notesSz cx="6858000" cy="9144000"/>
@@ -492,7 +496,7 @@
         <p:nvSpPr>
           <p:cNvPr id="5124" name="Rectangle 4"/>
           <p:cNvSpPr>
-            <a:spLocks noChangeArrowheads="1" noTextEdit="1"/>
+            <a:spLocks noGrp="1" noRot="1" noChangeAspect="1" noChangeArrowheads="1" noTextEdit="1"/>
           </p:cNvSpPr>
           <p:nvPr>
             <p:ph type="sldImg" idx="2"/>
@@ -516,7 +520,7 @@
             <a:tailEnd/>
           </a:ln>
           <a:extLst>
-            <a:ext uri="{909E8E84-426E-40DD-AFC4-6F175D3DCCD1}">
+            <a:ext uri="{909E8E84-426E-40dd-AFC4-6F175D3DCCD1}">
               <a14:hiddenFill xmlns:a14="http://schemas.microsoft.com/office/drawing/2010/main">
                 <a:solidFill>
                   <a:srgbClr val="FFFFFF"/>
@@ -860,14 +864,14 @@
           <a:noFill/>
           <a:ln/>
           <a:extLst>
-            <a:ext uri="{909E8E84-426E-40DD-AFC4-6F175D3DCCD1}">
+            <a:ext uri="{909E8E84-426E-40dd-AFC4-6F175D3DCCD1}">
               <a14:hiddenFill xmlns:a14="http://schemas.microsoft.com/office/drawing/2010/main">
                 <a:solidFill>
                   <a:srgbClr val="FFFFFF"/>
                 </a:solidFill>
               </a14:hiddenFill>
             </a:ext>
-            <a:ext uri="{91240B29-F687-4F45-9708-019B960494DF}">
+            <a:ext uri="{91240B29-F687-4f45-9708-019B960494DF}">
               <a14:hiddenLine xmlns:a14="http://schemas.microsoft.com/office/drawing/2010/main" w="9525">
                 <a:solidFill>
                   <a:srgbClr val="000000"/>
@@ -1002,7 +1006,7 @@
         <p:nvSpPr>
           <p:cNvPr id="6147" name="Rectangle 2"/>
           <p:cNvSpPr>
-            <a:spLocks noChangeArrowheads="1" noTextEdit="1"/>
+            <a:spLocks noGrp="1" noRot="1" noChangeAspect="1" noChangeArrowheads="1" noTextEdit="1"/>
           </p:cNvSpPr>
           <p:nvPr>
             <p:ph type="sldImg"/>
@@ -1026,14 +1030,14 @@
           <a:noFill/>
           <a:ln/>
           <a:extLst>
-            <a:ext uri="{909E8E84-426E-40DD-AFC4-6F175D3DCCD1}">
+            <a:ext uri="{909E8E84-426E-40dd-AFC4-6F175D3DCCD1}">
               <a14:hiddenFill xmlns:a14="http://schemas.microsoft.com/office/drawing/2010/main">
                 <a:solidFill>
                   <a:srgbClr val="FFFFFF"/>
                 </a:solidFill>
               </a14:hiddenFill>
             </a:ext>
-            <a:ext uri="{91240B29-F687-4F45-9708-019B960494DF}">
+            <a:ext uri="{91240B29-F687-4f45-9708-019B960494DF}">
               <a14:hiddenLine xmlns:a14="http://schemas.microsoft.com/office/drawing/2010/main" w="9525">
                 <a:solidFill>
                   <a:srgbClr val="000000"/>
@@ -1051,241 +1055,6 @@
           <a:p>
             <a:pPr eaLnBrk="1" hangingPunct="1"/>
             <a:endParaRPr lang="en-US" altLang="en-US" smtClean="0"/>
-          </a:p>
-        </p:txBody>
-      </p:sp>
-    </p:spTree>
-  </p:cSld>
-  <p:clrMapOvr>
-    <a:masterClrMapping/>
-  </p:clrMapOvr>
-</p:notes>
-</file>
-
-<file path=ppt/notesSlides/notesSlide2.xml><?xml version="1.0" encoding="utf-8"?>
-<p:notes xmlns:a="http://schemas.openxmlformats.org/drawingml/2006/main" xmlns:r="http://schemas.openxmlformats.org/officeDocument/2006/relationships" xmlns:p="http://schemas.openxmlformats.org/presentationml/2006/main">
-  <p:cSld>
-    <p:spTree>
-      <p:nvGrpSpPr>
-        <p:cNvPr id="1" name=""/>
-        <p:cNvGrpSpPr/>
-        <p:nvPr/>
-      </p:nvGrpSpPr>
-      <p:grpSpPr>
-        <a:xfrm>
-          <a:off x="0" y="0"/>
-          <a:ext cx="0" cy="0"/>
-          <a:chOff x="0" y="0"/>
-          <a:chExt cx="0" cy="0"/>
-        </a:xfrm>
-      </p:grpSpPr>
-      <p:sp>
-        <p:nvSpPr>
-          <p:cNvPr id="7170" name="Rectangle 7"/>
-          <p:cNvSpPr>
-            <a:spLocks noGrp="1" noChangeArrowheads="1"/>
-          </p:cNvSpPr>
-          <p:nvPr>
-            <p:ph type="sldNum" sz="quarter" idx="5"/>
-          </p:nvPr>
-        </p:nvSpPr>
-        <p:spPr>
-          <a:noFill/>
-          <a:ln/>
-          <a:extLst>
-            <a:ext uri="{909E8E84-426E-40DD-AFC4-6F175D3DCCD1}">
-              <a14:hiddenFill xmlns:a14="http://schemas.microsoft.com/office/drawing/2010/main">
-                <a:solidFill>
-                  <a:srgbClr val="FFFFFF"/>
-                </a:solidFill>
-              </a14:hiddenFill>
-            </a:ext>
-            <a:ext uri="{91240B29-F687-4F45-9708-019B960494DF}">
-              <a14:hiddenLine xmlns:a14="http://schemas.microsoft.com/office/drawing/2010/main" w="9525">
-                <a:solidFill>
-                  <a:srgbClr val="000000"/>
-                </a:solidFill>
-                <a:miter lim="800000"/>
-                <a:headEnd/>
-                <a:tailEnd/>
-              </a14:hiddenLine>
-            </a:ext>
-          </a:extLst>
-        </p:spPr>
-        <p:txBody>
-          <a:bodyPr/>
-          <a:lstStyle>
-            <a:lvl1pPr>
-              <a:defRPr sz="2400">
-                <a:solidFill>
-                  <a:schemeClr val="tx1"/>
-                </a:solidFill>
-                <a:latin typeface="Times" charset="0"/>
-                <a:ea typeface="Osaka" charset="-128"/>
-              </a:defRPr>
-            </a:lvl1pPr>
-            <a:lvl2pPr marL="37931725" indent="-37474525">
-              <a:defRPr sz="2400">
-                <a:solidFill>
-                  <a:schemeClr val="tx1"/>
-                </a:solidFill>
-                <a:latin typeface="Times" charset="0"/>
-                <a:ea typeface="Osaka" charset="-128"/>
-              </a:defRPr>
-            </a:lvl2pPr>
-            <a:lvl3pPr marL="1143000" indent="-228600">
-              <a:defRPr sz="2400">
-                <a:solidFill>
-                  <a:schemeClr val="tx1"/>
-                </a:solidFill>
-                <a:latin typeface="Times" charset="0"/>
-                <a:ea typeface="Osaka" charset="-128"/>
-              </a:defRPr>
-            </a:lvl3pPr>
-            <a:lvl4pPr marL="1600200" indent="-228600">
-              <a:defRPr sz="2400">
-                <a:solidFill>
-                  <a:schemeClr val="tx1"/>
-                </a:solidFill>
-                <a:latin typeface="Times" charset="0"/>
-                <a:ea typeface="Osaka" charset="-128"/>
-              </a:defRPr>
-            </a:lvl4pPr>
-            <a:lvl5pPr marL="2057400" indent="-228600">
-              <a:defRPr sz="2400">
-                <a:solidFill>
-                  <a:schemeClr val="tx1"/>
-                </a:solidFill>
-                <a:latin typeface="Times" charset="0"/>
-                <a:ea typeface="Osaka" charset="-128"/>
-              </a:defRPr>
-            </a:lvl5pPr>
-            <a:lvl6pPr marL="2514600" indent="-228600" eaLnBrk="0" fontAlgn="base" hangingPunct="0">
-              <a:spcBef>
-                <a:spcPct val="0"/>
-              </a:spcBef>
-              <a:spcAft>
-                <a:spcPct val="0"/>
-              </a:spcAft>
-              <a:defRPr sz="2400">
-                <a:solidFill>
-                  <a:schemeClr val="tx1"/>
-                </a:solidFill>
-                <a:latin typeface="Times" charset="0"/>
-                <a:ea typeface="Osaka" charset="-128"/>
-              </a:defRPr>
-            </a:lvl6pPr>
-            <a:lvl7pPr marL="2971800" indent="-228600" eaLnBrk="0" fontAlgn="base" hangingPunct="0">
-              <a:spcBef>
-                <a:spcPct val="0"/>
-              </a:spcBef>
-              <a:spcAft>
-                <a:spcPct val="0"/>
-              </a:spcAft>
-              <a:defRPr sz="2400">
-                <a:solidFill>
-                  <a:schemeClr val="tx1"/>
-                </a:solidFill>
-                <a:latin typeface="Times" charset="0"/>
-                <a:ea typeface="Osaka" charset="-128"/>
-              </a:defRPr>
-            </a:lvl7pPr>
-            <a:lvl8pPr marL="3429000" indent="-228600" eaLnBrk="0" fontAlgn="base" hangingPunct="0">
-              <a:spcBef>
-                <a:spcPct val="0"/>
-              </a:spcBef>
-              <a:spcAft>
-                <a:spcPct val="0"/>
-              </a:spcAft>
-              <a:defRPr sz="2400">
-                <a:solidFill>
-                  <a:schemeClr val="tx1"/>
-                </a:solidFill>
-                <a:latin typeface="Times" charset="0"/>
-                <a:ea typeface="Osaka" charset="-128"/>
-              </a:defRPr>
-            </a:lvl8pPr>
-            <a:lvl9pPr marL="3886200" indent="-228600" eaLnBrk="0" fontAlgn="base" hangingPunct="0">
-              <a:spcBef>
-                <a:spcPct val="0"/>
-              </a:spcBef>
-              <a:spcAft>
-                <a:spcPct val="0"/>
-              </a:spcAft>
-              <a:defRPr sz="2400">
-                <a:solidFill>
-                  <a:schemeClr val="tx1"/>
-                </a:solidFill>
-                <a:latin typeface="Times" charset="0"/>
-                <a:ea typeface="Osaka" charset="-128"/>
-              </a:defRPr>
-            </a:lvl9pPr>
-          </a:lstStyle>
-          <a:p>
-            <a:fld id="{813FCA61-0AA1-4146-A389-C34EDFA566DD}" type="slidenum">
-              <a:rPr lang="en-US" altLang="en-US" sz="1200"/>
-              <a:pPr/>
-              <a:t>2</a:t>
-            </a:fld>
-            <a:endParaRPr lang="en-US" altLang="en-US" sz="1200"/>
-          </a:p>
-        </p:txBody>
-      </p:sp>
-      <p:sp>
-        <p:nvSpPr>
-          <p:cNvPr id="7171" name="Rectangle 2"/>
-          <p:cNvSpPr>
-            <a:spLocks noChangeArrowheads="1" noTextEdit="1"/>
-          </p:cNvSpPr>
-          <p:nvPr>
-            <p:ph type="sldImg"/>
-          </p:nvPr>
-        </p:nvSpPr>
-        <p:spPr>
-          <a:ln/>
-        </p:spPr>
-      </p:sp>
-      <p:sp>
-        <p:nvSpPr>
-          <p:cNvPr id="7172" name="Rectangle 3"/>
-          <p:cNvSpPr>
-            <a:spLocks noGrp="1" noChangeArrowheads="1"/>
-          </p:cNvSpPr>
-          <p:nvPr>
-            <p:ph type="body" idx="1"/>
-          </p:nvPr>
-        </p:nvSpPr>
-        <p:spPr>
-          <a:noFill/>
-          <a:ln/>
-          <a:extLst>
-            <a:ext uri="{909E8E84-426E-40DD-AFC4-6F175D3DCCD1}">
-              <a14:hiddenFill xmlns:a14="http://schemas.microsoft.com/office/drawing/2010/main">
-                <a:solidFill>
-                  <a:srgbClr val="FFFFFF"/>
-                </a:solidFill>
-              </a14:hiddenFill>
-            </a:ext>
-            <a:ext uri="{91240B29-F687-4F45-9708-019B960494DF}">
-              <a14:hiddenLine xmlns:a14="http://schemas.microsoft.com/office/drawing/2010/main" w="9525">
-                <a:solidFill>
-                  <a:srgbClr val="000000"/>
-                </a:solidFill>
-                <a:miter lim="800000"/>
-                <a:headEnd/>
-                <a:tailEnd/>
-              </a14:hiddenLine>
-            </a:ext>
-          </a:extLst>
-        </p:spPr>
-        <p:txBody>
-          <a:bodyPr/>
-          <a:lstStyle/>
-          <a:p>
-            <a:pPr eaLnBrk="1" hangingPunct="1"/>
-            <a:endParaRPr lang="en-US" altLang="en-US" smtClean="0">
-              <a:latin typeface="Arial" charset="0"/>
-            </a:endParaRPr>
           </a:p>
         </p:txBody>
       </p:sp>
@@ -1636,7 +1405,7 @@
             <a:tailEnd/>
           </a:ln>
           <a:extLst>
-            <a:ext uri="{909E8E84-426E-40DD-AFC4-6F175D3DCCD1}">
+            <a:ext uri="{909E8E84-426E-40dd-AFC4-6F175D3DCCD1}">
               <a14:hiddenFill xmlns:a14="http://schemas.microsoft.com/office/drawing/2010/main">
                 <a:noFill/>
               </a14:hiddenFill>
@@ -1685,14 +1454,14 @@
             <a:noFill/>
           </a:ln>
           <a:extLst>
-            <a:ext uri="{909E8E84-426E-40DD-AFC4-6F175D3DCCD1}">
+            <a:ext uri="{909E8E84-426E-40dd-AFC4-6F175D3DCCD1}">
               <a14:hiddenFill xmlns:a14="http://schemas.microsoft.com/office/drawing/2010/main">
                 <a:solidFill>
                   <a:srgbClr val="FFFFFF"/>
                 </a:solidFill>
               </a14:hiddenFill>
             </a:ext>
-            <a:ext uri="{91240B29-F687-4F45-9708-019B960494DF}">
+            <a:ext uri="{91240B29-F687-4f45-9708-019B960494DF}">
               <a14:hiddenLine xmlns:a14="http://schemas.microsoft.com/office/drawing/2010/main" w="9525">
                 <a:solidFill>
                   <a:srgbClr val="000000"/>
@@ -1975,7 +1744,7 @@
             </a:pPr>
             <a:fld id="{B8EFF239-E46C-4117-91BF-EDADFB47CAC8}" type="datetime1">
               <a:rPr lang="en-US" altLang="en-US" smtClean="0"/>
-              <a:t>Monday, 01 February 2016</a:t>
+              <a:t>8/9/16</a:t>
             </a:fld>
             <a:endParaRPr lang="en-US" altLang="en-US"/>
           </a:p>
@@ -2189,7 +1958,7 @@
             </a:pPr>
             <a:fld id="{3E5FD174-36E5-463D-ADFA-8360A831E519}" type="datetime1">
               <a:rPr lang="en-US" altLang="en-US" smtClean="0"/>
-              <a:t>Monday, 01 February 2016</a:t>
+              <a:t>8/9/16</a:t>
             </a:fld>
             <a:endParaRPr lang="en-US" altLang="en-US"/>
           </a:p>
@@ -2397,7 +2166,7 @@
             </a:pPr>
             <a:fld id="{A544915F-7309-4744-8FAD-0D6B1CB5A275}" type="datetime1">
               <a:rPr lang="en-US" altLang="en-US" smtClean="0"/>
-              <a:t>Monday, 01 February 2016</a:t>
+              <a:t>8/9/16</a:t>
             </a:fld>
             <a:endParaRPr lang="en-US" altLang="en-US"/>
           </a:p>
@@ -2623,7 +2392,7 @@
             </a:pPr>
             <a:fld id="{E6C6BFA3-5BAB-4227-B5CF-B2D608775F9E}" type="datetime1">
               <a:rPr lang="en-US" altLang="en-US" smtClean="0"/>
-              <a:t>Monday, 01 February 2016</a:t>
+              <a:t>8/9/16</a:t>
             </a:fld>
             <a:endParaRPr lang="en-US" altLang="en-US"/>
           </a:p>
@@ -2945,7 +2714,7 @@
             </a:pPr>
             <a:fld id="{C02B3D24-940F-4CA8-A245-415C5E0C7A5D}" type="datetime1">
               <a:rPr lang="en-US" altLang="en-US" smtClean="0"/>
-              <a:t>Monday, 01 February 2016</a:t>
+              <a:t>8/9/16</a:t>
             </a:fld>
             <a:endParaRPr lang="en-US" altLang="en-US"/>
           </a:p>
@@ -3406,7 +3175,7 @@
             </a:pPr>
             <a:fld id="{84056FFF-1CAF-480A-BD25-8C132B6C9519}" type="datetime1">
               <a:rPr lang="en-US" altLang="en-US" smtClean="0"/>
-              <a:t>Monday, 01 February 2016</a:t>
+              <a:t>8/9/16</a:t>
             </a:fld>
             <a:endParaRPr lang="en-US" altLang="en-US"/>
           </a:p>
@@ -3558,7 +3327,7 @@
             </a:pPr>
             <a:fld id="{CC02872F-3C46-4632-A0D0-C67EDB2B2691}" type="datetime1">
               <a:rPr lang="en-US" altLang="en-US" smtClean="0"/>
-              <a:t>Monday, 01 February 2016</a:t>
+              <a:t>8/9/16</a:t>
             </a:fld>
             <a:endParaRPr lang="en-US" altLang="en-US"/>
           </a:p>
@@ -3687,7 +3456,7 @@
             </a:pPr>
             <a:fld id="{B063A3BD-F745-4EC1-8838-FF51B39EF9F5}" type="datetime1">
               <a:rPr lang="en-US" altLang="en-US" smtClean="0"/>
-              <a:t>Monday, 01 February 2016</a:t>
+              <a:t>8/9/16</a:t>
             </a:fld>
             <a:endParaRPr lang="en-US" altLang="en-US"/>
           </a:p>
@@ -3998,7 +3767,7 @@
             </a:pPr>
             <a:fld id="{F43DD9DD-561F-44C9-90A4-C217ECD8A48A}" type="datetime1">
               <a:rPr lang="en-US" altLang="en-US" smtClean="0"/>
-              <a:t>Monday, 01 February 2016</a:t>
+              <a:t>8/9/16</a:t>
             </a:fld>
             <a:endParaRPr lang="en-US" altLang="en-US"/>
           </a:p>
@@ -4286,7 +4055,7 @@
             </a:pPr>
             <a:fld id="{1B5B985C-0DA9-4FAA-B2F2-BDCC6964FA4D}" type="datetime1">
               <a:rPr lang="en-US" altLang="en-US" smtClean="0"/>
-              <a:t>Monday, 01 February 2016</a:t>
+              <a:t>8/9/16</a:t>
             </a:fld>
             <a:endParaRPr lang="en-US" altLang="en-US"/>
           </a:p>
@@ -4505,14 +4274,14 @@
             <a:noFill/>
           </a:ln>
           <a:extLst>
-            <a:ext uri="{909E8E84-426E-40DD-AFC4-6F175D3DCCD1}">
+            <a:ext uri="{909E8E84-426E-40dd-AFC4-6F175D3DCCD1}">
               <a14:hiddenFill xmlns:a14="http://schemas.microsoft.com/office/drawing/2010/main">
                 <a:solidFill>
                   <a:srgbClr val="FFFFFF"/>
                 </a:solidFill>
               </a14:hiddenFill>
             </a:ext>
-            <a:ext uri="{91240B29-F687-4F45-9708-019B960494DF}">
+            <a:ext uri="{91240B29-F687-4f45-9708-019B960494DF}">
               <a14:hiddenLine xmlns:a14="http://schemas.microsoft.com/office/drawing/2010/main" w="9525">
                 <a:solidFill>
                   <a:srgbClr val="000000"/>
@@ -4563,14 +4332,14 @@
             <a:noFill/>
           </a:ln>
           <a:extLst>
-            <a:ext uri="{909E8E84-426E-40DD-AFC4-6F175D3DCCD1}">
+            <a:ext uri="{909E8E84-426E-40dd-AFC4-6F175D3DCCD1}">
               <a14:hiddenFill xmlns:a14="http://schemas.microsoft.com/office/drawing/2010/main">
                 <a:solidFill>
                   <a:srgbClr val="FFFFFF"/>
                 </a:solidFill>
               </a14:hiddenFill>
             </a:ext>
-            <a:ext uri="{91240B29-F687-4F45-9708-019B960494DF}">
+            <a:ext uri="{91240B29-F687-4f45-9708-019B960494DF}">
               <a14:hiddenLine xmlns:a14="http://schemas.microsoft.com/office/drawing/2010/main" w="9525">
                 <a:solidFill>
                   <a:srgbClr val="000000"/>
@@ -4792,7 +4561,7 @@
             </a:pPr>
             <a:fld id="{FCB6550E-5833-4993-BF34-C7DB2A6FD9A7}" type="datetime1">
               <a:rPr lang="en-US" altLang="en-US" smtClean="0"/>
-              <a:t>Monday, 01 February 2016</a:t>
+              <a:t>8/9/16</a:t>
             </a:fld>
             <a:endParaRPr lang="en-US" altLang="en-US" dirty="0"/>
           </a:p>
@@ -4844,14 +4613,14 @@
               <a:noFill/>
             </a:ln>
             <a:extLst>
-              <a:ext uri="{909E8E84-426E-40DD-AFC4-6F175D3DCCD1}">
+              <a:ext uri="{909E8E84-426E-40dd-AFC4-6F175D3DCCD1}">
                 <a14:hiddenFill xmlns:a14="http://schemas.microsoft.com/office/drawing/2010/main">
                   <a:solidFill>
                     <a:srgbClr val="FFFFFF"/>
                   </a:solidFill>
                 </a14:hiddenFill>
               </a:ext>
-              <a:ext uri="{91240B29-F687-4F45-9708-019B960494DF}">
+              <a:ext uri="{91240B29-F687-4f45-9708-019B960494DF}">
                 <a14:hiddenLine xmlns:a14="http://schemas.microsoft.com/office/drawing/2010/main" w="9525">
                   <a:solidFill>
                     <a:srgbClr val="000000"/>
@@ -5380,16 +5149,42 @@
             <p:ph type="ctrTitle"/>
           </p:nvPr>
         </p:nvSpPr>
-        <p:spPr/>
+        <p:spPr>
+          <a:xfrm>
+            <a:off x="304800" y="1524000"/>
+            <a:ext cx="8458200" cy="1143000"/>
+          </a:xfrm>
+        </p:spPr>
         <p:txBody>
           <a:bodyPr/>
           <a:lstStyle/>
           <a:p>
             <a:pPr eaLnBrk="1" hangingPunct="1"/>
             <a:r>
-              <a:rPr lang="en-US" altLang="en-US" smtClean="0"/>
-              <a:t>Presentation Title</a:t>
-            </a:r>
+              <a:rPr lang="en-US" dirty="0"/>
+              <a:t>Modeling the </a:t>
+            </a:r>
+            <a:r>
+              <a:rPr lang="en-US" dirty="0" smtClean="0"/>
+              <a:t>Effects </a:t>
+            </a:r>
+            <a:r>
+              <a:rPr lang="en-US" dirty="0"/>
+              <a:t>of Auditory </a:t>
+            </a:r>
+            <a:r>
+              <a:rPr lang="en-US" dirty="0" smtClean="0"/>
+              <a:t>Neuropathy </a:t>
+            </a:r>
+            <a:r>
+              <a:rPr lang="en-US" dirty="0"/>
+              <a:t>on the Auditory Brainstem </a:t>
+            </a:r>
+            <a:r>
+              <a:rPr lang="en-US" dirty="0" smtClean="0"/>
+              <a:t>Response</a:t>
+            </a:r>
+            <a:endParaRPr lang="en-US" altLang="en-US" dirty="0" smtClean="0"/>
           </a:p>
         </p:txBody>
       </p:sp>
@@ -5403,20 +5198,292 @@
             <p:ph type="subTitle" idx="1"/>
           </p:nvPr>
         </p:nvSpPr>
-        <p:spPr/>
+        <p:spPr>
+          <a:xfrm>
+            <a:off x="1333500" y="4800600"/>
+            <a:ext cx="6400800" cy="762000"/>
+          </a:xfrm>
+        </p:spPr>
         <p:txBody>
           <a:bodyPr/>
           <a:lstStyle/>
           <a:p>
             <a:pPr eaLnBrk="1" hangingPunct="1"/>
             <a:r>
-              <a:rPr lang="en-US" altLang="en-US" smtClean="0"/>
-              <a:t>Subtitle or Date</a:t>
+              <a:rPr lang="en-US" altLang="en-US" dirty="0" smtClean="0"/>
+              <a:t>M.S. Thesis Defense</a:t>
+            </a:r>
+            <a:endParaRPr lang="en-US" altLang="en-US" dirty="0" smtClean="0"/>
+          </a:p>
+          <a:p>
+            <a:pPr eaLnBrk="1" hangingPunct="1"/>
+            <a:r>
+              <a:rPr lang="en-US" altLang="en-US" dirty="0" smtClean="0"/>
+              <a:t>18 August, 2016</a:t>
+            </a:r>
+            <a:endParaRPr lang="en-US" altLang="en-US" dirty="0" smtClean="0"/>
+          </a:p>
+        </p:txBody>
+      </p:sp>
+      <p:sp>
+        <p:nvSpPr>
+          <p:cNvPr id="4" name="Rectangle 3"/>
+          <p:cNvSpPr txBox="1">
+            <a:spLocks noChangeArrowheads="1"/>
+          </p:cNvSpPr>
+          <p:nvPr/>
+        </p:nvSpPr>
+        <p:spPr bwMode="auto">
+          <a:xfrm>
+            <a:off x="1333500" y="3200400"/>
+            <a:ext cx="6400800" cy="1752600"/>
+          </a:xfrm>
+          <a:prstGeom prst="rect">
+            <a:avLst/>
+          </a:prstGeom>
+          <a:noFill/>
+          <a:ln>
+            <a:noFill/>
+          </a:ln>
+          <a:extLst>
+            <a:ext uri="{909E8E84-426E-40dd-AFC4-6F175D3DCCD1}">
+              <a14:hiddenFill xmlns:a14="http://schemas.microsoft.com/office/drawing/2010/main">
+                <a:solidFill>
+                  <a:srgbClr val="FFFFFF"/>
+                </a:solidFill>
+              </a14:hiddenFill>
+            </a:ext>
+            <a:ext uri="{91240B29-F687-4f45-9708-019B960494DF}">
+              <a14:hiddenLine xmlns:a14="http://schemas.microsoft.com/office/drawing/2010/main" w="9525">
+                <a:solidFill>
+                  <a:srgbClr val="000000"/>
+                </a:solidFill>
+                <a:miter lim="800000"/>
+                <a:headEnd/>
+                <a:tailEnd/>
+              </a14:hiddenLine>
+            </a:ext>
+          </a:extLst>
+        </p:spPr>
+        <p:txBody>
+          <a:bodyPr vert="horz" wrap="square" lIns="91440" tIns="45720" rIns="91440" bIns="45720" numCol="1" anchor="t" anchorCtr="0" compatLnSpc="1">
+            <a:prstTxWarp prst="textNoShape">
+              <a:avLst/>
+            </a:prstTxWarp>
+          </a:bodyPr>
+          <a:lstStyle>
+            <a:lvl1pPr marL="0" indent="0" algn="ctr" rtl="0" eaLnBrk="0" fontAlgn="base" hangingPunct="0">
+              <a:spcBef>
+                <a:spcPct val="20000"/>
+              </a:spcBef>
+              <a:spcAft>
+                <a:spcPct val="0"/>
+              </a:spcAft>
+              <a:buClr>
+                <a:srgbClr val="2675B4"/>
+              </a:buClr>
+              <a:buFont typeface="Wingdings" charset="2"/>
+              <a:buNone/>
+              <a:defRPr sz="2400">
+                <a:solidFill>
+                  <a:srgbClr val="CCCCCC"/>
+                </a:solidFill>
+                <a:latin typeface="+mn-lt"/>
+                <a:ea typeface="+mn-ea"/>
+                <a:cs typeface="+mn-cs"/>
+              </a:defRPr>
+            </a:lvl1pPr>
+            <a:lvl2pPr marL="742950" indent="-285750" algn="l" rtl="0" eaLnBrk="0" fontAlgn="base" hangingPunct="0">
+              <a:spcBef>
+                <a:spcPct val="20000"/>
+              </a:spcBef>
+              <a:spcAft>
+                <a:spcPct val="0"/>
+              </a:spcAft>
+              <a:buClr>
+                <a:srgbClr val="2675B4"/>
+              </a:buClr>
+              <a:buFont typeface="Wingdings" charset="2"/>
+              <a:buChar char="§"/>
+              <a:defRPr>
+                <a:solidFill>
+                  <a:schemeClr val="tx1"/>
+                </a:solidFill>
+                <a:latin typeface="+mn-lt"/>
+                <a:ea typeface="+mn-ea"/>
+                <a:cs typeface="+mn-cs"/>
+              </a:defRPr>
+            </a:lvl2pPr>
+            <a:lvl3pPr marL="1143000" indent="-228600" algn="l" rtl="0" eaLnBrk="0" fontAlgn="base" hangingPunct="0">
+              <a:spcBef>
+                <a:spcPct val="20000"/>
+              </a:spcBef>
+              <a:spcAft>
+                <a:spcPct val="0"/>
+              </a:spcAft>
+              <a:buClr>
+                <a:srgbClr val="2675B4"/>
+              </a:buClr>
+              <a:buFont typeface="Wingdings" charset="2"/>
+              <a:buChar char="§"/>
+              <a:defRPr>
+                <a:solidFill>
+                  <a:schemeClr val="tx1"/>
+                </a:solidFill>
+                <a:latin typeface="+mn-lt"/>
+                <a:ea typeface="+mn-ea"/>
+                <a:cs typeface="+mn-cs"/>
+              </a:defRPr>
+            </a:lvl3pPr>
+            <a:lvl4pPr marL="1600200" indent="-228600" algn="l" rtl="0" eaLnBrk="0" fontAlgn="base" hangingPunct="0">
+              <a:spcBef>
+                <a:spcPct val="20000"/>
+              </a:spcBef>
+              <a:spcAft>
+                <a:spcPct val="0"/>
+              </a:spcAft>
+              <a:buClr>
+                <a:srgbClr val="2675B4"/>
+              </a:buClr>
+              <a:buFont typeface="Wingdings" charset="2"/>
+              <a:buChar char="§"/>
+              <a:defRPr>
+                <a:solidFill>
+                  <a:schemeClr val="tx1"/>
+                </a:solidFill>
+                <a:latin typeface="+mn-lt"/>
+                <a:ea typeface="+mn-ea"/>
+                <a:cs typeface="+mn-cs"/>
+              </a:defRPr>
+            </a:lvl4pPr>
+            <a:lvl5pPr marL="2057400" indent="-228600" algn="l" rtl="0" eaLnBrk="0" fontAlgn="base" hangingPunct="0">
+              <a:spcBef>
+                <a:spcPct val="20000"/>
+              </a:spcBef>
+              <a:spcAft>
+                <a:spcPct val="0"/>
+              </a:spcAft>
+              <a:buClr>
+                <a:srgbClr val="2675B4"/>
+              </a:buClr>
+              <a:buFont typeface="Wingdings" charset="2"/>
+              <a:buChar char="§"/>
+              <a:defRPr>
+                <a:solidFill>
+                  <a:schemeClr val="tx1"/>
+                </a:solidFill>
+                <a:latin typeface="+mn-lt"/>
+                <a:ea typeface="+mn-ea"/>
+                <a:cs typeface="+mn-cs"/>
+              </a:defRPr>
+            </a:lvl5pPr>
+            <a:lvl6pPr marL="2514600" indent="-228600" algn="l" rtl="0" fontAlgn="base">
+              <a:spcBef>
+                <a:spcPct val="20000"/>
+              </a:spcBef>
+              <a:spcAft>
+                <a:spcPct val="0"/>
+              </a:spcAft>
+              <a:buClr>
+                <a:srgbClr val="2675B4"/>
+              </a:buClr>
+              <a:buFont typeface="Wingdings" charset="2"/>
+              <a:buChar char="§"/>
+              <a:defRPr>
+                <a:solidFill>
+                  <a:schemeClr val="tx1"/>
+                </a:solidFill>
+                <a:latin typeface="+mn-lt"/>
+                <a:ea typeface="+mn-ea"/>
+                <a:cs typeface="+mn-cs"/>
+              </a:defRPr>
+            </a:lvl6pPr>
+            <a:lvl7pPr marL="2971800" indent="-228600" algn="l" rtl="0" fontAlgn="base">
+              <a:spcBef>
+                <a:spcPct val="20000"/>
+              </a:spcBef>
+              <a:spcAft>
+                <a:spcPct val="0"/>
+              </a:spcAft>
+              <a:buClr>
+                <a:srgbClr val="2675B4"/>
+              </a:buClr>
+              <a:buFont typeface="Wingdings" charset="2"/>
+              <a:buChar char="§"/>
+              <a:defRPr>
+                <a:solidFill>
+                  <a:schemeClr val="tx1"/>
+                </a:solidFill>
+                <a:latin typeface="+mn-lt"/>
+                <a:ea typeface="+mn-ea"/>
+                <a:cs typeface="+mn-cs"/>
+              </a:defRPr>
+            </a:lvl7pPr>
+            <a:lvl8pPr marL="3429000" indent="-228600" algn="l" rtl="0" fontAlgn="base">
+              <a:spcBef>
+                <a:spcPct val="20000"/>
+              </a:spcBef>
+              <a:spcAft>
+                <a:spcPct val="0"/>
+              </a:spcAft>
+              <a:buClr>
+                <a:srgbClr val="2675B4"/>
+              </a:buClr>
+              <a:buFont typeface="Wingdings" charset="2"/>
+              <a:buChar char="§"/>
+              <a:defRPr>
+                <a:solidFill>
+                  <a:schemeClr val="tx1"/>
+                </a:solidFill>
+                <a:latin typeface="+mn-lt"/>
+                <a:ea typeface="+mn-ea"/>
+                <a:cs typeface="+mn-cs"/>
+              </a:defRPr>
+            </a:lvl8pPr>
+            <a:lvl9pPr marL="3886200" indent="-228600" algn="l" rtl="0" fontAlgn="base">
+              <a:spcBef>
+                <a:spcPct val="20000"/>
+              </a:spcBef>
+              <a:spcAft>
+                <a:spcPct val="0"/>
+              </a:spcAft>
+              <a:buClr>
+                <a:srgbClr val="2675B4"/>
+              </a:buClr>
+              <a:buFont typeface="Wingdings" charset="2"/>
+              <a:buChar char="§"/>
+              <a:defRPr>
+                <a:solidFill>
+                  <a:schemeClr val="tx1"/>
+                </a:solidFill>
+                <a:latin typeface="+mn-lt"/>
+                <a:ea typeface="+mn-ea"/>
+                <a:cs typeface="+mn-cs"/>
+              </a:defRPr>
+            </a:lvl9pPr>
+          </a:lstStyle>
+          <a:p>
+            <a:pPr eaLnBrk="1" hangingPunct="1"/>
+            <a:r>
+              <a:rPr lang="en-US" altLang="en-US" kern="0" dirty="0" smtClean="0"/>
+              <a:t>Graham Voysey</a:t>
+            </a:r>
+          </a:p>
+          <a:p>
+            <a:pPr eaLnBrk="1" hangingPunct="1"/>
+            <a:r>
+              <a:rPr lang="en-US" altLang="en-US" kern="0" dirty="0" smtClean="0"/>
+              <a:t>Binaural Hearing Lab</a:t>
             </a:r>
           </a:p>
         </p:txBody>
       </p:sp>
     </p:spTree>
+    <p:extLst>
+      <p:ext uri="{BB962C8B-B14F-4D97-AF65-F5344CB8AC3E}">
+        <p14:creationId xmlns:p14="http://schemas.microsoft.com/office/powerpoint/2010/main" val="407703872"/>
+      </p:ext>
+    </p:extLst>
   </p:cSld>
   <p:clrMapOvr>
     <a:masterClrMapping/>
@@ -5424,7 +5491,7 @@
   <p:timing>
     <p:tnLst>
       <p:par>
-        <p:cTn id="1" dur="indefinite" restart="never" nodeType="tmRoot"/>
+        <p:cTn xmlns:p14="http://schemas.microsoft.com/office/powerpoint/2010/main" id="1" dur="indefinite" restart="never" nodeType="tmRoot"/>
       </p:par>
     </p:tnLst>
   </p:timing>
@@ -5450,26 +5517,1053 @@
       </p:grpSpPr>
       <p:sp>
         <p:nvSpPr>
-          <p:cNvPr id="4098" name="Footer Placeholder 3"/>
+          <p:cNvPr id="2" name="Title 1"/>
           <p:cNvSpPr>
             <a:spLocks noGrp="1"/>
           </p:cNvSpPr>
           <p:nvPr>
+            <p:ph type="title"/>
+          </p:nvPr>
+        </p:nvSpPr>
+        <p:spPr/>
+        <p:txBody>
+          <a:bodyPr/>
+          <a:lstStyle/>
+          <a:p>
+            <a:r>
+              <a:rPr lang="en-US" dirty="0" smtClean="0"/>
+              <a:t>Motivation</a:t>
+            </a:r>
+            <a:endParaRPr lang="en-US" dirty="0"/>
+          </a:p>
+        </p:txBody>
+      </p:sp>
+      <p:sp>
+        <p:nvSpPr>
+          <p:cNvPr id="3" name="Content Placeholder 2"/>
+          <p:cNvSpPr>
+            <a:spLocks noGrp="1"/>
+          </p:cNvSpPr>
+          <p:nvPr>
+            <p:ph idx="1"/>
+          </p:nvPr>
+        </p:nvSpPr>
+        <p:spPr/>
+        <p:txBody>
+          <a:bodyPr/>
+          <a:lstStyle/>
+          <a:p>
+            <a:pPr marL="0" indent="0">
+              <a:buNone/>
+            </a:pPr>
+            <a:endParaRPr lang="en-US" dirty="0"/>
+          </a:p>
+          <a:p>
+            <a:pPr marL="0" indent="0">
+              <a:buNone/>
+            </a:pPr>
+            <a:r>
+              <a:rPr lang="en-US" dirty="0" smtClean="0"/>
+              <a:t>So </a:t>
+            </a:r>
+            <a:r>
+              <a:rPr lang="en-US" dirty="0"/>
+              <a:t>I can ask this question two ways, but let me ask it this way: </a:t>
+            </a:r>
+            <a:r>
+              <a:rPr lang="en-US" i="1" dirty="0" smtClean="0"/>
+              <a:t>What </a:t>
+            </a:r>
+            <a:r>
+              <a:rPr lang="en-US" i="1" dirty="0"/>
+              <a:t>should we leave in</a:t>
+            </a:r>
+            <a:r>
+              <a:rPr lang="en-US" i="1" dirty="0" smtClean="0"/>
+              <a:t>?</a:t>
+            </a:r>
+            <a:r>
+              <a:rPr lang="en-US" dirty="0" smtClean="0"/>
+              <a:t> </a:t>
+            </a:r>
+            <a:r>
+              <a:rPr lang="en-US" dirty="0"/>
+              <a:t>What's the bare minimum we should leave in as we try to understand what's important about the function of the cochlea</a:t>
+            </a:r>
+            <a:r>
+              <a:rPr lang="en-US" dirty="0" smtClean="0"/>
+              <a:t>?</a:t>
+            </a:r>
+          </a:p>
+          <a:p>
+            <a:pPr marL="0" indent="0">
+              <a:buNone/>
+            </a:pPr>
+            <a:endParaRPr lang="en-US" dirty="0"/>
+          </a:p>
+          <a:p>
+            <a:pPr marL="0" indent="0" algn="r">
+              <a:buNone/>
+            </a:pPr>
+            <a:r>
+              <a:rPr lang="en-US" dirty="0" smtClean="0"/>
+              <a:t>-- David Mountain, 2014</a:t>
+            </a:r>
+            <a:endParaRPr lang="en-US" dirty="0"/>
+          </a:p>
+        </p:txBody>
+      </p:sp>
+      <p:sp>
+        <p:nvSpPr>
+          <p:cNvPr id="4" name="Footer Placeholder 3"/>
+          <p:cNvSpPr>
+            <a:spLocks noGrp="1"/>
+          </p:cNvSpPr>
+          <p:nvPr>
             <p:ph type="ftr" sz="quarter" idx="10"/>
           </p:nvPr>
         </p:nvSpPr>
+        <p:spPr/>
+        <p:txBody>
+          <a:bodyPr/>
+          <a:lstStyle/>
+          <a:p>
+            <a:pPr>
+              <a:defRPr/>
+            </a:pPr>
+            <a:r>
+              <a:rPr lang="en-US" altLang="en-US" smtClean="0"/>
+              <a:t>Presentation Title</a:t>
+            </a:r>
+            <a:endParaRPr lang="en-US" altLang="en-US"/>
+          </a:p>
+        </p:txBody>
+      </p:sp>
+      <p:sp>
+        <p:nvSpPr>
+          <p:cNvPr id="5" name="Slide Number Placeholder 4"/>
+          <p:cNvSpPr>
+            <a:spLocks noGrp="1"/>
+          </p:cNvSpPr>
+          <p:nvPr>
+            <p:ph type="sldNum" sz="quarter" idx="11"/>
+          </p:nvPr>
+        </p:nvSpPr>
+        <p:spPr/>
+        <p:txBody>
+          <a:bodyPr/>
+          <a:lstStyle/>
+          <a:p>
+            <a:pPr>
+              <a:defRPr/>
+            </a:pPr>
+            <a:fld id="{8840E231-D218-4982-B1DE-6520F190699A}" type="slidenum">
+              <a:rPr lang="en-US" altLang="en-US" smtClean="0"/>
+              <a:pPr>
+                <a:defRPr/>
+              </a:pPr>
+              <a:t>2</a:t>
+            </a:fld>
+            <a:endParaRPr lang="en-US" altLang="en-US" dirty="0"/>
+          </a:p>
+        </p:txBody>
+      </p:sp>
+      <p:sp>
+        <p:nvSpPr>
+          <p:cNvPr id="6" name="Date Placeholder 5"/>
+          <p:cNvSpPr>
+            <a:spLocks noGrp="1"/>
+          </p:cNvSpPr>
+          <p:nvPr>
+            <p:ph type="dt" sz="half" idx="12"/>
+          </p:nvPr>
+        </p:nvSpPr>
+        <p:spPr/>
+        <p:txBody>
+          <a:bodyPr/>
+          <a:lstStyle/>
+          <a:p>
+            <a:pPr>
+              <a:defRPr/>
+            </a:pPr>
+            <a:fld id="{A544915F-7309-4744-8FAD-0D6B1CB5A275}" type="datetime1">
+              <a:rPr lang="en-US" altLang="en-US" smtClean="0"/>
+              <a:t>8/9/16</a:t>
+            </a:fld>
+            <a:endParaRPr lang="en-US" altLang="en-US"/>
+          </a:p>
+        </p:txBody>
+      </p:sp>
+      <p:sp>
+        <p:nvSpPr>
+          <p:cNvPr id="7" name="TextBox 6"/>
+          <p:cNvSpPr txBox="1"/>
+          <p:nvPr/>
+        </p:nvSpPr>
         <p:spPr>
+          <a:xfrm>
+            <a:off x="1219200" y="4953000"/>
+            <a:ext cx="6477000" cy="461665"/>
+          </a:xfrm>
+          <a:prstGeom prst="rect">
+            <a:avLst/>
+          </a:prstGeom>
           <a:noFill/>
-          <a:ln/>
+        </p:spPr>
+        <p:txBody>
+          <a:bodyPr wrap="square" rtlCol="0">
+            <a:spAutoFit/>
+          </a:bodyPr>
+          <a:lstStyle/>
+          <a:p>
+            <a:pPr algn="ctr"/>
+            <a:r>
+              <a:rPr lang="en-US" b="1" dirty="0" smtClean="0">
+                <a:sym typeface="Wingdings"/>
+              </a:rPr>
+              <a:t></a:t>
+            </a:r>
+            <a:r>
+              <a:rPr lang="en-US" b="1" dirty="0" smtClean="0"/>
+              <a:t> And how can you tell? </a:t>
+            </a:r>
+            <a:r>
+              <a:rPr lang="en-US" b="1" dirty="0" smtClean="0">
+                <a:sym typeface="Wingdings"/>
+              </a:rPr>
+              <a:t></a:t>
+            </a:r>
+            <a:endParaRPr lang="en-US" b="1" dirty="0"/>
+          </a:p>
+        </p:txBody>
+      </p:sp>
+    </p:spTree>
+    <p:extLst>
+      <p:ext uri="{BB962C8B-B14F-4D97-AF65-F5344CB8AC3E}">
+        <p14:creationId xmlns:p14="http://schemas.microsoft.com/office/powerpoint/2010/main" val="584607435"/>
+      </p:ext>
+    </p:extLst>
+  </p:cSld>
+  <p:clrMapOvr>
+    <a:masterClrMapping/>
+  </p:clrMapOvr>
+</p:sld>
+</file>
+
+<file path=ppt/slides/slide3.xml><?xml version="1.0" encoding="utf-8"?>
+<p:sld xmlns:a="http://schemas.openxmlformats.org/drawingml/2006/main" xmlns:r="http://schemas.openxmlformats.org/officeDocument/2006/relationships" xmlns:p="http://schemas.openxmlformats.org/presentationml/2006/main">
+  <p:cSld>
+    <p:spTree>
+      <p:nvGrpSpPr>
+        <p:cNvPr id="1" name=""/>
+        <p:cNvGrpSpPr/>
+        <p:nvPr/>
+      </p:nvGrpSpPr>
+      <p:grpSpPr>
+        <a:xfrm>
+          <a:off x="0" y="0"/>
+          <a:ext cx="0" cy="0"/>
+          <a:chOff x="0" y="0"/>
+          <a:chExt cx="0" cy="0"/>
+        </a:xfrm>
+      </p:grpSpPr>
+      <p:sp>
+        <p:nvSpPr>
+          <p:cNvPr id="2" name="Title 1"/>
+          <p:cNvSpPr>
+            <a:spLocks noGrp="1"/>
+          </p:cNvSpPr>
+          <p:nvPr>
+            <p:ph type="title"/>
+          </p:nvPr>
+        </p:nvSpPr>
+        <p:spPr>
+          <a:xfrm>
+            <a:off x="228600" y="533400"/>
+            <a:ext cx="8305800" cy="685800"/>
+          </a:xfrm>
+        </p:spPr>
+        <p:txBody>
+          <a:bodyPr/>
+          <a:lstStyle/>
+          <a:p>
+            <a:r>
+              <a:rPr lang="en-US" dirty="0" smtClean="0"/>
+              <a:t>Motivation: Big Picture</a:t>
+            </a:r>
+            <a:endParaRPr lang="en-US" dirty="0"/>
+          </a:p>
+        </p:txBody>
+      </p:sp>
+      <p:sp>
+        <p:nvSpPr>
+          <p:cNvPr id="3" name="Content Placeholder 2"/>
+          <p:cNvSpPr>
+            <a:spLocks noGrp="1"/>
+          </p:cNvSpPr>
+          <p:nvPr>
+            <p:ph idx="1"/>
+          </p:nvPr>
+        </p:nvSpPr>
+        <p:spPr>
+          <a:xfrm>
+            <a:off x="5181600" y="1447800"/>
+            <a:ext cx="3733800" cy="5257800"/>
+          </a:xfrm>
+        </p:spPr>
+        <p:txBody>
+          <a:bodyPr/>
+          <a:lstStyle/>
+          <a:p>
+            <a:r>
+              <a:rPr lang="en-US" b="1" dirty="0" smtClean="0"/>
+              <a:t>Hidden Hearing Loss</a:t>
+            </a:r>
+            <a:r>
+              <a:rPr lang="en-US" dirty="0" smtClean="0"/>
+              <a:t> is not diagnosed by standard audiometric threshold testing</a:t>
+            </a:r>
+          </a:p>
+          <a:p>
+            <a:r>
+              <a:rPr lang="en-US" dirty="0" smtClean="0"/>
+              <a:t>Audiometry tests for </a:t>
+            </a:r>
+            <a:r>
+              <a:rPr lang="en-US" b="1" dirty="0" smtClean="0"/>
+              <a:t>detection</a:t>
+            </a:r>
+            <a:r>
+              <a:rPr lang="en-US" dirty="0" smtClean="0"/>
+              <a:t>, not </a:t>
+            </a:r>
+            <a:r>
+              <a:rPr lang="en-US" b="1" dirty="0" smtClean="0"/>
+              <a:t>discrimination</a:t>
+            </a:r>
+            <a:r>
+              <a:rPr lang="en-US" dirty="0" smtClean="0"/>
+              <a:t>.</a:t>
+            </a:r>
+          </a:p>
+          <a:p>
+            <a:pPr lvl="1"/>
+            <a:r>
+              <a:rPr lang="en-US" dirty="0" smtClean="0"/>
+              <a:t>NHT performance differences</a:t>
+            </a:r>
+          </a:p>
+          <a:p>
+            <a:r>
+              <a:rPr lang="en-US" dirty="0" smtClean="0"/>
+              <a:t>Mechanism(s) of HHL currently under debate; </a:t>
+            </a:r>
+            <a:r>
+              <a:rPr lang="en-US" dirty="0" smtClean="0">
+                <a:sym typeface="Wingdings" panose="05000000000000000000" pitchFamily="2" charset="2"/>
+              </a:rPr>
+              <a:t> </a:t>
+            </a:r>
+          </a:p>
+          <a:p>
+            <a:pPr lvl="1"/>
+            <a:r>
+              <a:rPr lang="en-US" dirty="0" smtClean="0"/>
+              <a:t>No objective diagnostics for loss of discrimination currently exist</a:t>
+            </a:r>
+          </a:p>
+        </p:txBody>
+      </p:sp>
+      <p:sp>
+        <p:nvSpPr>
+          <p:cNvPr id="4" name="Footer Placeholder 3"/>
+          <p:cNvSpPr>
+            <a:spLocks noGrp="1"/>
+          </p:cNvSpPr>
+          <p:nvPr>
+            <p:ph type="ftr" sz="quarter" idx="10"/>
+          </p:nvPr>
+        </p:nvSpPr>
+        <p:spPr/>
+        <p:txBody>
+          <a:bodyPr/>
+          <a:lstStyle/>
+          <a:p>
+            <a:pPr>
+              <a:defRPr/>
+            </a:pPr>
+            <a:r>
+              <a:rPr lang="en-US" altLang="en-US" smtClean="0"/>
+              <a:t>Modeling the Effects of Auditory Neuropathy on the ABR</a:t>
+            </a:r>
+            <a:endParaRPr lang="en-US" altLang="en-US" dirty="0"/>
+          </a:p>
+        </p:txBody>
+      </p:sp>
+      <p:sp>
+        <p:nvSpPr>
+          <p:cNvPr id="5" name="Slide Number Placeholder 4"/>
+          <p:cNvSpPr>
+            <a:spLocks noGrp="1"/>
+          </p:cNvSpPr>
+          <p:nvPr>
+            <p:ph type="sldNum" sz="quarter" idx="11"/>
+          </p:nvPr>
+        </p:nvSpPr>
+        <p:spPr/>
+        <p:txBody>
+          <a:bodyPr/>
+          <a:lstStyle/>
+          <a:p>
+            <a:pPr>
+              <a:defRPr/>
+            </a:pPr>
+            <a:fld id="{8840E231-D218-4982-B1DE-6520F190699A}" type="slidenum">
+              <a:rPr lang="en-US" altLang="en-US" smtClean="0"/>
+              <a:pPr>
+                <a:defRPr/>
+              </a:pPr>
+              <a:t>3</a:t>
+            </a:fld>
+            <a:endParaRPr lang="en-US" altLang="en-US" dirty="0"/>
+          </a:p>
+        </p:txBody>
+      </p:sp>
+      <p:sp>
+        <p:nvSpPr>
+          <p:cNvPr id="6" name="Date Placeholder 5"/>
+          <p:cNvSpPr>
+            <a:spLocks noGrp="1"/>
+          </p:cNvSpPr>
+          <p:nvPr>
+            <p:ph type="dt" sz="half" idx="12"/>
+          </p:nvPr>
+        </p:nvSpPr>
+        <p:spPr/>
+        <p:txBody>
+          <a:bodyPr/>
+          <a:lstStyle/>
+          <a:p>
+            <a:pPr>
+              <a:defRPr/>
+            </a:pPr>
+            <a:fld id="{A544915F-7309-4744-8FAD-0D6B1CB5A275}" type="datetime1">
+              <a:rPr lang="en-US" altLang="en-US" smtClean="0"/>
+              <a:t>8/9/16</a:t>
+            </a:fld>
+            <a:endParaRPr lang="en-US" altLang="en-US"/>
+          </a:p>
+        </p:txBody>
+      </p:sp>
+      <p:grpSp>
+        <p:nvGrpSpPr>
+          <p:cNvPr id="9" name="Group 8"/>
+          <p:cNvGrpSpPr/>
+          <p:nvPr/>
+        </p:nvGrpSpPr>
+        <p:grpSpPr>
+          <a:xfrm>
+            <a:off x="337891" y="1447800"/>
+            <a:ext cx="4576655" cy="1600200"/>
+            <a:chOff x="653638" y="1447800"/>
+            <a:chExt cx="3486975" cy="1219200"/>
+          </a:xfrm>
+        </p:grpSpPr>
+        <p:pic>
+          <p:nvPicPr>
+            <p:cNvPr id="7" name="Picture 2" descr="C:\Users\Graham Voysey\Desktop\IMG_6002.JPG"/>
+            <p:cNvPicPr>
+              <a:picLocks noChangeAspect="1" noChangeArrowheads="1"/>
+            </p:cNvPicPr>
+            <p:nvPr/>
+          </p:nvPicPr>
+          <p:blipFill>
+            <a:blip r:embed="rId2" cstate="print">
+              <a:extLst>
+                <a:ext uri="{28A0092B-C50C-407E-A947-70E740481C1C}">
+                  <a14:useLocalDpi xmlns:a14="http://schemas.microsoft.com/office/drawing/2010/main" val="0"/>
+                </a:ext>
+              </a:extLst>
+            </a:blip>
+            <a:srcRect/>
+            <a:stretch>
+              <a:fillRect/>
+            </a:stretch>
+          </p:blipFill>
+          <p:spPr bwMode="auto">
+            <a:xfrm>
+              <a:off x="2514600" y="1447800"/>
+              <a:ext cx="1626013" cy="1219200"/>
+            </a:xfrm>
+            <a:prstGeom prst="rect">
+              <a:avLst/>
+            </a:prstGeom>
+            <a:noFill/>
+            <a:extLst>
+              <a:ext uri="{909E8E84-426E-40dd-AFC4-6F175D3DCCD1}">
+                <a14:hiddenFill xmlns:a14="http://schemas.microsoft.com/office/drawing/2010/main">
+                  <a:solidFill>
+                    <a:srgbClr val="FFFFFF"/>
+                  </a:solidFill>
+                </a14:hiddenFill>
+              </a:ext>
+            </a:extLst>
+          </p:spPr>
+        </p:pic>
+        <p:pic>
+          <p:nvPicPr>
+            <p:cNvPr id="8" name="Picture 3" descr="C:\Users\Graham Voysey\Desktop\IMG_6002-blurred.JPG"/>
+            <p:cNvPicPr>
+              <a:picLocks noChangeAspect="1" noChangeArrowheads="1"/>
+            </p:cNvPicPr>
+            <p:nvPr/>
+          </p:nvPicPr>
+          <p:blipFill>
+            <a:blip r:embed="rId3" cstate="print">
+              <a:extLst>
+                <a:ext uri="{28A0092B-C50C-407E-A947-70E740481C1C}">
+                  <a14:useLocalDpi xmlns:a14="http://schemas.microsoft.com/office/drawing/2010/main" val="0"/>
+                </a:ext>
+              </a:extLst>
+            </a:blip>
+            <a:srcRect/>
+            <a:stretch>
+              <a:fillRect/>
+            </a:stretch>
+          </p:blipFill>
+          <p:spPr bwMode="auto">
+            <a:xfrm>
+              <a:off x="653638" y="1447800"/>
+              <a:ext cx="1626012" cy="1219200"/>
+            </a:xfrm>
+            <a:prstGeom prst="rect">
+              <a:avLst/>
+            </a:prstGeom>
+            <a:noFill/>
+            <a:extLst>
+              <a:ext uri="{909E8E84-426E-40dd-AFC4-6F175D3DCCD1}">
+                <a14:hiddenFill xmlns:a14="http://schemas.microsoft.com/office/drawing/2010/main">
+                  <a:solidFill>
+                    <a:srgbClr val="FFFFFF"/>
+                  </a:solidFill>
+                </a14:hiddenFill>
+              </a:ext>
+            </a:extLst>
+          </p:spPr>
+        </p:pic>
+      </p:grpSp>
+      <p:pic>
+        <p:nvPicPr>
+          <p:cNvPr id="3074" name="Picture 2" descr="C:\Users\Graham Voysey\Google Drive\photos\IMG_0093.GIF"/>
+          <p:cNvPicPr>
+            <a:picLocks noChangeAspect="1" noChangeArrowheads="1" noCrop="1"/>
+          </p:cNvPicPr>
+          <p:nvPr/>
+        </p:nvPicPr>
+        <p:blipFill>
+          <a:blip r:embed="rId4">
+            <a:extLst>
+              <a:ext uri="{28A0092B-C50C-407E-A947-70E740481C1C}">
+                <a14:useLocalDpi xmlns:a14="http://schemas.microsoft.com/office/drawing/2010/main" val="0"/>
+              </a:ext>
+            </a:extLst>
+          </a:blip>
+          <a:srcRect/>
+          <a:stretch>
+            <a:fillRect/>
+          </a:stretch>
+        </p:blipFill>
+        <p:spPr bwMode="auto">
+          <a:xfrm>
+            <a:off x="337891" y="3251985"/>
+            <a:ext cx="4576656" cy="2937777"/>
+          </a:xfrm>
+          <a:prstGeom prst="rect">
+            <a:avLst/>
+          </a:prstGeom>
+          <a:noFill/>
           <a:extLst>
-            <a:ext uri="{909E8E84-426E-40DD-AFC4-6F175D3DCCD1}">
+            <a:ext uri="{909E8E84-426E-40dd-AFC4-6F175D3DCCD1}">
               <a14:hiddenFill xmlns:a14="http://schemas.microsoft.com/office/drawing/2010/main">
                 <a:solidFill>
                   <a:srgbClr val="FFFFFF"/>
                 </a:solidFill>
               </a14:hiddenFill>
             </a:ext>
-            <a:ext uri="{91240B29-F687-4F45-9708-019B960494DF}">
+          </a:extLst>
+        </p:spPr>
+      </p:pic>
+    </p:spTree>
+    <p:extLst>
+      <p:ext uri="{BB962C8B-B14F-4D97-AF65-F5344CB8AC3E}">
+        <p14:creationId xmlns:p14="http://schemas.microsoft.com/office/powerpoint/2010/main" val="1547040722"/>
+      </p:ext>
+    </p:extLst>
+  </p:cSld>
+  <p:clrMapOvr>
+    <a:masterClrMapping/>
+  </p:clrMapOvr>
+  <p:timing>
+    <p:tnLst>
+      <p:par>
+        <p:cTn xmlns:p14="http://schemas.microsoft.com/office/powerpoint/2010/main" id="1" dur="indefinite" restart="never" nodeType="tmRoot"/>
+      </p:par>
+    </p:tnLst>
+  </p:timing>
+</p:sld>
+</file>
+
+<file path=ppt/slides/slide4.xml><?xml version="1.0" encoding="utf-8"?>
+<p:sld xmlns:a="http://schemas.openxmlformats.org/drawingml/2006/main" xmlns:r="http://schemas.openxmlformats.org/officeDocument/2006/relationships" xmlns:p="http://schemas.openxmlformats.org/presentationml/2006/main">
+  <p:cSld>
+    <p:spTree>
+      <p:nvGrpSpPr>
+        <p:cNvPr id="1" name=""/>
+        <p:cNvGrpSpPr/>
+        <p:nvPr/>
+      </p:nvGrpSpPr>
+      <p:grpSpPr>
+        <a:xfrm>
+          <a:off x="0" y="0"/>
+          <a:ext cx="0" cy="0"/>
+          <a:chOff x="0" y="0"/>
+          <a:chExt cx="0" cy="0"/>
+        </a:xfrm>
+      </p:grpSpPr>
+      <p:sp>
+        <p:nvSpPr>
+          <p:cNvPr id="2" name="Title 1"/>
+          <p:cNvSpPr>
+            <a:spLocks noGrp="1"/>
+          </p:cNvSpPr>
+          <p:nvPr>
+            <p:ph type="title"/>
+          </p:nvPr>
+        </p:nvSpPr>
+        <p:spPr/>
+        <p:txBody>
+          <a:bodyPr/>
+          <a:lstStyle/>
+          <a:p>
+            <a:r>
+              <a:rPr lang="en-US" dirty="0" smtClean="0"/>
+              <a:t>Probable Causes of HHL</a:t>
+            </a:r>
+            <a:endParaRPr lang="en-US" dirty="0"/>
+          </a:p>
+        </p:txBody>
+      </p:sp>
+      <p:sp>
+        <p:nvSpPr>
+          <p:cNvPr id="3" name="Content Placeholder 2"/>
+          <p:cNvSpPr>
+            <a:spLocks noGrp="1"/>
+          </p:cNvSpPr>
+          <p:nvPr>
+            <p:ph idx="1"/>
+          </p:nvPr>
+        </p:nvSpPr>
+        <p:spPr/>
+        <p:txBody>
+          <a:bodyPr/>
+          <a:lstStyle/>
+          <a:p>
+            <a:r>
+              <a:rPr lang="en-US" b="1" dirty="0" smtClean="0"/>
+              <a:t>Central Processing Disorder</a:t>
+            </a:r>
+            <a:r>
+              <a:rPr lang="en-US" dirty="0" smtClean="0"/>
+              <a:t>: A polite way of saying “We have no idea. Your ear seems fine; maybe it’s all in your head”</a:t>
+            </a:r>
+          </a:p>
+          <a:p>
+            <a:pPr lvl="1"/>
+            <a:r>
+              <a:rPr lang="en-US" i="1" dirty="0" smtClean="0"/>
+              <a:t>Sometimes, deficits or disorders actually are central (e.g., tinnitus)</a:t>
+            </a:r>
+          </a:p>
+          <a:p>
+            <a:endParaRPr lang="en-US" dirty="0" smtClean="0"/>
+          </a:p>
+          <a:p>
+            <a:r>
+              <a:rPr lang="en-US" b="1" dirty="0" smtClean="0"/>
+              <a:t>Auditory Neuropathy (Cochlear </a:t>
+            </a:r>
+            <a:r>
+              <a:rPr lang="en-US" b="1" dirty="0" err="1" smtClean="0"/>
+              <a:t>Synaptopathy</a:t>
+            </a:r>
+            <a:r>
+              <a:rPr lang="en-US" b="1" dirty="0" smtClean="0"/>
+              <a:t>)</a:t>
+            </a:r>
+            <a:r>
+              <a:rPr lang="en-US" dirty="0" smtClean="0"/>
+              <a:t>:</a:t>
+            </a:r>
+          </a:p>
+          <a:p>
+            <a:pPr lvl="1"/>
+            <a:r>
+              <a:rPr lang="en-US" dirty="0" smtClean="0"/>
+              <a:t>What would peripheral damage that </a:t>
+            </a:r>
+            <a:r>
+              <a:rPr lang="en-US" b="1" dirty="0" smtClean="0"/>
+              <a:t>does not </a:t>
+            </a:r>
+            <a:r>
+              <a:rPr lang="en-US" dirty="0" smtClean="0"/>
+              <a:t>affect thresholds or middle ear mechanics, but </a:t>
+            </a:r>
+            <a:r>
+              <a:rPr lang="en-US" b="1" dirty="0" smtClean="0"/>
+              <a:t>does</a:t>
+            </a:r>
+            <a:r>
+              <a:rPr lang="en-US" dirty="0" smtClean="0"/>
+              <a:t> affect the fidelity of the transmission of sound from the ear to higher areas look like? </a:t>
+            </a:r>
+          </a:p>
+          <a:p>
+            <a:pPr lvl="2"/>
+            <a:r>
+              <a:rPr lang="en-US" dirty="0" smtClean="0"/>
+              <a:t>And, where would it happen?</a:t>
+            </a:r>
+          </a:p>
+          <a:p>
+            <a:pPr lvl="1"/>
+            <a:r>
+              <a:rPr lang="en-US" dirty="0" smtClean="0"/>
+              <a:t>Auditory Nerve is a good place to start looking.</a:t>
+            </a:r>
+          </a:p>
+        </p:txBody>
+      </p:sp>
+      <p:sp>
+        <p:nvSpPr>
+          <p:cNvPr id="4" name="Footer Placeholder 3"/>
+          <p:cNvSpPr>
+            <a:spLocks noGrp="1"/>
+          </p:cNvSpPr>
+          <p:nvPr>
+            <p:ph type="ftr" sz="quarter" idx="10"/>
+          </p:nvPr>
+        </p:nvSpPr>
+        <p:spPr/>
+        <p:txBody>
+          <a:bodyPr/>
+          <a:lstStyle/>
+          <a:p>
+            <a:pPr>
+              <a:defRPr/>
+            </a:pPr>
+            <a:r>
+              <a:rPr lang="en-US" altLang="en-US" smtClean="0"/>
+              <a:t>Modeling the Effects of Auditory Neuropathy on the ABR</a:t>
+            </a:r>
+            <a:endParaRPr lang="en-US" altLang="en-US" dirty="0"/>
+          </a:p>
+        </p:txBody>
+      </p:sp>
+      <p:sp>
+        <p:nvSpPr>
+          <p:cNvPr id="5" name="Slide Number Placeholder 4"/>
+          <p:cNvSpPr>
+            <a:spLocks noGrp="1"/>
+          </p:cNvSpPr>
+          <p:nvPr>
+            <p:ph type="sldNum" sz="quarter" idx="11"/>
+          </p:nvPr>
+        </p:nvSpPr>
+        <p:spPr/>
+        <p:txBody>
+          <a:bodyPr/>
+          <a:lstStyle/>
+          <a:p>
+            <a:pPr>
+              <a:defRPr/>
+            </a:pPr>
+            <a:fld id="{8840E231-D218-4982-B1DE-6520F190699A}" type="slidenum">
+              <a:rPr lang="en-US" altLang="en-US" smtClean="0"/>
+              <a:pPr>
+                <a:defRPr/>
+              </a:pPr>
+              <a:t>4</a:t>
+            </a:fld>
+            <a:endParaRPr lang="en-US" altLang="en-US" dirty="0"/>
+          </a:p>
+        </p:txBody>
+      </p:sp>
+      <p:sp>
+        <p:nvSpPr>
+          <p:cNvPr id="6" name="Date Placeholder 5"/>
+          <p:cNvSpPr>
+            <a:spLocks noGrp="1"/>
+          </p:cNvSpPr>
+          <p:nvPr>
+            <p:ph type="dt" sz="half" idx="12"/>
+          </p:nvPr>
+        </p:nvSpPr>
+        <p:spPr/>
+        <p:txBody>
+          <a:bodyPr/>
+          <a:lstStyle/>
+          <a:p>
+            <a:pPr>
+              <a:defRPr/>
+            </a:pPr>
+            <a:fld id="{A544915F-7309-4744-8FAD-0D6B1CB5A275}" type="datetime1">
+              <a:rPr lang="en-US" altLang="en-US" smtClean="0"/>
+              <a:t>8/9/16</a:t>
+            </a:fld>
+            <a:endParaRPr lang="en-US" altLang="en-US"/>
+          </a:p>
+        </p:txBody>
+      </p:sp>
+    </p:spTree>
+    <p:extLst>
+      <p:ext uri="{BB962C8B-B14F-4D97-AF65-F5344CB8AC3E}">
+        <p14:creationId xmlns:p14="http://schemas.microsoft.com/office/powerpoint/2010/main" val="1014089366"/>
+      </p:ext>
+    </p:extLst>
+  </p:cSld>
+  <p:clrMapOvr>
+    <a:masterClrMapping/>
+  </p:clrMapOvr>
+  <p:timing>
+    <p:tnLst>
+      <p:par>
+        <p:cTn xmlns:p14="http://schemas.microsoft.com/office/powerpoint/2010/main" id="1" dur="indefinite" restart="never" nodeType="tmRoot"/>
+      </p:par>
+    </p:tnLst>
+  </p:timing>
+</p:sld>
+</file>
+
+<file path=ppt/slides/slide5.xml><?xml version="1.0" encoding="utf-8"?>
+<p:sld xmlns:a="http://schemas.openxmlformats.org/drawingml/2006/main" xmlns:r="http://schemas.openxmlformats.org/officeDocument/2006/relationships" xmlns:p="http://schemas.openxmlformats.org/presentationml/2006/main">
+  <p:cSld>
+    <p:spTree>
+      <p:nvGrpSpPr>
+        <p:cNvPr id="1" name=""/>
+        <p:cNvGrpSpPr/>
+        <p:nvPr/>
+      </p:nvGrpSpPr>
+      <p:grpSpPr>
+        <a:xfrm>
+          <a:off x="0" y="0"/>
+          <a:ext cx="0" cy="0"/>
+          <a:chOff x="0" y="0"/>
+          <a:chExt cx="0" cy="0"/>
+        </a:xfrm>
+      </p:grpSpPr>
+      <p:sp>
+        <p:nvSpPr>
+          <p:cNvPr id="2" name="Title 1"/>
+          <p:cNvSpPr>
+            <a:spLocks noGrp="1"/>
+          </p:cNvSpPr>
+          <p:nvPr>
+            <p:ph type="title"/>
+          </p:nvPr>
+        </p:nvSpPr>
+        <p:spPr/>
+        <p:txBody>
+          <a:bodyPr/>
+          <a:lstStyle/>
+          <a:p>
+            <a:pPr algn="ctr"/>
+            <a:r>
+              <a:rPr lang="en-US" dirty="0" smtClean="0"/>
+              <a:t>Acknowledgements</a:t>
+            </a:r>
+            <a:endParaRPr lang="en-US" dirty="0"/>
+          </a:p>
+        </p:txBody>
+      </p:sp>
+      <p:sp>
+        <p:nvSpPr>
+          <p:cNvPr id="3" name="Content Placeholder 2"/>
+          <p:cNvSpPr>
+            <a:spLocks noGrp="1"/>
+          </p:cNvSpPr>
+          <p:nvPr>
+            <p:ph idx="1"/>
+          </p:nvPr>
+        </p:nvSpPr>
+        <p:spPr>
+          <a:xfrm>
+            <a:off x="609600" y="2971800"/>
+            <a:ext cx="3886200" cy="1828800"/>
+          </a:xfrm>
+        </p:spPr>
+        <p:txBody>
+          <a:bodyPr/>
+          <a:lstStyle/>
+          <a:p>
+            <a:pPr marL="0" indent="0">
+              <a:buNone/>
+            </a:pPr>
+            <a:r>
+              <a:rPr lang="en-US" sz="2200" b="1" dirty="0" smtClean="0"/>
+              <a:t>Auditory Biophysics Lab</a:t>
+            </a:r>
+          </a:p>
+          <a:p>
+            <a:r>
+              <a:rPr lang="en-US" sz="2000" dirty="0" smtClean="0"/>
+              <a:t>Dave Mountain</a:t>
+            </a:r>
+          </a:p>
+          <a:p>
+            <a:r>
+              <a:rPr lang="en-US" sz="2000" dirty="0" smtClean="0"/>
+              <a:t>Dave Anderson</a:t>
+            </a:r>
+          </a:p>
+          <a:p>
+            <a:r>
+              <a:rPr lang="en-US" sz="2000" dirty="0" err="1" smtClean="0"/>
+              <a:t>Aleks</a:t>
+            </a:r>
+            <a:r>
+              <a:rPr lang="en-US" sz="2000" dirty="0" smtClean="0"/>
+              <a:t> </a:t>
+            </a:r>
+            <a:r>
+              <a:rPr lang="en-US" sz="2000" dirty="0" err="1" smtClean="0"/>
+              <a:t>Zosuls</a:t>
+            </a:r>
+            <a:endParaRPr lang="en-US" sz="2000" dirty="0" smtClean="0"/>
+          </a:p>
+          <a:p>
+            <a:r>
+              <a:rPr lang="en-US" sz="2000" dirty="0" smtClean="0"/>
+              <a:t>Andy </a:t>
+            </a:r>
+            <a:r>
+              <a:rPr lang="en-US" sz="2000" dirty="0" err="1" smtClean="0"/>
+              <a:t>Brughera</a:t>
+            </a:r>
+            <a:endParaRPr lang="en-US" sz="2000" dirty="0" smtClean="0"/>
+          </a:p>
+        </p:txBody>
+      </p:sp>
+      <p:sp>
+        <p:nvSpPr>
+          <p:cNvPr id="4" name="Footer Placeholder 3"/>
+          <p:cNvSpPr>
+            <a:spLocks noGrp="1"/>
+          </p:cNvSpPr>
+          <p:nvPr>
+            <p:ph type="ftr" sz="quarter" idx="10"/>
+          </p:nvPr>
+        </p:nvSpPr>
+        <p:spPr/>
+        <p:txBody>
+          <a:bodyPr/>
+          <a:lstStyle/>
+          <a:p>
+            <a:pPr>
+              <a:defRPr/>
+            </a:pPr>
+            <a:r>
+              <a:rPr lang="en-US" altLang="en-US" smtClean="0"/>
+              <a:t>Presentation Title</a:t>
+            </a:r>
+            <a:endParaRPr lang="en-US" altLang="en-US"/>
+          </a:p>
+        </p:txBody>
+      </p:sp>
+      <p:sp>
+        <p:nvSpPr>
+          <p:cNvPr id="5" name="Slide Number Placeholder 4"/>
+          <p:cNvSpPr>
+            <a:spLocks noGrp="1"/>
+          </p:cNvSpPr>
+          <p:nvPr>
+            <p:ph type="sldNum" sz="quarter" idx="11"/>
+          </p:nvPr>
+        </p:nvSpPr>
+        <p:spPr/>
+        <p:txBody>
+          <a:bodyPr/>
+          <a:lstStyle/>
+          <a:p>
+            <a:pPr>
+              <a:defRPr/>
+            </a:pPr>
+            <a:fld id="{8840E231-D218-4982-B1DE-6520F190699A}" type="slidenum">
+              <a:rPr lang="en-US" altLang="en-US" smtClean="0"/>
+              <a:pPr>
+                <a:defRPr/>
+              </a:pPr>
+              <a:t>5</a:t>
+            </a:fld>
+            <a:endParaRPr lang="en-US" altLang="en-US" dirty="0"/>
+          </a:p>
+        </p:txBody>
+      </p:sp>
+      <p:sp>
+        <p:nvSpPr>
+          <p:cNvPr id="6" name="Date Placeholder 5"/>
+          <p:cNvSpPr>
+            <a:spLocks noGrp="1"/>
+          </p:cNvSpPr>
+          <p:nvPr>
+            <p:ph type="dt" sz="half" idx="12"/>
+          </p:nvPr>
+        </p:nvSpPr>
+        <p:spPr/>
+        <p:txBody>
+          <a:bodyPr/>
+          <a:lstStyle/>
+          <a:p>
+            <a:pPr>
+              <a:defRPr/>
+            </a:pPr>
+            <a:fld id="{A544915F-7309-4744-8FAD-0D6B1CB5A275}" type="datetime1">
+              <a:rPr lang="en-US" altLang="en-US" smtClean="0"/>
+              <a:t>8/9/16</a:t>
+            </a:fld>
+            <a:endParaRPr lang="en-US" altLang="en-US"/>
+          </a:p>
+        </p:txBody>
+      </p:sp>
+      <p:sp>
+        <p:nvSpPr>
+          <p:cNvPr id="7" name="Content Placeholder 2"/>
+          <p:cNvSpPr txBox="1">
+            <a:spLocks/>
+          </p:cNvSpPr>
+          <p:nvPr/>
+        </p:nvSpPr>
+        <p:spPr bwMode="auto">
+          <a:xfrm>
+            <a:off x="609600" y="4876800"/>
+            <a:ext cx="4191000" cy="1219200"/>
+          </a:xfrm>
+          <a:prstGeom prst="rect">
+            <a:avLst/>
+          </a:prstGeom>
+          <a:noFill/>
+          <a:ln>
+            <a:noFill/>
+          </a:ln>
+          <a:extLst>
+            <a:ext uri="{909E8E84-426E-40dd-AFC4-6F175D3DCCD1}">
+              <a14:hiddenFill xmlns:a14="http://schemas.microsoft.com/office/drawing/2010/main">
+                <a:solidFill>
+                  <a:srgbClr val="FFFFFF"/>
+                </a:solidFill>
+              </a14:hiddenFill>
+            </a:ext>
+            <a:ext uri="{91240B29-F687-4f45-9708-019B960494DF}">
               <a14:hiddenLine xmlns:a14="http://schemas.microsoft.com/office/drawing/2010/main" w="9525">
                 <a:solidFill>
                   <a:srgbClr val="000000"/>
@@ -5482,155 +6576,270 @@
           </a:extLst>
         </p:spPr>
         <p:txBody>
-          <a:bodyPr/>
+          <a:bodyPr vert="horz" wrap="square" lIns="91440" tIns="45720" rIns="91440" bIns="45720" numCol="1" anchor="t" anchorCtr="0" compatLnSpc="1">
+            <a:prstTxWarp prst="textNoShape">
+              <a:avLst/>
+            </a:prstTxWarp>
+          </a:bodyPr>
           <a:lstStyle>
-            <a:lvl1pPr>
-              <a:defRPr sz="2400">
-                <a:solidFill>
-                  <a:schemeClr val="tx1"/>
-                </a:solidFill>
-                <a:latin typeface="Times" charset="0"/>
-                <a:ea typeface="Osaka" charset="-128"/>
-              </a:defRPr>
-            </a:lvl1pPr>
-            <a:lvl2pPr marL="37931725" indent="-37474525">
-              <a:defRPr sz="2400">
-                <a:solidFill>
-                  <a:schemeClr val="tx1"/>
-                </a:solidFill>
-                <a:latin typeface="Times" charset="0"/>
-                <a:ea typeface="Osaka" charset="-128"/>
-              </a:defRPr>
-            </a:lvl2pPr>
-            <a:lvl3pPr marL="1143000" indent="-228600">
-              <a:defRPr sz="2400">
-                <a:solidFill>
-                  <a:schemeClr val="tx1"/>
-                </a:solidFill>
-                <a:latin typeface="Times" charset="0"/>
-                <a:ea typeface="Osaka" charset="-128"/>
-              </a:defRPr>
-            </a:lvl3pPr>
-            <a:lvl4pPr marL="1600200" indent="-228600">
-              <a:defRPr sz="2400">
-                <a:solidFill>
-                  <a:schemeClr val="tx1"/>
-                </a:solidFill>
-                <a:latin typeface="Times" charset="0"/>
-                <a:ea typeface="Osaka" charset="-128"/>
-              </a:defRPr>
-            </a:lvl4pPr>
-            <a:lvl5pPr marL="2057400" indent="-228600">
-              <a:defRPr sz="2400">
-                <a:solidFill>
-                  <a:schemeClr val="tx1"/>
-                </a:solidFill>
-                <a:latin typeface="Times" charset="0"/>
-                <a:ea typeface="Osaka" charset="-128"/>
-              </a:defRPr>
-            </a:lvl5pPr>
-            <a:lvl6pPr marL="2514600" indent="-228600" eaLnBrk="0" fontAlgn="base" hangingPunct="0">
+            <a:lvl1pPr marL="342900" indent="-342900" algn="l" rtl="0" eaLnBrk="0" fontAlgn="base" hangingPunct="0">
               <a:spcBef>
-                <a:spcPct val="0"/>
+                <a:spcPct val="20000"/>
               </a:spcBef>
               <a:spcAft>
                 <a:spcPct val="0"/>
               </a:spcAft>
+              <a:buClr>
+                <a:srgbClr val="2675B4"/>
+              </a:buClr>
+              <a:buFont typeface="Wingdings" charset="2"/>
+              <a:buChar char="§"/>
               <a:defRPr sz="2400">
                 <a:solidFill>
                   <a:schemeClr val="tx1"/>
                 </a:solidFill>
-                <a:latin typeface="Times" charset="0"/>
-                <a:ea typeface="Osaka" charset="-128"/>
+                <a:latin typeface="+mn-lt"/>
+                <a:ea typeface="+mn-ea"/>
+                <a:cs typeface="+mn-cs"/>
               </a:defRPr>
-            </a:lvl6pPr>
-            <a:lvl7pPr marL="2971800" indent="-228600" eaLnBrk="0" fontAlgn="base" hangingPunct="0">
+            </a:lvl1pPr>
+            <a:lvl2pPr marL="742950" indent="-285750" algn="l" rtl="0" eaLnBrk="0" fontAlgn="base" hangingPunct="0">
               <a:spcBef>
-                <a:spcPct val="0"/>
+                <a:spcPct val="20000"/>
               </a:spcBef>
               <a:spcAft>
                 <a:spcPct val="0"/>
               </a:spcAft>
-              <a:defRPr sz="2400">
+              <a:buClr>
+                <a:srgbClr val="2675B4"/>
+              </a:buClr>
+              <a:buFont typeface="Wingdings" charset="2"/>
+              <a:buChar char="§"/>
+              <a:defRPr>
                 <a:solidFill>
                   <a:schemeClr val="tx1"/>
                 </a:solidFill>
-                <a:latin typeface="Times" charset="0"/>
-                <a:ea typeface="Osaka" charset="-128"/>
+                <a:latin typeface="+mn-lt"/>
+                <a:ea typeface="+mn-ea"/>
+                <a:cs typeface="+mn-cs"/>
               </a:defRPr>
-            </a:lvl7pPr>
-            <a:lvl8pPr marL="3429000" indent="-228600" eaLnBrk="0" fontAlgn="base" hangingPunct="0">
+            </a:lvl2pPr>
+            <a:lvl3pPr marL="1143000" indent="-228600" algn="l" rtl="0" eaLnBrk="0" fontAlgn="base" hangingPunct="0">
               <a:spcBef>
-                <a:spcPct val="0"/>
+                <a:spcPct val="20000"/>
               </a:spcBef>
               <a:spcAft>
                 <a:spcPct val="0"/>
               </a:spcAft>
-              <a:defRPr sz="2400">
+              <a:buClr>
+                <a:srgbClr val="2675B4"/>
+              </a:buClr>
+              <a:buFont typeface="Wingdings" charset="2"/>
+              <a:buChar char="§"/>
+              <a:defRPr>
                 <a:solidFill>
                   <a:schemeClr val="tx1"/>
                 </a:solidFill>
-                <a:latin typeface="Times" charset="0"/>
-                <a:ea typeface="Osaka" charset="-128"/>
+                <a:latin typeface="+mn-lt"/>
+                <a:ea typeface="+mn-ea"/>
+                <a:cs typeface="+mn-cs"/>
               </a:defRPr>
-            </a:lvl8pPr>
-            <a:lvl9pPr marL="3886200" indent="-228600" eaLnBrk="0" fontAlgn="base" hangingPunct="0">
+            </a:lvl3pPr>
+            <a:lvl4pPr marL="1600200" indent="-228600" algn="l" rtl="0" eaLnBrk="0" fontAlgn="base" hangingPunct="0">
               <a:spcBef>
-                <a:spcPct val="0"/>
+                <a:spcPct val="20000"/>
               </a:spcBef>
               <a:spcAft>
                 <a:spcPct val="0"/>
               </a:spcAft>
-              <a:defRPr sz="2400">
+              <a:buClr>
+                <a:srgbClr val="2675B4"/>
+              </a:buClr>
+              <a:buFont typeface="Wingdings" charset="2"/>
+              <a:buChar char="§"/>
+              <a:defRPr>
                 <a:solidFill>
                   <a:schemeClr val="tx1"/>
                 </a:solidFill>
-                <a:latin typeface="Times" charset="0"/>
-                <a:ea typeface="Osaka" charset="-128"/>
+                <a:latin typeface="+mn-lt"/>
+                <a:ea typeface="+mn-ea"/>
+                <a:cs typeface="+mn-cs"/>
+              </a:defRPr>
+            </a:lvl4pPr>
+            <a:lvl5pPr marL="2057400" indent="-228600" algn="l" rtl="0" eaLnBrk="0" fontAlgn="base" hangingPunct="0">
+              <a:spcBef>
+                <a:spcPct val="20000"/>
+              </a:spcBef>
+              <a:spcAft>
+                <a:spcPct val="0"/>
+              </a:spcAft>
+              <a:buClr>
+                <a:srgbClr val="2675B4"/>
+              </a:buClr>
+              <a:buFont typeface="Wingdings" charset="2"/>
+              <a:buChar char="§"/>
+              <a:defRPr>
+                <a:solidFill>
+                  <a:schemeClr val="tx1"/>
+                </a:solidFill>
+                <a:latin typeface="+mn-lt"/>
+                <a:ea typeface="+mn-ea"/>
+                <a:cs typeface="+mn-cs"/>
+              </a:defRPr>
+            </a:lvl5pPr>
+            <a:lvl6pPr marL="2514600" indent="-228600" algn="l" rtl="0" fontAlgn="base">
+              <a:spcBef>
+                <a:spcPct val="20000"/>
+              </a:spcBef>
+              <a:spcAft>
+                <a:spcPct val="0"/>
+              </a:spcAft>
+              <a:buClr>
+                <a:srgbClr val="2675B4"/>
+              </a:buClr>
+              <a:buFont typeface="Wingdings" charset="2"/>
+              <a:buChar char="§"/>
+              <a:defRPr>
+                <a:solidFill>
+                  <a:schemeClr val="tx1"/>
+                </a:solidFill>
+                <a:latin typeface="+mn-lt"/>
+                <a:ea typeface="+mn-ea"/>
+                <a:cs typeface="+mn-cs"/>
+              </a:defRPr>
+            </a:lvl6pPr>
+            <a:lvl7pPr marL="2971800" indent="-228600" algn="l" rtl="0" fontAlgn="base">
+              <a:spcBef>
+                <a:spcPct val="20000"/>
+              </a:spcBef>
+              <a:spcAft>
+                <a:spcPct val="0"/>
+              </a:spcAft>
+              <a:buClr>
+                <a:srgbClr val="2675B4"/>
+              </a:buClr>
+              <a:buFont typeface="Wingdings" charset="2"/>
+              <a:buChar char="§"/>
+              <a:defRPr>
+                <a:solidFill>
+                  <a:schemeClr val="tx1"/>
+                </a:solidFill>
+                <a:latin typeface="+mn-lt"/>
+                <a:ea typeface="+mn-ea"/>
+                <a:cs typeface="+mn-cs"/>
+              </a:defRPr>
+            </a:lvl7pPr>
+            <a:lvl8pPr marL="3429000" indent="-228600" algn="l" rtl="0" fontAlgn="base">
+              <a:spcBef>
+                <a:spcPct val="20000"/>
+              </a:spcBef>
+              <a:spcAft>
+                <a:spcPct val="0"/>
+              </a:spcAft>
+              <a:buClr>
+                <a:srgbClr val="2675B4"/>
+              </a:buClr>
+              <a:buFont typeface="Wingdings" charset="2"/>
+              <a:buChar char="§"/>
+              <a:defRPr>
+                <a:solidFill>
+                  <a:schemeClr val="tx1"/>
+                </a:solidFill>
+                <a:latin typeface="+mn-lt"/>
+                <a:ea typeface="+mn-ea"/>
+                <a:cs typeface="+mn-cs"/>
+              </a:defRPr>
+            </a:lvl8pPr>
+            <a:lvl9pPr marL="3886200" indent="-228600" algn="l" rtl="0" fontAlgn="base">
+              <a:spcBef>
+                <a:spcPct val="20000"/>
+              </a:spcBef>
+              <a:spcAft>
+                <a:spcPct val="0"/>
+              </a:spcAft>
+              <a:buClr>
+                <a:srgbClr val="2675B4"/>
+              </a:buClr>
+              <a:buFont typeface="Wingdings" charset="2"/>
+              <a:buChar char="§"/>
+              <a:defRPr>
+                <a:solidFill>
+                  <a:schemeClr val="tx1"/>
+                </a:solidFill>
+                <a:latin typeface="+mn-lt"/>
+                <a:ea typeface="+mn-ea"/>
+                <a:cs typeface="+mn-cs"/>
               </a:defRPr>
             </a:lvl9pPr>
           </a:lstStyle>
           <a:p>
-            <a:r>
-              <a:rPr lang="en-US" altLang="en-US" sz="1200" smtClean="0">
-                <a:solidFill>
-                  <a:schemeClr val="bg1"/>
-                </a:solidFill>
-                <a:latin typeface="Arial" charset="0"/>
-              </a:rPr>
-              <a:t>Presentation Title</a:t>
-            </a:r>
-            <a:endParaRPr lang="en-US" altLang="en-US" sz="1200">
-              <a:solidFill>
-                <a:schemeClr val="bg1"/>
-              </a:solidFill>
-              <a:latin typeface="Arial" charset="0"/>
-            </a:endParaRPr>
-          </a:p>
-        </p:txBody>
-      </p:sp>
-      <p:sp>
-        <p:nvSpPr>
-          <p:cNvPr id="4099" name="Slide Number Placeholder 4"/>
-          <p:cNvSpPr>
-            <a:spLocks noGrp="1"/>
-          </p:cNvSpPr>
-          <p:nvPr>
-            <p:ph type="sldNum" sz="quarter" idx="11"/>
-          </p:nvPr>
-        </p:nvSpPr>
-        <p:spPr>
+            <a:pPr marL="0" indent="0">
+              <a:buFont typeface="Wingdings" charset="2"/>
+              <a:buNone/>
+            </a:pPr>
+            <a:r>
+              <a:rPr lang="en-US" sz="2200" b="1" dirty="0" smtClean="0"/>
+              <a:t>Auditory Neuroscience Lab</a:t>
+            </a:r>
+          </a:p>
+          <a:p>
+            <a:r>
+              <a:rPr lang="en-US" sz="2000" dirty="0" err="1" smtClean="0"/>
+              <a:t>Goldbarg</a:t>
+            </a:r>
+            <a:r>
+              <a:rPr lang="en-US" sz="2000" dirty="0" smtClean="0"/>
+              <a:t> </a:t>
+            </a:r>
+            <a:r>
+              <a:rPr lang="en-US" sz="2000" dirty="0" err="1" smtClean="0"/>
+              <a:t>Mehraei</a:t>
+            </a:r>
+            <a:endParaRPr lang="en-US" sz="2000" dirty="0" smtClean="0"/>
+          </a:p>
+          <a:p>
+            <a:r>
+              <a:rPr lang="en-US" sz="2000" dirty="0" smtClean="0"/>
+              <a:t>Le Wang</a:t>
+            </a:r>
+          </a:p>
+          <a:p>
+            <a:endParaRPr lang="en-US" dirty="0" smtClean="0"/>
+          </a:p>
+          <a:p>
+            <a:endParaRPr lang="en-US" dirty="0" smtClean="0"/>
+          </a:p>
+        </p:txBody>
+      </p:sp>
+      <p:sp>
+        <p:nvSpPr>
+          <p:cNvPr id="8" name="Content Placeholder 2"/>
+          <p:cNvSpPr txBox="1">
+            <a:spLocks/>
+          </p:cNvSpPr>
+          <p:nvPr/>
+        </p:nvSpPr>
+        <p:spPr bwMode="auto">
+          <a:xfrm>
+            <a:off x="609600" y="1143000"/>
+            <a:ext cx="3352800" cy="1905000"/>
+          </a:xfrm>
+          <a:prstGeom prst="rect">
+            <a:avLst/>
+          </a:prstGeom>
           <a:noFill/>
-          <a:ln/>
+          <a:ln>
+            <a:noFill/>
+          </a:ln>
           <a:extLst>
-            <a:ext uri="{909E8E84-426E-40DD-AFC4-6F175D3DCCD1}">
+            <a:ext uri="{909E8E84-426E-40dd-AFC4-6F175D3DCCD1}">
               <a14:hiddenFill xmlns:a14="http://schemas.microsoft.com/office/drawing/2010/main">
                 <a:solidFill>
                   <a:srgbClr val="FFFFFF"/>
                 </a:solidFill>
               </a14:hiddenFill>
             </a:ext>
-            <a:ext uri="{91240B29-F687-4F45-9708-019B960494DF}">
+            <a:ext uri="{91240B29-F687-4f45-9708-019B960494DF}">
               <a14:hiddenLine xmlns:a14="http://schemas.microsoft.com/office/drawing/2010/main" w="9525">
                 <a:solidFill>
                   <a:srgbClr val="000000"/>
@@ -5643,160 +6852,271 @@
           </a:extLst>
         </p:spPr>
         <p:txBody>
-          <a:bodyPr/>
+          <a:bodyPr vert="horz" wrap="square" lIns="91440" tIns="45720" rIns="91440" bIns="45720" numCol="1" anchor="t" anchorCtr="0" compatLnSpc="1">
+            <a:prstTxWarp prst="textNoShape">
+              <a:avLst/>
+            </a:prstTxWarp>
+          </a:bodyPr>
           <a:lstStyle>
-            <a:lvl1pPr>
-              <a:defRPr sz="2400">
-                <a:solidFill>
-                  <a:schemeClr val="tx1"/>
-                </a:solidFill>
-                <a:latin typeface="Times" charset="0"/>
-                <a:ea typeface="Osaka" charset="-128"/>
-              </a:defRPr>
-            </a:lvl1pPr>
-            <a:lvl2pPr marL="37931725" indent="-37474525">
-              <a:defRPr sz="2400">
-                <a:solidFill>
-                  <a:schemeClr val="tx1"/>
-                </a:solidFill>
-                <a:latin typeface="Times" charset="0"/>
-                <a:ea typeface="Osaka" charset="-128"/>
-              </a:defRPr>
-            </a:lvl2pPr>
-            <a:lvl3pPr marL="1143000" indent="-228600">
-              <a:defRPr sz="2400">
-                <a:solidFill>
-                  <a:schemeClr val="tx1"/>
-                </a:solidFill>
-                <a:latin typeface="Times" charset="0"/>
-                <a:ea typeface="Osaka" charset="-128"/>
-              </a:defRPr>
-            </a:lvl3pPr>
-            <a:lvl4pPr marL="1600200" indent="-228600">
-              <a:defRPr sz="2400">
-                <a:solidFill>
-                  <a:schemeClr val="tx1"/>
-                </a:solidFill>
-                <a:latin typeface="Times" charset="0"/>
-                <a:ea typeface="Osaka" charset="-128"/>
-              </a:defRPr>
-            </a:lvl4pPr>
-            <a:lvl5pPr marL="2057400" indent="-228600">
-              <a:defRPr sz="2400">
-                <a:solidFill>
-                  <a:schemeClr val="tx1"/>
-                </a:solidFill>
-                <a:latin typeface="Times" charset="0"/>
-                <a:ea typeface="Osaka" charset="-128"/>
-              </a:defRPr>
-            </a:lvl5pPr>
-            <a:lvl6pPr marL="2514600" indent="-228600" eaLnBrk="0" fontAlgn="base" hangingPunct="0">
+            <a:lvl1pPr marL="342900" indent="-342900" algn="l" rtl="0" eaLnBrk="0" fontAlgn="base" hangingPunct="0">
               <a:spcBef>
-                <a:spcPct val="0"/>
+                <a:spcPct val="20000"/>
               </a:spcBef>
               <a:spcAft>
                 <a:spcPct val="0"/>
               </a:spcAft>
+              <a:buClr>
+                <a:srgbClr val="2675B4"/>
+              </a:buClr>
+              <a:buFont typeface="Wingdings" charset="2"/>
+              <a:buChar char="§"/>
               <a:defRPr sz="2400">
                 <a:solidFill>
                   <a:schemeClr val="tx1"/>
                 </a:solidFill>
-                <a:latin typeface="Times" charset="0"/>
-                <a:ea typeface="Osaka" charset="-128"/>
+                <a:latin typeface="+mn-lt"/>
+                <a:ea typeface="+mn-ea"/>
+                <a:cs typeface="+mn-cs"/>
               </a:defRPr>
-            </a:lvl6pPr>
-            <a:lvl7pPr marL="2971800" indent="-228600" eaLnBrk="0" fontAlgn="base" hangingPunct="0">
+            </a:lvl1pPr>
+            <a:lvl2pPr marL="742950" indent="-285750" algn="l" rtl="0" eaLnBrk="0" fontAlgn="base" hangingPunct="0">
               <a:spcBef>
-                <a:spcPct val="0"/>
+                <a:spcPct val="20000"/>
               </a:spcBef>
               <a:spcAft>
                 <a:spcPct val="0"/>
               </a:spcAft>
-              <a:defRPr sz="2400">
+              <a:buClr>
+                <a:srgbClr val="2675B4"/>
+              </a:buClr>
+              <a:buFont typeface="Wingdings" charset="2"/>
+              <a:buChar char="§"/>
+              <a:defRPr>
                 <a:solidFill>
                   <a:schemeClr val="tx1"/>
                 </a:solidFill>
-                <a:latin typeface="Times" charset="0"/>
-                <a:ea typeface="Osaka" charset="-128"/>
+                <a:latin typeface="+mn-lt"/>
+                <a:ea typeface="+mn-ea"/>
+                <a:cs typeface="+mn-cs"/>
               </a:defRPr>
-            </a:lvl7pPr>
-            <a:lvl8pPr marL="3429000" indent="-228600" eaLnBrk="0" fontAlgn="base" hangingPunct="0">
+            </a:lvl2pPr>
+            <a:lvl3pPr marL="1143000" indent="-228600" algn="l" rtl="0" eaLnBrk="0" fontAlgn="base" hangingPunct="0">
               <a:spcBef>
-                <a:spcPct val="0"/>
+                <a:spcPct val="20000"/>
               </a:spcBef>
               <a:spcAft>
                 <a:spcPct val="0"/>
               </a:spcAft>
-              <a:defRPr sz="2400">
+              <a:buClr>
+                <a:srgbClr val="2675B4"/>
+              </a:buClr>
+              <a:buFont typeface="Wingdings" charset="2"/>
+              <a:buChar char="§"/>
+              <a:defRPr>
                 <a:solidFill>
                   <a:schemeClr val="tx1"/>
                 </a:solidFill>
-                <a:latin typeface="Times" charset="0"/>
-                <a:ea typeface="Osaka" charset="-128"/>
+                <a:latin typeface="+mn-lt"/>
+                <a:ea typeface="+mn-ea"/>
+                <a:cs typeface="+mn-cs"/>
               </a:defRPr>
-            </a:lvl8pPr>
-            <a:lvl9pPr marL="3886200" indent="-228600" eaLnBrk="0" fontAlgn="base" hangingPunct="0">
+            </a:lvl3pPr>
+            <a:lvl4pPr marL="1600200" indent="-228600" algn="l" rtl="0" eaLnBrk="0" fontAlgn="base" hangingPunct="0">
               <a:spcBef>
-                <a:spcPct val="0"/>
+                <a:spcPct val="20000"/>
               </a:spcBef>
               <a:spcAft>
                 <a:spcPct val="0"/>
               </a:spcAft>
-              <a:defRPr sz="2400">
+              <a:buClr>
+                <a:srgbClr val="2675B4"/>
+              </a:buClr>
+              <a:buFont typeface="Wingdings" charset="2"/>
+              <a:buChar char="§"/>
+              <a:defRPr>
                 <a:solidFill>
                   <a:schemeClr val="tx1"/>
                 </a:solidFill>
-                <a:latin typeface="Times" charset="0"/>
-                <a:ea typeface="Osaka" charset="-128"/>
+                <a:latin typeface="+mn-lt"/>
+                <a:ea typeface="+mn-ea"/>
+                <a:cs typeface="+mn-cs"/>
+              </a:defRPr>
+            </a:lvl4pPr>
+            <a:lvl5pPr marL="2057400" indent="-228600" algn="l" rtl="0" eaLnBrk="0" fontAlgn="base" hangingPunct="0">
+              <a:spcBef>
+                <a:spcPct val="20000"/>
+              </a:spcBef>
+              <a:spcAft>
+                <a:spcPct val="0"/>
+              </a:spcAft>
+              <a:buClr>
+                <a:srgbClr val="2675B4"/>
+              </a:buClr>
+              <a:buFont typeface="Wingdings" charset="2"/>
+              <a:buChar char="§"/>
+              <a:defRPr>
+                <a:solidFill>
+                  <a:schemeClr val="tx1"/>
+                </a:solidFill>
+                <a:latin typeface="+mn-lt"/>
+                <a:ea typeface="+mn-ea"/>
+                <a:cs typeface="+mn-cs"/>
+              </a:defRPr>
+            </a:lvl5pPr>
+            <a:lvl6pPr marL="2514600" indent="-228600" algn="l" rtl="0" fontAlgn="base">
+              <a:spcBef>
+                <a:spcPct val="20000"/>
+              </a:spcBef>
+              <a:spcAft>
+                <a:spcPct val="0"/>
+              </a:spcAft>
+              <a:buClr>
+                <a:srgbClr val="2675B4"/>
+              </a:buClr>
+              <a:buFont typeface="Wingdings" charset="2"/>
+              <a:buChar char="§"/>
+              <a:defRPr>
+                <a:solidFill>
+                  <a:schemeClr val="tx1"/>
+                </a:solidFill>
+                <a:latin typeface="+mn-lt"/>
+                <a:ea typeface="+mn-ea"/>
+                <a:cs typeface="+mn-cs"/>
+              </a:defRPr>
+            </a:lvl6pPr>
+            <a:lvl7pPr marL="2971800" indent="-228600" algn="l" rtl="0" fontAlgn="base">
+              <a:spcBef>
+                <a:spcPct val="20000"/>
+              </a:spcBef>
+              <a:spcAft>
+                <a:spcPct val="0"/>
+              </a:spcAft>
+              <a:buClr>
+                <a:srgbClr val="2675B4"/>
+              </a:buClr>
+              <a:buFont typeface="Wingdings" charset="2"/>
+              <a:buChar char="§"/>
+              <a:defRPr>
+                <a:solidFill>
+                  <a:schemeClr val="tx1"/>
+                </a:solidFill>
+                <a:latin typeface="+mn-lt"/>
+                <a:ea typeface="+mn-ea"/>
+                <a:cs typeface="+mn-cs"/>
+              </a:defRPr>
+            </a:lvl7pPr>
+            <a:lvl8pPr marL="3429000" indent="-228600" algn="l" rtl="0" fontAlgn="base">
+              <a:spcBef>
+                <a:spcPct val="20000"/>
+              </a:spcBef>
+              <a:spcAft>
+                <a:spcPct val="0"/>
+              </a:spcAft>
+              <a:buClr>
+                <a:srgbClr val="2675B4"/>
+              </a:buClr>
+              <a:buFont typeface="Wingdings" charset="2"/>
+              <a:buChar char="§"/>
+              <a:defRPr>
+                <a:solidFill>
+                  <a:schemeClr val="tx1"/>
+                </a:solidFill>
+                <a:latin typeface="+mn-lt"/>
+                <a:ea typeface="+mn-ea"/>
+                <a:cs typeface="+mn-cs"/>
+              </a:defRPr>
+            </a:lvl8pPr>
+            <a:lvl9pPr marL="3886200" indent="-228600" algn="l" rtl="0" fontAlgn="base">
+              <a:spcBef>
+                <a:spcPct val="20000"/>
+              </a:spcBef>
+              <a:spcAft>
+                <a:spcPct val="0"/>
+              </a:spcAft>
+              <a:buClr>
+                <a:srgbClr val="2675B4"/>
+              </a:buClr>
+              <a:buFont typeface="Wingdings" charset="2"/>
+              <a:buChar char="§"/>
+              <a:defRPr>
+                <a:solidFill>
+                  <a:schemeClr val="tx1"/>
+                </a:solidFill>
+                <a:latin typeface="+mn-lt"/>
+                <a:ea typeface="+mn-ea"/>
+                <a:cs typeface="+mn-cs"/>
               </a:defRPr>
             </a:lvl9pPr>
           </a:lstStyle>
           <a:p>
-            <a:fld id="{FC8D6845-82E4-4747-951B-5F0D5342441F}" type="slidenum">
-              <a:rPr lang="en-US" altLang="en-US" sz="4400" smtClean="0">
-                <a:solidFill>
-                  <a:srgbClr val="D9D9D9"/>
-                </a:solidFill>
-                <a:latin typeface="Arial" charset="0"/>
-              </a:rPr>
-              <a:pPr/>
-              <a:t>2</a:t>
-            </a:fld>
-            <a:endParaRPr lang="en-US" altLang="en-US" sz="4400" dirty="0">
-              <a:solidFill>
-                <a:srgbClr val="D9D9D9"/>
-              </a:solidFill>
-              <a:latin typeface="Arial" charset="0"/>
-            </a:endParaRPr>
-          </a:p>
-        </p:txBody>
-      </p:sp>
-      <p:sp>
-        <p:nvSpPr>
-          <p:cNvPr id="4100" name="Date Placeholder 5"/>
-          <p:cNvSpPr>
-            <a:spLocks noGrp="1"/>
-          </p:cNvSpPr>
-          <p:nvPr>
-            <p:ph type="dt" sz="quarter" idx="12"/>
-          </p:nvPr>
-        </p:nvSpPr>
-        <p:spPr>
+            <a:pPr marL="0" indent="0">
+              <a:buFont typeface="Wingdings" charset="2"/>
+              <a:buNone/>
+            </a:pPr>
+            <a:r>
+              <a:rPr lang="en-US" sz="2200" b="1" dirty="0" smtClean="0"/>
+              <a:t>Committee </a:t>
+            </a:r>
+          </a:p>
+          <a:p>
+            <a:r>
+              <a:rPr lang="en-US" sz="2000" dirty="0" smtClean="0"/>
+              <a:t>Steve Colburn</a:t>
+            </a:r>
+          </a:p>
+          <a:p>
+            <a:r>
+              <a:rPr lang="en-US" sz="2000" dirty="0" smtClean="0"/>
+              <a:t>Barb Shinn-Cunningham</a:t>
+            </a:r>
+          </a:p>
+          <a:p>
+            <a:r>
+              <a:rPr lang="en-US" sz="2000" dirty="0" err="1" smtClean="0"/>
+              <a:t>Allyn</a:t>
+            </a:r>
+            <a:r>
+              <a:rPr lang="en-US" sz="2000" dirty="0" smtClean="0"/>
+              <a:t> Hubbard</a:t>
+            </a:r>
+          </a:p>
+          <a:p>
+            <a:r>
+              <a:rPr lang="en-US" sz="2000" dirty="0" smtClean="0"/>
+              <a:t>Heidi Nakajima</a:t>
+            </a:r>
+          </a:p>
+        </p:txBody>
+      </p:sp>
+      <p:sp>
+        <p:nvSpPr>
+          <p:cNvPr id="9" name="Content Placeholder 2"/>
+          <p:cNvSpPr txBox="1">
+            <a:spLocks/>
+          </p:cNvSpPr>
+          <p:nvPr/>
+        </p:nvSpPr>
+        <p:spPr bwMode="auto">
           <a:xfrm>
-            <a:off x="6248400" y="0"/>
-            <a:ext cx="2286000" cy="304800"/>
+            <a:off x="5105400" y="1219200"/>
+            <a:ext cx="3886200" cy="1981200"/>
           </a:xfrm>
+          <a:prstGeom prst="rect">
+            <a:avLst/>
+          </a:prstGeom>
           <a:noFill/>
-          <a:ln/>
+          <a:ln>
+            <a:noFill/>
+          </a:ln>
           <a:extLst>
-            <a:ext uri="{909E8E84-426E-40DD-AFC4-6F175D3DCCD1}">
+            <a:ext uri="{909E8E84-426E-40dd-AFC4-6F175D3DCCD1}">
               <a14:hiddenFill xmlns:a14="http://schemas.microsoft.com/office/drawing/2010/main">
                 <a:solidFill>
                   <a:srgbClr val="FFFFFF"/>
                 </a:solidFill>
               </a14:hiddenFill>
             </a:ext>
-            <a:ext uri="{91240B29-F687-4F45-9708-019B960494DF}">
+            <a:ext uri="{91240B29-F687-4f45-9708-019B960494DF}">
               <a14:hiddenLine xmlns:a14="http://schemas.microsoft.com/office/drawing/2010/main" w="9525">
                 <a:solidFill>
                   <a:srgbClr val="000000"/>
@@ -5809,141 +7129,582 @@
           </a:extLst>
         </p:spPr>
         <p:txBody>
-          <a:bodyPr/>
+          <a:bodyPr vert="horz" wrap="square" lIns="91440" tIns="45720" rIns="91440" bIns="45720" numCol="1" anchor="t" anchorCtr="0" compatLnSpc="1">
+            <a:prstTxWarp prst="textNoShape">
+              <a:avLst/>
+            </a:prstTxWarp>
+          </a:bodyPr>
           <a:lstStyle>
-            <a:lvl1pPr>
-              <a:defRPr sz="2400">
-                <a:solidFill>
-                  <a:schemeClr val="tx1"/>
-                </a:solidFill>
-                <a:latin typeface="Times" charset="0"/>
-                <a:ea typeface="Osaka" charset="-128"/>
-              </a:defRPr>
-            </a:lvl1pPr>
-            <a:lvl2pPr marL="37931725" indent="-37474525">
-              <a:defRPr sz="2400">
-                <a:solidFill>
-                  <a:schemeClr val="tx1"/>
-                </a:solidFill>
-                <a:latin typeface="Times" charset="0"/>
-                <a:ea typeface="Osaka" charset="-128"/>
-              </a:defRPr>
-            </a:lvl2pPr>
-            <a:lvl3pPr marL="1143000" indent="-228600">
-              <a:defRPr sz="2400">
-                <a:solidFill>
-                  <a:schemeClr val="tx1"/>
-                </a:solidFill>
-                <a:latin typeface="Times" charset="0"/>
-                <a:ea typeface="Osaka" charset="-128"/>
-              </a:defRPr>
-            </a:lvl3pPr>
-            <a:lvl4pPr marL="1600200" indent="-228600">
-              <a:defRPr sz="2400">
-                <a:solidFill>
-                  <a:schemeClr val="tx1"/>
-                </a:solidFill>
-                <a:latin typeface="Times" charset="0"/>
-                <a:ea typeface="Osaka" charset="-128"/>
-              </a:defRPr>
-            </a:lvl4pPr>
-            <a:lvl5pPr marL="2057400" indent="-228600">
-              <a:defRPr sz="2400">
-                <a:solidFill>
-                  <a:schemeClr val="tx1"/>
-                </a:solidFill>
-                <a:latin typeface="Times" charset="0"/>
-                <a:ea typeface="Osaka" charset="-128"/>
-              </a:defRPr>
-            </a:lvl5pPr>
-            <a:lvl6pPr marL="2514600" indent="-228600" eaLnBrk="0" fontAlgn="base" hangingPunct="0">
+            <a:lvl1pPr marL="342900" indent="-342900" algn="l" rtl="0" eaLnBrk="0" fontAlgn="base" hangingPunct="0">
               <a:spcBef>
-                <a:spcPct val="0"/>
+                <a:spcPct val="20000"/>
               </a:spcBef>
               <a:spcAft>
                 <a:spcPct val="0"/>
               </a:spcAft>
+              <a:buClr>
+                <a:srgbClr val="2675B4"/>
+              </a:buClr>
+              <a:buFont typeface="Wingdings" charset="2"/>
+              <a:buChar char="§"/>
               <a:defRPr sz="2400">
                 <a:solidFill>
                   <a:schemeClr val="tx1"/>
                 </a:solidFill>
-                <a:latin typeface="Times" charset="0"/>
-                <a:ea typeface="Osaka" charset="-128"/>
+                <a:latin typeface="+mn-lt"/>
+                <a:ea typeface="+mn-ea"/>
+                <a:cs typeface="+mn-cs"/>
               </a:defRPr>
-            </a:lvl6pPr>
-            <a:lvl7pPr marL="2971800" indent="-228600" eaLnBrk="0" fontAlgn="base" hangingPunct="0">
+            </a:lvl1pPr>
+            <a:lvl2pPr marL="742950" indent="-285750" algn="l" rtl="0" eaLnBrk="0" fontAlgn="base" hangingPunct="0">
               <a:spcBef>
-                <a:spcPct val="0"/>
+                <a:spcPct val="20000"/>
               </a:spcBef>
               <a:spcAft>
                 <a:spcPct val="0"/>
               </a:spcAft>
-              <a:defRPr sz="2400">
+              <a:buClr>
+                <a:srgbClr val="2675B4"/>
+              </a:buClr>
+              <a:buFont typeface="Wingdings" charset="2"/>
+              <a:buChar char="§"/>
+              <a:defRPr>
                 <a:solidFill>
                   <a:schemeClr val="tx1"/>
                 </a:solidFill>
-                <a:latin typeface="Times" charset="0"/>
-                <a:ea typeface="Osaka" charset="-128"/>
+                <a:latin typeface="+mn-lt"/>
+                <a:ea typeface="+mn-ea"/>
+                <a:cs typeface="+mn-cs"/>
               </a:defRPr>
-            </a:lvl7pPr>
-            <a:lvl8pPr marL="3429000" indent="-228600" eaLnBrk="0" fontAlgn="base" hangingPunct="0">
+            </a:lvl2pPr>
+            <a:lvl3pPr marL="1143000" indent="-228600" algn="l" rtl="0" eaLnBrk="0" fontAlgn="base" hangingPunct="0">
               <a:spcBef>
-                <a:spcPct val="0"/>
+                <a:spcPct val="20000"/>
               </a:spcBef>
               <a:spcAft>
                 <a:spcPct val="0"/>
               </a:spcAft>
-              <a:defRPr sz="2400">
+              <a:buClr>
+                <a:srgbClr val="2675B4"/>
+              </a:buClr>
+              <a:buFont typeface="Wingdings" charset="2"/>
+              <a:buChar char="§"/>
+              <a:defRPr>
                 <a:solidFill>
                   <a:schemeClr val="tx1"/>
                 </a:solidFill>
-                <a:latin typeface="Times" charset="0"/>
-                <a:ea typeface="Osaka" charset="-128"/>
+                <a:latin typeface="+mn-lt"/>
+                <a:ea typeface="+mn-ea"/>
+                <a:cs typeface="+mn-cs"/>
               </a:defRPr>
-            </a:lvl8pPr>
-            <a:lvl9pPr marL="3886200" indent="-228600" eaLnBrk="0" fontAlgn="base" hangingPunct="0">
+            </a:lvl3pPr>
+            <a:lvl4pPr marL="1600200" indent="-228600" algn="l" rtl="0" eaLnBrk="0" fontAlgn="base" hangingPunct="0">
               <a:spcBef>
-                <a:spcPct val="0"/>
+                <a:spcPct val="20000"/>
               </a:spcBef>
               <a:spcAft>
                 <a:spcPct val="0"/>
               </a:spcAft>
-              <a:defRPr sz="2400">
+              <a:buClr>
+                <a:srgbClr val="2675B4"/>
+              </a:buClr>
+              <a:buFont typeface="Wingdings" charset="2"/>
+              <a:buChar char="§"/>
+              <a:defRPr>
                 <a:solidFill>
                   <a:schemeClr val="tx1"/>
                 </a:solidFill>
-                <a:latin typeface="Times" charset="0"/>
-                <a:ea typeface="Osaka" charset="-128"/>
+                <a:latin typeface="+mn-lt"/>
+                <a:ea typeface="+mn-ea"/>
+                <a:cs typeface="+mn-cs"/>
+              </a:defRPr>
+            </a:lvl4pPr>
+            <a:lvl5pPr marL="2057400" indent="-228600" algn="l" rtl="0" eaLnBrk="0" fontAlgn="base" hangingPunct="0">
+              <a:spcBef>
+                <a:spcPct val="20000"/>
+              </a:spcBef>
+              <a:spcAft>
+                <a:spcPct val="0"/>
+              </a:spcAft>
+              <a:buClr>
+                <a:srgbClr val="2675B4"/>
+              </a:buClr>
+              <a:buFont typeface="Wingdings" charset="2"/>
+              <a:buChar char="§"/>
+              <a:defRPr>
+                <a:solidFill>
+                  <a:schemeClr val="tx1"/>
+                </a:solidFill>
+                <a:latin typeface="+mn-lt"/>
+                <a:ea typeface="+mn-ea"/>
+                <a:cs typeface="+mn-cs"/>
+              </a:defRPr>
+            </a:lvl5pPr>
+            <a:lvl6pPr marL="2514600" indent="-228600" algn="l" rtl="0" fontAlgn="base">
+              <a:spcBef>
+                <a:spcPct val="20000"/>
+              </a:spcBef>
+              <a:spcAft>
+                <a:spcPct val="0"/>
+              </a:spcAft>
+              <a:buClr>
+                <a:srgbClr val="2675B4"/>
+              </a:buClr>
+              <a:buFont typeface="Wingdings" charset="2"/>
+              <a:buChar char="§"/>
+              <a:defRPr>
+                <a:solidFill>
+                  <a:schemeClr val="tx1"/>
+                </a:solidFill>
+                <a:latin typeface="+mn-lt"/>
+                <a:ea typeface="+mn-ea"/>
+                <a:cs typeface="+mn-cs"/>
+              </a:defRPr>
+            </a:lvl6pPr>
+            <a:lvl7pPr marL="2971800" indent="-228600" algn="l" rtl="0" fontAlgn="base">
+              <a:spcBef>
+                <a:spcPct val="20000"/>
+              </a:spcBef>
+              <a:spcAft>
+                <a:spcPct val="0"/>
+              </a:spcAft>
+              <a:buClr>
+                <a:srgbClr val="2675B4"/>
+              </a:buClr>
+              <a:buFont typeface="Wingdings" charset="2"/>
+              <a:buChar char="§"/>
+              <a:defRPr>
+                <a:solidFill>
+                  <a:schemeClr val="tx1"/>
+                </a:solidFill>
+                <a:latin typeface="+mn-lt"/>
+                <a:ea typeface="+mn-ea"/>
+                <a:cs typeface="+mn-cs"/>
+              </a:defRPr>
+            </a:lvl7pPr>
+            <a:lvl8pPr marL="3429000" indent="-228600" algn="l" rtl="0" fontAlgn="base">
+              <a:spcBef>
+                <a:spcPct val="20000"/>
+              </a:spcBef>
+              <a:spcAft>
+                <a:spcPct val="0"/>
+              </a:spcAft>
+              <a:buClr>
+                <a:srgbClr val="2675B4"/>
+              </a:buClr>
+              <a:buFont typeface="Wingdings" charset="2"/>
+              <a:buChar char="§"/>
+              <a:defRPr>
+                <a:solidFill>
+                  <a:schemeClr val="tx1"/>
+                </a:solidFill>
+                <a:latin typeface="+mn-lt"/>
+                <a:ea typeface="+mn-ea"/>
+                <a:cs typeface="+mn-cs"/>
+              </a:defRPr>
+            </a:lvl8pPr>
+            <a:lvl9pPr marL="3886200" indent="-228600" algn="l" rtl="0" fontAlgn="base">
+              <a:spcBef>
+                <a:spcPct val="20000"/>
+              </a:spcBef>
+              <a:spcAft>
+                <a:spcPct val="0"/>
+              </a:spcAft>
+              <a:buClr>
+                <a:srgbClr val="2675B4"/>
+              </a:buClr>
+              <a:buFont typeface="Wingdings" charset="2"/>
+              <a:buChar char="§"/>
+              <a:defRPr>
+                <a:solidFill>
+                  <a:schemeClr val="tx1"/>
+                </a:solidFill>
+                <a:latin typeface="+mn-lt"/>
+                <a:ea typeface="+mn-ea"/>
+                <a:cs typeface="+mn-cs"/>
               </a:defRPr>
             </a:lvl9pPr>
           </a:lstStyle>
           <a:p>
-            <a:fld id="{6C24F4BA-1D1C-40C2-A186-BAF0C851D709}" type="datetime1">
-              <a:rPr lang="en-US" altLang="en-US" sz="1200" smtClean="0">
-                <a:solidFill>
-                  <a:srgbClr val="808080"/>
-                </a:solidFill>
-                <a:latin typeface="Arial" charset="0"/>
-              </a:rPr>
-              <a:t>Monday, 01 February 2016</a:t>
-            </a:fld>
-            <a:endParaRPr lang="en-US" altLang="en-US" sz="1200">
-              <a:solidFill>
-                <a:srgbClr val="808080"/>
-              </a:solidFill>
-              <a:latin typeface="Arial" charset="0"/>
-            </a:endParaRPr>
-          </a:p>
-        </p:txBody>
-      </p:sp>
-      <p:sp>
-        <p:nvSpPr>
-          <p:cNvPr id="4101" name="Rectangle 2"/>
-          <p:cNvSpPr>
-            <a:spLocks noGrp="1" noChangeArrowheads="1"/>
-          </p:cNvSpPr>
-          <p:nvPr>
-            <p:ph type="title"/>
+            <a:pPr marL="0" indent="0">
+              <a:buFont typeface="Wingdings" charset="2"/>
+              <a:buNone/>
+            </a:pPr>
+            <a:r>
+              <a:rPr lang="en-US" sz="2200" b="1" dirty="0" smtClean="0"/>
+              <a:t>BU Alumni and Visitors</a:t>
+            </a:r>
+          </a:p>
+          <a:p>
+            <a:r>
+              <a:rPr lang="en-US" sz="2000" dirty="0" smtClean="0"/>
+              <a:t>Sarah </a:t>
+            </a:r>
+            <a:r>
+              <a:rPr lang="en-US" sz="2000" dirty="0" err="1" smtClean="0"/>
+              <a:t>Verhulst</a:t>
+            </a:r>
+            <a:endParaRPr lang="en-US" sz="2000" dirty="0" smtClean="0"/>
+          </a:p>
+          <a:p>
+            <a:r>
+              <a:rPr lang="en-US" sz="2000" dirty="0" smtClean="0"/>
+              <a:t>Laurel Carney</a:t>
+            </a:r>
+          </a:p>
+          <a:p>
+            <a:r>
+              <a:rPr lang="en-US" sz="2000" dirty="0" smtClean="0"/>
+              <a:t>Gerard </a:t>
+            </a:r>
+            <a:r>
+              <a:rPr lang="en-US" sz="2000" dirty="0" err="1" smtClean="0"/>
+              <a:t>Encina</a:t>
+            </a:r>
+            <a:r>
+              <a:rPr lang="en-US" sz="2000" dirty="0" smtClean="0"/>
+              <a:t>-Llamas</a:t>
+            </a:r>
+          </a:p>
+          <a:p>
+            <a:r>
+              <a:rPr lang="en-US" sz="2000" dirty="0" smtClean="0"/>
+              <a:t>Daryl </a:t>
+            </a:r>
+            <a:r>
+              <a:rPr lang="en-US" sz="2000" dirty="0" err="1" smtClean="0"/>
+              <a:t>Kelvasa</a:t>
+            </a:r>
+            <a:endParaRPr lang="en-US" sz="2000" dirty="0" smtClean="0"/>
+          </a:p>
+        </p:txBody>
+      </p:sp>
+      <p:sp>
+        <p:nvSpPr>
+          <p:cNvPr id="10" name="Content Placeholder 2"/>
+          <p:cNvSpPr txBox="1">
+            <a:spLocks/>
+          </p:cNvSpPr>
+          <p:nvPr/>
+        </p:nvSpPr>
+        <p:spPr bwMode="auto">
+          <a:xfrm>
+            <a:off x="5105400" y="3200400"/>
+            <a:ext cx="3886200" cy="3200400"/>
+          </a:xfrm>
+          <a:prstGeom prst="rect">
+            <a:avLst/>
+          </a:prstGeom>
+          <a:noFill/>
+          <a:ln>
+            <a:noFill/>
+          </a:ln>
+          <a:extLst>
+            <a:ext uri="{909E8E84-426E-40dd-AFC4-6F175D3DCCD1}">
+              <a14:hiddenFill xmlns:a14="http://schemas.microsoft.com/office/drawing/2010/main">
+                <a:solidFill>
+                  <a:srgbClr val="FFFFFF"/>
+                </a:solidFill>
+              </a14:hiddenFill>
+            </a:ext>
+            <a:ext uri="{91240B29-F687-4f45-9708-019B960494DF}">
+              <a14:hiddenLine xmlns:a14="http://schemas.microsoft.com/office/drawing/2010/main" w="9525">
+                <a:solidFill>
+                  <a:srgbClr val="000000"/>
+                </a:solidFill>
+                <a:miter lim="800000"/>
+                <a:headEnd/>
+                <a:tailEnd/>
+              </a14:hiddenLine>
+            </a:ext>
+          </a:extLst>
+        </p:spPr>
+        <p:txBody>
+          <a:bodyPr vert="horz" wrap="square" lIns="91440" tIns="45720" rIns="91440" bIns="45720" numCol="1" anchor="t" anchorCtr="0" compatLnSpc="1">
+            <a:prstTxWarp prst="textNoShape">
+              <a:avLst/>
+            </a:prstTxWarp>
+          </a:bodyPr>
+          <a:lstStyle>
+            <a:lvl1pPr marL="342900" indent="-342900" algn="l" rtl="0" eaLnBrk="0" fontAlgn="base" hangingPunct="0">
+              <a:spcBef>
+                <a:spcPct val="20000"/>
+              </a:spcBef>
+              <a:spcAft>
+                <a:spcPct val="0"/>
+              </a:spcAft>
+              <a:buClr>
+                <a:srgbClr val="2675B4"/>
+              </a:buClr>
+              <a:buFont typeface="Wingdings" charset="2"/>
+              <a:buChar char="§"/>
+              <a:defRPr sz="2400">
+                <a:solidFill>
+                  <a:schemeClr val="tx1"/>
+                </a:solidFill>
+                <a:latin typeface="+mn-lt"/>
+                <a:ea typeface="+mn-ea"/>
+                <a:cs typeface="+mn-cs"/>
+              </a:defRPr>
+            </a:lvl1pPr>
+            <a:lvl2pPr marL="742950" indent="-285750" algn="l" rtl="0" eaLnBrk="0" fontAlgn="base" hangingPunct="0">
+              <a:spcBef>
+                <a:spcPct val="20000"/>
+              </a:spcBef>
+              <a:spcAft>
+                <a:spcPct val="0"/>
+              </a:spcAft>
+              <a:buClr>
+                <a:srgbClr val="2675B4"/>
+              </a:buClr>
+              <a:buFont typeface="Wingdings" charset="2"/>
+              <a:buChar char="§"/>
+              <a:defRPr>
+                <a:solidFill>
+                  <a:schemeClr val="tx1"/>
+                </a:solidFill>
+                <a:latin typeface="+mn-lt"/>
+                <a:ea typeface="+mn-ea"/>
+                <a:cs typeface="+mn-cs"/>
+              </a:defRPr>
+            </a:lvl2pPr>
+            <a:lvl3pPr marL="1143000" indent="-228600" algn="l" rtl="0" eaLnBrk="0" fontAlgn="base" hangingPunct="0">
+              <a:spcBef>
+                <a:spcPct val="20000"/>
+              </a:spcBef>
+              <a:spcAft>
+                <a:spcPct val="0"/>
+              </a:spcAft>
+              <a:buClr>
+                <a:srgbClr val="2675B4"/>
+              </a:buClr>
+              <a:buFont typeface="Wingdings" charset="2"/>
+              <a:buChar char="§"/>
+              <a:defRPr>
+                <a:solidFill>
+                  <a:schemeClr val="tx1"/>
+                </a:solidFill>
+                <a:latin typeface="+mn-lt"/>
+                <a:ea typeface="+mn-ea"/>
+                <a:cs typeface="+mn-cs"/>
+              </a:defRPr>
+            </a:lvl3pPr>
+            <a:lvl4pPr marL="1600200" indent="-228600" algn="l" rtl="0" eaLnBrk="0" fontAlgn="base" hangingPunct="0">
+              <a:spcBef>
+                <a:spcPct val="20000"/>
+              </a:spcBef>
+              <a:spcAft>
+                <a:spcPct val="0"/>
+              </a:spcAft>
+              <a:buClr>
+                <a:srgbClr val="2675B4"/>
+              </a:buClr>
+              <a:buFont typeface="Wingdings" charset="2"/>
+              <a:buChar char="§"/>
+              <a:defRPr>
+                <a:solidFill>
+                  <a:schemeClr val="tx1"/>
+                </a:solidFill>
+                <a:latin typeface="+mn-lt"/>
+                <a:ea typeface="+mn-ea"/>
+                <a:cs typeface="+mn-cs"/>
+              </a:defRPr>
+            </a:lvl4pPr>
+            <a:lvl5pPr marL="2057400" indent="-228600" algn="l" rtl="0" eaLnBrk="0" fontAlgn="base" hangingPunct="0">
+              <a:spcBef>
+                <a:spcPct val="20000"/>
+              </a:spcBef>
+              <a:spcAft>
+                <a:spcPct val="0"/>
+              </a:spcAft>
+              <a:buClr>
+                <a:srgbClr val="2675B4"/>
+              </a:buClr>
+              <a:buFont typeface="Wingdings" charset="2"/>
+              <a:buChar char="§"/>
+              <a:defRPr>
+                <a:solidFill>
+                  <a:schemeClr val="tx1"/>
+                </a:solidFill>
+                <a:latin typeface="+mn-lt"/>
+                <a:ea typeface="+mn-ea"/>
+                <a:cs typeface="+mn-cs"/>
+              </a:defRPr>
+            </a:lvl5pPr>
+            <a:lvl6pPr marL="2514600" indent="-228600" algn="l" rtl="0" fontAlgn="base">
+              <a:spcBef>
+                <a:spcPct val="20000"/>
+              </a:spcBef>
+              <a:spcAft>
+                <a:spcPct val="0"/>
+              </a:spcAft>
+              <a:buClr>
+                <a:srgbClr val="2675B4"/>
+              </a:buClr>
+              <a:buFont typeface="Wingdings" charset="2"/>
+              <a:buChar char="§"/>
+              <a:defRPr>
+                <a:solidFill>
+                  <a:schemeClr val="tx1"/>
+                </a:solidFill>
+                <a:latin typeface="+mn-lt"/>
+                <a:ea typeface="+mn-ea"/>
+                <a:cs typeface="+mn-cs"/>
+              </a:defRPr>
+            </a:lvl6pPr>
+            <a:lvl7pPr marL="2971800" indent="-228600" algn="l" rtl="0" fontAlgn="base">
+              <a:spcBef>
+                <a:spcPct val="20000"/>
+              </a:spcBef>
+              <a:spcAft>
+                <a:spcPct val="0"/>
+              </a:spcAft>
+              <a:buClr>
+                <a:srgbClr val="2675B4"/>
+              </a:buClr>
+              <a:buFont typeface="Wingdings" charset="2"/>
+              <a:buChar char="§"/>
+              <a:defRPr>
+                <a:solidFill>
+                  <a:schemeClr val="tx1"/>
+                </a:solidFill>
+                <a:latin typeface="+mn-lt"/>
+                <a:ea typeface="+mn-ea"/>
+                <a:cs typeface="+mn-cs"/>
+              </a:defRPr>
+            </a:lvl7pPr>
+            <a:lvl8pPr marL="3429000" indent="-228600" algn="l" rtl="0" fontAlgn="base">
+              <a:spcBef>
+                <a:spcPct val="20000"/>
+              </a:spcBef>
+              <a:spcAft>
+                <a:spcPct val="0"/>
+              </a:spcAft>
+              <a:buClr>
+                <a:srgbClr val="2675B4"/>
+              </a:buClr>
+              <a:buFont typeface="Wingdings" charset="2"/>
+              <a:buChar char="§"/>
+              <a:defRPr>
+                <a:solidFill>
+                  <a:schemeClr val="tx1"/>
+                </a:solidFill>
+                <a:latin typeface="+mn-lt"/>
+                <a:ea typeface="+mn-ea"/>
+                <a:cs typeface="+mn-cs"/>
+              </a:defRPr>
+            </a:lvl8pPr>
+            <a:lvl9pPr marL="3886200" indent="-228600" algn="l" rtl="0" fontAlgn="base">
+              <a:spcBef>
+                <a:spcPct val="20000"/>
+              </a:spcBef>
+              <a:spcAft>
+                <a:spcPct val="0"/>
+              </a:spcAft>
+              <a:buClr>
+                <a:srgbClr val="2675B4"/>
+              </a:buClr>
+              <a:buFont typeface="Wingdings" charset="2"/>
+              <a:buChar char="§"/>
+              <a:defRPr>
+                <a:solidFill>
+                  <a:schemeClr val="tx1"/>
+                </a:solidFill>
+                <a:latin typeface="+mn-lt"/>
+                <a:ea typeface="+mn-ea"/>
+                <a:cs typeface="+mn-cs"/>
+              </a:defRPr>
+            </a:lvl9pPr>
+          </a:lstStyle>
+          <a:p>
+            <a:pPr marL="0" indent="0">
+              <a:buFont typeface="Wingdings" charset="2"/>
+              <a:buNone/>
+            </a:pPr>
+            <a:r>
+              <a:rPr lang="en-US" sz="2200" b="1" dirty="0" smtClean="0"/>
+              <a:t>Personal</a:t>
+            </a:r>
+          </a:p>
+          <a:p>
+            <a:r>
+              <a:rPr lang="en-US" sz="2000" dirty="0" smtClean="0"/>
+              <a:t>My family!</a:t>
+            </a:r>
+          </a:p>
+          <a:p>
+            <a:endParaRPr lang="en-US" sz="2000" dirty="0" smtClean="0"/>
+          </a:p>
+        </p:txBody>
+      </p:sp>
+      <p:pic>
+        <p:nvPicPr>
+          <p:cNvPr id="11" name="Picture 10" descr="IMG_0340.jpg"/>
+          <p:cNvPicPr>
+            <a:picLocks noChangeAspect="1"/>
+          </p:cNvPicPr>
+          <p:nvPr/>
+        </p:nvPicPr>
+        <p:blipFill>
+          <a:blip r:embed="rId2">
+            <a:extLst>
+              <a:ext uri="{28A0092B-C50C-407E-A947-70E740481C1C}">
+                <a14:useLocalDpi xmlns:a14="http://schemas.microsoft.com/office/drawing/2010/main" val="0"/>
+              </a:ext>
+            </a:extLst>
+          </a:blip>
+          <a:stretch>
+            <a:fillRect/>
+          </a:stretch>
+        </p:blipFill>
+        <p:spPr>
+          <a:xfrm>
+            <a:off x="6858000" y="4038600"/>
+            <a:ext cx="1770785" cy="2362200"/>
+          </a:xfrm>
+          <a:prstGeom prst="rect">
+            <a:avLst/>
+          </a:prstGeom>
+        </p:spPr>
+      </p:pic>
+    </p:spTree>
+    <p:extLst>
+      <p:ext uri="{BB962C8B-B14F-4D97-AF65-F5344CB8AC3E}">
+        <p14:creationId xmlns:p14="http://schemas.microsoft.com/office/powerpoint/2010/main" val="3825096128"/>
+      </p:ext>
+    </p:extLst>
+  </p:cSld>
+  <p:clrMapOvr>
+    <a:masterClrMapping/>
+  </p:clrMapOvr>
+</p:sld>
+</file>
+
+<file path=ppt/slides/slide6.xml><?xml version="1.0" encoding="utf-8"?>
+<p:sld xmlns:a="http://schemas.openxmlformats.org/drawingml/2006/main" xmlns:r="http://schemas.openxmlformats.org/officeDocument/2006/relationships" xmlns:p="http://schemas.openxmlformats.org/presentationml/2006/main">
+  <p:cSld>
+    <p:spTree>
+      <p:nvGrpSpPr>
+        <p:cNvPr id="1" name=""/>
+        <p:cNvGrpSpPr/>
+        <p:nvPr/>
+      </p:nvGrpSpPr>
+      <p:grpSpPr>
+        <a:xfrm>
+          <a:off x="0" y="0"/>
+          <a:ext cx="0" cy="0"/>
+          <a:chOff x="0" y="0"/>
+          <a:chExt cx="0" cy="0"/>
+        </a:xfrm>
+      </p:grpSpPr>
+      <p:sp>
+        <p:nvSpPr>
+          <p:cNvPr id="4" name="Footer Placeholder 3"/>
+          <p:cNvSpPr>
+            <a:spLocks noGrp="1"/>
+          </p:cNvSpPr>
+          <p:nvPr>
+            <p:ph type="ftr" sz="quarter" idx="10"/>
           </p:nvPr>
         </p:nvSpPr>
         <p:spPr/>
@@ -5951,27 +7712,24 @@
           <a:bodyPr/>
           <a:lstStyle/>
           <a:p>
-            <a:pPr eaLnBrk="1" hangingPunct="1"/>
-            <a:r>
-              <a:rPr lang="en-US" altLang="en-US" b="1" dirty="0" smtClean="0"/>
-              <a:t>Editing</a:t>
-            </a:r>
-            <a:r>
-              <a:rPr lang="en-US" altLang="en-US" dirty="0" smtClean="0"/>
-              <a:t> this Template</a:t>
-            </a:r>
-            <a:endParaRPr lang="en-US" altLang="en-US" dirty="0" smtClean="0"/>
-          </a:p>
-        </p:txBody>
-      </p:sp>
-      <p:sp>
-        <p:nvSpPr>
-          <p:cNvPr id="4102" name="Rectangle 3"/>
-          <p:cNvSpPr>
-            <a:spLocks noGrp="1" noChangeArrowheads="1"/>
-          </p:cNvSpPr>
-          <p:nvPr>
-            <p:ph type="body" idx="1"/>
+            <a:pPr>
+              <a:defRPr/>
+            </a:pPr>
+            <a:r>
+              <a:rPr lang="en-US" altLang="en-US" dirty="0"/>
+              <a:t>Modeling the Effects of Auditory Neuropathy on the ABR</a:t>
+            </a:r>
+          </a:p>
+        </p:txBody>
+      </p:sp>
+      <p:sp>
+        <p:nvSpPr>
+          <p:cNvPr id="5" name="Slide Number Placeholder 4"/>
+          <p:cNvSpPr>
+            <a:spLocks noGrp="1"/>
+          </p:cNvSpPr>
+          <p:nvPr>
+            <p:ph type="sldNum" sz="quarter" idx="11"/>
           </p:nvPr>
         </p:nvSpPr>
         <p:spPr/>
@@ -5979,65 +7737,93 @@
           <a:bodyPr/>
           <a:lstStyle/>
           <a:p>
-            <a:pPr eaLnBrk="1" hangingPunct="1">
-              <a:buClr>
-                <a:srgbClr val="CC0000"/>
-              </a:buClr>
+            <a:pPr>
+              <a:defRPr/>
             </a:pPr>
-            <a:r>
-              <a:rPr lang="en-US" altLang="en-US" dirty="0" smtClean="0"/>
-              <a:t>The info at the top of the slide can be changed</a:t>
-            </a:r>
-          </a:p>
-          <a:p>
-            <a:pPr eaLnBrk="1" hangingPunct="1">
-              <a:buClr>
-                <a:srgbClr val="CC0000"/>
-              </a:buClr>
+            <a:fld id="{8840E231-D218-4982-B1DE-6520F190699A}" type="slidenum">
+              <a:rPr lang="en-US" altLang="en-US" smtClean="0"/>
+              <a:pPr>
+                <a:defRPr/>
+              </a:pPr>
+              <a:t>6</a:t>
+            </a:fld>
+            <a:endParaRPr lang="en-US" altLang="en-US" dirty="0"/>
+          </a:p>
+        </p:txBody>
+      </p:sp>
+      <p:sp>
+        <p:nvSpPr>
+          <p:cNvPr id="6" name="Date Placeholder 5"/>
+          <p:cNvSpPr>
+            <a:spLocks noGrp="1"/>
+          </p:cNvSpPr>
+          <p:nvPr>
+            <p:ph type="dt" sz="half" idx="12"/>
+          </p:nvPr>
+        </p:nvSpPr>
+        <p:spPr/>
+        <p:txBody>
+          <a:bodyPr/>
+          <a:lstStyle/>
+          <a:p>
+            <a:pPr>
+              <a:defRPr/>
             </a:pPr>
-            <a:r>
-              <a:rPr lang="en-US" altLang="en-US" dirty="0" smtClean="0"/>
-              <a:t>Go to the </a:t>
-            </a:r>
-            <a:r>
-              <a:rPr lang="en-US" altLang="en-US" b="1" dirty="0" smtClean="0"/>
-              <a:t>View</a:t>
-            </a:r>
-            <a:r>
-              <a:rPr lang="en-US" altLang="en-US" dirty="0" smtClean="0"/>
-              <a:t> menu and choose </a:t>
-            </a:r>
-            <a:r>
-              <a:rPr lang="en-US" altLang="en-US" b="1" dirty="0" smtClean="0"/>
-              <a:t>Header and Footer</a:t>
-            </a:r>
-          </a:p>
-          <a:p>
-            <a:pPr eaLnBrk="1" hangingPunct="1">
-              <a:buClr>
-                <a:srgbClr val="CC0000"/>
-              </a:buClr>
-            </a:pPr>
-            <a:r>
-              <a:rPr lang="en-US" altLang="en-US" dirty="0" smtClean="0"/>
-              <a:t>Then change the date and footer text</a:t>
-            </a:r>
-          </a:p>
-          <a:p>
-            <a:pPr eaLnBrk="1" hangingPunct="1">
-              <a:buClr>
-                <a:srgbClr val="CC0000"/>
-              </a:buClr>
-            </a:pPr>
-            <a:r>
-              <a:rPr lang="en-US" altLang="en-US" dirty="0" smtClean="0"/>
-              <a:t>You can also enable or disable automatic slide numbering in the Header and Footer</a:t>
-            </a:r>
-            <a:endParaRPr lang="en-US" altLang="en-US" dirty="0" smtClean="0"/>
-          </a:p>
-        </p:txBody>
-      </p:sp>
+            <a:fld id="{A544915F-7309-4744-8FAD-0D6B1CB5A275}" type="datetime1">
+              <a:rPr lang="en-US" altLang="en-US" smtClean="0"/>
+              <a:t>8/9/16</a:t>
+            </a:fld>
+            <a:endParaRPr lang="en-US" altLang="en-US"/>
+          </a:p>
+        </p:txBody>
+      </p:sp>
+      <p:pic>
+        <p:nvPicPr>
+          <p:cNvPr id="2051" name="Picture 3" descr="C:\Users\Graham Voysey\Google Drive\BU\HRC\g3133.png"/>
+          <p:cNvPicPr>
+            <a:picLocks noChangeAspect="1" noChangeArrowheads="1"/>
+          </p:cNvPicPr>
+          <p:nvPr/>
+        </p:nvPicPr>
+        <p:blipFill>
+          <a:blip r:embed="rId2">
+            <a:extLst>
+              <a:ext uri="{28A0092B-C50C-407E-A947-70E740481C1C}">
+                <a14:useLocalDpi xmlns:a14="http://schemas.microsoft.com/office/drawing/2010/main" val="0"/>
+              </a:ext>
+            </a:extLst>
+          </a:blip>
+          <a:srcRect/>
+          <a:stretch>
+            <a:fillRect/>
+          </a:stretch>
+        </p:blipFill>
+        <p:spPr bwMode="auto">
+          <a:xfrm>
+            <a:off x="2667000" y="2057400"/>
+            <a:ext cx="4135437" cy="2551112"/>
+          </a:xfrm>
+          <a:prstGeom prst="rect">
+            <a:avLst/>
+          </a:prstGeom>
+          <a:noFill/>
+          <a:extLst>
+            <a:ext uri="{909E8E84-426E-40dd-AFC4-6F175D3DCCD1}">
+              <a14:hiddenFill xmlns:a14="http://schemas.microsoft.com/office/drawing/2010/main">
+                <a:solidFill>
+                  <a:srgbClr val="FFFFFF"/>
+                </a:solidFill>
+              </a14:hiddenFill>
+            </a:ext>
+          </a:extLst>
+        </p:spPr>
+      </p:pic>
     </p:spTree>
+    <p:extLst>
+      <p:ext uri="{BB962C8B-B14F-4D97-AF65-F5344CB8AC3E}">
+        <p14:creationId xmlns:p14="http://schemas.microsoft.com/office/powerpoint/2010/main" val="3301279014"/>
+      </p:ext>
+    </p:extLst>
   </p:cSld>
   <p:clrMapOvr>
     <a:masterClrMapping/>
@@ -6045,7 +7831,7 @@
   <p:timing>
     <p:tnLst>
       <p:par>
-        <p:cTn id="1" dur="indefinite" restart="never" nodeType="tmRoot"/>
+        <p:cTn xmlns:p14="http://schemas.microsoft.com/office/powerpoint/2010/main" id="1" dur="indefinite" restart="never" nodeType="tmRoot"/>
       </p:par>
     </p:tnLst>
   </p:timing>

--- a/slides/voysey-thesis.pptx
+++ b/slides/voysey-thesis.pptx
@@ -5,10 +5,10 @@
     <p:sldMasterId id="2147483648" r:id="rId1"/>
   </p:sldMasterIdLst>
   <p:notesMasterIdLst>
-    <p:notesMasterId r:id="rId8"/>
+    <p:notesMasterId r:id="rId9"/>
   </p:notesMasterIdLst>
   <p:handoutMasterIdLst>
-    <p:handoutMasterId r:id="rId9"/>
+    <p:handoutMasterId r:id="rId10"/>
   </p:handoutMasterIdLst>
   <p:sldIdLst>
     <p:sldId id="259" r:id="rId2"/>
@@ -17,6 +17,7 @@
     <p:sldId id="262" r:id="rId5"/>
     <p:sldId id="263" r:id="rId6"/>
     <p:sldId id="258" r:id="rId7"/>
+    <p:sldId id="264" r:id="rId8"/>
   </p:sldIdLst>
   <p:sldSz cx="9144000" cy="6858000" type="screen4x3"/>
   <p:notesSz cx="6858000" cy="9144000"/>
@@ -1744,7 +1745,7 @@
             </a:pPr>
             <a:fld id="{B8EFF239-E46C-4117-91BF-EDADFB47CAC8}" type="datetime1">
               <a:rPr lang="en-US" altLang="en-US" smtClean="0"/>
-              <a:t>8/9/16</a:t>
+              <a:t>8/10/16</a:t>
             </a:fld>
             <a:endParaRPr lang="en-US" altLang="en-US"/>
           </a:p>
@@ -1958,7 +1959,7 @@
             </a:pPr>
             <a:fld id="{3E5FD174-36E5-463D-ADFA-8360A831E519}" type="datetime1">
               <a:rPr lang="en-US" altLang="en-US" smtClean="0"/>
-              <a:t>8/9/16</a:t>
+              <a:t>8/10/16</a:t>
             </a:fld>
             <a:endParaRPr lang="en-US" altLang="en-US"/>
           </a:p>
@@ -2166,7 +2167,7 @@
             </a:pPr>
             <a:fld id="{A544915F-7309-4744-8FAD-0D6B1CB5A275}" type="datetime1">
               <a:rPr lang="en-US" altLang="en-US" smtClean="0"/>
-              <a:t>8/9/16</a:t>
+              <a:t>8/10/16</a:t>
             </a:fld>
             <a:endParaRPr lang="en-US" altLang="en-US"/>
           </a:p>
@@ -2392,7 +2393,7 @@
             </a:pPr>
             <a:fld id="{E6C6BFA3-5BAB-4227-B5CF-B2D608775F9E}" type="datetime1">
               <a:rPr lang="en-US" altLang="en-US" smtClean="0"/>
-              <a:t>8/9/16</a:t>
+              <a:t>8/10/16</a:t>
             </a:fld>
             <a:endParaRPr lang="en-US" altLang="en-US"/>
           </a:p>
@@ -2714,7 +2715,7 @@
             </a:pPr>
             <a:fld id="{C02B3D24-940F-4CA8-A245-415C5E0C7A5D}" type="datetime1">
               <a:rPr lang="en-US" altLang="en-US" smtClean="0"/>
-              <a:t>8/9/16</a:t>
+              <a:t>8/10/16</a:t>
             </a:fld>
             <a:endParaRPr lang="en-US" altLang="en-US"/>
           </a:p>
@@ -3175,7 +3176,7 @@
             </a:pPr>
             <a:fld id="{84056FFF-1CAF-480A-BD25-8C132B6C9519}" type="datetime1">
               <a:rPr lang="en-US" altLang="en-US" smtClean="0"/>
-              <a:t>8/9/16</a:t>
+              <a:t>8/10/16</a:t>
             </a:fld>
             <a:endParaRPr lang="en-US" altLang="en-US"/>
           </a:p>
@@ -3327,7 +3328,7 @@
             </a:pPr>
             <a:fld id="{CC02872F-3C46-4632-A0D0-C67EDB2B2691}" type="datetime1">
               <a:rPr lang="en-US" altLang="en-US" smtClean="0"/>
-              <a:t>8/9/16</a:t>
+              <a:t>8/10/16</a:t>
             </a:fld>
             <a:endParaRPr lang="en-US" altLang="en-US"/>
           </a:p>
@@ -3456,7 +3457,7 @@
             </a:pPr>
             <a:fld id="{B063A3BD-F745-4EC1-8838-FF51B39EF9F5}" type="datetime1">
               <a:rPr lang="en-US" altLang="en-US" smtClean="0"/>
-              <a:t>8/9/16</a:t>
+              <a:t>8/10/16</a:t>
             </a:fld>
             <a:endParaRPr lang="en-US" altLang="en-US"/>
           </a:p>
@@ -3767,7 +3768,7 @@
             </a:pPr>
             <a:fld id="{F43DD9DD-561F-44C9-90A4-C217ECD8A48A}" type="datetime1">
               <a:rPr lang="en-US" altLang="en-US" smtClean="0"/>
-              <a:t>8/9/16</a:t>
+              <a:t>8/10/16</a:t>
             </a:fld>
             <a:endParaRPr lang="en-US" altLang="en-US"/>
           </a:p>
@@ -4055,7 +4056,7 @@
             </a:pPr>
             <a:fld id="{1B5B985C-0DA9-4FAA-B2F2-BDCC6964FA4D}" type="datetime1">
               <a:rPr lang="en-US" altLang="en-US" smtClean="0"/>
-              <a:t>8/9/16</a:t>
+              <a:t>8/10/16</a:t>
             </a:fld>
             <a:endParaRPr lang="en-US" altLang="en-US"/>
           </a:p>
@@ -4561,7 +4562,7 @@
             </a:pPr>
             <a:fld id="{FCB6550E-5833-4993-BF34-C7DB2A6FD9A7}" type="datetime1">
               <a:rPr lang="en-US" altLang="en-US" smtClean="0"/>
-              <a:t>8/9/16</a:t>
+              <a:t>8/10/16</a:t>
             </a:fld>
             <a:endParaRPr lang="en-US" altLang="en-US" dirty="0"/>
           </a:p>
@@ -5213,7 +5214,6 @@
               <a:rPr lang="en-US" altLang="en-US" dirty="0" smtClean="0"/>
               <a:t>M.S. Thesis Defense</a:t>
             </a:r>
-            <a:endParaRPr lang="en-US" altLang="en-US" dirty="0" smtClean="0"/>
           </a:p>
           <a:p>
             <a:pPr eaLnBrk="1" hangingPunct="1"/>
@@ -5221,7 +5221,6 @@
               <a:rPr lang="en-US" altLang="en-US" dirty="0" smtClean="0"/>
               <a:t>18 August, 2016</a:t>
             </a:r>
-            <a:endParaRPr lang="en-US" altLang="en-US" dirty="0" smtClean="0"/>
           </a:p>
         </p:txBody>
       </p:sp>
@@ -5688,7 +5687,7 @@
             </a:pPr>
             <a:fld id="{A544915F-7309-4744-8FAD-0D6B1CB5A275}" type="datetime1">
               <a:rPr lang="en-US" altLang="en-US" smtClean="0"/>
-              <a:t>8/9/16</a:t>
+              <a:t>8/10/16</a:t>
             </a:fld>
             <a:endParaRPr lang="en-US" altLang="en-US"/>
           </a:p>
@@ -5747,6 +5746,84 @@
   <p:clrMapOvr>
     <a:masterClrMapping/>
   </p:clrMapOvr>
+  <p:timing>
+    <p:tnLst>
+      <p:par>
+        <p:cTn xmlns:p14="http://schemas.microsoft.com/office/powerpoint/2010/main" id="1" dur="indefinite" restart="never" nodeType="tmRoot">
+          <p:childTnLst>
+            <p:seq concurrent="1" nextAc="seek">
+              <p:cTn id="2" dur="indefinite" nodeType="mainSeq">
+                <p:childTnLst>
+                  <p:par>
+                    <p:cTn id="3" fill="hold">
+                      <p:stCondLst>
+                        <p:cond delay="indefinite"/>
+                      </p:stCondLst>
+                      <p:childTnLst>
+                        <p:par>
+                          <p:cTn id="4" fill="hold">
+                            <p:stCondLst>
+                              <p:cond delay="0"/>
+                            </p:stCondLst>
+                            <p:childTnLst>
+                              <p:par>
+                                <p:cTn id="5" presetID="1" presetClass="entr" presetSubtype="0" fill="hold" grpId="0" nodeType="clickEffect">
+                                  <p:stCondLst>
+                                    <p:cond delay="0"/>
+                                  </p:stCondLst>
+                                  <p:childTnLst>
+                                    <p:set>
+                                      <p:cBhvr>
+                                        <p:cTn id="6" dur="1" fill="hold">
+                                          <p:stCondLst>
+                                            <p:cond delay="0"/>
+                                          </p:stCondLst>
+                                        </p:cTn>
+                                        <p:tgtEl>
+                                          <p:spTgt spid="7"/>
+                                        </p:tgtEl>
+                                        <p:attrNameLst>
+                                          <p:attrName>style.visibility</p:attrName>
+                                        </p:attrNameLst>
+                                      </p:cBhvr>
+                                      <p:to>
+                                        <p:strVal val="visible"/>
+                                      </p:to>
+                                    </p:set>
+                                  </p:childTnLst>
+                                </p:cTn>
+                              </p:par>
+                            </p:childTnLst>
+                          </p:cTn>
+                        </p:par>
+                      </p:childTnLst>
+                    </p:cTn>
+                  </p:par>
+                </p:childTnLst>
+              </p:cTn>
+              <p:prevCondLst>
+                <p:cond evt="onPrev" delay="0">
+                  <p:tgtEl>
+                    <p:sldTgt/>
+                  </p:tgtEl>
+                </p:cond>
+              </p:prevCondLst>
+              <p:nextCondLst>
+                <p:cond evt="onNext" delay="0">
+                  <p:tgtEl>
+                    <p:sldTgt/>
+                  </p:tgtEl>
+                </p:cond>
+              </p:nextCondLst>
+            </p:seq>
+          </p:childTnLst>
+        </p:cTn>
+      </p:par>
+    </p:tnLst>
+    <p:bldLst>
+      <p:bldP spid="7" grpId="0"/>
+    </p:bldLst>
+  </p:timing>
 </p:sld>
 </file>
 
@@ -5949,109 +6026,94 @@
             </a:pPr>
             <a:fld id="{A544915F-7309-4744-8FAD-0D6B1CB5A275}" type="datetime1">
               <a:rPr lang="en-US" altLang="en-US" smtClean="0"/>
-              <a:t>8/9/16</a:t>
+              <a:t>8/10/16</a:t>
             </a:fld>
             <a:endParaRPr lang="en-US" altLang="en-US"/>
           </a:p>
         </p:txBody>
       </p:sp>
-      <p:grpSp>
-        <p:nvGrpSpPr>
-          <p:cNvPr id="9" name="Group 8"/>
-          <p:cNvGrpSpPr/>
+      <p:pic>
+        <p:nvPicPr>
+          <p:cNvPr id="7" name="Picture 2" descr="C:\Users\Graham Voysey\Desktop\IMG_6002.JPG"/>
+          <p:cNvPicPr>
+            <a:picLocks noChangeAspect="1" noChangeArrowheads="1"/>
+          </p:cNvPicPr>
           <p:nvPr/>
-        </p:nvGrpSpPr>
-        <p:grpSpPr>
+        </p:nvPicPr>
+        <p:blipFill>
+          <a:blip r:embed="rId2" cstate="print">
+            <a:extLst>
+              <a:ext uri="{28A0092B-C50C-407E-A947-70E740481C1C}">
+                <a14:useLocalDpi xmlns:a14="http://schemas.microsoft.com/office/drawing/2010/main" val="0"/>
+              </a:ext>
+            </a:extLst>
+          </a:blip>
+          <a:srcRect/>
+          <a:stretch>
+            <a:fillRect/>
+          </a:stretch>
+        </p:blipFill>
+        <p:spPr bwMode="auto">
+          <a:xfrm>
+            <a:off x="2780404" y="1447800"/>
+            <a:ext cx="2134142" cy="1600200"/>
+          </a:xfrm>
+          <a:prstGeom prst="rect">
+            <a:avLst/>
+          </a:prstGeom>
+          <a:noFill/>
+          <a:extLst>
+            <a:ext uri="{909E8E84-426E-40dd-AFC4-6F175D3DCCD1}">
+              <a14:hiddenFill xmlns:a14="http://schemas.microsoft.com/office/drawing/2010/main">
+                <a:solidFill>
+                  <a:srgbClr val="FFFFFF"/>
+                </a:solidFill>
+              </a14:hiddenFill>
+            </a:ext>
+          </a:extLst>
+        </p:spPr>
+      </p:pic>
+      <p:pic>
+        <p:nvPicPr>
+          <p:cNvPr id="8" name="Picture 3" descr="C:\Users\Graham Voysey\Desktop\IMG_6002-blurred.JPG"/>
+          <p:cNvPicPr>
+            <a:picLocks noChangeAspect="1" noChangeArrowheads="1"/>
+          </p:cNvPicPr>
+          <p:nvPr/>
+        </p:nvPicPr>
+        <p:blipFill>
+          <a:blip r:embed="rId3" cstate="print">
+            <a:extLst>
+              <a:ext uri="{28A0092B-C50C-407E-A947-70E740481C1C}">
+                <a14:useLocalDpi xmlns:a14="http://schemas.microsoft.com/office/drawing/2010/main" val="0"/>
+              </a:ext>
+            </a:extLst>
+          </a:blip>
+          <a:srcRect/>
+          <a:stretch>
+            <a:fillRect/>
+          </a:stretch>
+        </p:blipFill>
+        <p:spPr bwMode="auto">
           <a:xfrm>
             <a:off x="337891" y="1447800"/>
-            <a:ext cx="4576655" cy="1600200"/>
-            <a:chOff x="653638" y="1447800"/>
-            <a:chExt cx="3486975" cy="1219200"/>
+            <a:ext cx="2134141" cy="1600200"/>
           </a:xfrm>
-        </p:grpSpPr>
-        <p:pic>
-          <p:nvPicPr>
-            <p:cNvPr id="7" name="Picture 2" descr="C:\Users\Graham Voysey\Desktop\IMG_6002.JPG"/>
-            <p:cNvPicPr>
-              <a:picLocks noChangeAspect="1" noChangeArrowheads="1"/>
-            </p:cNvPicPr>
-            <p:nvPr/>
-          </p:nvPicPr>
-          <p:blipFill>
-            <a:blip r:embed="rId2" cstate="print">
-              <a:extLst>
-                <a:ext uri="{28A0092B-C50C-407E-A947-70E740481C1C}">
-                  <a14:useLocalDpi xmlns:a14="http://schemas.microsoft.com/office/drawing/2010/main" val="0"/>
-                </a:ext>
-              </a:extLst>
-            </a:blip>
-            <a:srcRect/>
-            <a:stretch>
-              <a:fillRect/>
-            </a:stretch>
-          </p:blipFill>
-          <p:spPr bwMode="auto">
-            <a:xfrm>
-              <a:off x="2514600" y="1447800"/>
-              <a:ext cx="1626013" cy="1219200"/>
-            </a:xfrm>
-            <a:prstGeom prst="rect">
-              <a:avLst/>
-            </a:prstGeom>
-            <a:noFill/>
-            <a:extLst>
-              <a:ext uri="{909E8E84-426E-40dd-AFC4-6F175D3DCCD1}">
-                <a14:hiddenFill xmlns:a14="http://schemas.microsoft.com/office/drawing/2010/main">
-                  <a:solidFill>
-                    <a:srgbClr val="FFFFFF"/>
-                  </a:solidFill>
-                </a14:hiddenFill>
-              </a:ext>
-            </a:extLst>
-          </p:spPr>
-        </p:pic>
-        <p:pic>
-          <p:nvPicPr>
-            <p:cNvPr id="8" name="Picture 3" descr="C:\Users\Graham Voysey\Desktop\IMG_6002-blurred.JPG"/>
-            <p:cNvPicPr>
-              <a:picLocks noChangeAspect="1" noChangeArrowheads="1"/>
-            </p:cNvPicPr>
-            <p:nvPr/>
-          </p:nvPicPr>
-          <p:blipFill>
-            <a:blip r:embed="rId3" cstate="print">
-              <a:extLst>
-                <a:ext uri="{28A0092B-C50C-407E-A947-70E740481C1C}">
-                  <a14:useLocalDpi xmlns:a14="http://schemas.microsoft.com/office/drawing/2010/main" val="0"/>
-                </a:ext>
-              </a:extLst>
-            </a:blip>
-            <a:srcRect/>
-            <a:stretch>
-              <a:fillRect/>
-            </a:stretch>
-          </p:blipFill>
-          <p:spPr bwMode="auto">
-            <a:xfrm>
-              <a:off x="653638" y="1447800"/>
-              <a:ext cx="1626012" cy="1219200"/>
-            </a:xfrm>
-            <a:prstGeom prst="rect">
-              <a:avLst/>
-            </a:prstGeom>
-            <a:noFill/>
-            <a:extLst>
-              <a:ext uri="{909E8E84-426E-40dd-AFC4-6F175D3DCCD1}">
-                <a14:hiddenFill xmlns:a14="http://schemas.microsoft.com/office/drawing/2010/main">
-                  <a:solidFill>
-                    <a:srgbClr val="FFFFFF"/>
-                  </a:solidFill>
-                </a14:hiddenFill>
-              </a:ext>
-            </a:extLst>
-          </p:spPr>
-        </p:pic>
-      </p:grpSp>
+          <a:prstGeom prst="rect">
+            <a:avLst/>
+          </a:prstGeom>
+          <a:noFill/>
+          <a:extLst>
+            <a:ext uri="{909E8E84-426E-40dd-AFC4-6F175D3DCCD1}">
+              <a14:hiddenFill xmlns:a14="http://schemas.microsoft.com/office/drawing/2010/main">
+                <a:solidFill>
+                  <a:srgbClr val="FFFFFF"/>
+                </a:solidFill>
+              </a14:hiddenFill>
+            </a:ext>
+          </a:extLst>
+        </p:spPr>
+      </p:pic>
       <p:pic>
         <p:nvPicPr>
           <p:cNvPr id="3074" name="Picture 2" descr="C:\Users\Graham Voysey\Google Drive\photos\IMG_0093.GIF"/>
@@ -6106,7 +6168,165 @@
   <p:timing>
     <p:tnLst>
       <p:par>
-        <p:cTn xmlns:p14="http://schemas.microsoft.com/office/powerpoint/2010/main" id="1" dur="indefinite" restart="never" nodeType="tmRoot"/>
+        <p:cTn xmlns:p14="http://schemas.microsoft.com/office/powerpoint/2010/main" id="1" dur="indefinite" restart="never" nodeType="tmRoot">
+          <p:childTnLst>
+            <p:seq concurrent="1" nextAc="seek">
+              <p:cTn id="2" dur="indefinite" nodeType="mainSeq">
+                <p:childTnLst>
+                  <p:par>
+                    <p:cTn id="3" fill="hold">
+                      <p:stCondLst>
+                        <p:cond delay="indefinite"/>
+                      </p:stCondLst>
+                      <p:childTnLst>
+                        <p:par>
+                          <p:cTn id="4" fill="hold">
+                            <p:stCondLst>
+                              <p:cond delay="0"/>
+                            </p:stCondLst>
+                            <p:childTnLst>
+                              <p:par>
+                                <p:cTn id="5" presetID="1" presetClass="entr" presetSubtype="0" fill="hold" nodeType="clickEffect">
+                                  <p:stCondLst>
+                                    <p:cond delay="0"/>
+                                  </p:stCondLst>
+                                  <p:childTnLst>
+                                    <p:set>
+                                      <p:cBhvr>
+                                        <p:cTn id="6" dur="1" fill="hold">
+                                          <p:stCondLst>
+                                            <p:cond delay="0"/>
+                                          </p:stCondLst>
+                                        </p:cTn>
+                                        <p:tgtEl>
+                                          <p:spTgt spid="8"/>
+                                        </p:tgtEl>
+                                        <p:attrNameLst>
+                                          <p:attrName>style.visibility</p:attrName>
+                                        </p:attrNameLst>
+                                      </p:cBhvr>
+                                      <p:to>
+                                        <p:strVal val="visible"/>
+                                      </p:to>
+                                    </p:set>
+                                  </p:childTnLst>
+                                </p:cTn>
+                              </p:par>
+                            </p:childTnLst>
+                          </p:cTn>
+                        </p:par>
+                      </p:childTnLst>
+                    </p:cTn>
+                  </p:par>
+                  <p:par>
+                    <p:cTn id="7" fill="hold">
+                      <p:stCondLst>
+                        <p:cond delay="indefinite"/>
+                      </p:stCondLst>
+                      <p:childTnLst>
+                        <p:par>
+                          <p:cTn id="8" fill="hold">
+                            <p:stCondLst>
+                              <p:cond delay="0"/>
+                            </p:stCondLst>
+                            <p:childTnLst>
+                              <p:par>
+                                <p:cTn id="9" presetID="1" presetClass="entr" presetSubtype="0" fill="hold" nodeType="clickEffect">
+                                  <p:stCondLst>
+                                    <p:cond delay="0"/>
+                                  </p:stCondLst>
+                                  <p:childTnLst>
+                                    <p:set>
+                                      <p:cBhvr>
+                                        <p:cTn id="10" dur="1" fill="hold">
+                                          <p:stCondLst>
+                                            <p:cond delay="0"/>
+                                          </p:stCondLst>
+                                        </p:cTn>
+                                        <p:tgtEl>
+                                          <p:spTgt spid="7"/>
+                                        </p:tgtEl>
+                                        <p:attrNameLst>
+                                          <p:attrName>style.visibility</p:attrName>
+                                        </p:attrNameLst>
+                                      </p:cBhvr>
+                                      <p:to>
+                                        <p:strVal val="visible"/>
+                                      </p:to>
+                                    </p:set>
+                                  </p:childTnLst>
+                                </p:cTn>
+                              </p:par>
+                            </p:childTnLst>
+                          </p:cTn>
+                        </p:par>
+                      </p:childTnLst>
+                    </p:cTn>
+                  </p:par>
+                  <p:par>
+                    <p:cTn id="11" fill="hold">
+                      <p:stCondLst>
+                        <p:cond delay="indefinite"/>
+                      </p:stCondLst>
+                      <p:childTnLst>
+                        <p:par>
+                          <p:cTn id="12" fill="hold">
+                            <p:stCondLst>
+                              <p:cond delay="0"/>
+                            </p:stCondLst>
+                            <p:childTnLst>
+                              <p:par>
+                                <p:cTn id="13" presetID="1" presetClass="entr" presetSubtype="0" fill="hold" nodeType="clickEffect">
+                                  <p:stCondLst>
+                                    <p:cond delay="0"/>
+                                  </p:stCondLst>
+                                  <p:childTnLst>
+                                    <p:set>
+                                      <p:cBhvr>
+                                        <p:cTn id="14" dur="1" fill="hold">
+                                          <p:stCondLst>
+                                            <p:cond delay="0"/>
+                                          </p:stCondLst>
+                                        </p:cTn>
+                                        <p:tgtEl>
+                                          <p:spTgt spid="3074"/>
+                                        </p:tgtEl>
+                                        <p:attrNameLst>
+                                          <p:attrName>style.visibility</p:attrName>
+                                        </p:attrNameLst>
+                                      </p:cBhvr>
+                                      <p:to>
+                                        <p:strVal val="visible"/>
+                                      </p:to>
+                                    </p:set>
+                                  </p:childTnLst>
+                                </p:cTn>
+                              </p:par>
+                            </p:childTnLst>
+                          </p:cTn>
+                        </p:par>
+                      </p:childTnLst>
+                    </p:cTn>
+                  </p:par>
+                </p:childTnLst>
+              </p:cTn>
+              <p:prevCondLst>
+                <p:cond evt="onPrev" delay="0">
+                  <p:tgtEl>
+                    <p:sldTgt/>
+                  </p:tgtEl>
+                </p:cond>
+              </p:prevCondLst>
+              <p:nextCondLst>
+                <p:cond evt="onNext" delay="0">
+                  <p:tgtEl>
+                    <p:sldTgt/>
+                  </p:tgtEl>
+                </p:cond>
+              </p:nextCondLst>
+            </p:seq>
+          </p:childTnLst>
+        </p:cTn>
       </p:par>
     </p:tnLst>
   </p:timing>
@@ -6319,7 +6539,7 @@
             </a:pPr>
             <a:fld id="{A544915F-7309-4744-8FAD-0D6B1CB5A275}" type="datetime1">
               <a:rPr lang="en-US" altLang="en-US" smtClean="0"/>
-              <a:t>8/9/16</a:t>
+              <a:t>8/10/16</a:t>
             </a:fld>
             <a:endParaRPr lang="en-US" altLang="en-US"/>
           </a:p>
@@ -6529,7 +6749,7 @@
             </a:pPr>
             <a:fld id="{A544915F-7309-4744-8FAD-0D6B1CB5A275}" type="datetime1">
               <a:rPr lang="en-US" altLang="en-US" smtClean="0"/>
-              <a:t>8/9/16</a:t>
+              <a:t>8/10/16</a:t>
             </a:fld>
             <a:endParaRPr lang="en-US" altLang="en-US"/>
           </a:p>
@@ -7659,7 +7879,7 @@
         </p:blipFill>
         <p:spPr>
           <a:xfrm>
-            <a:off x="6858000" y="4038600"/>
+            <a:off x="7315200" y="3810000"/>
             <a:ext cx="1770785" cy="2362200"/>
           </a:xfrm>
           <a:prstGeom prst="rect">
@@ -7677,6 +7897,13 @@
   <p:clrMapOvr>
     <a:masterClrMapping/>
   </p:clrMapOvr>
+  <p:timing>
+    <p:tnLst>
+      <p:par>
+        <p:cTn xmlns:p14="http://schemas.microsoft.com/office/powerpoint/2010/main" id="1" dur="indefinite" restart="never" nodeType="tmRoot"/>
+      </p:par>
+    </p:tnLst>
+  </p:timing>
 </p:sld>
 </file>
 
@@ -7771,7 +7998,7 @@
             </a:pPr>
             <a:fld id="{A544915F-7309-4744-8FAD-0D6B1CB5A275}" type="datetime1">
               <a:rPr lang="en-US" altLang="en-US" smtClean="0"/>
-              <a:t>8/9/16</a:t>
+              <a:t>8/10/16</a:t>
             </a:fld>
             <a:endParaRPr lang="en-US" altLang="en-US"/>
           </a:p>
@@ -7835,6 +8062,161 @@
       </p:par>
     </p:tnLst>
   </p:timing>
+</p:sld>
+</file>
+
+<file path=ppt/slides/slide7.xml><?xml version="1.0" encoding="utf-8"?>
+<p:sld xmlns:a="http://schemas.openxmlformats.org/drawingml/2006/main" xmlns:r="http://schemas.openxmlformats.org/officeDocument/2006/relationships" xmlns:p="http://schemas.openxmlformats.org/presentationml/2006/main">
+  <p:cSld>
+    <p:spTree>
+      <p:nvGrpSpPr>
+        <p:cNvPr id="1" name=""/>
+        <p:cNvGrpSpPr/>
+        <p:nvPr/>
+      </p:nvGrpSpPr>
+      <p:grpSpPr>
+        <a:xfrm>
+          <a:off x="0" y="0"/>
+          <a:ext cx="0" cy="0"/>
+          <a:chOff x="0" y="0"/>
+          <a:chExt cx="0" cy="0"/>
+        </a:xfrm>
+      </p:grpSpPr>
+      <p:sp>
+        <p:nvSpPr>
+          <p:cNvPr id="2" name="Title 1"/>
+          <p:cNvSpPr>
+            <a:spLocks noGrp="1"/>
+          </p:cNvSpPr>
+          <p:nvPr>
+            <p:ph type="title"/>
+          </p:nvPr>
+        </p:nvSpPr>
+        <p:spPr/>
+        <p:txBody>
+          <a:bodyPr/>
+          <a:lstStyle/>
+          <a:p>
+            <a:endParaRPr lang="en-US"/>
+          </a:p>
+        </p:txBody>
+      </p:sp>
+      <p:pic>
+        <p:nvPicPr>
+          <p:cNvPr id="7" name="Content Placeholder 6" descr="Screen Shot 2016-08-10 at 17.53.07 .png"/>
+          <p:cNvPicPr>
+            <a:picLocks noGrp="1" noChangeAspect="1"/>
+          </p:cNvPicPr>
+          <p:nvPr>
+            <p:ph idx="1"/>
+          </p:nvPr>
+        </p:nvPicPr>
+        <p:blipFill>
+          <a:blip r:embed="rId2">
+            <a:extLst>
+              <a:ext uri="{28A0092B-C50C-407E-A947-70E740481C1C}">
+                <a14:useLocalDpi xmlns:a14="http://schemas.microsoft.com/office/drawing/2010/main" val="0"/>
+              </a:ext>
+            </a:extLst>
+          </a:blip>
+          <a:srcRect l="32049" r="32049"/>
+          <a:stretch>
+            <a:fillRect/>
+          </a:stretch>
+        </p:blipFill>
+        <p:spPr/>
+      </p:pic>
+      <p:sp>
+        <p:nvSpPr>
+          <p:cNvPr id="4" name="Footer Placeholder 3"/>
+          <p:cNvSpPr>
+            <a:spLocks noGrp="1"/>
+          </p:cNvSpPr>
+          <p:nvPr>
+            <p:ph type="ftr" sz="quarter" idx="10"/>
+          </p:nvPr>
+        </p:nvSpPr>
+        <p:spPr/>
+        <p:txBody>
+          <a:bodyPr/>
+          <a:lstStyle/>
+          <a:p>
+            <a:pPr>
+              <a:defRPr/>
+            </a:pPr>
+            <a:r>
+              <a:rPr lang="en-US" altLang="en-US" smtClean="0"/>
+              <a:t>Presentation Title</a:t>
+            </a:r>
+            <a:endParaRPr lang="en-US" altLang="en-US"/>
+          </a:p>
+        </p:txBody>
+      </p:sp>
+      <p:sp>
+        <p:nvSpPr>
+          <p:cNvPr id="5" name="Slide Number Placeholder 4"/>
+          <p:cNvSpPr>
+            <a:spLocks noGrp="1"/>
+          </p:cNvSpPr>
+          <p:nvPr>
+            <p:ph type="sldNum" sz="quarter" idx="11"/>
+          </p:nvPr>
+        </p:nvSpPr>
+        <p:spPr/>
+        <p:txBody>
+          <a:bodyPr/>
+          <a:lstStyle/>
+          <a:p>
+            <a:pPr>
+              <a:defRPr/>
+            </a:pPr>
+            <a:fld id="{8840E231-D218-4982-B1DE-6520F190699A}" type="slidenum">
+              <a:rPr lang="en-US" altLang="en-US" smtClean="0"/>
+              <a:pPr>
+                <a:defRPr/>
+              </a:pPr>
+              <a:t>7</a:t>
+            </a:fld>
+            <a:endParaRPr lang="en-US" altLang="en-US" dirty="0"/>
+          </a:p>
+        </p:txBody>
+      </p:sp>
+      <p:sp>
+        <p:nvSpPr>
+          <p:cNvPr id="6" name="Date Placeholder 5"/>
+          <p:cNvSpPr>
+            <a:spLocks noGrp="1"/>
+          </p:cNvSpPr>
+          <p:nvPr>
+            <p:ph type="dt" sz="half" idx="12"/>
+          </p:nvPr>
+        </p:nvSpPr>
+        <p:spPr/>
+        <p:txBody>
+          <a:bodyPr/>
+          <a:lstStyle/>
+          <a:p>
+            <a:pPr>
+              <a:defRPr/>
+            </a:pPr>
+            <a:fld id="{A544915F-7309-4744-8FAD-0D6B1CB5A275}" type="datetime1">
+              <a:rPr lang="en-US" altLang="en-US" smtClean="0"/>
+              <a:t>8/10/16</a:t>
+            </a:fld>
+            <a:endParaRPr lang="en-US" altLang="en-US"/>
+          </a:p>
+        </p:txBody>
+      </p:sp>
+    </p:spTree>
+    <p:extLst>
+      <p:ext uri="{BB962C8B-B14F-4D97-AF65-F5344CB8AC3E}">
+        <p14:creationId xmlns:p14="http://schemas.microsoft.com/office/powerpoint/2010/main" val="1176881474"/>
+      </p:ext>
+    </p:extLst>
+  </p:cSld>
+  <p:clrMapOvr>
+    <a:masterClrMapping/>
+  </p:clrMapOvr>
 </p:sld>
 </file>
 

--- a/slides/voysey-thesis.pptx
+++ b/slides/voysey-thesis.pptx
@@ -5,19 +5,26 @@
     <p:sldMasterId id="2147483648" r:id="rId1"/>
   </p:sldMasterIdLst>
   <p:notesMasterIdLst>
-    <p:notesMasterId r:id="rId9"/>
+    <p:notesMasterId r:id="rId16"/>
   </p:notesMasterIdLst>
   <p:handoutMasterIdLst>
-    <p:handoutMasterId r:id="rId10"/>
+    <p:handoutMasterId r:id="rId17"/>
   </p:handoutMasterIdLst>
   <p:sldIdLst>
     <p:sldId id="259" r:id="rId2"/>
     <p:sldId id="260" r:id="rId3"/>
     <p:sldId id="261" r:id="rId4"/>
     <p:sldId id="262" r:id="rId5"/>
-    <p:sldId id="263" r:id="rId6"/>
-    <p:sldId id="258" r:id="rId7"/>
-    <p:sldId id="264" r:id="rId8"/>
+    <p:sldId id="265" r:id="rId6"/>
+    <p:sldId id="266" r:id="rId7"/>
+    <p:sldId id="269" r:id="rId8"/>
+    <p:sldId id="271" r:id="rId9"/>
+    <p:sldId id="267" r:id="rId10"/>
+    <p:sldId id="268" r:id="rId11"/>
+    <p:sldId id="270" r:id="rId12"/>
+    <p:sldId id="263" r:id="rId13"/>
+    <p:sldId id="258" r:id="rId14"/>
+    <p:sldId id="264" r:id="rId15"/>
   </p:sldIdLst>
   <p:sldSz cx="9144000" cy="6858000" type="screen4x3"/>
   <p:notesSz cx="6858000" cy="9144000"/>
@@ -521,7 +528,7 @@
             <a:tailEnd/>
           </a:ln>
           <a:extLst>
-            <a:ext uri="{909E8E84-426E-40dd-AFC4-6F175D3DCCD1}">
+            <a:ext uri="{909E8E84-426E-40DD-AFC4-6F175D3DCCD1}">
               <a14:hiddenFill xmlns:a14="http://schemas.microsoft.com/office/drawing/2010/main">
                 <a:solidFill>
                   <a:srgbClr val="FFFFFF"/>
@@ -865,14 +872,14 @@
           <a:noFill/>
           <a:ln/>
           <a:extLst>
-            <a:ext uri="{909E8E84-426E-40dd-AFC4-6F175D3DCCD1}">
+            <a:ext uri="{909E8E84-426E-40DD-AFC4-6F175D3DCCD1}">
               <a14:hiddenFill xmlns:a14="http://schemas.microsoft.com/office/drawing/2010/main">
                 <a:solidFill>
                   <a:srgbClr val="FFFFFF"/>
                 </a:solidFill>
               </a14:hiddenFill>
             </a:ext>
-            <a:ext uri="{91240B29-F687-4f45-9708-019B960494DF}">
+            <a:ext uri="{91240B29-F687-4F45-9708-019B960494DF}">
               <a14:hiddenLine xmlns:a14="http://schemas.microsoft.com/office/drawing/2010/main" w="9525">
                 <a:solidFill>
                   <a:srgbClr val="000000"/>
@@ -1031,14 +1038,14 @@
           <a:noFill/>
           <a:ln/>
           <a:extLst>
-            <a:ext uri="{909E8E84-426E-40dd-AFC4-6F175D3DCCD1}">
+            <a:ext uri="{909E8E84-426E-40DD-AFC4-6F175D3DCCD1}">
               <a14:hiddenFill xmlns:a14="http://schemas.microsoft.com/office/drawing/2010/main">
                 <a:solidFill>
                   <a:srgbClr val="FFFFFF"/>
                 </a:solidFill>
               </a14:hiddenFill>
             </a:ext>
-            <a:ext uri="{91240B29-F687-4f45-9708-019B960494DF}">
+            <a:ext uri="{91240B29-F687-4F45-9708-019B960494DF}">
               <a14:hiddenLine xmlns:a14="http://schemas.microsoft.com/office/drawing/2010/main" w="9525">
                 <a:solidFill>
                   <a:srgbClr val="000000"/>
@@ -1406,7 +1413,7 @@
             <a:tailEnd/>
           </a:ln>
           <a:extLst>
-            <a:ext uri="{909E8E84-426E-40dd-AFC4-6F175D3DCCD1}">
+            <a:ext uri="{909E8E84-426E-40DD-AFC4-6F175D3DCCD1}">
               <a14:hiddenFill xmlns:a14="http://schemas.microsoft.com/office/drawing/2010/main">
                 <a:noFill/>
               </a14:hiddenFill>
@@ -1455,14 +1462,14 @@
             <a:noFill/>
           </a:ln>
           <a:extLst>
-            <a:ext uri="{909E8E84-426E-40dd-AFC4-6F175D3DCCD1}">
+            <a:ext uri="{909E8E84-426E-40DD-AFC4-6F175D3DCCD1}">
               <a14:hiddenFill xmlns:a14="http://schemas.microsoft.com/office/drawing/2010/main">
                 <a:solidFill>
                   <a:srgbClr val="FFFFFF"/>
                 </a:solidFill>
               </a14:hiddenFill>
             </a:ext>
-            <a:ext uri="{91240B29-F687-4f45-9708-019B960494DF}">
+            <a:ext uri="{91240B29-F687-4F45-9708-019B960494DF}">
               <a14:hiddenLine xmlns:a14="http://schemas.microsoft.com/office/drawing/2010/main" w="9525">
                 <a:solidFill>
                   <a:srgbClr val="000000"/>
@@ -1745,7 +1752,7 @@
             </a:pPr>
             <a:fld id="{B8EFF239-E46C-4117-91BF-EDADFB47CAC8}" type="datetime1">
               <a:rPr lang="en-US" altLang="en-US" smtClean="0"/>
-              <a:t>8/10/16</a:t>
+              <a:t>Saturday, 13 August 2016</a:t>
             </a:fld>
             <a:endParaRPr lang="en-US" altLang="en-US"/>
           </a:p>
@@ -1959,7 +1966,7 @@
             </a:pPr>
             <a:fld id="{3E5FD174-36E5-463D-ADFA-8360A831E519}" type="datetime1">
               <a:rPr lang="en-US" altLang="en-US" smtClean="0"/>
-              <a:t>8/10/16</a:t>
+              <a:t>Saturday, 13 August 2016</a:t>
             </a:fld>
             <a:endParaRPr lang="en-US" altLang="en-US"/>
           </a:p>
@@ -2167,7 +2174,7 @@
             </a:pPr>
             <a:fld id="{A544915F-7309-4744-8FAD-0D6B1CB5A275}" type="datetime1">
               <a:rPr lang="en-US" altLang="en-US" smtClean="0"/>
-              <a:t>8/10/16</a:t>
+              <a:t>Saturday, 13 August 2016</a:t>
             </a:fld>
             <a:endParaRPr lang="en-US" altLang="en-US"/>
           </a:p>
@@ -2393,7 +2400,7 @@
             </a:pPr>
             <a:fld id="{E6C6BFA3-5BAB-4227-B5CF-B2D608775F9E}" type="datetime1">
               <a:rPr lang="en-US" altLang="en-US" smtClean="0"/>
-              <a:t>8/10/16</a:t>
+              <a:t>Saturday, 13 August 2016</a:t>
             </a:fld>
             <a:endParaRPr lang="en-US" altLang="en-US"/>
           </a:p>
@@ -2715,7 +2722,7 @@
             </a:pPr>
             <a:fld id="{C02B3D24-940F-4CA8-A245-415C5E0C7A5D}" type="datetime1">
               <a:rPr lang="en-US" altLang="en-US" smtClean="0"/>
-              <a:t>8/10/16</a:t>
+              <a:t>Saturday, 13 August 2016</a:t>
             </a:fld>
             <a:endParaRPr lang="en-US" altLang="en-US"/>
           </a:p>
@@ -3176,7 +3183,7 @@
             </a:pPr>
             <a:fld id="{84056FFF-1CAF-480A-BD25-8C132B6C9519}" type="datetime1">
               <a:rPr lang="en-US" altLang="en-US" smtClean="0"/>
-              <a:t>8/10/16</a:t>
+              <a:t>Saturday, 13 August 2016</a:t>
             </a:fld>
             <a:endParaRPr lang="en-US" altLang="en-US"/>
           </a:p>
@@ -3328,7 +3335,7 @@
             </a:pPr>
             <a:fld id="{CC02872F-3C46-4632-A0D0-C67EDB2B2691}" type="datetime1">
               <a:rPr lang="en-US" altLang="en-US" smtClean="0"/>
-              <a:t>8/10/16</a:t>
+              <a:t>Saturday, 13 August 2016</a:t>
             </a:fld>
             <a:endParaRPr lang="en-US" altLang="en-US"/>
           </a:p>
@@ -3457,7 +3464,7 @@
             </a:pPr>
             <a:fld id="{B063A3BD-F745-4EC1-8838-FF51B39EF9F5}" type="datetime1">
               <a:rPr lang="en-US" altLang="en-US" smtClean="0"/>
-              <a:t>8/10/16</a:t>
+              <a:t>Saturday, 13 August 2016</a:t>
             </a:fld>
             <a:endParaRPr lang="en-US" altLang="en-US"/>
           </a:p>
@@ -3768,7 +3775,7 @@
             </a:pPr>
             <a:fld id="{F43DD9DD-561F-44C9-90A4-C217ECD8A48A}" type="datetime1">
               <a:rPr lang="en-US" altLang="en-US" smtClean="0"/>
-              <a:t>8/10/16</a:t>
+              <a:t>Saturday, 13 August 2016</a:t>
             </a:fld>
             <a:endParaRPr lang="en-US" altLang="en-US"/>
           </a:p>
@@ -4056,7 +4063,7 @@
             </a:pPr>
             <a:fld id="{1B5B985C-0DA9-4FAA-B2F2-BDCC6964FA4D}" type="datetime1">
               <a:rPr lang="en-US" altLang="en-US" smtClean="0"/>
-              <a:t>8/10/16</a:t>
+              <a:t>Saturday, 13 August 2016</a:t>
             </a:fld>
             <a:endParaRPr lang="en-US" altLang="en-US"/>
           </a:p>
@@ -4275,14 +4282,14 @@
             <a:noFill/>
           </a:ln>
           <a:extLst>
-            <a:ext uri="{909E8E84-426E-40dd-AFC4-6F175D3DCCD1}">
+            <a:ext uri="{909E8E84-426E-40DD-AFC4-6F175D3DCCD1}">
               <a14:hiddenFill xmlns:a14="http://schemas.microsoft.com/office/drawing/2010/main">
                 <a:solidFill>
                   <a:srgbClr val="FFFFFF"/>
                 </a:solidFill>
               </a14:hiddenFill>
             </a:ext>
-            <a:ext uri="{91240B29-F687-4f45-9708-019B960494DF}">
+            <a:ext uri="{91240B29-F687-4F45-9708-019B960494DF}">
               <a14:hiddenLine xmlns:a14="http://schemas.microsoft.com/office/drawing/2010/main" w="9525">
                 <a:solidFill>
                   <a:srgbClr val="000000"/>
@@ -4333,14 +4340,14 @@
             <a:noFill/>
           </a:ln>
           <a:extLst>
-            <a:ext uri="{909E8E84-426E-40dd-AFC4-6F175D3DCCD1}">
+            <a:ext uri="{909E8E84-426E-40DD-AFC4-6F175D3DCCD1}">
               <a14:hiddenFill xmlns:a14="http://schemas.microsoft.com/office/drawing/2010/main">
                 <a:solidFill>
                   <a:srgbClr val="FFFFFF"/>
                 </a:solidFill>
               </a14:hiddenFill>
             </a:ext>
-            <a:ext uri="{91240B29-F687-4f45-9708-019B960494DF}">
+            <a:ext uri="{91240B29-F687-4F45-9708-019B960494DF}">
               <a14:hiddenLine xmlns:a14="http://schemas.microsoft.com/office/drawing/2010/main" w="9525">
                 <a:solidFill>
                   <a:srgbClr val="000000"/>
@@ -4562,7 +4569,7 @@
             </a:pPr>
             <a:fld id="{FCB6550E-5833-4993-BF34-C7DB2A6FD9A7}" type="datetime1">
               <a:rPr lang="en-US" altLang="en-US" smtClean="0"/>
-              <a:t>8/10/16</a:t>
+              <a:t>Saturday, 13 August 2016</a:t>
             </a:fld>
             <a:endParaRPr lang="en-US" altLang="en-US" dirty="0"/>
           </a:p>
@@ -4614,14 +4621,14 @@
               <a:noFill/>
             </a:ln>
             <a:extLst>
-              <a:ext uri="{909E8E84-426E-40dd-AFC4-6F175D3DCCD1}">
+              <a:ext uri="{909E8E84-426E-40DD-AFC4-6F175D3DCCD1}">
                 <a14:hiddenFill xmlns:a14="http://schemas.microsoft.com/office/drawing/2010/main">
                   <a:solidFill>
                     <a:srgbClr val="FFFFFF"/>
                   </a:solidFill>
                 </a14:hiddenFill>
               </a:ext>
-              <a:ext uri="{91240B29-F687-4f45-9708-019B960494DF}">
+              <a:ext uri="{91240B29-F687-4F45-9708-019B960494DF}">
                 <a14:hiddenLine xmlns:a14="http://schemas.microsoft.com/office/drawing/2010/main" w="9525">
                   <a:solidFill>
                     <a:srgbClr val="000000"/>
@@ -5245,14 +5252,14 @@
             <a:noFill/>
           </a:ln>
           <a:extLst>
-            <a:ext uri="{909E8E84-426E-40dd-AFC4-6F175D3DCCD1}">
+            <a:ext uri="{909E8E84-426E-40DD-AFC4-6F175D3DCCD1}">
               <a14:hiddenFill xmlns:a14="http://schemas.microsoft.com/office/drawing/2010/main">
                 <a:solidFill>
                   <a:srgbClr val="FFFFFF"/>
                 </a:solidFill>
               </a14:hiddenFill>
             </a:ext>
-            <a:ext uri="{91240B29-F687-4f45-9708-019B960494DF}">
+            <a:ext uri="{91240B29-F687-4F45-9708-019B960494DF}">
               <a14:hiddenLine xmlns:a14="http://schemas.microsoft.com/office/drawing/2010/main" w="9525">
                 <a:solidFill>
                   <a:srgbClr val="000000"/>
@@ -5490,10 +5497,1971 @@
   <p:timing>
     <p:tnLst>
       <p:par>
-        <p:cTn xmlns:p14="http://schemas.microsoft.com/office/powerpoint/2010/main" id="1" dur="indefinite" restart="never" nodeType="tmRoot"/>
+        <p:cTn id="1" dur="indefinite" restart="never" nodeType="tmRoot"/>
       </p:par>
     </p:tnLst>
   </p:timing>
+</p:sld>
+</file>
+
+<file path=ppt/slides/slide10.xml><?xml version="1.0" encoding="utf-8"?>
+<p:sld xmlns:a="http://schemas.openxmlformats.org/drawingml/2006/main" xmlns:r="http://schemas.openxmlformats.org/officeDocument/2006/relationships" xmlns:p="http://schemas.openxmlformats.org/presentationml/2006/main">
+  <p:cSld>
+    <p:spTree>
+      <p:nvGrpSpPr>
+        <p:cNvPr id="1" name=""/>
+        <p:cNvGrpSpPr/>
+        <p:nvPr/>
+      </p:nvGrpSpPr>
+      <p:grpSpPr>
+        <a:xfrm>
+          <a:off x="0" y="0"/>
+          <a:ext cx="0" cy="0"/>
+          <a:chOff x="0" y="0"/>
+          <a:chExt cx="0" cy="0"/>
+        </a:xfrm>
+      </p:grpSpPr>
+      <p:sp>
+        <p:nvSpPr>
+          <p:cNvPr id="2" name="Title 1"/>
+          <p:cNvSpPr>
+            <a:spLocks noGrp="1"/>
+          </p:cNvSpPr>
+          <p:nvPr>
+            <p:ph type="title"/>
+          </p:nvPr>
+        </p:nvSpPr>
+        <p:spPr/>
+        <p:txBody>
+          <a:bodyPr/>
+          <a:lstStyle/>
+          <a:p>
+            <a:r>
+              <a:rPr lang="en-US" dirty="0" err="1" smtClean="0"/>
+              <a:t>Deafferentiation</a:t>
+            </a:r>
+            <a:r>
+              <a:rPr lang="en-US" dirty="0" smtClean="0"/>
+              <a:t> is Selective</a:t>
+            </a:r>
+            <a:endParaRPr lang="en-US" dirty="0"/>
+          </a:p>
+        </p:txBody>
+      </p:sp>
+      <p:sp>
+        <p:nvSpPr>
+          <p:cNvPr id="3" name="Content Placeholder 2"/>
+          <p:cNvSpPr>
+            <a:spLocks noGrp="1"/>
+          </p:cNvSpPr>
+          <p:nvPr>
+            <p:ph idx="1"/>
+          </p:nvPr>
+        </p:nvSpPr>
+        <p:spPr/>
+        <p:txBody>
+          <a:bodyPr/>
+          <a:lstStyle/>
+          <a:p>
+            <a:endParaRPr lang="en-US"/>
+          </a:p>
+        </p:txBody>
+      </p:sp>
+      <p:sp>
+        <p:nvSpPr>
+          <p:cNvPr id="4" name="Footer Placeholder 3"/>
+          <p:cNvSpPr>
+            <a:spLocks noGrp="1"/>
+          </p:cNvSpPr>
+          <p:nvPr>
+            <p:ph type="ftr" sz="quarter" idx="10"/>
+          </p:nvPr>
+        </p:nvSpPr>
+        <p:spPr/>
+        <p:txBody>
+          <a:bodyPr/>
+          <a:lstStyle/>
+          <a:p>
+            <a:pPr>
+              <a:defRPr/>
+            </a:pPr>
+            <a:r>
+              <a:rPr lang="en-US" altLang="en-US" smtClean="0"/>
+              <a:t>Presentation Title</a:t>
+            </a:r>
+            <a:endParaRPr lang="en-US" altLang="en-US"/>
+          </a:p>
+        </p:txBody>
+      </p:sp>
+      <p:sp>
+        <p:nvSpPr>
+          <p:cNvPr id="5" name="Slide Number Placeholder 4"/>
+          <p:cNvSpPr>
+            <a:spLocks noGrp="1"/>
+          </p:cNvSpPr>
+          <p:nvPr>
+            <p:ph type="sldNum" sz="quarter" idx="11"/>
+          </p:nvPr>
+        </p:nvSpPr>
+        <p:spPr/>
+        <p:txBody>
+          <a:bodyPr/>
+          <a:lstStyle/>
+          <a:p>
+            <a:pPr>
+              <a:defRPr/>
+            </a:pPr>
+            <a:fld id="{8840E231-D218-4982-B1DE-6520F190699A}" type="slidenum">
+              <a:rPr lang="en-US" altLang="en-US" smtClean="0"/>
+              <a:pPr>
+                <a:defRPr/>
+              </a:pPr>
+              <a:t>10</a:t>
+            </a:fld>
+            <a:endParaRPr lang="en-US" altLang="en-US" dirty="0"/>
+          </a:p>
+        </p:txBody>
+      </p:sp>
+      <p:sp>
+        <p:nvSpPr>
+          <p:cNvPr id="6" name="Date Placeholder 5"/>
+          <p:cNvSpPr>
+            <a:spLocks noGrp="1"/>
+          </p:cNvSpPr>
+          <p:nvPr>
+            <p:ph type="dt" sz="half" idx="12"/>
+          </p:nvPr>
+        </p:nvSpPr>
+        <p:spPr/>
+        <p:txBody>
+          <a:bodyPr/>
+          <a:lstStyle/>
+          <a:p>
+            <a:pPr>
+              <a:defRPr/>
+            </a:pPr>
+            <a:fld id="{A544915F-7309-4744-8FAD-0D6B1CB5A275}" type="datetime1">
+              <a:rPr lang="en-US" altLang="en-US" smtClean="0"/>
+              <a:t>Saturday, 13 August 2016</a:t>
+            </a:fld>
+            <a:endParaRPr lang="en-US" altLang="en-US"/>
+          </a:p>
+        </p:txBody>
+      </p:sp>
+    </p:spTree>
+    <p:extLst>
+      <p:ext uri="{BB962C8B-B14F-4D97-AF65-F5344CB8AC3E}">
+        <p14:creationId xmlns:p14="http://schemas.microsoft.com/office/powerpoint/2010/main" val="3962903475"/>
+      </p:ext>
+    </p:extLst>
+  </p:cSld>
+  <p:clrMapOvr>
+    <a:masterClrMapping/>
+  </p:clrMapOvr>
+</p:sld>
+</file>
+
+<file path=ppt/slides/slide11.xml><?xml version="1.0" encoding="utf-8"?>
+<p:sld xmlns:a="http://schemas.openxmlformats.org/drawingml/2006/main" xmlns:r="http://schemas.openxmlformats.org/officeDocument/2006/relationships" xmlns:p="http://schemas.openxmlformats.org/presentationml/2006/main">
+  <p:cSld>
+    <p:spTree>
+      <p:nvGrpSpPr>
+        <p:cNvPr id="1" name=""/>
+        <p:cNvGrpSpPr/>
+        <p:nvPr/>
+      </p:nvGrpSpPr>
+      <p:grpSpPr>
+        <a:xfrm>
+          <a:off x="0" y="0"/>
+          <a:ext cx="0" cy="0"/>
+          <a:chOff x="0" y="0"/>
+          <a:chExt cx="0" cy="0"/>
+        </a:xfrm>
+      </p:grpSpPr>
+      <p:sp>
+        <p:nvSpPr>
+          <p:cNvPr id="2" name="Title 1"/>
+          <p:cNvSpPr>
+            <a:spLocks noGrp="1"/>
+          </p:cNvSpPr>
+          <p:nvPr>
+            <p:ph type="title"/>
+          </p:nvPr>
+        </p:nvSpPr>
+        <p:spPr/>
+        <p:txBody>
+          <a:bodyPr/>
+          <a:lstStyle/>
+          <a:p>
+            <a:endParaRPr lang="en-US" dirty="0"/>
+          </a:p>
+        </p:txBody>
+      </p:sp>
+      <p:sp>
+        <p:nvSpPr>
+          <p:cNvPr id="3" name="Content Placeholder 2"/>
+          <p:cNvSpPr>
+            <a:spLocks noGrp="1"/>
+          </p:cNvSpPr>
+          <p:nvPr>
+            <p:ph idx="1"/>
+          </p:nvPr>
+        </p:nvSpPr>
+        <p:spPr/>
+        <p:txBody>
+          <a:bodyPr/>
+          <a:lstStyle/>
+          <a:p>
+            <a:endParaRPr lang="en-US"/>
+          </a:p>
+        </p:txBody>
+      </p:sp>
+      <p:sp>
+        <p:nvSpPr>
+          <p:cNvPr id="4" name="Footer Placeholder 3"/>
+          <p:cNvSpPr>
+            <a:spLocks noGrp="1"/>
+          </p:cNvSpPr>
+          <p:nvPr>
+            <p:ph type="ftr" sz="quarter" idx="10"/>
+          </p:nvPr>
+        </p:nvSpPr>
+        <p:spPr/>
+        <p:txBody>
+          <a:bodyPr/>
+          <a:lstStyle/>
+          <a:p>
+            <a:pPr>
+              <a:defRPr/>
+            </a:pPr>
+            <a:r>
+              <a:rPr lang="en-US" altLang="en-US" smtClean="0"/>
+              <a:t>Presentation Title</a:t>
+            </a:r>
+            <a:endParaRPr lang="en-US" altLang="en-US"/>
+          </a:p>
+        </p:txBody>
+      </p:sp>
+      <p:sp>
+        <p:nvSpPr>
+          <p:cNvPr id="5" name="Slide Number Placeholder 4"/>
+          <p:cNvSpPr>
+            <a:spLocks noGrp="1"/>
+          </p:cNvSpPr>
+          <p:nvPr>
+            <p:ph type="sldNum" sz="quarter" idx="11"/>
+          </p:nvPr>
+        </p:nvSpPr>
+        <p:spPr/>
+        <p:txBody>
+          <a:bodyPr/>
+          <a:lstStyle/>
+          <a:p>
+            <a:pPr>
+              <a:defRPr/>
+            </a:pPr>
+            <a:fld id="{8840E231-D218-4982-B1DE-6520F190699A}" type="slidenum">
+              <a:rPr lang="en-US" altLang="en-US" smtClean="0"/>
+              <a:pPr>
+                <a:defRPr/>
+              </a:pPr>
+              <a:t>11</a:t>
+            </a:fld>
+            <a:endParaRPr lang="en-US" altLang="en-US" dirty="0"/>
+          </a:p>
+        </p:txBody>
+      </p:sp>
+      <p:sp>
+        <p:nvSpPr>
+          <p:cNvPr id="6" name="Date Placeholder 5"/>
+          <p:cNvSpPr>
+            <a:spLocks noGrp="1"/>
+          </p:cNvSpPr>
+          <p:nvPr>
+            <p:ph type="dt" sz="half" idx="12"/>
+          </p:nvPr>
+        </p:nvSpPr>
+        <p:spPr/>
+        <p:txBody>
+          <a:bodyPr/>
+          <a:lstStyle/>
+          <a:p>
+            <a:pPr>
+              <a:defRPr/>
+            </a:pPr>
+            <a:fld id="{A544915F-7309-4744-8FAD-0D6B1CB5A275}" type="datetime1">
+              <a:rPr lang="en-US" altLang="en-US" smtClean="0"/>
+              <a:t>Saturday, 13 August 2016</a:t>
+            </a:fld>
+            <a:endParaRPr lang="en-US" altLang="en-US"/>
+          </a:p>
+        </p:txBody>
+      </p:sp>
+    </p:spTree>
+    <p:extLst>
+      <p:ext uri="{BB962C8B-B14F-4D97-AF65-F5344CB8AC3E}">
+        <p14:creationId xmlns:p14="http://schemas.microsoft.com/office/powerpoint/2010/main" val="3069992351"/>
+      </p:ext>
+    </p:extLst>
+  </p:cSld>
+  <p:clrMapOvr>
+    <a:masterClrMapping/>
+  </p:clrMapOvr>
+</p:sld>
+</file>
+
+<file path=ppt/slides/slide12.xml><?xml version="1.0" encoding="utf-8"?>
+<p:sld xmlns:a="http://schemas.openxmlformats.org/drawingml/2006/main" xmlns:r="http://schemas.openxmlformats.org/officeDocument/2006/relationships" xmlns:p="http://schemas.openxmlformats.org/presentationml/2006/main">
+  <p:cSld>
+    <p:spTree>
+      <p:nvGrpSpPr>
+        <p:cNvPr id="1" name=""/>
+        <p:cNvGrpSpPr/>
+        <p:nvPr/>
+      </p:nvGrpSpPr>
+      <p:grpSpPr>
+        <a:xfrm>
+          <a:off x="0" y="0"/>
+          <a:ext cx="0" cy="0"/>
+          <a:chOff x="0" y="0"/>
+          <a:chExt cx="0" cy="0"/>
+        </a:xfrm>
+      </p:grpSpPr>
+      <p:sp>
+        <p:nvSpPr>
+          <p:cNvPr id="2" name="Title 1"/>
+          <p:cNvSpPr>
+            <a:spLocks noGrp="1"/>
+          </p:cNvSpPr>
+          <p:nvPr>
+            <p:ph type="title"/>
+          </p:nvPr>
+        </p:nvSpPr>
+        <p:spPr/>
+        <p:txBody>
+          <a:bodyPr/>
+          <a:lstStyle/>
+          <a:p>
+            <a:pPr algn="ctr"/>
+            <a:r>
+              <a:rPr lang="en-US" dirty="0" smtClean="0"/>
+              <a:t>Acknowledgements</a:t>
+            </a:r>
+            <a:endParaRPr lang="en-US" dirty="0"/>
+          </a:p>
+        </p:txBody>
+      </p:sp>
+      <p:sp>
+        <p:nvSpPr>
+          <p:cNvPr id="3" name="Content Placeholder 2"/>
+          <p:cNvSpPr>
+            <a:spLocks noGrp="1"/>
+          </p:cNvSpPr>
+          <p:nvPr>
+            <p:ph idx="1"/>
+          </p:nvPr>
+        </p:nvSpPr>
+        <p:spPr>
+          <a:xfrm>
+            <a:off x="609600" y="2971800"/>
+            <a:ext cx="3886200" cy="1828800"/>
+          </a:xfrm>
+        </p:spPr>
+        <p:txBody>
+          <a:bodyPr/>
+          <a:lstStyle/>
+          <a:p>
+            <a:pPr marL="0" indent="0">
+              <a:buNone/>
+            </a:pPr>
+            <a:r>
+              <a:rPr lang="en-US" sz="2200" b="1" dirty="0" smtClean="0"/>
+              <a:t>Auditory Biophysics Lab</a:t>
+            </a:r>
+          </a:p>
+          <a:p>
+            <a:r>
+              <a:rPr lang="en-US" sz="2000" dirty="0" smtClean="0"/>
+              <a:t>Dave Mountain</a:t>
+            </a:r>
+          </a:p>
+          <a:p>
+            <a:r>
+              <a:rPr lang="en-US" sz="2000" dirty="0" smtClean="0"/>
+              <a:t>Dave Anderson</a:t>
+            </a:r>
+          </a:p>
+          <a:p>
+            <a:r>
+              <a:rPr lang="en-US" sz="2000" dirty="0" err="1" smtClean="0"/>
+              <a:t>Aleks</a:t>
+            </a:r>
+            <a:r>
+              <a:rPr lang="en-US" sz="2000" dirty="0" smtClean="0"/>
+              <a:t> </a:t>
+            </a:r>
+            <a:r>
+              <a:rPr lang="en-US" sz="2000" dirty="0" err="1" smtClean="0"/>
+              <a:t>Zosuls</a:t>
+            </a:r>
+            <a:endParaRPr lang="en-US" sz="2000" dirty="0" smtClean="0"/>
+          </a:p>
+          <a:p>
+            <a:r>
+              <a:rPr lang="en-US" sz="2000" dirty="0" smtClean="0"/>
+              <a:t>Andy </a:t>
+            </a:r>
+            <a:r>
+              <a:rPr lang="en-US" sz="2000" dirty="0" err="1" smtClean="0"/>
+              <a:t>Brughera</a:t>
+            </a:r>
+            <a:endParaRPr lang="en-US" sz="2000" dirty="0" smtClean="0"/>
+          </a:p>
+        </p:txBody>
+      </p:sp>
+      <p:sp>
+        <p:nvSpPr>
+          <p:cNvPr id="4" name="Footer Placeholder 3"/>
+          <p:cNvSpPr>
+            <a:spLocks noGrp="1"/>
+          </p:cNvSpPr>
+          <p:nvPr>
+            <p:ph type="ftr" sz="quarter" idx="10"/>
+          </p:nvPr>
+        </p:nvSpPr>
+        <p:spPr/>
+        <p:txBody>
+          <a:bodyPr/>
+          <a:lstStyle/>
+          <a:p>
+            <a:pPr>
+              <a:defRPr/>
+            </a:pPr>
+            <a:r>
+              <a:rPr lang="en-US" altLang="en-US" dirty="0"/>
+              <a:t>Modeling the Effects of Auditory Neuropathy on the ABR</a:t>
+            </a:r>
+            <a:endParaRPr lang="en-US" altLang="en-US" dirty="0"/>
+          </a:p>
+        </p:txBody>
+      </p:sp>
+      <p:sp>
+        <p:nvSpPr>
+          <p:cNvPr id="5" name="Slide Number Placeholder 4"/>
+          <p:cNvSpPr>
+            <a:spLocks noGrp="1"/>
+          </p:cNvSpPr>
+          <p:nvPr>
+            <p:ph type="sldNum" sz="quarter" idx="11"/>
+          </p:nvPr>
+        </p:nvSpPr>
+        <p:spPr/>
+        <p:txBody>
+          <a:bodyPr/>
+          <a:lstStyle/>
+          <a:p>
+            <a:pPr>
+              <a:defRPr/>
+            </a:pPr>
+            <a:fld id="{8840E231-D218-4982-B1DE-6520F190699A}" type="slidenum">
+              <a:rPr lang="en-US" altLang="en-US" smtClean="0"/>
+              <a:pPr>
+                <a:defRPr/>
+              </a:pPr>
+              <a:t>12</a:t>
+            </a:fld>
+            <a:endParaRPr lang="en-US" altLang="en-US" dirty="0"/>
+          </a:p>
+        </p:txBody>
+      </p:sp>
+      <p:sp>
+        <p:nvSpPr>
+          <p:cNvPr id="6" name="Date Placeholder 5"/>
+          <p:cNvSpPr>
+            <a:spLocks noGrp="1"/>
+          </p:cNvSpPr>
+          <p:nvPr>
+            <p:ph type="dt" sz="half" idx="12"/>
+          </p:nvPr>
+        </p:nvSpPr>
+        <p:spPr/>
+        <p:txBody>
+          <a:bodyPr/>
+          <a:lstStyle/>
+          <a:p>
+            <a:pPr>
+              <a:defRPr/>
+            </a:pPr>
+            <a:fld id="{A544915F-7309-4744-8FAD-0D6B1CB5A275}" type="datetime1">
+              <a:rPr lang="en-US" altLang="en-US" smtClean="0"/>
+              <a:t>Saturday, 13 August 2016</a:t>
+            </a:fld>
+            <a:endParaRPr lang="en-US" altLang="en-US"/>
+          </a:p>
+        </p:txBody>
+      </p:sp>
+      <p:sp>
+        <p:nvSpPr>
+          <p:cNvPr id="7" name="Content Placeholder 2"/>
+          <p:cNvSpPr txBox="1">
+            <a:spLocks/>
+          </p:cNvSpPr>
+          <p:nvPr/>
+        </p:nvSpPr>
+        <p:spPr bwMode="auto">
+          <a:xfrm>
+            <a:off x="609600" y="4876800"/>
+            <a:ext cx="4191000" cy="1219200"/>
+          </a:xfrm>
+          <a:prstGeom prst="rect">
+            <a:avLst/>
+          </a:prstGeom>
+          <a:noFill/>
+          <a:ln>
+            <a:noFill/>
+          </a:ln>
+          <a:extLst>
+            <a:ext uri="{909E8E84-426E-40DD-AFC4-6F175D3DCCD1}">
+              <a14:hiddenFill xmlns:a14="http://schemas.microsoft.com/office/drawing/2010/main">
+                <a:solidFill>
+                  <a:srgbClr val="FFFFFF"/>
+                </a:solidFill>
+              </a14:hiddenFill>
+            </a:ext>
+            <a:ext uri="{91240B29-F687-4F45-9708-019B960494DF}">
+              <a14:hiddenLine xmlns:a14="http://schemas.microsoft.com/office/drawing/2010/main" w="9525">
+                <a:solidFill>
+                  <a:srgbClr val="000000"/>
+                </a:solidFill>
+                <a:miter lim="800000"/>
+                <a:headEnd/>
+                <a:tailEnd/>
+              </a14:hiddenLine>
+            </a:ext>
+          </a:extLst>
+        </p:spPr>
+        <p:txBody>
+          <a:bodyPr vert="horz" wrap="square" lIns="91440" tIns="45720" rIns="91440" bIns="45720" numCol="1" anchor="t" anchorCtr="0" compatLnSpc="1">
+            <a:prstTxWarp prst="textNoShape">
+              <a:avLst/>
+            </a:prstTxWarp>
+          </a:bodyPr>
+          <a:lstStyle>
+            <a:lvl1pPr marL="342900" indent="-342900" algn="l" rtl="0" eaLnBrk="0" fontAlgn="base" hangingPunct="0">
+              <a:spcBef>
+                <a:spcPct val="20000"/>
+              </a:spcBef>
+              <a:spcAft>
+                <a:spcPct val="0"/>
+              </a:spcAft>
+              <a:buClr>
+                <a:srgbClr val="2675B4"/>
+              </a:buClr>
+              <a:buFont typeface="Wingdings" charset="2"/>
+              <a:buChar char="§"/>
+              <a:defRPr sz="2400">
+                <a:solidFill>
+                  <a:schemeClr val="tx1"/>
+                </a:solidFill>
+                <a:latin typeface="+mn-lt"/>
+                <a:ea typeface="+mn-ea"/>
+                <a:cs typeface="+mn-cs"/>
+              </a:defRPr>
+            </a:lvl1pPr>
+            <a:lvl2pPr marL="742950" indent="-285750" algn="l" rtl="0" eaLnBrk="0" fontAlgn="base" hangingPunct="0">
+              <a:spcBef>
+                <a:spcPct val="20000"/>
+              </a:spcBef>
+              <a:spcAft>
+                <a:spcPct val="0"/>
+              </a:spcAft>
+              <a:buClr>
+                <a:srgbClr val="2675B4"/>
+              </a:buClr>
+              <a:buFont typeface="Wingdings" charset="2"/>
+              <a:buChar char="§"/>
+              <a:defRPr>
+                <a:solidFill>
+                  <a:schemeClr val="tx1"/>
+                </a:solidFill>
+                <a:latin typeface="+mn-lt"/>
+                <a:ea typeface="+mn-ea"/>
+                <a:cs typeface="+mn-cs"/>
+              </a:defRPr>
+            </a:lvl2pPr>
+            <a:lvl3pPr marL="1143000" indent="-228600" algn="l" rtl="0" eaLnBrk="0" fontAlgn="base" hangingPunct="0">
+              <a:spcBef>
+                <a:spcPct val="20000"/>
+              </a:spcBef>
+              <a:spcAft>
+                <a:spcPct val="0"/>
+              </a:spcAft>
+              <a:buClr>
+                <a:srgbClr val="2675B4"/>
+              </a:buClr>
+              <a:buFont typeface="Wingdings" charset="2"/>
+              <a:buChar char="§"/>
+              <a:defRPr>
+                <a:solidFill>
+                  <a:schemeClr val="tx1"/>
+                </a:solidFill>
+                <a:latin typeface="+mn-lt"/>
+                <a:ea typeface="+mn-ea"/>
+                <a:cs typeface="+mn-cs"/>
+              </a:defRPr>
+            </a:lvl3pPr>
+            <a:lvl4pPr marL="1600200" indent="-228600" algn="l" rtl="0" eaLnBrk="0" fontAlgn="base" hangingPunct="0">
+              <a:spcBef>
+                <a:spcPct val="20000"/>
+              </a:spcBef>
+              <a:spcAft>
+                <a:spcPct val="0"/>
+              </a:spcAft>
+              <a:buClr>
+                <a:srgbClr val="2675B4"/>
+              </a:buClr>
+              <a:buFont typeface="Wingdings" charset="2"/>
+              <a:buChar char="§"/>
+              <a:defRPr>
+                <a:solidFill>
+                  <a:schemeClr val="tx1"/>
+                </a:solidFill>
+                <a:latin typeface="+mn-lt"/>
+                <a:ea typeface="+mn-ea"/>
+                <a:cs typeface="+mn-cs"/>
+              </a:defRPr>
+            </a:lvl4pPr>
+            <a:lvl5pPr marL="2057400" indent="-228600" algn="l" rtl="0" eaLnBrk="0" fontAlgn="base" hangingPunct="0">
+              <a:spcBef>
+                <a:spcPct val="20000"/>
+              </a:spcBef>
+              <a:spcAft>
+                <a:spcPct val="0"/>
+              </a:spcAft>
+              <a:buClr>
+                <a:srgbClr val="2675B4"/>
+              </a:buClr>
+              <a:buFont typeface="Wingdings" charset="2"/>
+              <a:buChar char="§"/>
+              <a:defRPr>
+                <a:solidFill>
+                  <a:schemeClr val="tx1"/>
+                </a:solidFill>
+                <a:latin typeface="+mn-lt"/>
+                <a:ea typeface="+mn-ea"/>
+                <a:cs typeface="+mn-cs"/>
+              </a:defRPr>
+            </a:lvl5pPr>
+            <a:lvl6pPr marL="2514600" indent="-228600" algn="l" rtl="0" fontAlgn="base">
+              <a:spcBef>
+                <a:spcPct val="20000"/>
+              </a:spcBef>
+              <a:spcAft>
+                <a:spcPct val="0"/>
+              </a:spcAft>
+              <a:buClr>
+                <a:srgbClr val="2675B4"/>
+              </a:buClr>
+              <a:buFont typeface="Wingdings" charset="2"/>
+              <a:buChar char="§"/>
+              <a:defRPr>
+                <a:solidFill>
+                  <a:schemeClr val="tx1"/>
+                </a:solidFill>
+                <a:latin typeface="+mn-lt"/>
+                <a:ea typeface="+mn-ea"/>
+                <a:cs typeface="+mn-cs"/>
+              </a:defRPr>
+            </a:lvl6pPr>
+            <a:lvl7pPr marL="2971800" indent="-228600" algn="l" rtl="0" fontAlgn="base">
+              <a:spcBef>
+                <a:spcPct val="20000"/>
+              </a:spcBef>
+              <a:spcAft>
+                <a:spcPct val="0"/>
+              </a:spcAft>
+              <a:buClr>
+                <a:srgbClr val="2675B4"/>
+              </a:buClr>
+              <a:buFont typeface="Wingdings" charset="2"/>
+              <a:buChar char="§"/>
+              <a:defRPr>
+                <a:solidFill>
+                  <a:schemeClr val="tx1"/>
+                </a:solidFill>
+                <a:latin typeface="+mn-lt"/>
+                <a:ea typeface="+mn-ea"/>
+                <a:cs typeface="+mn-cs"/>
+              </a:defRPr>
+            </a:lvl7pPr>
+            <a:lvl8pPr marL="3429000" indent="-228600" algn="l" rtl="0" fontAlgn="base">
+              <a:spcBef>
+                <a:spcPct val="20000"/>
+              </a:spcBef>
+              <a:spcAft>
+                <a:spcPct val="0"/>
+              </a:spcAft>
+              <a:buClr>
+                <a:srgbClr val="2675B4"/>
+              </a:buClr>
+              <a:buFont typeface="Wingdings" charset="2"/>
+              <a:buChar char="§"/>
+              <a:defRPr>
+                <a:solidFill>
+                  <a:schemeClr val="tx1"/>
+                </a:solidFill>
+                <a:latin typeface="+mn-lt"/>
+                <a:ea typeface="+mn-ea"/>
+                <a:cs typeface="+mn-cs"/>
+              </a:defRPr>
+            </a:lvl8pPr>
+            <a:lvl9pPr marL="3886200" indent="-228600" algn="l" rtl="0" fontAlgn="base">
+              <a:spcBef>
+                <a:spcPct val="20000"/>
+              </a:spcBef>
+              <a:spcAft>
+                <a:spcPct val="0"/>
+              </a:spcAft>
+              <a:buClr>
+                <a:srgbClr val="2675B4"/>
+              </a:buClr>
+              <a:buFont typeface="Wingdings" charset="2"/>
+              <a:buChar char="§"/>
+              <a:defRPr>
+                <a:solidFill>
+                  <a:schemeClr val="tx1"/>
+                </a:solidFill>
+                <a:latin typeface="+mn-lt"/>
+                <a:ea typeface="+mn-ea"/>
+                <a:cs typeface="+mn-cs"/>
+              </a:defRPr>
+            </a:lvl9pPr>
+          </a:lstStyle>
+          <a:p>
+            <a:pPr marL="0" indent="0">
+              <a:buFont typeface="Wingdings" charset="2"/>
+              <a:buNone/>
+            </a:pPr>
+            <a:r>
+              <a:rPr lang="en-US" sz="2200" b="1" dirty="0" smtClean="0"/>
+              <a:t>Auditory Neuroscience Lab</a:t>
+            </a:r>
+          </a:p>
+          <a:p>
+            <a:r>
+              <a:rPr lang="en-US" sz="2000" dirty="0" err="1" smtClean="0"/>
+              <a:t>Goldbarg</a:t>
+            </a:r>
+            <a:r>
+              <a:rPr lang="en-US" sz="2000" dirty="0" smtClean="0"/>
+              <a:t> </a:t>
+            </a:r>
+            <a:r>
+              <a:rPr lang="en-US" sz="2000" dirty="0" err="1" smtClean="0"/>
+              <a:t>Mehraei</a:t>
+            </a:r>
+            <a:endParaRPr lang="en-US" sz="2000" dirty="0" smtClean="0"/>
+          </a:p>
+          <a:p>
+            <a:r>
+              <a:rPr lang="en-US" sz="2000" dirty="0" smtClean="0"/>
+              <a:t>Le Wang</a:t>
+            </a:r>
+          </a:p>
+          <a:p>
+            <a:endParaRPr lang="en-US" dirty="0" smtClean="0"/>
+          </a:p>
+          <a:p>
+            <a:endParaRPr lang="en-US" dirty="0" smtClean="0"/>
+          </a:p>
+        </p:txBody>
+      </p:sp>
+      <p:sp>
+        <p:nvSpPr>
+          <p:cNvPr id="8" name="Content Placeholder 2"/>
+          <p:cNvSpPr txBox="1">
+            <a:spLocks/>
+          </p:cNvSpPr>
+          <p:nvPr/>
+        </p:nvSpPr>
+        <p:spPr bwMode="auto">
+          <a:xfrm>
+            <a:off x="609600" y="1143000"/>
+            <a:ext cx="3352800" cy="1905000"/>
+          </a:xfrm>
+          <a:prstGeom prst="rect">
+            <a:avLst/>
+          </a:prstGeom>
+          <a:noFill/>
+          <a:ln>
+            <a:noFill/>
+          </a:ln>
+          <a:extLst>
+            <a:ext uri="{909E8E84-426E-40DD-AFC4-6F175D3DCCD1}">
+              <a14:hiddenFill xmlns:a14="http://schemas.microsoft.com/office/drawing/2010/main">
+                <a:solidFill>
+                  <a:srgbClr val="FFFFFF"/>
+                </a:solidFill>
+              </a14:hiddenFill>
+            </a:ext>
+            <a:ext uri="{91240B29-F687-4F45-9708-019B960494DF}">
+              <a14:hiddenLine xmlns:a14="http://schemas.microsoft.com/office/drawing/2010/main" w="9525">
+                <a:solidFill>
+                  <a:srgbClr val="000000"/>
+                </a:solidFill>
+                <a:miter lim="800000"/>
+                <a:headEnd/>
+                <a:tailEnd/>
+              </a14:hiddenLine>
+            </a:ext>
+          </a:extLst>
+        </p:spPr>
+        <p:txBody>
+          <a:bodyPr vert="horz" wrap="square" lIns="91440" tIns="45720" rIns="91440" bIns="45720" numCol="1" anchor="t" anchorCtr="0" compatLnSpc="1">
+            <a:prstTxWarp prst="textNoShape">
+              <a:avLst/>
+            </a:prstTxWarp>
+          </a:bodyPr>
+          <a:lstStyle>
+            <a:lvl1pPr marL="342900" indent="-342900" algn="l" rtl="0" eaLnBrk="0" fontAlgn="base" hangingPunct="0">
+              <a:spcBef>
+                <a:spcPct val="20000"/>
+              </a:spcBef>
+              <a:spcAft>
+                <a:spcPct val="0"/>
+              </a:spcAft>
+              <a:buClr>
+                <a:srgbClr val="2675B4"/>
+              </a:buClr>
+              <a:buFont typeface="Wingdings" charset="2"/>
+              <a:buChar char="§"/>
+              <a:defRPr sz="2400">
+                <a:solidFill>
+                  <a:schemeClr val="tx1"/>
+                </a:solidFill>
+                <a:latin typeface="+mn-lt"/>
+                <a:ea typeface="+mn-ea"/>
+                <a:cs typeface="+mn-cs"/>
+              </a:defRPr>
+            </a:lvl1pPr>
+            <a:lvl2pPr marL="742950" indent="-285750" algn="l" rtl="0" eaLnBrk="0" fontAlgn="base" hangingPunct="0">
+              <a:spcBef>
+                <a:spcPct val="20000"/>
+              </a:spcBef>
+              <a:spcAft>
+                <a:spcPct val="0"/>
+              </a:spcAft>
+              <a:buClr>
+                <a:srgbClr val="2675B4"/>
+              </a:buClr>
+              <a:buFont typeface="Wingdings" charset="2"/>
+              <a:buChar char="§"/>
+              <a:defRPr>
+                <a:solidFill>
+                  <a:schemeClr val="tx1"/>
+                </a:solidFill>
+                <a:latin typeface="+mn-lt"/>
+                <a:ea typeface="+mn-ea"/>
+                <a:cs typeface="+mn-cs"/>
+              </a:defRPr>
+            </a:lvl2pPr>
+            <a:lvl3pPr marL="1143000" indent="-228600" algn="l" rtl="0" eaLnBrk="0" fontAlgn="base" hangingPunct="0">
+              <a:spcBef>
+                <a:spcPct val="20000"/>
+              </a:spcBef>
+              <a:spcAft>
+                <a:spcPct val="0"/>
+              </a:spcAft>
+              <a:buClr>
+                <a:srgbClr val="2675B4"/>
+              </a:buClr>
+              <a:buFont typeface="Wingdings" charset="2"/>
+              <a:buChar char="§"/>
+              <a:defRPr>
+                <a:solidFill>
+                  <a:schemeClr val="tx1"/>
+                </a:solidFill>
+                <a:latin typeface="+mn-lt"/>
+                <a:ea typeface="+mn-ea"/>
+                <a:cs typeface="+mn-cs"/>
+              </a:defRPr>
+            </a:lvl3pPr>
+            <a:lvl4pPr marL="1600200" indent="-228600" algn="l" rtl="0" eaLnBrk="0" fontAlgn="base" hangingPunct="0">
+              <a:spcBef>
+                <a:spcPct val="20000"/>
+              </a:spcBef>
+              <a:spcAft>
+                <a:spcPct val="0"/>
+              </a:spcAft>
+              <a:buClr>
+                <a:srgbClr val="2675B4"/>
+              </a:buClr>
+              <a:buFont typeface="Wingdings" charset="2"/>
+              <a:buChar char="§"/>
+              <a:defRPr>
+                <a:solidFill>
+                  <a:schemeClr val="tx1"/>
+                </a:solidFill>
+                <a:latin typeface="+mn-lt"/>
+                <a:ea typeface="+mn-ea"/>
+                <a:cs typeface="+mn-cs"/>
+              </a:defRPr>
+            </a:lvl4pPr>
+            <a:lvl5pPr marL="2057400" indent="-228600" algn="l" rtl="0" eaLnBrk="0" fontAlgn="base" hangingPunct="0">
+              <a:spcBef>
+                <a:spcPct val="20000"/>
+              </a:spcBef>
+              <a:spcAft>
+                <a:spcPct val="0"/>
+              </a:spcAft>
+              <a:buClr>
+                <a:srgbClr val="2675B4"/>
+              </a:buClr>
+              <a:buFont typeface="Wingdings" charset="2"/>
+              <a:buChar char="§"/>
+              <a:defRPr>
+                <a:solidFill>
+                  <a:schemeClr val="tx1"/>
+                </a:solidFill>
+                <a:latin typeface="+mn-lt"/>
+                <a:ea typeface="+mn-ea"/>
+                <a:cs typeface="+mn-cs"/>
+              </a:defRPr>
+            </a:lvl5pPr>
+            <a:lvl6pPr marL="2514600" indent="-228600" algn="l" rtl="0" fontAlgn="base">
+              <a:spcBef>
+                <a:spcPct val="20000"/>
+              </a:spcBef>
+              <a:spcAft>
+                <a:spcPct val="0"/>
+              </a:spcAft>
+              <a:buClr>
+                <a:srgbClr val="2675B4"/>
+              </a:buClr>
+              <a:buFont typeface="Wingdings" charset="2"/>
+              <a:buChar char="§"/>
+              <a:defRPr>
+                <a:solidFill>
+                  <a:schemeClr val="tx1"/>
+                </a:solidFill>
+                <a:latin typeface="+mn-lt"/>
+                <a:ea typeface="+mn-ea"/>
+                <a:cs typeface="+mn-cs"/>
+              </a:defRPr>
+            </a:lvl6pPr>
+            <a:lvl7pPr marL="2971800" indent="-228600" algn="l" rtl="0" fontAlgn="base">
+              <a:spcBef>
+                <a:spcPct val="20000"/>
+              </a:spcBef>
+              <a:spcAft>
+                <a:spcPct val="0"/>
+              </a:spcAft>
+              <a:buClr>
+                <a:srgbClr val="2675B4"/>
+              </a:buClr>
+              <a:buFont typeface="Wingdings" charset="2"/>
+              <a:buChar char="§"/>
+              <a:defRPr>
+                <a:solidFill>
+                  <a:schemeClr val="tx1"/>
+                </a:solidFill>
+                <a:latin typeface="+mn-lt"/>
+                <a:ea typeface="+mn-ea"/>
+                <a:cs typeface="+mn-cs"/>
+              </a:defRPr>
+            </a:lvl7pPr>
+            <a:lvl8pPr marL="3429000" indent="-228600" algn="l" rtl="0" fontAlgn="base">
+              <a:spcBef>
+                <a:spcPct val="20000"/>
+              </a:spcBef>
+              <a:spcAft>
+                <a:spcPct val="0"/>
+              </a:spcAft>
+              <a:buClr>
+                <a:srgbClr val="2675B4"/>
+              </a:buClr>
+              <a:buFont typeface="Wingdings" charset="2"/>
+              <a:buChar char="§"/>
+              <a:defRPr>
+                <a:solidFill>
+                  <a:schemeClr val="tx1"/>
+                </a:solidFill>
+                <a:latin typeface="+mn-lt"/>
+                <a:ea typeface="+mn-ea"/>
+                <a:cs typeface="+mn-cs"/>
+              </a:defRPr>
+            </a:lvl8pPr>
+            <a:lvl9pPr marL="3886200" indent="-228600" algn="l" rtl="0" fontAlgn="base">
+              <a:spcBef>
+                <a:spcPct val="20000"/>
+              </a:spcBef>
+              <a:spcAft>
+                <a:spcPct val="0"/>
+              </a:spcAft>
+              <a:buClr>
+                <a:srgbClr val="2675B4"/>
+              </a:buClr>
+              <a:buFont typeface="Wingdings" charset="2"/>
+              <a:buChar char="§"/>
+              <a:defRPr>
+                <a:solidFill>
+                  <a:schemeClr val="tx1"/>
+                </a:solidFill>
+                <a:latin typeface="+mn-lt"/>
+                <a:ea typeface="+mn-ea"/>
+                <a:cs typeface="+mn-cs"/>
+              </a:defRPr>
+            </a:lvl9pPr>
+          </a:lstStyle>
+          <a:p>
+            <a:pPr marL="0" indent="0">
+              <a:buFont typeface="Wingdings" charset="2"/>
+              <a:buNone/>
+            </a:pPr>
+            <a:r>
+              <a:rPr lang="en-US" sz="2200" b="1" dirty="0" smtClean="0"/>
+              <a:t>Committee </a:t>
+            </a:r>
+          </a:p>
+          <a:p>
+            <a:r>
+              <a:rPr lang="en-US" sz="2000" dirty="0" smtClean="0"/>
+              <a:t>Steve Colburn</a:t>
+            </a:r>
+          </a:p>
+          <a:p>
+            <a:r>
+              <a:rPr lang="en-US" sz="2000" dirty="0" smtClean="0"/>
+              <a:t>Barb Shinn-Cunningham</a:t>
+            </a:r>
+          </a:p>
+          <a:p>
+            <a:r>
+              <a:rPr lang="en-US" sz="2000" dirty="0" err="1" smtClean="0"/>
+              <a:t>Allyn</a:t>
+            </a:r>
+            <a:r>
+              <a:rPr lang="en-US" sz="2000" dirty="0" smtClean="0"/>
+              <a:t> Hubbard</a:t>
+            </a:r>
+          </a:p>
+          <a:p>
+            <a:r>
+              <a:rPr lang="en-US" sz="2000" dirty="0" smtClean="0"/>
+              <a:t>Heidi Nakajima</a:t>
+            </a:r>
+          </a:p>
+        </p:txBody>
+      </p:sp>
+      <p:sp>
+        <p:nvSpPr>
+          <p:cNvPr id="9" name="Content Placeholder 2"/>
+          <p:cNvSpPr txBox="1">
+            <a:spLocks/>
+          </p:cNvSpPr>
+          <p:nvPr/>
+        </p:nvSpPr>
+        <p:spPr bwMode="auto">
+          <a:xfrm>
+            <a:off x="5105400" y="1219200"/>
+            <a:ext cx="3886200" cy="1981200"/>
+          </a:xfrm>
+          <a:prstGeom prst="rect">
+            <a:avLst/>
+          </a:prstGeom>
+          <a:noFill/>
+          <a:ln>
+            <a:noFill/>
+          </a:ln>
+          <a:extLst>
+            <a:ext uri="{909E8E84-426E-40DD-AFC4-6F175D3DCCD1}">
+              <a14:hiddenFill xmlns:a14="http://schemas.microsoft.com/office/drawing/2010/main">
+                <a:solidFill>
+                  <a:srgbClr val="FFFFFF"/>
+                </a:solidFill>
+              </a14:hiddenFill>
+            </a:ext>
+            <a:ext uri="{91240B29-F687-4F45-9708-019B960494DF}">
+              <a14:hiddenLine xmlns:a14="http://schemas.microsoft.com/office/drawing/2010/main" w="9525">
+                <a:solidFill>
+                  <a:srgbClr val="000000"/>
+                </a:solidFill>
+                <a:miter lim="800000"/>
+                <a:headEnd/>
+                <a:tailEnd/>
+              </a14:hiddenLine>
+            </a:ext>
+          </a:extLst>
+        </p:spPr>
+        <p:txBody>
+          <a:bodyPr vert="horz" wrap="square" lIns="91440" tIns="45720" rIns="91440" bIns="45720" numCol="1" anchor="t" anchorCtr="0" compatLnSpc="1">
+            <a:prstTxWarp prst="textNoShape">
+              <a:avLst/>
+            </a:prstTxWarp>
+          </a:bodyPr>
+          <a:lstStyle>
+            <a:lvl1pPr marL="342900" indent="-342900" algn="l" rtl="0" eaLnBrk="0" fontAlgn="base" hangingPunct="0">
+              <a:spcBef>
+                <a:spcPct val="20000"/>
+              </a:spcBef>
+              <a:spcAft>
+                <a:spcPct val="0"/>
+              </a:spcAft>
+              <a:buClr>
+                <a:srgbClr val="2675B4"/>
+              </a:buClr>
+              <a:buFont typeface="Wingdings" charset="2"/>
+              <a:buChar char="§"/>
+              <a:defRPr sz="2400">
+                <a:solidFill>
+                  <a:schemeClr val="tx1"/>
+                </a:solidFill>
+                <a:latin typeface="+mn-lt"/>
+                <a:ea typeface="+mn-ea"/>
+                <a:cs typeface="+mn-cs"/>
+              </a:defRPr>
+            </a:lvl1pPr>
+            <a:lvl2pPr marL="742950" indent="-285750" algn="l" rtl="0" eaLnBrk="0" fontAlgn="base" hangingPunct="0">
+              <a:spcBef>
+                <a:spcPct val="20000"/>
+              </a:spcBef>
+              <a:spcAft>
+                <a:spcPct val="0"/>
+              </a:spcAft>
+              <a:buClr>
+                <a:srgbClr val="2675B4"/>
+              </a:buClr>
+              <a:buFont typeface="Wingdings" charset="2"/>
+              <a:buChar char="§"/>
+              <a:defRPr>
+                <a:solidFill>
+                  <a:schemeClr val="tx1"/>
+                </a:solidFill>
+                <a:latin typeface="+mn-lt"/>
+                <a:ea typeface="+mn-ea"/>
+                <a:cs typeface="+mn-cs"/>
+              </a:defRPr>
+            </a:lvl2pPr>
+            <a:lvl3pPr marL="1143000" indent="-228600" algn="l" rtl="0" eaLnBrk="0" fontAlgn="base" hangingPunct="0">
+              <a:spcBef>
+                <a:spcPct val="20000"/>
+              </a:spcBef>
+              <a:spcAft>
+                <a:spcPct val="0"/>
+              </a:spcAft>
+              <a:buClr>
+                <a:srgbClr val="2675B4"/>
+              </a:buClr>
+              <a:buFont typeface="Wingdings" charset="2"/>
+              <a:buChar char="§"/>
+              <a:defRPr>
+                <a:solidFill>
+                  <a:schemeClr val="tx1"/>
+                </a:solidFill>
+                <a:latin typeface="+mn-lt"/>
+                <a:ea typeface="+mn-ea"/>
+                <a:cs typeface="+mn-cs"/>
+              </a:defRPr>
+            </a:lvl3pPr>
+            <a:lvl4pPr marL="1600200" indent="-228600" algn="l" rtl="0" eaLnBrk="0" fontAlgn="base" hangingPunct="0">
+              <a:spcBef>
+                <a:spcPct val="20000"/>
+              </a:spcBef>
+              <a:spcAft>
+                <a:spcPct val="0"/>
+              </a:spcAft>
+              <a:buClr>
+                <a:srgbClr val="2675B4"/>
+              </a:buClr>
+              <a:buFont typeface="Wingdings" charset="2"/>
+              <a:buChar char="§"/>
+              <a:defRPr>
+                <a:solidFill>
+                  <a:schemeClr val="tx1"/>
+                </a:solidFill>
+                <a:latin typeface="+mn-lt"/>
+                <a:ea typeface="+mn-ea"/>
+                <a:cs typeface="+mn-cs"/>
+              </a:defRPr>
+            </a:lvl4pPr>
+            <a:lvl5pPr marL="2057400" indent="-228600" algn="l" rtl="0" eaLnBrk="0" fontAlgn="base" hangingPunct="0">
+              <a:spcBef>
+                <a:spcPct val="20000"/>
+              </a:spcBef>
+              <a:spcAft>
+                <a:spcPct val="0"/>
+              </a:spcAft>
+              <a:buClr>
+                <a:srgbClr val="2675B4"/>
+              </a:buClr>
+              <a:buFont typeface="Wingdings" charset="2"/>
+              <a:buChar char="§"/>
+              <a:defRPr>
+                <a:solidFill>
+                  <a:schemeClr val="tx1"/>
+                </a:solidFill>
+                <a:latin typeface="+mn-lt"/>
+                <a:ea typeface="+mn-ea"/>
+                <a:cs typeface="+mn-cs"/>
+              </a:defRPr>
+            </a:lvl5pPr>
+            <a:lvl6pPr marL="2514600" indent="-228600" algn="l" rtl="0" fontAlgn="base">
+              <a:spcBef>
+                <a:spcPct val="20000"/>
+              </a:spcBef>
+              <a:spcAft>
+                <a:spcPct val="0"/>
+              </a:spcAft>
+              <a:buClr>
+                <a:srgbClr val="2675B4"/>
+              </a:buClr>
+              <a:buFont typeface="Wingdings" charset="2"/>
+              <a:buChar char="§"/>
+              <a:defRPr>
+                <a:solidFill>
+                  <a:schemeClr val="tx1"/>
+                </a:solidFill>
+                <a:latin typeface="+mn-lt"/>
+                <a:ea typeface="+mn-ea"/>
+                <a:cs typeface="+mn-cs"/>
+              </a:defRPr>
+            </a:lvl6pPr>
+            <a:lvl7pPr marL="2971800" indent="-228600" algn="l" rtl="0" fontAlgn="base">
+              <a:spcBef>
+                <a:spcPct val="20000"/>
+              </a:spcBef>
+              <a:spcAft>
+                <a:spcPct val="0"/>
+              </a:spcAft>
+              <a:buClr>
+                <a:srgbClr val="2675B4"/>
+              </a:buClr>
+              <a:buFont typeface="Wingdings" charset="2"/>
+              <a:buChar char="§"/>
+              <a:defRPr>
+                <a:solidFill>
+                  <a:schemeClr val="tx1"/>
+                </a:solidFill>
+                <a:latin typeface="+mn-lt"/>
+                <a:ea typeface="+mn-ea"/>
+                <a:cs typeface="+mn-cs"/>
+              </a:defRPr>
+            </a:lvl7pPr>
+            <a:lvl8pPr marL="3429000" indent="-228600" algn="l" rtl="0" fontAlgn="base">
+              <a:spcBef>
+                <a:spcPct val="20000"/>
+              </a:spcBef>
+              <a:spcAft>
+                <a:spcPct val="0"/>
+              </a:spcAft>
+              <a:buClr>
+                <a:srgbClr val="2675B4"/>
+              </a:buClr>
+              <a:buFont typeface="Wingdings" charset="2"/>
+              <a:buChar char="§"/>
+              <a:defRPr>
+                <a:solidFill>
+                  <a:schemeClr val="tx1"/>
+                </a:solidFill>
+                <a:latin typeface="+mn-lt"/>
+                <a:ea typeface="+mn-ea"/>
+                <a:cs typeface="+mn-cs"/>
+              </a:defRPr>
+            </a:lvl8pPr>
+            <a:lvl9pPr marL="3886200" indent="-228600" algn="l" rtl="0" fontAlgn="base">
+              <a:spcBef>
+                <a:spcPct val="20000"/>
+              </a:spcBef>
+              <a:spcAft>
+                <a:spcPct val="0"/>
+              </a:spcAft>
+              <a:buClr>
+                <a:srgbClr val="2675B4"/>
+              </a:buClr>
+              <a:buFont typeface="Wingdings" charset="2"/>
+              <a:buChar char="§"/>
+              <a:defRPr>
+                <a:solidFill>
+                  <a:schemeClr val="tx1"/>
+                </a:solidFill>
+                <a:latin typeface="+mn-lt"/>
+                <a:ea typeface="+mn-ea"/>
+                <a:cs typeface="+mn-cs"/>
+              </a:defRPr>
+            </a:lvl9pPr>
+          </a:lstStyle>
+          <a:p>
+            <a:pPr marL="0" indent="0">
+              <a:buFont typeface="Wingdings" charset="2"/>
+              <a:buNone/>
+            </a:pPr>
+            <a:r>
+              <a:rPr lang="en-US" sz="2200" b="1" dirty="0" smtClean="0"/>
+              <a:t>BU Alumni and Visitors</a:t>
+            </a:r>
+          </a:p>
+          <a:p>
+            <a:r>
+              <a:rPr lang="en-US" sz="2000" dirty="0" smtClean="0"/>
+              <a:t>Sarah </a:t>
+            </a:r>
+            <a:r>
+              <a:rPr lang="en-US" sz="2000" dirty="0" err="1" smtClean="0"/>
+              <a:t>Verhulst</a:t>
+            </a:r>
+            <a:endParaRPr lang="en-US" sz="2000" dirty="0" smtClean="0"/>
+          </a:p>
+          <a:p>
+            <a:r>
+              <a:rPr lang="en-US" sz="2000" dirty="0" smtClean="0"/>
+              <a:t>Laurel Carney</a:t>
+            </a:r>
+          </a:p>
+          <a:p>
+            <a:r>
+              <a:rPr lang="en-US" sz="2000" dirty="0" smtClean="0"/>
+              <a:t>Gerard </a:t>
+            </a:r>
+            <a:r>
+              <a:rPr lang="en-US" sz="2000" dirty="0" err="1" smtClean="0"/>
+              <a:t>Encina</a:t>
+            </a:r>
+            <a:r>
+              <a:rPr lang="en-US" sz="2000" dirty="0" smtClean="0"/>
+              <a:t>-Llamas</a:t>
+            </a:r>
+          </a:p>
+          <a:p>
+            <a:r>
+              <a:rPr lang="en-US" sz="2000" dirty="0" smtClean="0"/>
+              <a:t>Daryl </a:t>
+            </a:r>
+            <a:r>
+              <a:rPr lang="en-US" sz="2000" dirty="0" err="1" smtClean="0"/>
+              <a:t>Kelvasa</a:t>
+            </a:r>
+            <a:endParaRPr lang="en-US" sz="2000" dirty="0" smtClean="0"/>
+          </a:p>
+        </p:txBody>
+      </p:sp>
+      <p:sp>
+        <p:nvSpPr>
+          <p:cNvPr id="10" name="Content Placeholder 2"/>
+          <p:cNvSpPr txBox="1">
+            <a:spLocks/>
+          </p:cNvSpPr>
+          <p:nvPr/>
+        </p:nvSpPr>
+        <p:spPr bwMode="auto">
+          <a:xfrm>
+            <a:off x="5105400" y="3200400"/>
+            <a:ext cx="3886200" cy="3200400"/>
+          </a:xfrm>
+          <a:prstGeom prst="rect">
+            <a:avLst/>
+          </a:prstGeom>
+          <a:noFill/>
+          <a:ln>
+            <a:noFill/>
+          </a:ln>
+          <a:extLst>
+            <a:ext uri="{909E8E84-426E-40DD-AFC4-6F175D3DCCD1}">
+              <a14:hiddenFill xmlns:a14="http://schemas.microsoft.com/office/drawing/2010/main">
+                <a:solidFill>
+                  <a:srgbClr val="FFFFFF"/>
+                </a:solidFill>
+              </a14:hiddenFill>
+            </a:ext>
+            <a:ext uri="{91240B29-F687-4F45-9708-019B960494DF}">
+              <a14:hiddenLine xmlns:a14="http://schemas.microsoft.com/office/drawing/2010/main" w="9525">
+                <a:solidFill>
+                  <a:srgbClr val="000000"/>
+                </a:solidFill>
+                <a:miter lim="800000"/>
+                <a:headEnd/>
+                <a:tailEnd/>
+              </a14:hiddenLine>
+            </a:ext>
+          </a:extLst>
+        </p:spPr>
+        <p:txBody>
+          <a:bodyPr vert="horz" wrap="square" lIns="91440" tIns="45720" rIns="91440" bIns="45720" numCol="1" anchor="t" anchorCtr="0" compatLnSpc="1">
+            <a:prstTxWarp prst="textNoShape">
+              <a:avLst/>
+            </a:prstTxWarp>
+          </a:bodyPr>
+          <a:lstStyle>
+            <a:lvl1pPr marL="342900" indent="-342900" algn="l" rtl="0" eaLnBrk="0" fontAlgn="base" hangingPunct="0">
+              <a:spcBef>
+                <a:spcPct val="20000"/>
+              </a:spcBef>
+              <a:spcAft>
+                <a:spcPct val="0"/>
+              </a:spcAft>
+              <a:buClr>
+                <a:srgbClr val="2675B4"/>
+              </a:buClr>
+              <a:buFont typeface="Wingdings" charset="2"/>
+              <a:buChar char="§"/>
+              <a:defRPr sz="2400">
+                <a:solidFill>
+                  <a:schemeClr val="tx1"/>
+                </a:solidFill>
+                <a:latin typeface="+mn-lt"/>
+                <a:ea typeface="+mn-ea"/>
+                <a:cs typeface="+mn-cs"/>
+              </a:defRPr>
+            </a:lvl1pPr>
+            <a:lvl2pPr marL="742950" indent="-285750" algn="l" rtl="0" eaLnBrk="0" fontAlgn="base" hangingPunct="0">
+              <a:spcBef>
+                <a:spcPct val="20000"/>
+              </a:spcBef>
+              <a:spcAft>
+                <a:spcPct val="0"/>
+              </a:spcAft>
+              <a:buClr>
+                <a:srgbClr val="2675B4"/>
+              </a:buClr>
+              <a:buFont typeface="Wingdings" charset="2"/>
+              <a:buChar char="§"/>
+              <a:defRPr>
+                <a:solidFill>
+                  <a:schemeClr val="tx1"/>
+                </a:solidFill>
+                <a:latin typeface="+mn-lt"/>
+                <a:ea typeface="+mn-ea"/>
+                <a:cs typeface="+mn-cs"/>
+              </a:defRPr>
+            </a:lvl2pPr>
+            <a:lvl3pPr marL="1143000" indent="-228600" algn="l" rtl="0" eaLnBrk="0" fontAlgn="base" hangingPunct="0">
+              <a:spcBef>
+                <a:spcPct val="20000"/>
+              </a:spcBef>
+              <a:spcAft>
+                <a:spcPct val="0"/>
+              </a:spcAft>
+              <a:buClr>
+                <a:srgbClr val="2675B4"/>
+              </a:buClr>
+              <a:buFont typeface="Wingdings" charset="2"/>
+              <a:buChar char="§"/>
+              <a:defRPr>
+                <a:solidFill>
+                  <a:schemeClr val="tx1"/>
+                </a:solidFill>
+                <a:latin typeface="+mn-lt"/>
+                <a:ea typeface="+mn-ea"/>
+                <a:cs typeface="+mn-cs"/>
+              </a:defRPr>
+            </a:lvl3pPr>
+            <a:lvl4pPr marL="1600200" indent="-228600" algn="l" rtl="0" eaLnBrk="0" fontAlgn="base" hangingPunct="0">
+              <a:spcBef>
+                <a:spcPct val="20000"/>
+              </a:spcBef>
+              <a:spcAft>
+                <a:spcPct val="0"/>
+              </a:spcAft>
+              <a:buClr>
+                <a:srgbClr val="2675B4"/>
+              </a:buClr>
+              <a:buFont typeface="Wingdings" charset="2"/>
+              <a:buChar char="§"/>
+              <a:defRPr>
+                <a:solidFill>
+                  <a:schemeClr val="tx1"/>
+                </a:solidFill>
+                <a:latin typeface="+mn-lt"/>
+                <a:ea typeface="+mn-ea"/>
+                <a:cs typeface="+mn-cs"/>
+              </a:defRPr>
+            </a:lvl4pPr>
+            <a:lvl5pPr marL="2057400" indent="-228600" algn="l" rtl="0" eaLnBrk="0" fontAlgn="base" hangingPunct="0">
+              <a:spcBef>
+                <a:spcPct val="20000"/>
+              </a:spcBef>
+              <a:spcAft>
+                <a:spcPct val="0"/>
+              </a:spcAft>
+              <a:buClr>
+                <a:srgbClr val="2675B4"/>
+              </a:buClr>
+              <a:buFont typeface="Wingdings" charset="2"/>
+              <a:buChar char="§"/>
+              <a:defRPr>
+                <a:solidFill>
+                  <a:schemeClr val="tx1"/>
+                </a:solidFill>
+                <a:latin typeface="+mn-lt"/>
+                <a:ea typeface="+mn-ea"/>
+                <a:cs typeface="+mn-cs"/>
+              </a:defRPr>
+            </a:lvl5pPr>
+            <a:lvl6pPr marL="2514600" indent="-228600" algn="l" rtl="0" fontAlgn="base">
+              <a:spcBef>
+                <a:spcPct val="20000"/>
+              </a:spcBef>
+              <a:spcAft>
+                <a:spcPct val="0"/>
+              </a:spcAft>
+              <a:buClr>
+                <a:srgbClr val="2675B4"/>
+              </a:buClr>
+              <a:buFont typeface="Wingdings" charset="2"/>
+              <a:buChar char="§"/>
+              <a:defRPr>
+                <a:solidFill>
+                  <a:schemeClr val="tx1"/>
+                </a:solidFill>
+                <a:latin typeface="+mn-lt"/>
+                <a:ea typeface="+mn-ea"/>
+                <a:cs typeface="+mn-cs"/>
+              </a:defRPr>
+            </a:lvl6pPr>
+            <a:lvl7pPr marL="2971800" indent="-228600" algn="l" rtl="0" fontAlgn="base">
+              <a:spcBef>
+                <a:spcPct val="20000"/>
+              </a:spcBef>
+              <a:spcAft>
+                <a:spcPct val="0"/>
+              </a:spcAft>
+              <a:buClr>
+                <a:srgbClr val="2675B4"/>
+              </a:buClr>
+              <a:buFont typeface="Wingdings" charset="2"/>
+              <a:buChar char="§"/>
+              <a:defRPr>
+                <a:solidFill>
+                  <a:schemeClr val="tx1"/>
+                </a:solidFill>
+                <a:latin typeface="+mn-lt"/>
+                <a:ea typeface="+mn-ea"/>
+                <a:cs typeface="+mn-cs"/>
+              </a:defRPr>
+            </a:lvl7pPr>
+            <a:lvl8pPr marL="3429000" indent="-228600" algn="l" rtl="0" fontAlgn="base">
+              <a:spcBef>
+                <a:spcPct val="20000"/>
+              </a:spcBef>
+              <a:spcAft>
+                <a:spcPct val="0"/>
+              </a:spcAft>
+              <a:buClr>
+                <a:srgbClr val="2675B4"/>
+              </a:buClr>
+              <a:buFont typeface="Wingdings" charset="2"/>
+              <a:buChar char="§"/>
+              <a:defRPr>
+                <a:solidFill>
+                  <a:schemeClr val="tx1"/>
+                </a:solidFill>
+                <a:latin typeface="+mn-lt"/>
+                <a:ea typeface="+mn-ea"/>
+                <a:cs typeface="+mn-cs"/>
+              </a:defRPr>
+            </a:lvl8pPr>
+            <a:lvl9pPr marL="3886200" indent="-228600" algn="l" rtl="0" fontAlgn="base">
+              <a:spcBef>
+                <a:spcPct val="20000"/>
+              </a:spcBef>
+              <a:spcAft>
+                <a:spcPct val="0"/>
+              </a:spcAft>
+              <a:buClr>
+                <a:srgbClr val="2675B4"/>
+              </a:buClr>
+              <a:buFont typeface="Wingdings" charset="2"/>
+              <a:buChar char="§"/>
+              <a:defRPr>
+                <a:solidFill>
+                  <a:schemeClr val="tx1"/>
+                </a:solidFill>
+                <a:latin typeface="+mn-lt"/>
+                <a:ea typeface="+mn-ea"/>
+                <a:cs typeface="+mn-cs"/>
+              </a:defRPr>
+            </a:lvl9pPr>
+          </a:lstStyle>
+          <a:p>
+            <a:pPr marL="0" indent="0">
+              <a:buFont typeface="Wingdings" charset="2"/>
+              <a:buNone/>
+            </a:pPr>
+            <a:r>
+              <a:rPr lang="en-US" sz="2200" b="1" dirty="0" smtClean="0"/>
+              <a:t>Personal</a:t>
+            </a:r>
+          </a:p>
+          <a:p>
+            <a:r>
+              <a:rPr lang="en-US" sz="2000" dirty="0" smtClean="0"/>
+              <a:t>My family!</a:t>
+            </a:r>
+          </a:p>
+          <a:p>
+            <a:endParaRPr lang="en-US" sz="2000" dirty="0" smtClean="0"/>
+          </a:p>
+        </p:txBody>
+      </p:sp>
+      <p:pic>
+        <p:nvPicPr>
+          <p:cNvPr id="11" name="Picture 10" descr="IMG_0340.jpg"/>
+          <p:cNvPicPr>
+            <a:picLocks noChangeAspect="1"/>
+          </p:cNvPicPr>
+          <p:nvPr/>
+        </p:nvPicPr>
+        <p:blipFill>
+          <a:blip r:embed="rId2">
+            <a:extLst>
+              <a:ext uri="{28A0092B-C50C-407E-A947-70E740481C1C}">
+                <a14:useLocalDpi xmlns:a14="http://schemas.microsoft.com/office/drawing/2010/main" val="0"/>
+              </a:ext>
+            </a:extLst>
+          </a:blip>
+          <a:stretch>
+            <a:fillRect/>
+          </a:stretch>
+        </p:blipFill>
+        <p:spPr>
+          <a:xfrm>
+            <a:off x="7315200" y="3810000"/>
+            <a:ext cx="1770785" cy="2362200"/>
+          </a:xfrm>
+          <a:prstGeom prst="rect">
+            <a:avLst/>
+          </a:prstGeom>
+        </p:spPr>
+      </p:pic>
+    </p:spTree>
+    <p:extLst>
+      <p:ext uri="{BB962C8B-B14F-4D97-AF65-F5344CB8AC3E}">
+        <p14:creationId xmlns:p14="http://schemas.microsoft.com/office/powerpoint/2010/main" val="3825096128"/>
+      </p:ext>
+    </p:extLst>
+  </p:cSld>
+  <p:clrMapOvr>
+    <a:masterClrMapping/>
+  </p:clrMapOvr>
+  <p:timing>
+    <p:tnLst>
+      <p:par>
+        <p:cTn id="1" dur="indefinite" restart="never" nodeType="tmRoot"/>
+      </p:par>
+    </p:tnLst>
+  </p:timing>
+</p:sld>
+</file>
+
+<file path=ppt/slides/slide13.xml><?xml version="1.0" encoding="utf-8"?>
+<p:sld xmlns:a="http://schemas.openxmlformats.org/drawingml/2006/main" xmlns:r="http://schemas.openxmlformats.org/officeDocument/2006/relationships" xmlns:p="http://schemas.openxmlformats.org/presentationml/2006/main">
+  <p:cSld>
+    <p:spTree>
+      <p:nvGrpSpPr>
+        <p:cNvPr id="1" name=""/>
+        <p:cNvGrpSpPr/>
+        <p:nvPr/>
+      </p:nvGrpSpPr>
+      <p:grpSpPr>
+        <a:xfrm>
+          <a:off x="0" y="0"/>
+          <a:ext cx="0" cy="0"/>
+          <a:chOff x="0" y="0"/>
+          <a:chExt cx="0" cy="0"/>
+        </a:xfrm>
+      </p:grpSpPr>
+      <p:sp>
+        <p:nvSpPr>
+          <p:cNvPr id="4" name="Footer Placeholder 3"/>
+          <p:cNvSpPr>
+            <a:spLocks noGrp="1"/>
+          </p:cNvSpPr>
+          <p:nvPr>
+            <p:ph type="ftr" sz="quarter" idx="10"/>
+          </p:nvPr>
+        </p:nvSpPr>
+        <p:spPr/>
+        <p:txBody>
+          <a:bodyPr/>
+          <a:lstStyle/>
+          <a:p>
+            <a:pPr>
+              <a:defRPr/>
+            </a:pPr>
+            <a:r>
+              <a:rPr lang="en-US" altLang="en-US" dirty="0"/>
+              <a:t>Modeling the Effects of Auditory Neuropathy on the ABR</a:t>
+            </a:r>
+          </a:p>
+        </p:txBody>
+      </p:sp>
+      <p:sp>
+        <p:nvSpPr>
+          <p:cNvPr id="5" name="Slide Number Placeholder 4"/>
+          <p:cNvSpPr>
+            <a:spLocks noGrp="1"/>
+          </p:cNvSpPr>
+          <p:nvPr>
+            <p:ph type="sldNum" sz="quarter" idx="11"/>
+          </p:nvPr>
+        </p:nvSpPr>
+        <p:spPr/>
+        <p:txBody>
+          <a:bodyPr/>
+          <a:lstStyle/>
+          <a:p>
+            <a:pPr>
+              <a:defRPr/>
+            </a:pPr>
+            <a:fld id="{8840E231-D218-4982-B1DE-6520F190699A}" type="slidenum">
+              <a:rPr lang="en-US" altLang="en-US" smtClean="0"/>
+              <a:pPr>
+                <a:defRPr/>
+              </a:pPr>
+              <a:t>13</a:t>
+            </a:fld>
+            <a:endParaRPr lang="en-US" altLang="en-US" dirty="0"/>
+          </a:p>
+        </p:txBody>
+      </p:sp>
+      <p:sp>
+        <p:nvSpPr>
+          <p:cNvPr id="6" name="Date Placeholder 5"/>
+          <p:cNvSpPr>
+            <a:spLocks noGrp="1"/>
+          </p:cNvSpPr>
+          <p:nvPr>
+            <p:ph type="dt" sz="half" idx="12"/>
+          </p:nvPr>
+        </p:nvSpPr>
+        <p:spPr/>
+        <p:txBody>
+          <a:bodyPr/>
+          <a:lstStyle/>
+          <a:p>
+            <a:pPr>
+              <a:defRPr/>
+            </a:pPr>
+            <a:fld id="{A544915F-7309-4744-8FAD-0D6B1CB5A275}" type="datetime1">
+              <a:rPr lang="en-US" altLang="en-US" smtClean="0"/>
+              <a:t>Saturday, 13 August 2016</a:t>
+            </a:fld>
+            <a:endParaRPr lang="en-US" altLang="en-US"/>
+          </a:p>
+        </p:txBody>
+      </p:sp>
+      <p:pic>
+        <p:nvPicPr>
+          <p:cNvPr id="2051" name="Picture 3" descr="C:\Users\Graham Voysey\Google Drive\BU\HRC\g3133.png"/>
+          <p:cNvPicPr>
+            <a:picLocks noChangeAspect="1" noChangeArrowheads="1"/>
+          </p:cNvPicPr>
+          <p:nvPr/>
+        </p:nvPicPr>
+        <p:blipFill>
+          <a:blip r:embed="rId2">
+            <a:extLst>
+              <a:ext uri="{28A0092B-C50C-407E-A947-70E740481C1C}">
+                <a14:useLocalDpi xmlns:a14="http://schemas.microsoft.com/office/drawing/2010/main" val="0"/>
+              </a:ext>
+            </a:extLst>
+          </a:blip>
+          <a:srcRect/>
+          <a:stretch>
+            <a:fillRect/>
+          </a:stretch>
+        </p:blipFill>
+        <p:spPr bwMode="auto">
+          <a:xfrm>
+            <a:off x="2667000" y="2057400"/>
+            <a:ext cx="4135437" cy="2551112"/>
+          </a:xfrm>
+          <a:prstGeom prst="rect">
+            <a:avLst/>
+          </a:prstGeom>
+          <a:noFill/>
+          <a:extLst>
+            <a:ext uri="{909E8E84-426E-40DD-AFC4-6F175D3DCCD1}">
+              <a14:hiddenFill xmlns:a14="http://schemas.microsoft.com/office/drawing/2010/main">
+                <a:solidFill>
+                  <a:srgbClr val="FFFFFF"/>
+                </a:solidFill>
+              </a14:hiddenFill>
+            </a:ext>
+          </a:extLst>
+        </p:spPr>
+      </p:pic>
+    </p:spTree>
+    <p:extLst>
+      <p:ext uri="{BB962C8B-B14F-4D97-AF65-F5344CB8AC3E}">
+        <p14:creationId xmlns:p14="http://schemas.microsoft.com/office/powerpoint/2010/main" val="3301279014"/>
+      </p:ext>
+    </p:extLst>
+  </p:cSld>
+  <p:clrMapOvr>
+    <a:masterClrMapping/>
+  </p:clrMapOvr>
+  <p:timing>
+    <p:tnLst>
+      <p:par>
+        <p:cTn id="1" dur="indefinite" restart="never" nodeType="tmRoot"/>
+      </p:par>
+    </p:tnLst>
+  </p:timing>
+</p:sld>
+</file>
+
+<file path=ppt/slides/slide14.xml><?xml version="1.0" encoding="utf-8"?>
+<p:sld xmlns:a="http://schemas.openxmlformats.org/drawingml/2006/main" xmlns:r="http://schemas.openxmlformats.org/officeDocument/2006/relationships" xmlns:p="http://schemas.openxmlformats.org/presentationml/2006/main">
+  <p:cSld>
+    <p:spTree>
+      <p:nvGrpSpPr>
+        <p:cNvPr id="1" name=""/>
+        <p:cNvGrpSpPr/>
+        <p:nvPr/>
+      </p:nvGrpSpPr>
+      <p:grpSpPr>
+        <a:xfrm>
+          <a:off x="0" y="0"/>
+          <a:ext cx="0" cy="0"/>
+          <a:chOff x="0" y="0"/>
+          <a:chExt cx="0" cy="0"/>
+        </a:xfrm>
+      </p:grpSpPr>
+      <p:sp>
+        <p:nvSpPr>
+          <p:cNvPr id="2" name="Title 1"/>
+          <p:cNvSpPr>
+            <a:spLocks noGrp="1"/>
+          </p:cNvSpPr>
+          <p:nvPr>
+            <p:ph type="title"/>
+          </p:nvPr>
+        </p:nvSpPr>
+        <p:spPr/>
+        <p:txBody>
+          <a:bodyPr/>
+          <a:lstStyle/>
+          <a:p>
+            <a:endParaRPr lang="en-US"/>
+          </a:p>
+        </p:txBody>
+      </p:sp>
+      <p:pic>
+        <p:nvPicPr>
+          <p:cNvPr id="7" name="Content Placeholder 6" descr="Screen Shot 2016-08-10 at 17.53.07 .png"/>
+          <p:cNvPicPr>
+            <a:picLocks noGrp="1" noChangeAspect="1"/>
+          </p:cNvPicPr>
+          <p:nvPr>
+            <p:ph idx="1"/>
+          </p:nvPr>
+        </p:nvPicPr>
+        <p:blipFill>
+          <a:blip r:embed="rId2">
+            <a:extLst>
+              <a:ext uri="{28A0092B-C50C-407E-A947-70E740481C1C}">
+                <a14:useLocalDpi xmlns:a14="http://schemas.microsoft.com/office/drawing/2010/main" val="0"/>
+              </a:ext>
+            </a:extLst>
+          </a:blip>
+          <a:srcRect l="32049" r="32049"/>
+          <a:stretch>
+            <a:fillRect/>
+          </a:stretch>
+        </p:blipFill>
+        <p:spPr/>
+      </p:pic>
+      <p:sp>
+        <p:nvSpPr>
+          <p:cNvPr id="4" name="Footer Placeholder 3"/>
+          <p:cNvSpPr>
+            <a:spLocks noGrp="1"/>
+          </p:cNvSpPr>
+          <p:nvPr>
+            <p:ph type="ftr" sz="quarter" idx="10"/>
+          </p:nvPr>
+        </p:nvSpPr>
+        <p:spPr/>
+        <p:txBody>
+          <a:bodyPr/>
+          <a:lstStyle/>
+          <a:p>
+            <a:pPr>
+              <a:defRPr/>
+            </a:pPr>
+            <a:r>
+              <a:rPr lang="en-US" altLang="en-US" dirty="0"/>
+              <a:t>Modeling the Effects of Auditory Neuropathy on the ABR</a:t>
+            </a:r>
+            <a:endParaRPr lang="en-US" altLang="en-US" dirty="0"/>
+          </a:p>
+        </p:txBody>
+      </p:sp>
+      <p:sp>
+        <p:nvSpPr>
+          <p:cNvPr id="5" name="Slide Number Placeholder 4"/>
+          <p:cNvSpPr>
+            <a:spLocks noGrp="1"/>
+          </p:cNvSpPr>
+          <p:nvPr>
+            <p:ph type="sldNum" sz="quarter" idx="11"/>
+          </p:nvPr>
+        </p:nvSpPr>
+        <p:spPr/>
+        <p:txBody>
+          <a:bodyPr/>
+          <a:lstStyle/>
+          <a:p>
+            <a:pPr>
+              <a:defRPr/>
+            </a:pPr>
+            <a:fld id="{8840E231-D218-4982-B1DE-6520F190699A}" type="slidenum">
+              <a:rPr lang="en-US" altLang="en-US" smtClean="0"/>
+              <a:pPr>
+                <a:defRPr/>
+              </a:pPr>
+              <a:t>14</a:t>
+            </a:fld>
+            <a:endParaRPr lang="en-US" altLang="en-US" dirty="0"/>
+          </a:p>
+        </p:txBody>
+      </p:sp>
+      <p:sp>
+        <p:nvSpPr>
+          <p:cNvPr id="6" name="Date Placeholder 5"/>
+          <p:cNvSpPr>
+            <a:spLocks noGrp="1"/>
+          </p:cNvSpPr>
+          <p:nvPr>
+            <p:ph type="dt" sz="half" idx="12"/>
+          </p:nvPr>
+        </p:nvSpPr>
+        <p:spPr/>
+        <p:txBody>
+          <a:bodyPr/>
+          <a:lstStyle/>
+          <a:p>
+            <a:pPr>
+              <a:defRPr/>
+            </a:pPr>
+            <a:fld id="{A544915F-7309-4744-8FAD-0D6B1CB5A275}" type="datetime1">
+              <a:rPr lang="en-US" altLang="en-US" smtClean="0"/>
+              <a:t>Saturday, 13 August 2016</a:t>
+            </a:fld>
+            <a:endParaRPr lang="en-US" altLang="en-US"/>
+          </a:p>
+        </p:txBody>
+      </p:sp>
+    </p:spTree>
+    <p:extLst>
+      <p:ext uri="{BB962C8B-B14F-4D97-AF65-F5344CB8AC3E}">
+        <p14:creationId xmlns:p14="http://schemas.microsoft.com/office/powerpoint/2010/main" val="1176881474"/>
+      </p:ext>
+    </p:extLst>
+  </p:cSld>
+  <p:clrMapOvr>
+    <a:masterClrMapping/>
+  </p:clrMapOvr>
 </p:sld>
 </file>
 
@@ -5631,10 +7599,10 @@
               <a:defRPr/>
             </a:pPr>
             <a:r>
-              <a:rPr lang="en-US" altLang="en-US" smtClean="0"/>
-              <a:t>Presentation Title</a:t>
-            </a:r>
-            <a:endParaRPr lang="en-US" altLang="en-US"/>
+              <a:rPr lang="en-US" altLang="en-US" dirty="0"/>
+              <a:t>Modeling the Effects of Auditory Neuropathy on the ABR</a:t>
+            </a:r>
+            <a:endParaRPr lang="en-US" altLang="en-US" dirty="0"/>
           </a:p>
         </p:txBody>
       </p:sp>
@@ -5687,7 +7655,7 @@
             </a:pPr>
             <a:fld id="{A544915F-7309-4744-8FAD-0D6B1CB5A275}" type="datetime1">
               <a:rPr lang="en-US" altLang="en-US" smtClean="0"/>
-              <a:t>8/10/16</a:t>
+              <a:t>Saturday, 13 August 2016</a:t>
             </a:fld>
             <a:endParaRPr lang="en-US" altLang="en-US"/>
           </a:p>
@@ -5749,7 +7717,7 @@
   <p:timing>
     <p:tnLst>
       <p:par>
-        <p:cTn xmlns:p14="http://schemas.microsoft.com/office/powerpoint/2010/main" id="1" dur="indefinite" restart="never" nodeType="tmRoot">
+        <p:cTn id="1" dur="indefinite" restart="never" nodeType="tmRoot">
           <p:childTnLst>
             <p:seq concurrent="1" nextAc="seek">
               <p:cTn id="2" dur="indefinite" nodeType="mainSeq">
@@ -6026,7 +7994,7 @@
             </a:pPr>
             <a:fld id="{A544915F-7309-4744-8FAD-0D6B1CB5A275}" type="datetime1">
               <a:rPr lang="en-US" altLang="en-US" smtClean="0"/>
-              <a:t>8/10/16</a:t>
+              <a:t>Saturday, 13 August 2016</a:t>
             </a:fld>
             <a:endParaRPr lang="en-US" altLang="en-US"/>
           </a:p>
@@ -6063,7 +8031,7 @@
           </a:prstGeom>
           <a:noFill/>
           <a:extLst>
-            <a:ext uri="{909E8E84-426E-40dd-AFC4-6F175D3DCCD1}">
+            <a:ext uri="{909E8E84-426E-40DD-AFC4-6F175D3DCCD1}">
               <a14:hiddenFill xmlns:a14="http://schemas.microsoft.com/office/drawing/2010/main">
                 <a:solidFill>
                   <a:srgbClr val="FFFFFF"/>
@@ -6104,7 +8072,7 @@
           </a:prstGeom>
           <a:noFill/>
           <a:extLst>
-            <a:ext uri="{909E8E84-426E-40dd-AFC4-6F175D3DCCD1}">
+            <a:ext uri="{909E8E84-426E-40DD-AFC4-6F175D3DCCD1}">
               <a14:hiddenFill xmlns:a14="http://schemas.microsoft.com/office/drawing/2010/main">
                 <a:solidFill>
                   <a:srgbClr val="FFFFFF"/>
@@ -6145,7 +8113,7 @@
           </a:prstGeom>
           <a:noFill/>
           <a:extLst>
-            <a:ext uri="{909E8E84-426E-40dd-AFC4-6F175D3DCCD1}">
+            <a:ext uri="{909E8E84-426E-40DD-AFC4-6F175D3DCCD1}">
               <a14:hiddenFill xmlns:a14="http://schemas.microsoft.com/office/drawing/2010/main">
                 <a:solidFill>
                   <a:srgbClr val="FFFFFF"/>
@@ -6168,7 +8136,7 @@
   <p:timing>
     <p:tnLst>
       <p:par>
-        <p:cTn xmlns:p14="http://schemas.microsoft.com/office/powerpoint/2010/main" id="1" dur="indefinite" restart="never" nodeType="tmRoot">
+        <p:cTn id="1" dur="indefinite" restart="never" nodeType="tmRoot">
           <p:childTnLst>
             <p:seq concurrent="1" nextAc="seek">
               <p:cTn id="2" dur="indefinite" nodeType="mainSeq">
@@ -6367,7 +8335,11 @@
           <a:p>
             <a:r>
               <a:rPr lang="en-US" dirty="0" smtClean="0"/>
-              <a:t>Probable Causes of HHL</a:t>
+              <a:t>Potential </a:t>
+            </a:r>
+            <a:r>
+              <a:rPr lang="en-US" dirty="0" smtClean="0"/>
+              <a:t>Causes of HHL</a:t>
             </a:r>
             <a:endParaRPr lang="en-US" dirty="0"/>
           </a:p>
@@ -6483,7 +8455,7 @@
               <a:defRPr/>
             </a:pPr>
             <a:r>
-              <a:rPr lang="en-US" altLang="en-US" smtClean="0"/>
+              <a:rPr lang="en-US" altLang="en-US" dirty="0" smtClean="0"/>
               <a:t>Modeling the Effects of Auditory Neuropathy on the ABR</a:t>
             </a:r>
             <a:endParaRPr lang="en-US" altLang="en-US" dirty="0"/>
@@ -6539,7 +8511,7 @@
             </a:pPr>
             <a:fld id="{A544915F-7309-4744-8FAD-0D6B1CB5A275}" type="datetime1">
               <a:rPr lang="en-US" altLang="en-US" smtClean="0"/>
-              <a:t>8/10/16</a:t>
+              <a:t>Saturday, 13 August 2016</a:t>
             </a:fld>
             <a:endParaRPr lang="en-US" altLang="en-US"/>
           </a:p>
@@ -6558,7 +8530,7 @@
   <p:timing>
     <p:tnLst>
       <p:par>
-        <p:cTn xmlns:p14="http://schemas.microsoft.com/office/powerpoint/2010/main" id="1" dur="indefinite" restart="never" nodeType="tmRoot"/>
+        <p:cTn id="1" dur="indefinite" restart="never" nodeType="tmRoot"/>
       </p:par>
     </p:tnLst>
   </p:timing>
@@ -6597,10 +8569,17 @@
           <a:bodyPr/>
           <a:lstStyle/>
           <a:p>
-            <a:pPr algn="ctr"/>
-            <a:r>
-              <a:rPr lang="en-US" dirty="0" smtClean="0"/>
-              <a:t>Acknowledgements</a:t>
+            <a:r>
+              <a:rPr lang="en-US" baseline="0" dirty="0" smtClean="0"/>
+              <a:t>Mechanics </a:t>
+            </a:r>
+            <a:r>
+              <a:rPr lang="en-US" baseline="0" dirty="0" smtClean="0"/>
+              <a:t>of </a:t>
+            </a:r>
+            <a:r>
+              <a:rPr lang="en-US" baseline="0" dirty="0" smtClean="0"/>
+              <a:t>Hearing (Review)</a:t>
             </a:r>
             <a:endParaRPr lang="en-US" dirty="0"/>
           </a:p>
@@ -6608,95 +8587,27 @@
       </p:sp>
       <p:sp>
         <p:nvSpPr>
-          <p:cNvPr id="3" name="Content Placeholder 2"/>
+          <p:cNvPr id="4" name="Footer Placeholder 3"/>
           <p:cNvSpPr>
             <a:spLocks noGrp="1"/>
           </p:cNvSpPr>
           <p:nvPr>
-            <p:ph idx="1"/>
-          </p:nvPr>
-        </p:nvSpPr>
-        <p:spPr>
-          <a:xfrm>
-            <a:off x="609600" y="2971800"/>
-            <a:ext cx="3886200" cy="1828800"/>
-          </a:xfrm>
-        </p:spPr>
+            <p:ph type="ftr" sz="quarter" idx="10"/>
+          </p:nvPr>
+        </p:nvSpPr>
+        <p:spPr/>
         <p:txBody>
           <a:bodyPr/>
           <a:lstStyle/>
           <a:p>
-            <a:pPr marL="0" indent="0">
-              <a:buNone/>
+            <a:pPr>
+              <a:defRPr/>
             </a:pPr>
             <a:r>
-              <a:rPr lang="en-US" sz="2200" b="1" dirty="0" smtClean="0"/>
-              <a:t>Auditory Biophysics Lab</a:t>
-            </a:r>
-          </a:p>
-          <a:p>
-            <a:r>
-              <a:rPr lang="en-US" sz="2000" dirty="0" smtClean="0"/>
-              <a:t>Dave Mountain</a:t>
-            </a:r>
-          </a:p>
-          <a:p>
-            <a:r>
-              <a:rPr lang="en-US" sz="2000" dirty="0" smtClean="0"/>
-              <a:t>Dave Anderson</a:t>
-            </a:r>
-          </a:p>
-          <a:p>
-            <a:r>
-              <a:rPr lang="en-US" sz="2000" dirty="0" err="1" smtClean="0"/>
-              <a:t>Aleks</a:t>
-            </a:r>
-            <a:r>
-              <a:rPr lang="en-US" sz="2000" dirty="0" smtClean="0"/>
-              <a:t> </a:t>
-            </a:r>
-            <a:r>
-              <a:rPr lang="en-US" sz="2000" dirty="0" err="1" smtClean="0"/>
-              <a:t>Zosuls</a:t>
-            </a:r>
-            <a:endParaRPr lang="en-US" sz="2000" dirty="0" smtClean="0"/>
-          </a:p>
-          <a:p>
-            <a:r>
-              <a:rPr lang="en-US" sz="2000" dirty="0" smtClean="0"/>
-              <a:t>Andy </a:t>
-            </a:r>
-            <a:r>
-              <a:rPr lang="en-US" sz="2000" dirty="0" err="1" smtClean="0"/>
-              <a:t>Brughera</a:t>
-            </a:r>
-            <a:endParaRPr lang="en-US" sz="2000" dirty="0" smtClean="0"/>
-          </a:p>
-        </p:txBody>
-      </p:sp>
-      <p:sp>
-        <p:nvSpPr>
-          <p:cNvPr id="4" name="Footer Placeholder 3"/>
-          <p:cNvSpPr>
-            <a:spLocks noGrp="1"/>
-          </p:cNvSpPr>
-          <p:nvPr>
-            <p:ph type="ftr" sz="quarter" idx="10"/>
-          </p:nvPr>
-        </p:nvSpPr>
-        <p:spPr/>
-        <p:txBody>
-          <a:bodyPr/>
-          <a:lstStyle/>
-          <a:p>
-            <a:pPr>
-              <a:defRPr/>
-            </a:pPr>
-            <a:r>
               <a:rPr lang="en-US" altLang="en-US" smtClean="0"/>
-              <a:t>Presentation Title</a:t>
-            </a:r>
-            <a:endParaRPr lang="en-US" altLang="en-US"/>
+              <a:t>Modeling the Effects of Auditory Neuropathy on the ABR</a:t>
+            </a:r>
+            <a:endParaRPr lang="en-US" altLang="en-US" dirty="0"/>
           </a:p>
         </p:txBody>
       </p:sp>
@@ -6749,1119 +8660,17 @@
             </a:pPr>
             <a:fld id="{A544915F-7309-4744-8FAD-0D6B1CB5A275}" type="datetime1">
               <a:rPr lang="en-US" altLang="en-US" smtClean="0"/>
-              <a:t>8/10/16</a:t>
+              <a:t>Saturday, 13 August 2016</a:t>
             </a:fld>
             <a:endParaRPr lang="en-US" altLang="en-US"/>
           </a:p>
         </p:txBody>
       </p:sp>
-      <p:sp>
-        <p:nvSpPr>
-          <p:cNvPr id="7" name="Content Placeholder 2"/>
-          <p:cNvSpPr txBox="1">
-            <a:spLocks/>
-          </p:cNvSpPr>
-          <p:nvPr/>
-        </p:nvSpPr>
-        <p:spPr bwMode="auto">
-          <a:xfrm>
-            <a:off x="609600" y="4876800"/>
-            <a:ext cx="4191000" cy="1219200"/>
-          </a:xfrm>
-          <a:prstGeom prst="rect">
-            <a:avLst/>
-          </a:prstGeom>
-          <a:noFill/>
-          <a:ln>
-            <a:noFill/>
-          </a:ln>
-          <a:extLst>
-            <a:ext uri="{909E8E84-426E-40dd-AFC4-6F175D3DCCD1}">
-              <a14:hiddenFill xmlns:a14="http://schemas.microsoft.com/office/drawing/2010/main">
-                <a:solidFill>
-                  <a:srgbClr val="FFFFFF"/>
-                </a:solidFill>
-              </a14:hiddenFill>
-            </a:ext>
-            <a:ext uri="{91240B29-F687-4f45-9708-019B960494DF}">
-              <a14:hiddenLine xmlns:a14="http://schemas.microsoft.com/office/drawing/2010/main" w="9525">
-                <a:solidFill>
-                  <a:srgbClr val="000000"/>
-                </a:solidFill>
-                <a:miter lim="800000"/>
-                <a:headEnd/>
-                <a:tailEnd/>
-              </a14:hiddenLine>
-            </a:ext>
-          </a:extLst>
-        </p:spPr>
-        <p:txBody>
-          <a:bodyPr vert="horz" wrap="square" lIns="91440" tIns="45720" rIns="91440" bIns="45720" numCol="1" anchor="t" anchorCtr="0" compatLnSpc="1">
-            <a:prstTxWarp prst="textNoShape">
-              <a:avLst/>
-            </a:prstTxWarp>
-          </a:bodyPr>
-          <a:lstStyle>
-            <a:lvl1pPr marL="342900" indent="-342900" algn="l" rtl="0" eaLnBrk="0" fontAlgn="base" hangingPunct="0">
-              <a:spcBef>
-                <a:spcPct val="20000"/>
-              </a:spcBef>
-              <a:spcAft>
-                <a:spcPct val="0"/>
-              </a:spcAft>
-              <a:buClr>
-                <a:srgbClr val="2675B4"/>
-              </a:buClr>
-              <a:buFont typeface="Wingdings" charset="2"/>
-              <a:buChar char="§"/>
-              <a:defRPr sz="2400">
-                <a:solidFill>
-                  <a:schemeClr val="tx1"/>
-                </a:solidFill>
-                <a:latin typeface="+mn-lt"/>
-                <a:ea typeface="+mn-ea"/>
-                <a:cs typeface="+mn-cs"/>
-              </a:defRPr>
-            </a:lvl1pPr>
-            <a:lvl2pPr marL="742950" indent="-285750" algn="l" rtl="0" eaLnBrk="0" fontAlgn="base" hangingPunct="0">
-              <a:spcBef>
-                <a:spcPct val="20000"/>
-              </a:spcBef>
-              <a:spcAft>
-                <a:spcPct val="0"/>
-              </a:spcAft>
-              <a:buClr>
-                <a:srgbClr val="2675B4"/>
-              </a:buClr>
-              <a:buFont typeface="Wingdings" charset="2"/>
-              <a:buChar char="§"/>
-              <a:defRPr>
-                <a:solidFill>
-                  <a:schemeClr val="tx1"/>
-                </a:solidFill>
-                <a:latin typeface="+mn-lt"/>
-                <a:ea typeface="+mn-ea"/>
-                <a:cs typeface="+mn-cs"/>
-              </a:defRPr>
-            </a:lvl2pPr>
-            <a:lvl3pPr marL="1143000" indent="-228600" algn="l" rtl="0" eaLnBrk="0" fontAlgn="base" hangingPunct="0">
-              <a:spcBef>
-                <a:spcPct val="20000"/>
-              </a:spcBef>
-              <a:spcAft>
-                <a:spcPct val="0"/>
-              </a:spcAft>
-              <a:buClr>
-                <a:srgbClr val="2675B4"/>
-              </a:buClr>
-              <a:buFont typeface="Wingdings" charset="2"/>
-              <a:buChar char="§"/>
-              <a:defRPr>
-                <a:solidFill>
-                  <a:schemeClr val="tx1"/>
-                </a:solidFill>
-                <a:latin typeface="+mn-lt"/>
-                <a:ea typeface="+mn-ea"/>
-                <a:cs typeface="+mn-cs"/>
-              </a:defRPr>
-            </a:lvl3pPr>
-            <a:lvl4pPr marL="1600200" indent="-228600" algn="l" rtl="0" eaLnBrk="0" fontAlgn="base" hangingPunct="0">
-              <a:spcBef>
-                <a:spcPct val="20000"/>
-              </a:spcBef>
-              <a:spcAft>
-                <a:spcPct val="0"/>
-              </a:spcAft>
-              <a:buClr>
-                <a:srgbClr val="2675B4"/>
-              </a:buClr>
-              <a:buFont typeface="Wingdings" charset="2"/>
-              <a:buChar char="§"/>
-              <a:defRPr>
-                <a:solidFill>
-                  <a:schemeClr val="tx1"/>
-                </a:solidFill>
-                <a:latin typeface="+mn-lt"/>
-                <a:ea typeface="+mn-ea"/>
-                <a:cs typeface="+mn-cs"/>
-              </a:defRPr>
-            </a:lvl4pPr>
-            <a:lvl5pPr marL="2057400" indent="-228600" algn="l" rtl="0" eaLnBrk="0" fontAlgn="base" hangingPunct="0">
-              <a:spcBef>
-                <a:spcPct val="20000"/>
-              </a:spcBef>
-              <a:spcAft>
-                <a:spcPct val="0"/>
-              </a:spcAft>
-              <a:buClr>
-                <a:srgbClr val="2675B4"/>
-              </a:buClr>
-              <a:buFont typeface="Wingdings" charset="2"/>
-              <a:buChar char="§"/>
-              <a:defRPr>
-                <a:solidFill>
-                  <a:schemeClr val="tx1"/>
-                </a:solidFill>
-                <a:latin typeface="+mn-lt"/>
-                <a:ea typeface="+mn-ea"/>
-                <a:cs typeface="+mn-cs"/>
-              </a:defRPr>
-            </a:lvl5pPr>
-            <a:lvl6pPr marL="2514600" indent="-228600" algn="l" rtl="0" fontAlgn="base">
-              <a:spcBef>
-                <a:spcPct val="20000"/>
-              </a:spcBef>
-              <a:spcAft>
-                <a:spcPct val="0"/>
-              </a:spcAft>
-              <a:buClr>
-                <a:srgbClr val="2675B4"/>
-              </a:buClr>
-              <a:buFont typeface="Wingdings" charset="2"/>
-              <a:buChar char="§"/>
-              <a:defRPr>
-                <a:solidFill>
-                  <a:schemeClr val="tx1"/>
-                </a:solidFill>
-                <a:latin typeface="+mn-lt"/>
-                <a:ea typeface="+mn-ea"/>
-                <a:cs typeface="+mn-cs"/>
-              </a:defRPr>
-            </a:lvl6pPr>
-            <a:lvl7pPr marL="2971800" indent="-228600" algn="l" rtl="0" fontAlgn="base">
-              <a:spcBef>
-                <a:spcPct val="20000"/>
-              </a:spcBef>
-              <a:spcAft>
-                <a:spcPct val="0"/>
-              </a:spcAft>
-              <a:buClr>
-                <a:srgbClr val="2675B4"/>
-              </a:buClr>
-              <a:buFont typeface="Wingdings" charset="2"/>
-              <a:buChar char="§"/>
-              <a:defRPr>
-                <a:solidFill>
-                  <a:schemeClr val="tx1"/>
-                </a:solidFill>
-                <a:latin typeface="+mn-lt"/>
-                <a:ea typeface="+mn-ea"/>
-                <a:cs typeface="+mn-cs"/>
-              </a:defRPr>
-            </a:lvl7pPr>
-            <a:lvl8pPr marL="3429000" indent="-228600" algn="l" rtl="0" fontAlgn="base">
-              <a:spcBef>
-                <a:spcPct val="20000"/>
-              </a:spcBef>
-              <a:spcAft>
-                <a:spcPct val="0"/>
-              </a:spcAft>
-              <a:buClr>
-                <a:srgbClr val="2675B4"/>
-              </a:buClr>
-              <a:buFont typeface="Wingdings" charset="2"/>
-              <a:buChar char="§"/>
-              <a:defRPr>
-                <a:solidFill>
-                  <a:schemeClr val="tx1"/>
-                </a:solidFill>
-                <a:latin typeface="+mn-lt"/>
-                <a:ea typeface="+mn-ea"/>
-                <a:cs typeface="+mn-cs"/>
-              </a:defRPr>
-            </a:lvl8pPr>
-            <a:lvl9pPr marL="3886200" indent="-228600" algn="l" rtl="0" fontAlgn="base">
-              <a:spcBef>
-                <a:spcPct val="20000"/>
-              </a:spcBef>
-              <a:spcAft>
-                <a:spcPct val="0"/>
-              </a:spcAft>
-              <a:buClr>
-                <a:srgbClr val="2675B4"/>
-              </a:buClr>
-              <a:buFont typeface="Wingdings" charset="2"/>
-              <a:buChar char="§"/>
-              <a:defRPr>
-                <a:solidFill>
-                  <a:schemeClr val="tx1"/>
-                </a:solidFill>
-                <a:latin typeface="+mn-lt"/>
-                <a:ea typeface="+mn-ea"/>
-                <a:cs typeface="+mn-cs"/>
-              </a:defRPr>
-            </a:lvl9pPr>
-          </a:lstStyle>
-          <a:p>
-            <a:pPr marL="0" indent="0">
-              <a:buFont typeface="Wingdings" charset="2"/>
-              <a:buNone/>
-            </a:pPr>
-            <a:r>
-              <a:rPr lang="en-US" sz="2200" b="1" dirty="0" smtClean="0"/>
-              <a:t>Auditory Neuroscience Lab</a:t>
-            </a:r>
-          </a:p>
-          <a:p>
-            <a:r>
-              <a:rPr lang="en-US" sz="2000" dirty="0" err="1" smtClean="0"/>
-              <a:t>Goldbarg</a:t>
-            </a:r>
-            <a:r>
-              <a:rPr lang="en-US" sz="2000" dirty="0" smtClean="0"/>
-              <a:t> </a:t>
-            </a:r>
-            <a:r>
-              <a:rPr lang="en-US" sz="2000" dirty="0" err="1" smtClean="0"/>
-              <a:t>Mehraei</a:t>
-            </a:r>
-            <a:endParaRPr lang="en-US" sz="2000" dirty="0" smtClean="0"/>
-          </a:p>
-          <a:p>
-            <a:r>
-              <a:rPr lang="en-US" sz="2000" dirty="0" smtClean="0"/>
-              <a:t>Le Wang</a:t>
-            </a:r>
-          </a:p>
-          <a:p>
-            <a:endParaRPr lang="en-US" dirty="0" smtClean="0"/>
-          </a:p>
-          <a:p>
-            <a:endParaRPr lang="en-US" dirty="0" smtClean="0"/>
-          </a:p>
-        </p:txBody>
-      </p:sp>
-      <p:sp>
-        <p:nvSpPr>
-          <p:cNvPr id="8" name="Content Placeholder 2"/>
-          <p:cNvSpPr txBox="1">
-            <a:spLocks/>
-          </p:cNvSpPr>
-          <p:nvPr/>
-        </p:nvSpPr>
-        <p:spPr bwMode="auto">
-          <a:xfrm>
-            <a:off x="609600" y="1143000"/>
-            <a:ext cx="3352800" cy="1905000"/>
-          </a:xfrm>
-          <a:prstGeom prst="rect">
-            <a:avLst/>
-          </a:prstGeom>
-          <a:noFill/>
-          <a:ln>
-            <a:noFill/>
-          </a:ln>
-          <a:extLst>
-            <a:ext uri="{909E8E84-426E-40dd-AFC4-6F175D3DCCD1}">
-              <a14:hiddenFill xmlns:a14="http://schemas.microsoft.com/office/drawing/2010/main">
-                <a:solidFill>
-                  <a:srgbClr val="FFFFFF"/>
-                </a:solidFill>
-              </a14:hiddenFill>
-            </a:ext>
-            <a:ext uri="{91240B29-F687-4f45-9708-019B960494DF}">
-              <a14:hiddenLine xmlns:a14="http://schemas.microsoft.com/office/drawing/2010/main" w="9525">
-                <a:solidFill>
-                  <a:srgbClr val="000000"/>
-                </a:solidFill>
-                <a:miter lim="800000"/>
-                <a:headEnd/>
-                <a:tailEnd/>
-              </a14:hiddenLine>
-            </a:ext>
-          </a:extLst>
-        </p:spPr>
-        <p:txBody>
-          <a:bodyPr vert="horz" wrap="square" lIns="91440" tIns="45720" rIns="91440" bIns="45720" numCol="1" anchor="t" anchorCtr="0" compatLnSpc="1">
-            <a:prstTxWarp prst="textNoShape">
-              <a:avLst/>
-            </a:prstTxWarp>
-          </a:bodyPr>
-          <a:lstStyle>
-            <a:lvl1pPr marL="342900" indent="-342900" algn="l" rtl="0" eaLnBrk="0" fontAlgn="base" hangingPunct="0">
-              <a:spcBef>
-                <a:spcPct val="20000"/>
-              </a:spcBef>
-              <a:spcAft>
-                <a:spcPct val="0"/>
-              </a:spcAft>
-              <a:buClr>
-                <a:srgbClr val="2675B4"/>
-              </a:buClr>
-              <a:buFont typeface="Wingdings" charset="2"/>
-              <a:buChar char="§"/>
-              <a:defRPr sz="2400">
-                <a:solidFill>
-                  <a:schemeClr val="tx1"/>
-                </a:solidFill>
-                <a:latin typeface="+mn-lt"/>
-                <a:ea typeface="+mn-ea"/>
-                <a:cs typeface="+mn-cs"/>
-              </a:defRPr>
-            </a:lvl1pPr>
-            <a:lvl2pPr marL="742950" indent="-285750" algn="l" rtl="0" eaLnBrk="0" fontAlgn="base" hangingPunct="0">
-              <a:spcBef>
-                <a:spcPct val="20000"/>
-              </a:spcBef>
-              <a:spcAft>
-                <a:spcPct val="0"/>
-              </a:spcAft>
-              <a:buClr>
-                <a:srgbClr val="2675B4"/>
-              </a:buClr>
-              <a:buFont typeface="Wingdings" charset="2"/>
-              <a:buChar char="§"/>
-              <a:defRPr>
-                <a:solidFill>
-                  <a:schemeClr val="tx1"/>
-                </a:solidFill>
-                <a:latin typeface="+mn-lt"/>
-                <a:ea typeface="+mn-ea"/>
-                <a:cs typeface="+mn-cs"/>
-              </a:defRPr>
-            </a:lvl2pPr>
-            <a:lvl3pPr marL="1143000" indent="-228600" algn="l" rtl="0" eaLnBrk="0" fontAlgn="base" hangingPunct="0">
-              <a:spcBef>
-                <a:spcPct val="20000"/>
-              </a:spcBef>
-              <a:spcAft>
-                <a:spcPct val="0"/>
-              </a:spcAft>
-              <a:buClr>
-                <a:srgbClr val="2675B4"/>
-              </a:buClr>
-              <a:buFont typeface="Wingdings" charset="2"/>
-              <a:buChar char="§"/>
-              <a:defRPr>
-                <a:solidFill>
-                  <a:schemeClr val="tx1"/>
-                </a:solidFill>
-                <a:latin typeface="+mn-lt"/>
-                <a:ea typeface="+mn-ea"/>
-                <a:cs typeface="+mn-cs"/>
-              </a:defRPr>
-            </a:lvl3pPr>
-            <a:lvl4pPr marL="1600200" indent="-228600" algn="l" rtl="0" eaLnBrk="0" fontAlgn="base" hangingPunct="0">
-              <a:spcBef>
-                <a:spcPct val="20000"/>
-              </a:spcBef>
-              <a:spcAft>
-                <a:spcPct val="0"/>
-              </a:spcAft>
-              <a:buClr>
-                <a:srgbClr val="2675B4"/>
-              </a:buClr>
-              <a:buFont typeface="Wingdings" charset="2"/>
-              <a:buChar char="§"/>
-              <a:defRPr>
-                <a:solidFill>
-                  <a:schemeClr val="tx1"/>
-                </a:solidFill>
-                <a:latin typeface="+mn-lt"/>
-                <a:ea typeface="+mn-ea"/>
-                <a:cs typeface="+mn-cs"/>
-              </a:defRPr>
-            </a:lvl4pPr>
-            <a:lvl5pPr marL="2057400" indent="-228600" algn="l" rtl="0" eaLnBrk="0" fontAlgn="base" hangingPunct="0">
-              <a:spcBef>
-                <a:spcPct val="20000"/>
-              </a:spcBef>
-              <a:spcAft>
-                <a:spcPct val="0"/>
-              </a:spcAft>
-              <a:buClr>
-                <a:srgbClr val="2675B4"/>
-              </a:buClr>
-              <a:buFont typeface="Wingdings" charset="2"/>
-              <a:buChar char="§"/>
-              <a:defRPr>
-                <a:solidFill>
-                  <a:schemeClr val="tx1"/>
-                </a:solidFill>
-                <a:latin typeface="+mn-lt"/>
-                <a:ea typeface="+mn-ea"/>
-                <a:cs typeface="+mn-cs"/>
-              </a:defRPr>
-            </a:lvl5pPr>
-            <a:lvl6pPr marL="2514600" indent="-228600" algn="l" rtl="0" fontAlgn="base">
-              <a:spcBef>
-                <a:spcPct val="20000"/>
-              </a:spcBef>
-              <a:spcAft>
-                <a:spcPct val="0"/>
-              </a:spcAft>
-              <a:buClr>
-                <a:srgbClr val="2675B4"/>
-              </a:buClr>
-              <a:buFont typeface="Wingdings" charset="2"/>
-              <a:buChar char="§"/>
-              <a:defRPr>
-                <a:solidFill>
-                  <a:schemeClr val="tx1"/>
-                </a:solidFill>
-                <a:latin typeface="+mn-lt"/>
-                <a:ea typeface="+mn-ea"/>
-                <a:cs typeface="+mn-cs"/>
-              </a:defRPr>
-            </a:lvl6pPr>
-            <a:lvl7pPr marL="2971800" indent="-228600" algn="l" rtl="0" fontAlgn="base">
-              <a:spcBef>
-                <a:spcPct val="20000"/>
-              </a:spcBef>
-              <a:spcAft>
-                <a:spcPct val="0"/>
-              </a:spcAft>
-              <a:buClr>
-                <a:srgbClr val="2675B4"/>
-              </a:buClr>
-              <a:buFont typeface="Wingdings" charset="2"/>
-              <a:buChar char="§"/>
-              <a:defRPr>
-                <a:solidFill>
-                  <a:schemeClr val="tx1"/>
-                </a:solidFill>
-                <a:latin typeface="+mn-lt"/>
-                <a:ea typeface="+mn-ea"/>
-                <a:cs typeface="+mn-cs"/>
-              </a:defRPr>
-            </a:lvl7pPr>
-            <a:lvl8pPr marL="3429000" indent="-228600" algn="l" rtl="0" fontAlgn="base">
-              <a:spcBef>
-                <a:spcPct val="20000"/>
-              </a:spcBef>
-              <a:spcAft>
-                <a:spcPct val="0"/>
-              </a:spcAft>
-              <a:buClr>
-                <a:srgbClr val="2675B4"/>
-              </a:buClr>
-              <a:buFont typeface="Wingdings" charset="2"/>
-              <a:buChar char="§"/>
-              <a:defRPr>
-                <a:solidFill>
-                  <a:schemeClr val="tx1"/>
-                </a:solidFill>
-                <a:latin typeface="+mn-lt"/>
-                <a:ea typeface="+mn-ea"/>
-                <a:cs typeface="+mn-cs"/>
-              </a:defRPr>
-            </a:lvl8pPr>
-            <a:lvl9pPr marL="3886200" indent="-228600" algn="l" rtl="0" fontAlgn="base">
-              <a:spcBef>
-                <a:spcPct val="20000"/>
-              </a:spcBef>
-              <a:spcAft>
-                <a:spcPct val="0"/>
-              </a:spcAft>
-              <a:buClr>
-                <a:srgbClr val="2675B4"/>
-              </a:buClr>
-              <a:buFont typeface="Wingdings" charset="2"/>
-              <a:buChar char="§"/>
-              <a:defRPr>
-                <a:solidFill>
-                  <a:schemeClr val="tx1"/>
-                </a:solidFill>
-                <a:latin typeface="+mn-lt"/>
-                <a:ea typeface="+mn-ea"/>
-                <a:cs typeface="+mn-cs"/>
-              </a:defRPr>
-            </a:lvl9pPr>
-          </a:lstStyle>
-          <a:p>
-            <a:pPr marL="0" indent="0">
-              <a:buFont typeface="Wingdings" charset="2"/>
-              <a:buNone/>
-            </a:pPr>
-            <a:r>
-              <a:rPr lang="en-US" sz="2200" b="1" dirty="0" smtClean="0"/>
-              <a:t>Committee </a:t>
-            </a:r>
-          </a:p>
-          <a:p>
-            <a:r>
-              <a:rPr lang="en-US" sz="2000" dirty="0" smtClean="0"/>
-              <a:t>Steve Colburn</a:t>
-            </a:r>
-          </a:p>
-          <a:p>
-            <a:r>
-              <a:rPr lang="en-US" sz="2000" dirty="0" smtClean="0"/>
-              <a:t>Barb Shinn-Cunningham</a:t>
-            </a:r>
-          </a:p>
-          <a:p>
-            <a:r>
-              <a:rPr lang="en-US" sz="2000" dirty="0" err="1" smtClean="0"/>
-              <a:t>Allyn</a:t>
-            </a:r>
-            <a:r>
-              <a:rPr lang="en-US" sz="2000" dirty="0" smtClean="0"/>
-              <a:t> Hubbard</a:t>
-            </a:r>
-          </a:p>
-          <a:p>
-            <a:r>
-              <a:rPr lang="en-US" sz="2000" dirty="0" smtClean="0"/>
-              <a:t>Heidi Nakajima</a:t>
-            </a:r>
-          </a:p>
-        </p:txBody>
-      </p:sp>
-      <p:sp>
-        <p:nvSpPr>
-          <p:cNvPr id="9" name="Content Placeholder 2"/>
-          <p:cNvSpPr txBox="1">
-            <a:spLocks/>
-          </p:cNvSpPr>
-          <p:nvPr/>
-        </p:nvSpPr>
-        <p:spPr bwMode="auto">
-          <a:xfrm>
-            <a:off x="5105400" y="1219200"/>
-            <a:ext cx="3886200" cy="1981200"/>
-          </a:xfrm>
-          <a:prstGeom prst="rect">
-            <a:avLst/>
-          </a:prstGeom>
-          <a:noFill/>
-          <a:ln>
-            <a:noFill/>
-          </a:ln>
-          <a:extLst>
-            <a:ext uri="{909E8E84-426E-40dd-AFC4-6F175D3DCCD1}">
-              <a14:hiddenFill xmlns:a14="http://schemas.microsoft.com/office/drawing/2010/main">
-                <a:solidFill>
-                  <a:srgbClr val="FFFFFF"/>
-                </a:solidFill>
-              </a14:hiddenFill>
-            </a:ext>
-            <a:ext uri="{91240B29-F687-4f45-9708-019B960494DF}">
-              <a14:hiddenLine xmlns:a14="http://schemas.microsoft.com/office/drawing/2010/main" w="9525">
-                <a:solidFill>
-                  <a:srgbClr val="000000"/>
-                </a:solidFill>
-                <a:miter lim="800000"/>
-                <a:headEnd/>
-                <a:tailEnd/>
-              </a14:hiddenLine>
-            </a:ext>
-          </a:extLst>
-        </p:spPr>
-        <p:txBody>
-          <a:bodyPr vert="horz" wrap="square" lIns="91440" tIns="45720" rIns="91440" bIns="45720" numCol="1" anchor="t" anchorCtr="0" compatLnSpc="1">
-            <a:prstTxWarp prst="textNoShape">
-              <a:avLst/>
-            </a:prstTxWarp>
-          </a:bodyPr>
-          <a:lstStyle>
-            <a:lvl1pPr marL="342900" indent="-342900" algn="l" rtl="0" eaLnBrk="0" fontAlgn="base" hangingPunct="0">
-              <a:spcBef>
-                <a:spcPct val="20000"/>
-              </a:spcBef>
-              <a:spcAft>
-                <a:spcPct val="0"/>
-              </a:spcAft>
-              <a:buClr>
-                <a:srgbClr val="2675B4"/>
-              </a:buClr>
-              <a:buFont typeface="Wingdings" charset="2"/>
-              <a:buChar char="§"/>
-              <a:defRPr sz="2400">
-                <a:solidFill>
-                  <a:schemeClr val="tx1"/>
-                </a:solidFill>
-                <a:latin typeface="+mn-lt"/>
-                <a:ea typeface="+mn-ea"/>
-                <a:cs typeface="+mn-cs"/>
-              </a:defRPr>
-            </a:lvl1pPr>
-            <a:lvl2pPr marL="742950" indent="-285750" algn="l" rtl="0" eaLnBrk="0" fontAlgn="base" hangingPunct="0">
-              <a:spcBef>
-                <a:spcPct val="20000"/>
-              </a:spcBef>
-              <a:spcAft>
-                <a:spcPct val="0"/>
-              </a:spcAft>
-              <a:buClr>
-                <a:srgbClr val="2675B4"/>
-              </a:buClr>
-              <a:buFont typeface="Wingdings" charset="2"/>
-              <a:buChar char="§"/>
-              <a:defRPr>
-                <a:solidFill>
-                  <a:schemeClr val="tx1"/>
-                </a:solidFill>
-                <a:latin typeface="+mn-lt"/>
-                <a:ea typeface="+mn-ea"/>
-                <a:cs typeface="+mn-cs"/>
-              </a:defRPr>
-            </a:lvl2pPr>
-            <a:lvl3pPr marL="1143000" indent="-228600" algn="l" rtl="0" eaLnBrk="0" fontAlgn="base" hangingPunct="0">
-              <a:spcBef>
-                <a:spcPct val="20000"/>
-              </a:spcBef>
-              <a:spcAft>
-                <a:spcPct val="0"/>
-              </a:spcAft>
-              <a:buClr>
-                <a:srgbClr val="2675B4"/>
-              </a:buClr>
-              <a:buFont typeface="Wingdings" charset="2"/>
-              <a:buChar char="§"/>
-              <a:defRPr>
-                <a:solidFill>
-                  <a:schemeClr val="tx1"/>
-                </a:solidFill>
-                <a:latin typeface="+mn-lt"/>
-                <a:ea typeface="+mn-ea"/>
-                <a:cs typeface="+mn-cs"/>
-              </a:defRPr>
-            </a:lvl3pPr>
-            <a:lvl4pPr marL="1600200" indent="-228600" algn="l" rtl="0" eaLnBrk="0" fontAlgn="base" hangingPunct="0">
-              <a:spcBef>
-                <a:spcPct val="20000"/>
-              </a:spcBef>
-              <a:spcAft>
-                <a:spcPct val="0"/>
-              </a:spcAft>
-              <a:buClr>
-                <a:srgbClr val="2675B4"/>
-              </a:buClr>
-              <a:buFont typeface="Wingdings" charset="2"/>
-              <a:buChar char="§"/>
-              <a:defRPr>
-                <a:solidFill>
-                  <a:schemeClr val="tx1"/>
-                </a:solidFill>
-                <a:latin typeface="+mn-lt"/>
-                <a:ea typeface="+mn-ea"/>
-                <a:cs typeface="+mn-cs"/>
-              </a:defRPr>
-            </a:lvl4pPr>
-            <a:lvl5pPr marL="2057400" indent="-228600" algn="l" rtl="0" eaLnBrk="0" fontAlgn="base" hangingPunct="0">
-              <a:spcBef>
-                <a:spcPct val="20000"/>
-              </a:spcBef>
-              <a:spcAft>
-                <a:spcPct val="0"/>
-              </a:spcAft>
-              <a:buClr>
-                <a:srgbClr val="2675B4"/>
-              </a:buClr>
-              <a:buFont typeface="Wingdings" charset="2"/>
-              <a:buChar char="§"/>
-              <a:defRPr>
-                <a:solidFill>
-                  <a:schemeClr val="tx1"/>
-                </a:solidFill>
-                <a:latin typeface="+mn-lt"/>
-                <a:ea typeface="+mn-ea"/>
-                <a:cs typeface="+mn-cs"/>
-              </a:defRPr>
-            </a:lvl5pPr>
-            <a:lvl6pPr marL="2514600" indent="-228600" algn="l" rtl="0" fontAlgn="base">
-              <a:spcBef>
-                <a:spcPct val="20000"/>
-              </a:spcBef>
-              <a:spcAft>
-                <a:spcPct val="0"/>
-              </a:spcAft>
-              <a:buClr>
-                <a:srgbClr val="2675B4"/>
-              </a:buClr>
-              <a:buFont typeface="Wingdings" charset="2"/>
-              <a:buChar char="§"/>
-              <a:defRPr>
-                <a:solidFill>
-                  <a:schemeClr val="tx1"/>
-                </a:solidFill>
-                <a:latin typeface="+mn-lt"/>
-                <a:ea typeface="+mn-ea"/>
-                <a:cs typeface="+mn-cs"/>
-              </a:defRPr>
-            </a:lvl6pPr>
-            <a:lvl7pPr marL="2971800" indent="-228600" algn="l" rtl="0" fontAlgn="base">
-              <a:spcBef>
-                <a:spcPct val="20000"/>
-              </a:spcBef>
-              <a:spcAft>
-                <a:spcPct val="0"/>
-              </a:spcAft>
-              <a:buClr>
-                <a:srgbClr val="2675B4"/>
-              </a:buClr>
-              <a:buFont typeface="Wingdings" charset="2"/>
-              <a:buChar char="§"/>
-              <a:defRPr>
-                <a:solidFill>
-                  <a:schemeClr val="tx1"/>
-                </a:solidFill>
-                <a:latin typeface="+mn-lt"/>
-                <a:ea typeface="+mn-ea"/>
-                <a:cs typeface="+mn-cs"/>
-              </a:defRPr>
-            </a:lvl7pPr>
-            <a:lvl8pPr marL="3429000" indent="-228600" algn="l" rtl="0" fontAlgn="base">
-              <a:spcBef>
-                <a:spcPct val="20000"/>
-              </a:spcBef>
-              <a:spcAft>
-                <a:spcPct val="0"/>
-              </a:spcAft>
-              <a:buClr>
-                <a:srgbClr val="2675B4"/>
-              </a:buClr>
-              <a:buFont typeface="Wingdings" charset="2"/>
-              <a:buChar char="§"/>
-              <a:defRPr>
-                <a:solidFill>
-                  <a:schemeClr val="tx1"/>
-                </a:solidFill>
-                <a:latin typeface="+mn-lt"/>
-                <a:ea typeface="+mn-ea"/>
-                <a:cs typeface="+mn-cs"/>
-              </a:defRPr>
-            </a:lvl8pPr>
-            <a:lvl9pPr marL="3886200" indent="-228600" algn="l" rtl="0" fontAlgn="base">
-              <a:spcBef>
-                <a:spcPct val="20000"/>
-              </a:spcBef>
-              <a:spcAft>
-                <a:spcPct val="0"/>
-              </a:spcAft>
-              <a:buClr>
-                <a:srgbClr val="2675B4"/>
-              </a:buClr>
-              <a:buFont typeface="Wingdings" charset="2"/>
-              <a:buChar char="§"/>
-              <a:defRPr>
-                <a:solidFill>
-                  <a:schemeClr val="tx1"/>
-                </a:solidFill>
-                <a:latin typeface="+mn-lt"/>
-                <a:ea typeface="+mn-ea"/>
-                <a:cs typeface="+mn-cs"/>
-              </a:defRPr>
-            </a:lvl9pPr>
-          </a:lstStyle>
-          <a:p>
-            <a:pPr marL="0" indent="0">
-              <a:buFont typeface="Wingdings" charset="2"/>
-              <a:buNone/>
-            </a:pPr>
-            <a:r>
-              <a:rPr lang="en-US" sz="2200" b="1" dirty="0" smtClean="0"/>
-              <a:t>BU Alumni and Visitors</a:t>
-            </a:r>
-          </a:p>
-          <a:p>
-            <a:r>
-              <a:rPr lang="en-US" sz="2000" dirty="0" smtClean="0"/>
-              <a:t>Sarah </a:t>
-            </a:r>
-            <a:r>
-              <a:rPr lang="en-US" sz="2000" dirty="0" err="1" smtClean="0"/>
-              <a:t>Verhulst</a:t>
-            </a:r>
-            <a:endParaRPr lang="en-US" sz="2000" dirty="0" smtClean="0"/>
-          </a:p>
-          <a:p>
-            <a:r>
-              <a:rPr lang="en-US" sz="2000" dirty="0" smtClean="0"/>
-              <a:t>Laurel Carney</a:t>
-            </a:r>
-          </a:p>
-          <a:p>
-            <a:r>
-              <a:rPr lang="en-US" sz="2000" dirty="0" smtClean="0"/>
-              <a:t>Gerard </a:t>
-            </a:r>
-            <a:r>
-              <a:rPr lang="en-US" sz="2000" dirty="0" err="1" smtClean="0"/>
-              <a:t>Encina</a:t>
-            </a:r>
-            <a:r>
-              <a:rPr lang="en-US" sz="2000" dirty="0" smtClean="0"/>
-              <a:t>-Llamas</a:t>
-            </a:r>
-          </a:p>
-          <a:p>
-            <a:r>
-              <a:rPr lang="en-US" sz="2000" dirty="0" smtClean="0"/>
-              <a:t>Daryl </a:t>
-            </a:r>
-            <a:r>
-              <a:rPr lang="en-US" sz="2000" dirty="0" err="1" smtClean="0"/>
-              <a:t>Kelvasa</a:t>
-            </a:r>
-            <a:endParaRPr lang="en-US" sz="2000" dirty="0" smtClean="0"/>
-          </a:p>
-        </p:txBody>
-      </p:sp>
-      <p:sp>
-        <p:nvSpPr>
-          <p:cNvPr id="10" name="Content Placeholder 2"/>
-          <p:cNvSpPr txBox="1">
-            <a:spLocks/>
-          </p:cNvSpPr>
-          <p:nvPr/>
-        </p:nvSpPr>
-        <p:spPr bwMode="auto">
-          <a:xfrm>
-            <a:off x="5105400" y="3200400"/>
-            <a:ext cx="3886200" cy="3200400"/>
-          </a:xfrm>
-          <a:prstGeom prst="rect">
-            <a:avLst/>
-          </a:prstGeom>
-          <a:noFill/>
-          <a:ln>
-            <a:noFill/>
-          </a:ln>
-          <a:extLst>
-            <a:ext uri="{909E8E84-426E-40dd-AFC4-6F175D3DCCD1}">
-              <a14:hiddenFill xmlns:a14="http://schemas.microsoft.com/office/drawing/2010/main">
-                <a:solidFill>
-                  <a:srgbClr val="FFFFFF"/>
-                </a:solidFill>
-              </a14:hiddenFill>
-            </a:ext>
-            <a:ext uri="{91240B29-F687-4f45-9708-019B960494DF}">
-              <a14:hiddenLine xmlns:a14="http://schemas.microsoft.com/office/drawing/2010/main" w="9525">
-                <a:solidFill>
-                  <a:srgbClr val="000000"/>
-                </a:solidFill>
-                <a:miter lim="800000"/>
-                <a:headEnd/>
-                <a:tailEnd/>
-              </a14:hiddenLine>
-            </a:ext>
-          </a:extLst>
-        </p:spPr>
-        <p:txBody>
-          <a:bodyPr vert="horz" wrap="square" lIns="91440" tIns="45720" rIns="91440" bIns="45720" numCol="1" anchor="t" anchorCtr="0" compatLnSpc="1">
-            <a:prstTxWarp prst="textNoShape">
-              <a:avLst/>
-            </a:prstTxWarp>
-          </a:bodyPr>
-          <a:lstStyle>
-            <a:lvl1pPr marL="342900" indent="-342900" algn="l" rtl="0" eaLnBrk="0" fontAlgn="base" hangingPunct="0">
-              <a:spcBef>
-                <a:spcPct val="20000"/>
-              </a:spcBef>
-              <a:spcAft>
-                <a:spcPct val="0"/>
-              </a:spcAft>
-              <a:buClr>
-                <a:srgbClr val="2675B4"/>
-              </a:buClr>
-              <a:buFont typeface="Wingdings" charset="2"/>
-              <a:buChar char="§"/>
-              <a:defRPr sz="2400">
-                <a:solidFill>
-                  <a:schemeClr val="tx1"/>
-                </a:solidFill>
-                <a:latin typeface="+mn-lt"/>
-                <a:ea typeface="+mn-ea"/>
-                <a:cs typeface="+mn-cs"/>
-              </a:defRPr>
-            </a:lvl1pPr>
-            <a:lvl2pPr marL="742950" indent="-285750" algn="l" rtl="0" eaLnBrk="0" fontAlgn="base" hangingPunct="0">
-              <a:spcBef>
-                <a:spcPct val="20000"/>
-              </a:spcBef>
-              <a:spcAft>
-                <a:spcPct val="0"/>
-              </a:spcAft>
-              <a:buClr>
-                <a:srgbClr val="2675B4"/>
-              </a:buClr>
-              <a:buFont typeface="Wingdings" charset="2"/>
-              <a:buChar char="§"/>
-              <a:defRPr>
-                <a:solidFill>
-                  <a:schemeClr val="tx1"/>
-                </a:solidFill>
-                <a:latin typeface="+mn-lt"/>
-                <a:ea typeface="+mn-ea"/>
-                <a:cs typeface="+mn-cs"/>
-              </a:defRPr>
-            </a:lvl2pPr>
-            <a:lvl3pPr marL="1143000" indent="-228600" algn="l" rtl="0" eaLnBrk="0" fontAlgn="base" hangingPunct="0">
-              <a:spcBef>
-                <a:spcPct val="20000"/>
-              </a:spcBef>
-              <a:spcAft>
-                <a:spcPct val="0"/>
-              </a:spcAft>
-              <a:buClr>
-                <a:srgbClr val="2675B4"/>
-              </a:buClr>
-              <a:buFont typeface="Wingdings" charset="2"/>
-              <a:buChar char="§"/>
-              <a:defRPr>
-                <a:solidFill>
-                  <a:schemeClr val="tx1"/>
-                </a:solidFill>
-                <a:latin typeface="+mn-lt"/>
-                <a:ea typeface="+mn-ea"/>
-                <a:cs typeface="+mn-cs"/>
-              </a:defRPr>
-            </a:lvl3pPr>
-            <a:lvl4pPr marL="1600200" indent="-228600" algn="l" rtl="0" eaLnBrk="0" fontAlgn="base" hangingPunct="0">
-              <a:spcBef>
-                <a:spcPct val="20000"/>
-              </a:spcBef>
-              <a:spcAft>
-                <a:spcPct val="0"/>
-              </a:spcAft>
-              <a:buClr>
-                <a:srgbClr val="2675B4"/>
-              </a:buClr>
-              <a:buFont typeface="Wingdings" charset="2"/>
-              <a:buChar char="§"/>
-              <a:defRPr>
-                <a:solidFill>
-                  <a:schemeClr val="tx1"/>
-                </a:solidFill>
-                <a:latin typeface="+mn-lt"/>
-                <a:ea typeface="+mn-ea"/>
-                <a:cs typeface="+mn-cs"/>
-              </a:defRPr>
-            </a:lvl4pPr>
-            <a:lvl5pPr marL="2057400" indent="-228600" algn="l" rtl="0" eaLnBrk="0" fontAlgn="base" hangingPunct="0">
-              <a:spcBef>
-                <a:spcPct val="20000"/>
-              </a:spcBef>
-              <a:spcAft>
-                <a:spcPct val="0"/>
-              </a:spcAft>
-              <a:buClr>
-                <a:srgbClr val="2675B4"/>
-              </a:buClr>
-              <a:buFont typeface="Wingdings" charset="2"/>
-              <a:buChar char="§"/>
-              <a:defRPr>
-                <a:solidFill>
-                  <a:schemeClr val="tx1"/>
-                </a:solidFill>
-                <a:latin typeface="+mn-lt"/>
-                <a:ea typeface="+mn-ea"/>
-                <a:cs typeface="+mn-cs"/>
-              </a:defRPr>
-            </a:lvl5pPr>
-            <a:lvl6pPr marL="2514600" indent="-228600" algn="l" rtl="0" fontAlgn="base">
-              <a:spcBef>
-                <a:spcPct val="20000"/>
-              </a:spcBef>
-              <a:spcAft>
-                <a:spcPct val="0"/>
-              </a:spcAft>
-              <a:buClr>
-                <a:srgbClr val="2675B4"/>
-              </a:buClr>
-              <a:buFont typeface="Wingdings" charset="2"/>
-              <a:buChar char="§"/>
-              <a:defRPr>
-                <a:solidFill>
-                  <a:schemeClr val="tx1"/>
-                </a:solidFill>
-                <a:latin typeface="+mn-lt"/>
-                <a:ea typeface="+mn-ea"/>
-                <a:cs typeface="+mn-cs"/>
-              </a:defRPr>
-            </a:lvl6pPr>
-            <a:lvl7pPr marL="2971800" indent="-228600" algn="l" rtl="0" fontAlgn="base">
-              <a:spcBef>
-                <a:spcPct val="20000"/>
-              </a:spcBef>
-              <a:spcAft>
-                <a:spcPct val="0"/>
-              </a:spcAft>
-              <a:buClr>
-                <a:srgbClr val="2675B4"/>
-              </a:buClr>
-              <a:buFont typeface="Wingdings" charset="2"/>
-              <a:buChar char="§"/>
-              <a:defRPr>
-                <a:solidFill>
-                  <a:schemeClr val="tx1"/>
-                </a:solidFill>
-                <a:latin typeface="+mn-lt"/>
-                <a:ea typeface="+mn-ea"/>
-                <a:cs typeface="+mn-cs"/>
-              </a:defRPr>
-            </a:lvl7pPr>
-            <a:lvl8pPr marL="3429000" indent="-228600" algn="l" rtl="0" fontAlgn="base">
-              <a:spcBef>
-                <a:spcPct val="20000"/>
-              </a:spcBef>
-              <a:spcAft>
-                <a:spcPct val="0"/>
-              </a:spcAft>
-              <a:buClr>
-                <a:srgbClr val="2675B4"/>
-              </a:buClr>
-              <a:buFont typeface="Wingdings" charset="2"/>
-              <a:buChar char="§"/>
-              <a:defRPr>
-                <a:solidFill>
-                  <a:schemeClr val="tx1"/>
-                </a:solidFill>
-                <a:latin typeface="+mn-lt"/>
-                <a:ea typeface="+mn-ea"/>
-                <a:cs typeface="+mn-cs"/>
-              </a:defRPr>
-            </a:lvl8pPr>
-            <a:lvl9pPr marL="3886200" indent="-228600" algn="l" rtl="0" fontAlgn="base">
-              <a:spcBef>
-                <a:spcPct val="20000"/>
-              </a:spcBef>
-              <a:spcAft>
-                <a:spcPct val="0"/>
-              </a:spcAft>
-              <a:buClr>
-                <a:srgbClr val="2675B4"/>
-              </a:buClr>
-              <a:buFont typeface="Wingdings" charset="2"/>
-              <a:buChar char="§"/>
-              <a:defRPr>
-                <a:solidFill>
-                  <a:schemeClr val="tx1"/>
-                </a:solidFill>
-                <a:latin typeface="+mn-lt"/>
-                <a:ea typeface="+mn-ea"/>
-                <a:cs typeface="+mn-cs"/>
-              </a:defRPr>
-            </a:lvl9pPr>
-          </a:lstStyle>
-          <a:p>
-            <a:pPr marL="0" indent="0">
-              <a:buFont typeface="Wingdings" charset="2"/>
-              <a:buNone/>
-            </a:pPr>
-            <a:r>
-              <a:rPr lang="en-US" sz="2200" b="1" dirty="0" smtClean="0"/>
-              <a:t>Personal</a:t>
-            </a:r>
-          </a:p>
-          <a:p>
-            <a:r>
-              <a:rPr lang="en-US" sz="2000" dirty="0" smtClean="0"/>
-              <a:t>My family!</a:t>
-            </a:r>
-          </a:p>
-          <a:p>
-            <a:endParaRPr lang="en-US" sz="2000" dirty="0" smtClean="0"/>
-          </a:p>
-        </p:txBody>
-      </p:sp>
       <p:pic>
         <p:nvPicPr>
-          <p:cNvPr id="11" name="Picture 10" descr="IMG_0340.jpg"/>
+          <p:cNvPr id="5122" name="Picture 2"/>
           <p:cNvPicPr>
-            <a:picLocks noChangeAspect="1"/>
+            <a:picLocks noChangeAspect="1" noChangeArrowheads="1"/>
           </p:cNvPicPr>
           <p:nvPr/>
         </p:nvPicPr>
@@ -7873,24 +8682,469 @@
               </a:ext>
             </a:extLst>
           </a:blip>
+          <a:srcRect/>
           <a:stretch>
             <a:fillRect/>
           </a:stretch>
         </p:blipFill>
-        <p:spPr>
+        <p:spPr bwMode="auto">
           <a:xfrm>
-            <a:off x="7315200" y="3810000"/>
-            <a:ext cx="1770785" cy="2362200"/>
+            <a:off x="740229" y="1143000"/>
+            <a:ext cx="7663543" cy="5029200"/>
           </a:xfrm>
           <a:prstGeom prst="rect">
             <a:avLst/>
           </a:prstGeom>
+          <a:noFill/>
+          <a:ln>
+            <a:noFill/>
+          </a:ln>
+          <a:extLst>
+            <a:ext uri="{909E8E84-426E-40DD-AFC4-6F175D3DCCD1}">
+              <a14:hiddenFill xmlns:a14="http://schemas.microsoft.com/office/drawing/2010/main">
+                <a:solidFill>
+                  <a:schemeClr val="accent1"/>
+                </a:solidFill>
+              </a14:hiddenFill>
+            </a:ext>
+            <a:ext uri="{91240B29-F687-4F45-9708-019B960494DF}">
+              <a14:hiddenLine xmlns:a14="http://schemas.microsoft.com/office/drawing/2010/main" w="9525">
+                <a:solidFill>
+                  <a:schemeClr val="tx1"/>
+                </a:solidFill>
+                <a:miter lim="800000"/>
+                <a:headEnd/>
+                <a:tailEnd/>
+              </a14:hiddenLine>
+            </a:ext>
+          </a:extLst>
         </p:spPr>
       </p:pic>
+      <p:sp>
+        <p:nvSpPr>
+          <p:cNvPr id="3" name="TextBox 2"/>
+          <p:cNvSpPr txBox="1"/>
+          <p:nvPr/>
+        </p:nvSpPr>
+        <p:spPr>
+          <a:xfrm>
+            <a:off x="6901544" y="6056784"/>
+            <a:ext cx="1502228" cy="230832"/>
+          </a:xfrm>
+          <a:prstGeom prst="rect">
+            <a:avLst/>
+          </a:prstGeom>
+          <a:noFill/>
+        </p:spPr>
+        <p:txBody>
+          <a:bodyPr wrap="square" rtlCol="0">
+            <a:spAutoFit/>
+          </a:bodyPr>
+          <a:lstStyle/>
+          <a:p>
+            <a:pPr algn="r"/>
+            <a:r>
+              <a:rPr lang="en-US" sz="900" dirty="0" smtClean="0"/>
+              <a:t>Hudspeth, 2014</a:t>
+            </a:r>
+            <a:endParaRPr lang="en-US" sz="900" dirty="0"/>
+          </a:p>
+        </p:txBody>
+      </p:sp>
+      <p:cxnSp>
+        <p:nvCxnSpPr>
+          <p:cNvPr id="9" name="Straight Arrow Connector 8"/>
+          <p:cNvCxnSpPr/>
+          <p:nvPr/>
+        </p:nvCxnSpPr>
+        <p:spPr bwMode="auto">
+          <a:xfrm flipH="1">
+            <a:off x="8124372" y="3276600"/>
+            <a:ext cx="457200" cy="0"/>
+          </a:xfrm>
+          <a:prstGeom prst="straightConnector1">
+            <a:avLst/>
+          </a:prstGeom>
+          <a:ln>
+            <a:solidFill>
+              <a:srgbClr val="FF0000"/>
+            </a:solidFill>
+            <a:headEnd type="none" w="med" len="med"/>
+            <a:tailEnd type="arrow"/>
+          </a:ln>
+        </p:spPr>
+        <p:style>
+          <a:lnRef idx="2">
+            <a:schemeClr val="accent4"/>
+          </a:lnRef>
+          <a:fillRef idx="0">
+            <a:schemeClr val="accent4"/>
+          </a:fillRef>
+          <a:effectRef idx="1">
+            <a:schemeClr val="accent4"/>
+          </a:effectRef>
+          <a:fontRef idx="minor">
+            <a:schemeClr val="tx1"/>
+          </a:fontRef>
+        </p:style>
+      </p:cxnSp>
+      <p:cxnSp>
+        <p:nvCxnSpPr>
+          <p:cNvPr id="12" name="Straight Arrow Connector 11"/>
+          <p:cNvCxnSpPr/>
+          <p:nvPr/>
+        </p:nvCxnSpPr>
+        <p:spPr bwMode="auto">
+          <a:xfrm>
+            <a:off x="533400" y="5257800"/>
+            <a:ext cx="990600" cy="228600"/>
+          </a:xfrm>
+          <a:prstGeom prst="straightConnector1">
+            <a:avLst/>
+          </a:prstGeom>
+          <a:ln>
+            <a:solidFill>
+              <a:srgbClr val="FF0000"/>
+            </a:solidFill>
+            <a:headEnd type="none" w="med" len="med"/>
+            <a:tailEnd type="arrow"/>
+          </a:ln>
+        </p:spPr>
+        <p:style>
+          <a:lnRef idx="2">
+            <a:schemeClr val="accent4"/>
+          </a:lnRef>
+          <a:fillRef idx="0">
+            <a:schemeClr val="accent4"/>
+          </a:fillRef>
+          <a:effectRef idx="1">
+            <a:schemeClr val="accent4"/>
+          </a:effectRef>
+          <a:fontRef idx="minor">
+            <a:schemeClr val="tx1"/>
+          </a:fontRef>
+        </p:style>
+      </p:cxnSp>
+      <p:sp>
+        <p:nvSpPr>
+          <p:cNvPr id="15" name="Rectangle 14"/>
+          <p:cNvSpPr/>
+          <p:nvPr/>
+        </p:nvSpPr>
+        <p:spPr bwMode="auto">
+          <a:xfrm>
+            <a:off x="4572000" y="4171623"/>
+            <a:ext cx="4191000" cy="2096616"/>
+          </a:xfrm>
+          <a:prstGeom prst="rect">
+            <a:avLst/>
+          </a:prstGeom>
+          <a:solidFill>
+            <a:schemeClr val="bg1"/>
+          </a:solidFill>
+          <a:ln w="9525" cap="flat" cmpd="sng" algn="ctr">
+            <a:solidFill>
+              <a:schemeClr val="bg1"/>
+            </a:solidFill>
+            <a:prstDash val="solid"/>
+            <a:round/>
+            <a:headEnd type="none" w="med" len="med"/>
+            <a:tailEnd type="none" w="med" len="med"/>
+          </a:ln>
+          <a:effectLst/>
+        </p:spPr>
+        <p:txBody>
+          <a:bodyPr vert="horz" wrap="square" lIns="91440" tIns="45720" rIns="91440" bIns="45720" numCol="1" rtlCol="0" anchor="t" anchorCtr="0" compatLnSpc="1">
+            <a:prstTxWarp prst="textNoShape">
+              <a:avLst/>
+            </a:prstTxWarp>
+          </a:bodyPr>
+          <a:lstStyle/>
+          <a:p>
+            <a:pPr marL="0" marR="0" indent="0" algn="l" defTabSz="914400" rtl="0" eaLnBrk="0" fontAlgn="base" latinLnBrk="0" hangingPunct="0">
+              <a:lnSpc>
+                <a:spcPct val="100000"/>
+              </a:lnSpc>
+              <a:spcBef>
+                <a:spcPct val="0"/>
+              </a:spcBef>
+              <a:spcAft>
+                <a:spcPct val="0"/>
+              </a:spcAft>
+              <a:buClrTx/>
+              <a:buSzTx/>
+              <a:buFontTx/>
+              <a:buNone/>
+              <a:tabLst/>
+            </a:pPr>
+            <a:endParaRPr kumimoji="0" lang="en-US" sz="2400" b="0" i="0" u="none" strike="noStrike" cap="none" normalizeH="0" baseline="0" dirty="0">
+              <a:ln>
+                <a:noFill/>
+              </a:ln>
+              <a:solidFill>
+                <a:schemeClr val="tx1"/>
+              </a:solidFill>
+              <a:effectLst/>
+              <a:latin typeface="Times" charset="0"/>
+              <a:ea typeface="Osaka" charset="-128"/>
+              <a:cs typeface="Osaka" charset="-128"/>
+            </a:endParaRPr>
+          </a:p>
+        </p:txBody>
+      </p:sp>
+      <p:sp>
+        <p:nvSpPr>
+          <p:cNvPr id="19" name="Content Placeholder 2"/>
+          <p:cNvSpPr>
+            <a:spLocks noGrp="1"/>
+          </p:cNvSpPr>
+          <p:nvPr>
+            <p:ph idx="1"/>
+          </p:nvPr>
+        </p:nvSpPr>
+        <p:spPr>
+          <a:xfrm>
+            <a:off x="4724400" y="4114800"/>
+            <a:ext cx="4419600" cy="2286000"/>
+          </a:xfrm>
+        </p:spPr>
+        <p:txBody>
+          <a:bodyPr/>
+          <a:lstStyle/>
+          <a:p>
+            <a:r>
+              <a:rPr lang="en-US" sz="1800" dirty="0" smtClean="0"/>
+              <a:t>Basilar Membrane motion </a:t>
+            </a:r>
+            <a:r>
+              <a:rPr lang="en-US" sz="1800" dirty="0" smtClean="0">
+                <a:sym typeface="Wingdings" panose="05000000000000000000" pitchFamily="2" charset="2"/>
+              </a:rPr>
+              <a:t> Spikes on AN fibers</a:t>
+            </a:r>
+          </a:p>
+          <a:p>
+            <a:r>
+              <a:rPr lang="en-US" sz="1800" dirty="0" smtClean="0">
+                <a:sym typeface="Wingdings" panose="05000000000000000000" pitchFamily="2" charset="2"/>
+              </a:rPr>
+              <a:t>Beginning of </a:t>
+            </a:r>
+            <a:r>
+              <a:rPr lang="en-US" sz="1800" b="1" dirty="0" err="1" smtClean="0">
+                <a:sym typeface="Wingdings" panose="05000000000000000000" pitchFamily="2" charset="2"/>
+              </a:rPr>
+              <a:t>tonotopic</a:t>
+            </a:r>
+            <a:r>
+              <a:rPr lang="en-US" sz="1800" b="1" dirty="0" smtClean="0">
+                <a:sym typeface="Wingdings" panose="05000000000000000000" pitchFamily="2" charset="2"/>
+              </a:rPr>
+              <a:t> organization</a:t>
+            </a:r>
+          </a:p>
+          <a:p>
+            <a:r>
+              <a:rPr lang="en-US" sz="1800" dirty="0" smtClean="0">
+                <a:sym typeface="Wingdings" panose="05000000000000000000" pitchFamily="2" charset="2"/>
+              </a:rPr>
+              <a:t>Many fibers per IHC</a:t>
+            </a:r>
+          </a:p>
+          <a:p>
+            <a:r>
+              <a:rPr lang="en-US" sz="1800" dirty="0" smtClean="0">
+                <a:sym typeface="Wingdings" panose="05000000000000000000" pitchFamily="2" charset="2"/>
+              </a:rPr>
+              <a:t>Fibers have two (or three) categories according to their  </a:t>
+            </a:r>
+            <a:r>
+              <a:rPr lang="en-US" sz="1800" b="1" dirty="0" smtClean="0">
+                <a:sym typeface="Wingdings" panose="05000000000000000000" pitchFamily="2" charset="2"/>
+              </a:rPr>
+              <a:t>spontaneous firing rate</a:t>
+            </a:r>
+            <a:endParaRPr lang="en-US" sz="1800" b="1" dirty="0"/>
+          </a:p>
+        </p:txBody>
+      </p:sp>
+      <p:pic>
+        <p:nvPicPr>
+          <p:cNvPr id="5123" name="Picture 3"/>
+          <p:cNvPicPr>
+            <a:picLocks noChangeAspect="1" noChangeArrowheads="1"/>
+          </p:cNvPicPr>
+          <p:nvPr/>
+        </p:nvPicPr>
+        <p:blipFill>
+          <a:blip r:embed="rId3">
+            <a:extLst>
+              <a:ext uri="{28A0092B-C50C-407E-A947-70E740481C1C}">
+                <a14:useLocalDpi xmlns:a14="http://schemas.microsoft.com/office/drawing/2010/main" val="0"/>
+              </a:ext>
+            </a:extLst>
+          </a:blip>
+          <a:srcRect/>
+          <a:stretch>
+            <a:fillRect/>
+          </a:stretch>
+        </p:blipFill>
+        <p:spPr bwMode="auto">
+          <a:xfrm>
+            <a:off x="533400" y="3543272"/>
+            <a:ext cx="4205967" cy="2400328"/>
+          </a:xfrm>
+          <a:prstGeom prst="rect">
+            <a:avLst/>
+          </a:prstGeom>
+          <a:noFill/>
+          <a:ln>
+            <a:noFill/>
+          </a:ln>
+          <a:extLst>
+            <a:ext uri="{909E8E84-426E-40DD-AFC4-6F175D3DCCD1}">
+              <a14:hiddenFill xmlns:a14="http://schemas.microsoft.com/office/drawing/2010/main">
+                <a:solidFill>
+                  <a:schemeClr val="accent1"/>
+                </a:solidFill>
+              </a14:hiddenFill>
+            </a:ext>
+            <a:ext uri="{91240B29-F687-4F45-9708-019B960494DF}">
+              <a14:hiddenLine xmlns:a14="http://schemas.microsoft.com/office/drawing/2010/main" w="9525">
+                <a:solidFill>
+                  <a:schemeClr val="tx1"/>
+                </a:solidFill>
+                <a:miter lim="800000"/>
+                <a:headEnd/>
+                <a:tailEnd/>
+              </a14:hiddenLine>
+            </a:ext>
+          </a:extLst>
+        </p:spPr>
+      </p:pic>
+      <p:sp>
+        <p:nvSpPr>
+          <p:cNvPr id="21" name="Rectangle 20"/>
+          <p:cNvSpPr/>
+          <p:nvPr/>
+        </p:nvSpPr>
+        <p:spPr bwMode="auto">
+          <a:xfrm>
+            <a:off x="609600" y="5943600"/>
+            <a:ext cx="4191000" cy="267816"/>
+          </a:xfrm>
+          <a:prstGeom prst="rect">
+            <a:avLst/>
+          </a:prstGeom>
+          <a:solidFill>
+            <a:schemeClr val="bg1"/>
+          </a:solidFill>
+          <a:ln w="9525" cap="flat" cmpd="sng" algn="ctr">
+            <a:solidFill>
+              <a:schemeClr val="bg1"/>
+            </a:solidFill>
+            <a:prstDash val="solid"/>
+            <a:round/>
+            <a:headEnd type="none" w="med" len="med"/>
+            <a:tailEnd type="none" w="med" len="med"/>
+          </a:ln>
+          <a:effectLst/>
+        </p:spPr>
+        <p:txBody>
+          <a:bodyPr vert="horz" wrap="square" lIns="91440" tIns="45720" rIns="91440" bIns="45720" numCol="1" rtlCol="0" anchor="t" anchorCtr="0" compatLnSpc="1">
+            <a:prstTxWarp prst="textNoShape">
+              <a:avLst/>
+            </a:prstTxWarp>
+          </a:bodyPr>
+          <a:lstStyle/>
+          <a:p>
+            <a:pPr marL="0" marR="0" indent="0" algn="l" defTabSz="914400" rtl="0" eaLnBrk="0" fontAlgn="base" latinLnBrk="0" hangingPunct="0">
+              <a:lnSpc>
+                <a:spcPct val="100000"/>
+              </a:lnSpc>
+              <a:spcBef>
+                <a:spcPct val="0"/>
+              </a:spcBef>
+              <a:spcAft>
+                <a:spcPct val="0"/>
+              </a:spcAft>
+              <a:buClrTx/>
+              <a:buSzTx/>
+              <a:buFontTx/>
+              <a:buNone/>
+              <a:tabLst/>
+            </a:pPr>
+            <a:endParaRPr kumimoji="0" lang="en-US" sz="2400" b="0" i="0" u="none" strike="noStrike" cap="none" normalizeH="0" baseline="0" dirty="0">
+              <a:ln>
+                <a:noFill/>
+              </a:ln>
+              <a:solidFill>
+                <a:schemeClr val="tx1"/>
+              </a:solidFill>
+              <a:effectLst/>
+              <a:latin typeface="Times" charset="0"/>
+              <a:ea typeface="Osaka" charset="-128"/>
+              <a:cs typeface="Osaka" charset="-128"/>
+            </a:endParaRPr>
+          </a:p>
+        </p:txBody>
+      </p:sp>
+      <p:sp>
+        <p:nvSpPr>
+          <p:cNvPr id="17" name="TextBox 16"/>
+          <p:cNvSpPr txBox="1"/>
+          <p:nvPr/>
+        </p:nvSpPr>
+        <p:spPr>
+          <a:xfrm>
+            <a:off x="556260" y="5954397"/>
+            <a:ext cx="3962400" cy="246221"/>
+          </a:xfrm>
+          <a:prstGeom prst="rect">
+            <a:avLst/>
+          </a:prstGeom>
+          <a:noFill/>
+        </p:spPr>
+        <p:txBody>
+          <a:bodyPr wrap="square" rtlCol="0">
+            <a:spAutoFit/>
+          </a:bodyPr>
+          <a:lstStyle/>
+          <a:p>
+            <a:r>
+              <a:rPr lang="en-US" sz="1000" dirty="0" err="1" smtClean="0">
+                <a:latin typeface="+mj-lt"/>
+              </a:rPr>
+              <a:t>Kujawa</a:t>
+            </a:r>
+            <a:r>
+              <a:rPr lang="en-US" sz="1000" dirty="0" smtClean="0">
+                <a:latin typeface="+mj-lt"/>
+              </a:rPr>
+              <a:t> &amp; </a:t>
+            </a:r>
+            <a:r>
+              <a:rPr lang="en-US" sz="1000" dirty="0" err="1" smtClean="0">
+                <a:latin typeface="+mj-lt"/>
+              </a:rPr>
+              <a:t>Liberman</a:t>
+            </a:r>
+            <a:r>
+              <a:rPr lang="en-US" sz="1000" dirty="0" smtClean="0">
+                <a:latin typeface="+mj-lt"/>
+              </a:rPr>
+              <a:t> (09), Hudspeth (14)</a:t>
+            </a:r>
+            <a:endParaRPr lang="en-US" sz="1000" dirty="0">
+              <a:latin typeface="+mj-lt"/>
+            </a:endParaRPr>
+          </a:p>
+        </p:txBody>
+      </p:sp>
     </p:spTree>
     <p:extLst>
       <p:ext uri="{BB962C8B-B14F-4D97-AF65-F5344CB8AC3E}">
-        <p14:creationId xmlns:p14="http://schemas.microsoft.com/office/powerpoint/2010/main" val="3825096128"/>
+        <p14:creationId xmlns:p14="http://schemas.microsoft.com/office/powerpoint/2010/main" val="2313257468"/>
       </p:ext>
     </p:extLst>
   </p:cSld>
@@ -7900,7 +9154,7 @@
   <p:timing>
     <p:tnLst>
       <p:par>
-        <p:cTn xmlns:p14="http://schemas.microsoft.com/office/powerpoint/2010/main" id="1" dur="indefinite" restart="never" nodeType="tmRoot"/>
+        <p:cTn id="1" dur="indefinite" restart="never" nodeType="tmRoot"/>
       </p:par>
     </p:tnLst>
   </p:timing>
@@ -7926,12 +9180,12 @@
       </p:grpSpPr>
       <p:sp>
         <p:nvSpPr>
-          <p:cNvPr id="4" name="Footer Placeholder 3"/>
+          <p:cNvPr id="2" name="Title 1"/>
           <p:cNvSpPr>
             <a:spLocks noGrp="1"/>
           </p:cNvSpPr>
           <p:nvPr>
-            <p:ph type="ftr" sz="quarter" idx="10"/>
+            <p:ph type="title"/>
           </p:nvPr>
         </p:nvSpPr>
         <p:spPr/>
@@ -7939,13 +9193,56 @@
           <a:bodyPr/>
           <a:lstStyle/>
           <a:p>
+            <a:r>
+              <a:rPr lang="en-US" dirty="0" smtClean="0"/>
+              <a:t>Auditory Nerve Fiber Rates</a:t>
+            </a:r>
+            <a:endParaRPr lang="en-US" dirty="0"/>
+          </a:p>
+        </p:txBody>
+      </p:sp>
+      <p:sp>
+        <p:nvSpPr>
+          <p:cNvPr id="3" name="Content Placeholder 2"/>
+          <p:cNvSpPr>
+            <a:spLocks noGrp="1"/>
+          </p:cNvSpPr>
+          <p:nvPr>
+            <p:ph idx="1"/>
+          </p:nvPr>
+        </p:nvSpPr>
+        <p:spPr/>
+        <p:txBody>
+          <a:bodyPr/>
+          <a:lstStyle/>
+          <a:p>
+            <a:endParaRPr lang="en-US" dirty="0"/>
+          </a:p>
+        </p:txBody>
+      </p:sp>
+      <p:sp>
+        <p:nvSpPr>
+          <p:cNvPr id="4" name="Footer Placeholder 3"/>
+          <p:cNvSpPr>
+            <a:spLocks noGrp="1"/>
+          </p:cNvSpPr>
+          <p:nvPr>
+            <p:ph type="ftr" sz="quarter" idx="10"/>
+          </p:nvPr>
+        </p:nvSpPr>
+        <p:spPr/>
+        <p:txBody>
+          <a:bodyPr/>
+          <a:lstStyle/>
+          <a:p>
             <a:pPr>
               <a:defRPr/>
             </a:pPr>
             <a:r>
-              <a:rPr lang="en-US" altLang="en-US" dirty="0"/>
-              <a:t>Modeling the Effects of Auditory Neuropathy on the ABR</a:t>
-            </a:r>
+              <a:rPr lang="en-US" altLang="en-US" smtClean="0"/>
+              <a:t>Presentation Title</a:t>
+            </a:r>
+            <a:endParaRPr lang="en-US" altLang="en-US"/>
           </a:p>
         </p:txBody>
       </p:sp>
@@ -7998,70 +9295,22 @@
             </a:pPr>
             <a:fld id="{A544915F-7309-4744-8FAD-0D6B1CB5A275}" type="datetime1">
               <a:rPr lang="en-US" altLang="en-US" smtClean="0"/>
-              <a:t>8/10/16</a:t>
+              <a:t>Saturday, 13 August 2016</a:t>
             </a:fld>
             <a:endParaRPr lang="en-US" altLang="en-US"/>
           </a:p>
         </p:txBody>
       </p:sp>
-      <p:pic>
-        <p:nvPicPr>
-          <p:cNvPr id="2051" name="Picture 3" descr="C:\Users\Graham Voysey\Google Drive\BU\HRC\g3133.png"/>
-          <p:cNvPicPr>
-            <a:picLocks noChangeAspect="1" noChangeArrowheads="1"/>
-          </p:cNvPicPr>
-          <p:nvPr/>
-        </p:nvPicPr>
-        <p:blipFill>
-          <a:blip r:embed="rId2">
-            <a:extLst>
-              <a:ext uri="{28A0092B-C50C-407E-A947-70E740481C1C}">
-                <a14:useLocalDpi xmlns:a14="http://schemas.microsoft.com/office/drawing/2010/main" val="0"/>
-              </a:ext>
-            </a:extLst>
-          </a:blip>
-          <a:srcRect/>
-          <a:stretch>
-            <a:fillRect/>
-          </a:stretch>
-        </p:blipFill>
-        <p:spPr bwMode="auto">
-          <a:xfrm>
-            <a:off x="2667000" y="2057400"/>
-            <a:ext cx="4135437" cy="2551112"/>
-          </a:xfrm>
-          <a:prstGeom prst="rect">
-            <a:avLst/>
-          </a:prstGeom>
-          <a:noFill/>
-          <a:extLst>
-            <a:ext uri="{909E8E84-426E-40dd-AFC4-6F175D3DCCD1}">
-              <a14:hiddenFill xmlns:a14="http://schemas.microsoft.com/office/drawing/2010/main">
-                <a:solidFill>
-                  <a:srgbClr val="FFFFFF"/>
-                </a:solidFill>
-              </a14:hiddenFill>
-            </a:ext>
-          </a:extLst>
-        </p:spPr>
-      </p:pic>
     </p:spTree>
     <p:extLst>
       <p:ext uri="{BB962C8B-B14F-4D97-AF65-F5344CB8AC3E}">
-        <p14:creationId xmlns:p14="http://schemas.microsoft.com/office/powerpoint/2010/main" val="3301279014"/>
+        <p14:creationId xmlns:p14="http://schemas.microsoft.com/office/powerpoint/2010/main" val="721805883"/>
       </p:ext>
     </p:extLst>
   </p:cSld>
   <p:clrMapOvr>
     <a:masterClrMapping/>
   </p:clrMapOvr>
-  <p:timing>
-    <p:tnLst>
-      <p:par>
-        <p:cTn xmlns:p14="http://schemas.microsoft.com/office/powerpoint/2010/main" id="1" dur="indefinite" restart="never" nodeType="tmRoot"/>
-      </p:par>
-    </p:tnLst>
-  </p:timing>
 </p:sld>
 </file>
 
@@ -8097,35 +9346,33 @@
           <a:bodyPr/>
           <a:lstStyle/>
           <a:p>
+            <a:r>
+              <a:rPr lang="en-US" dirty="0" smtClean="0"/>
+              <a:t>Auditory Nerve Distributions</a:t>
+            </a:r>
+            <a:endParaRPr lang="en-US" dirty="0"/>
+          </a:p>
+        </p:txBody>
+      </p:sp>
+      <p:sp>
+        <p:nvSpPr>
+          <p:cNvPr id="3" name="Content Placeholder 2"/>
+          <p:cNvSpPr>
+            <a:spLocks noGrp="1"/>
+          </p:cNvSpPr>
+          <p:nvPr>
+            <p:ph idx="1"/>
+          </p:nvPr>
+        </p:nvSpPr>
+        <p:spPr/>
+        <p:txBody>
+          <a:bodyPr/>
+          <a:lstStyle/>
+          <a:p>
             <a:endParaRPr lang="en-US"/>
           </a:p>
         </p:txBody>
       </p:sp>
-      <p:pic>
-        <p:nvPicPr>
-          <p:cNvPr id="7" name="Content Placeholder 6" descr="Screen Shot 2016-08-10 at 17.53.07 .png"/>
-          <p:cNvPicPr>
-            <a:picLocks noGrp="1" noChangeAspect="1"/>
-          </p:cNvPicPr>
-          <p:nvPr>
-            <p:ph idx="1"/>
-          </p:nvPr>
-        </p:nvPicPr>
-        <p:blipFill>
-          <a:blip r:embed="rId2">
-            <a:extLst>
-              <a:ext uri="{28A0092B-C50C-407E-A947-70E740481C1C}">
-                <a14:useLocalDpi xmlns:a14="http://schemas.microsoft.com/office/drawing/2010/main" val="0"/>
-              </a:ext>
-            </a:extLst>
-          </a:blip>
-          <a:srcRect l="32049" r="32049"/>
-          <a:stretch>
-            <a:fillRect/>
-          </a:stretch>
-        </p:blipFill>
-        <p:spPr/>
-      </p:pic>
       <p:sp>
         <p:nvSpPr>
           <p:cNvPr id="4" name="Footer Placeholder 3"/>
@@ -8201,7 +9448,7 @@
             </a:pPr>
             <a:fld id="{A544915F-7309-4744-8FAD-0D6B1CB5A275}" type="datetime1">
               <a:rPr lang="en-US" altLang="en-US" smtClean="0"/>
-              <a:t>8/10/16</a:t>
+              <a:t>Saturday, 13 August 2016</a:t>
             </a:fld>
             <a:endParaRPr lang="en-US" altLang="en-US"/>
           </a:p>
@@ -8210,7 +9457,317 @@
     </p:spTree>
     <p:extLst>
       <p:ext uri="{BB962C8B-B14F-4D97-AF65-F5344CB8AC3E}">
-        <p14:creationId xmlns:p14="http://schemas.microsoft.com/office/powerpoint/2010/main" val="1176881474"/>
+        <p14:creationId xmlns:p14="http://schemas.microsoft.com/office/powerpoint/2010/main" val="3750913888"/>
+      </p:ext>
+    </p:extLst>
+  </p:cSld>
+  <p:clrMapOvr>
+    <a:masterClrMapping/>
+  </p:clrMapOvr>
+</p:sld>
+</file>
+
+<file path=ppt/slides/slide8.xml><?xml version="1.0" encoding="utf-8"?>
+<p:sld xmlns:a="http://schemas.openxmlformats.org/drawingml/2006/main" xmlns:r="http://schemas.openxmlformats.org/officeDocument/2006/relationships" xmlns:p="http://schemas.openxmlformats.org/presentationml/2006/main">
+  <p:cSld>
+    <p:spTree>
+      <p:nvGrpSpPr>
+        <p:cNvPr id="1" name=""/>
+        <p:cNvGrpSpPr/>
+        <p:nvPr/>
+      </p:nvGrpSpPr>
+      <p:grpSpPr>
+        <a:xfrm>
+          <a:off x="0" y="0"/>
+          <a:ext cx="0" cy="0"/>
+          <a:chOff x="0" y="0"/>
+          <a:chExt cx="0" cy="0"/>
+        </a:xfrm>
+      </p:grpSpPr>
+      <p:sp>
+        <p:nvSpPr>
+          <p:cNvPr id="2" name="Title 1"/>
+          <p:cNvSpPr>
+            <a:spLocks noGrp="1"/>
+          </p:cNvSpPr>
+          <p:nvPr>
+            <p:ph type="title"/>
+          </p:nvPr>
+        </p:nvSpPr>
+        <p:spPr/>
+        <p:txBody>
+          <a:bodyPr/>
+          <a:lstStyle/>
+          <a:p>
+            <a:r>
+              <a:rPr lang="en-US" dirty="0" smtClean="0"/>
+              <a:t>Auditory Nerve Projections</a:t>
+            </a:r>
+            <a:endParaRPr lang="en-US" dirty="0"/>
+          </a:p>
+        </p:txBody>
+      </p:sp>
+      <p:sp>
+        <p:nvSpPr>
+          <p:cNvPr id="3" name="Content Placeholder 2"/>
+          <p:cNvSpPr>
+            <a:spLocks noGrp="1"/>
+          </p:cNvSpPr>
+          <p:nvPr>
+            <p:ph idx="1"/>
+          </p:nvPr>
+        </p:nvSpPr>
+        <p:spPr/>
+        <p:txBody>
+          <a:bodyPr/>
+          <a:lstStyle/>
+          <a:p>
+            <a:endParaRPr lang="en-US"/>
+          </a:p>
+        </p:txBody>
+      </p:sp>
+      <p:sp>
+        <p:nvSpPr>
+          <p:cNvPr id="4" name="Footer Placeholder 3"/>
+          <p:cNvSpPr>
+            <a:spLocks noGrp="1"/>
+          </p:cNvSpPr>
+          <p:nvPr>
+            <p:ph type="ftr" sz="quarter" idx="10"/>
+          </p:nvPr>
+        </p:nvSpPr>
+        <p:spPr/>
+        <p:txBody>
+          <a:bodyPr/>
+          <a:lstStyle/>
+          <a:p>
+            <a:pPr>
+              <a:defRPr/>
+            </a:pPr>
+            <a:r>
+              <a:rPr lang="en-US" altLang="en-US" smtClean="0"/>
+              <a:t>Presentation Title</a:t>
+            </a:r>
+            <a:endParaRPr lang="en-US" altLang="en-US"/>
+          </a:p>
+        </p:txBody>
+      </p:sp>
+      <p:sp>
+        <p:nvSpPr>
+          <p:cNvPr id="5" name="Slide Number Placeholder 4"/>
+          <p:cNvSpPr>
+            <a:spLocks noGrp="1"/>
+          </p:cNvSpPr>
+          <p:nvPr>
+            <p:ph type="sldNum" sz="quarter" idx="11"/>
+          </p:nvPr>
+        </p:nvSpPr>
+        <p:spPr/>
+        <p:txBody>
+          <a:bodyPr/>
+          <a:lstStyle/>
+          <a:p>
+            <a:pPr>
+              <a:defRPr/>
+            </a:pPr>
+            <a:fld id="{8840E231-D218-4982-B1DE-6520F190699A}" type="slidenum">
+              <a:rPr lang="en-US" altLang="en-US" smtClean="0"/>
+              <a:pPr>
+                <a:defRPr/>
+              </a:pPr>
+              <a:t>8</a:t>
+            </a:fld>
+            <a:endParaRPr lang="en-US" altLang="en-US" dirty="0"/>
+          </a:p>
+        </p:txBody>
+      </p:sp>
+      <p:sp>
+        <p:nvSpPr>
+          <p:cNvPr id="6" name="Date Placeholder 5"/>
+          <p:cNvSpPr>
+            <a:spLocks noGrp="1"/>
+          </p:cNvSpPr>
+          <p:nvPr>
+            <p:ph type="dt" sz="half" idx="12"/>
+          </p:nvPr>
+        </p:nvSpPr>
+        <p:spPr/>
+        <p:txBody>
+          <a:bodyPr/>
+          <a:lstStyle/>
+          <a:p>
+            <a:pPr>
+              <a:defRPr/>
+            </a:pPr>
+            <a:fld id="{A544915F-7309-4744-8FAD-0D6B1CB5A275}" type="datetime1">
+              <a:rPr lang="en-US" altLang="en-US" smtClean="0"/>
+              <a:t>Saturday, 13 August 2016</a:t>
+            </a:fld>
+            <a:endParaRPr lang="en-US" altLang="en-US"/>
+          </a:p>
+        </p:txBody>
+      </p:sp>
+    </p:spTree>
+    <p:extLst>
+      <p:ext uri="{BB962C8B-B14F-4D97-AF65-F5344CB8AC3E}">
+        <p14:creationId xmlns:p14="http://schemas.microsoft.com/office/powerpoint/2010/main" val="2955395955"/>
+      </p:ext>
+    </p:extLst>
+  </p:cSld>
+  <p:clrMapOvr>
+    <a:masterClrMapping/>
+  </p:clrMapOvr>
+</p:sld>
+</file>
+
+<file path=ppt/slides/slide9.xml><?xml version="1.0" encoding="utf-8"?>
+<p:sld xmlns:a="http://schemas.openxmlformats.org/drawingml/2006/main" xmlns:r="http://schemas.openxmlformats.org/officeDocument/2006/relationships" xmlns:p="http://schemas.openxmlformats.org/presentationml/2006/main">
+  <p:cSld>
+    <p:spTree>
+      <p:nvGrpSpPr>
+        <p:cNvPr id="1" name=""/>
+        <p:cNvGrpSpPr/>
+        <p:nvPr/>
+      </p:nvGrpSpPr>
+      <p:grpSpPr>
+        <a:xfrm>
+          <a:off x="0" y="0"/>
+          <a:ext cx="0" cy="0"/>
+          <a:chOff x="0" y="0"/>
+          <a:chExt cx="0" cy="0"/>
+        </a:xfrm>
+      </p:grpSpPr>
+      <p:sp>
+        <p:nvSpPr>
+          <p:cNvPr id="2" name="Title 1"/>
+          <p:cNvSpPr>
+            <a:spLocks noGrp="1"/>
+          </p:cNvSpPr>
+          <p:nvPr>
+            <p:ph type="title"/>
+          </p:nvPr>
+        </p:nvSpPr>
+        <p:spPr/>
+        <p:txBody>
+          <a:bodyPr/>
+          <a:lstStyle/>
+          <a:p>
+            <a:r>
+              <a:rPr lang="en-US" dirty="0" err="1" smtClean="0"/>
+              <a:t>Deafferentiation</a:t>
+            </a:r>
+            <a:r>
+              <a:rPr lang="en-US" dirty="0" smtClean="0"/>
+              <a:t> in Noise or Time</a:t>
+            </a:r>
+            <a:endParaRPr lang="en-US" dirty="0"/>
+          </a:p>
+        </p:txBody>
+      </p:sp>
+      <p:sp>
+        <p:nvSpPr>
+          <p:cNvPr id="3" name="Content Placeholder 2"/>
+          <p:cNvSpPr>
+            <a:spLocks noGrp="1"/>
+          </p:cNvSpPr>
+          <p:nvPr>
+            <p:ph idx="1"/>
+          </p:nvPr>
+        </p:nvSpPr>
+        <p:spPr/>
+        <p:txBody>
+          <a:bodyPr/>
+          <a:lstStyle/>
+          <a:p>
+            <a:endParaRPr lang="en-US"/>
+          </a:p>
+        </p:txBody>
+      </p:sp>
+      <p:sp>
+        <p:nvSpPr>
+          <p:cNvPr id="4" name="Footer Placeholder 3"/>
+          <p:cNvSpPr>
+            <a:spLocks noGrp="1"/>
+          </p:cNvSpPr>
+          <p:nvPr>
+            <p:ph type="ftr" sz="quarter" idx="10"/>
+          </p:nvPr>
+        </p:nvSpPr>
+        <p:spPr/>
+        <p:txBody>
+          <a:bodyPr/>
+          <a:lstStyle/>
+          <a:p>
+            <a:pPr>
+              <a:defRPr/>
+            </a:pPr>
+            <a:r>
+              <a:rPr lang="en-US" altLang="en-US" smtClean="0"/>
+              <a:t>Presentation Title</a:t>
+            </a:r>
+            <a:endParaRPr lang="en-US" altLang="en-US"/>
+          </a:p>
+        </p:txBody>
+      </p:sp>
+      <p:sp>
+        <p:nvSpPr>
+          <p:cNvPr id="5" name="Slide Number Placeholder 4"/>
+          <p:cNvSpPr>
+            <a:spLocks noGrp="1"/>
+          </p:cNvSpPr>
+          <p:nvPr>
+            <p:ph type="sldNum" sz="quarter" idx="11"/>
+          </p:nvPr>
+        </p:nvSpPr>
+        <p:spPr/>
+        <p:txBody>
+          <a:bodyPr/>
+          <a:lstStyle/>
+          <a:p>
+            <a:pPr>
+              <a:defRPr/>
+            </a:pPr>
+            <a:fld id="{8840E231-D218-4982-B1DE-6520F190699A}" type="slidenum">
+              <a:rPr lang="en-US" altLang="en-US" smtClean="0"/>
+              <a:pPr>
+                <a:defRPr/>
+              </a:pPr>
+              <a:t>9</a:t>
+            </a:fld>
+            <a:endParaRPr lang="en-US" altLang="en-US" dirty="0"/>
+          </a:p>
+        </p:txBody>
+      </p:sp>
+      <p:sp>
+        <p:nvSpPr>
+          <p:cNvPr id="6" name="Date Placeholder 5"/>
+          <p:cNvSpPr>
+            <a:spLocks noGrp="1"/>
+          </p:cNvSpPr>
+          <p:nvPr>
+            <p:ph type="dt" sz="half" idx="12"/>
+          </p:nvPr>
+        </p:nvSpPr>
+        <p:spPr/>
+        <p:txBody>
+          <a:bodyPr/>
+          <a:lstStyle/>
+          <a:p>
+            <a:pPr>
+              <a:defRPr/>
+            </a:pPr>
+            <a:fld id="{A544915F-7309-4744-8FAD-0D6B1CB5A275}" type="datetime1">
+              <a:rPr lang="en-US" altLang="en-US" smtClean="0"/>
+              <a:t>Saturday, 13 August 2016</a:t>
+            </a:fld>
+            <a:endParaRPr lang="en-US" altLang="en-US"/>
+          </a:p>
+        </p:txBody>
+      </p:sp>
+    </p:spTree>
+    <p:extLst>
+      <p:ext uri="{BB962C8B-B14F-4D97-AF65-F5344CB8AC3E}">
+        <p14:creationId xmlns:p14="http://schemas.microsoft.com/office/powerpoint/2010/main" val="880327972"/>
       </p:ext>
     </p:extLst>
   </p:cSld>

--- a/slides/voysey-thesis.pptx
+++ b/slides/voysey-thesis.pptx
@@ -5,26 +5,27 @@
     <p:sldMasterId id="2147483648" r:id="rId1"/>
   </p:sldMasterIdLst>
   <p:notesMasterIdLst>
-    <p:notesMasterId r:id="rId16"/>
+    <p:notesMasterId r:id="rId17"/>
   </p:notesMasterIdLst>
   <p:handoutMasterIdLst>
-    <p:handoutMasterId r:id="rId17"/>
+    <p:handoutMasterId r:id="rId18"/>
   </p:handoutMasterIdLst>
   <p:sldIdLst>
     <p:sldId id="259" r:id="rId2"/>
     <p:sldId id="260" r:id="rId3"/>
     <p:sldId id="261" r:id="rId4"/>
     <p:sldId id="262" r:id="rId5"/>
-    <p:sldId id="265" r:id="rId6"/>
-    <p:sldId id="266" r:id="rId7"/>
-    <p:sldId id="269" r:id="rId8"/>
-    <p:sldId id="271" r:id="rId9"/>
-    <p:sldId id="267" r:id="rId10"/>
-    <p:sldId id="268" r:id="rId11"/>
-    <p:sldId id="270" r:id="rId12"/>
-    <p:sldId id="263" r:id="rId13"/>
-    <p:sldId id="258" r:id="rId14"/>
-    <p:sldId id="264" r:id="rId15"/>
+    <p:sldId id="272" r:id="rId6"/>
+    <p:sldId id="265" r:id="rId7"/>
+    <p:sldId id="266" r:id="rId8"/>
+    <p:sldId id="269" r:id="rId9"/>
+    <p:sldId id="271" r:id="rId10"/>
+    <p:sldId id="267" r:id="rId11"/>
+    <p:sldId id="268" r:id="rId12"/>
+    <p:sldId id="270" r:id="rId13"/>
+    <p:sldId id="263" r:id="rId14"/>
+    <p:sldId id="258" r:id="rId15"/>
+    <p:sldId id="264" r:id="rId16"/>
   </p:sldIdLst>
   <p:sldSz cx="9144000" cy="6858000" type="screen4x3"/>
   <p:notesSz cx="6858000" cy="9144000"/>
@@ -528,7 +529,7 @@
             <a:tailEnd/>
           </a:ln>
           <a:extLst>
-            <a:ext uri="{909E8E84-426E-40DD-AFC4-6F175D3DCCD1}">
+            <a:ext uri="{909E8E84-426E-40dd-AFC4-6F175D3DCCD1}">
               <a14:hiddenFill xmlns:a14="http://schemas.microsoft.com/office/drawing/2010/main">
                 <a:solidFill>
                   <a:srgbClr val="FFFFFF"/>
@@ -872,14 +873,14 @@
           <a:noFill/>
           <a:ln/>
           <a:extLst>
-            <a:ext uri="{909E8E84-426E-40DD-AFC4-6F175D3DCCD1}">
+            <a:ext uri="{909E8E84-426E-40dd-AFC4-6F175D3DCCD1}">
               <a14:hiddenFill xmlns:a14="http://schemas.microsoft.com/office/drawing/2010/main">
                 <a:solidFill>
                   <a:srgbClr val="FFFFFF"/>
                 </a:solidFill>
               </a14:hiddenFill>
             </a:ext>
-            <a:ext uri="{91240B29-F687-4F45-9708-019B960494DF}">
+            <a:ext uri="{91240B29-F687-4f45-9708-019B960494DF}">
               <a14:hiddenLine xmlns:a14="http://schemas.microsoft.com/office/drawing/2010/main" w="9525">
                 <a:solidFill>
                   <a:srgbClr val="000000"/>
@@ -1038,14 +1039,14 @@
           <a:noFill/>
           <a:ln/>
           <a:extLst>
-            <a:ext uri="{909E8E84-426E-40DD-AFC4-6F175D3DCCD1}">
+            <a:ext uri="{909E8E84-426E-40dd-AFC4-6F175D3DCCD1}">
               <a14:hiddenFill xmlns:a14="http://schemas.microsoft.com/office/drawing/2010/main">
                 <a:solidFill>
                   <a:srgbClr val="FFFFFF"/>
                 </a:solidFill>
               </a14:hiddenFill>
             </a:ext>
-            <a:ext uri="{91240B29-F687-4F45-9708-019B960494DF}">
+            <a:ext uri="{91240B29-F687-4f45-9708-019B960494DF}">
               <a14:hiddenLine xmlns:a14="http://schemas.microsoft.com/office/drawing/2010/main" w="9525">
                 <a:solidFill>
                   <a:srgbClr val="000000"/>
@@ -1413,7 +1414,7 @@
             <a:tailEnd/>
           </a:ln>
           <a:extLst>
-            <a:ext uri="{909E8E84-426E-40DD-AFC4-6F175D3DCCD1}">
+            <a:ext uri="{909E8E84-426E-40dd-AFC4-6F175D3DCCD1}">
               <a14:hiddenFill xmlns:a14="http://schemas.microsoft.com/office/drawing/2010/main">
                 <a:noFill/>
               </a14:hiddenFill>
@@ -1462,14 +1463,14 @@
             <a:noFill/>
           </a:ln>
           <a:extLst>
-            <a:ext uri="{909E8E84-426E-40DD-AFC4-6F175D3DCCD1}">
+            <a:ext uri="{909E8E84-426E-40dd-AFC4-6F175D3DCCD1}">
               <a14:hiddenFill xmlns:a14="http://schemas.microsoft.com/office/drawing/2010/main">
                 <a:solidFill>
                   <a:srgbClr val="FFFFFF"/>
                 </a:solidFill>
               </a14:hiddenFill>
             </a:ext>
-            <a:ext uri="{91240B29-F687-4F45-9708-019B960494DF}">
+            <a:ext uri="{91240B29-F687-4f45-9708-019B960494DF}">
               <a14:hiddenLine xmlns:a14="http://schemas.microsoft.com/office/drawing/2010/main" w="9525">
                 <a:solidFill>
                   <a:srgbClr val="000000"/>
@@ -1752,7 +1753,7 @@
             </a:pPr>
             <a:fld id="{B8EFF239-E46C-4117-91BF-EDADFB47CAC8}" type="datetime1">
               <a:rPr lang="en-US" altLang="en-US" smtClean="0"/>
-              <a:t>Saturday, 13 August 2016</a:t>
+              <a:t>8/13/16</a:t>
             </a:fld>
             <a:endParaRPr lang="en-US" altLang="en-US"/>
           </a:p>
@@ -1966,7 +1967,7 @@
             </a:pPr>
             <a:fld id="{3E5FD174-36E5-463D-ADFA-8360A831E519}" type="datetime1">
               <a:rPr lang="en-US" altLang="en-US" smtClean="0"/>
-              <a:t>Saturday, 13 August 2016</a:t>
+              <a:t>8/13/16</a:t>
             </a:fld>
             <a:endParaRPr lang="en-US" altLang="en-US"/>
           </a:p>
@@ -2174,7 +2175,7 @@
             </a:pPr>
             <a:fld id="{A544915F-7309-4744-8FAD-0D6B1CB5A275}" type="datetime1">
               <a:rPr lang="en-US" altLang="en-US" smtClean="0"/>
-              <a:t>Saturday, 13 August 2016</a:t>
+              <a:t>8/13/16</a:t>
             </a:fld>
             <a:endParaRPr lang="en-US" altLang="en-US"/>
           </a:p>
@@ -2400,7 +2401,7 @@
             </a:pPr>
             <a:fld id="{E6C6BFA3-5BAB-4227-B5CF-B2D608775F9E}" type="datetime1">
               <a:rPr lang="en-US" altLang="en-US" smtClean="0"/>
-              <a:t>Saturday, 13 August 2016</a:t>
+              <a:t>8/13/16</a:t>
             </a:fld>
             <a:endParaRPr lang="en-US" altLang="en-US"/>
           </a:p>
@@ -2722,7 +2723,7 @@
             </a:pPr>
             <a:fld id="{C02B3D24-940F-4CA8-A245-415C5E0C7A5D}" type="datetime1">
               <a:rPr lang="en-US" altLang="en-US" smtClean="0"/>
-              <a:t>Saturday, 13 August 2016</a:t>
+              <a:t>8/13/16</a:t>
             </a:fld>
             <a:endParaRPr lang="en-US" altLang="en-US"/>
           </a:p>
@@ -3183,7 +3184,7 @@
             </a:pPr>
             <a:fld id="{84056FFF-1CAF-480A-BD25-8C132B6C9519}" type="datetime1">
               <a:rPr lang="en-US" altLang="en-US" smtClean="0"/>
-              <a:t>Saturday, 13 August 2016</a:t>
+              <a:t>8/13/16</a:t>
             </a:fld>
             <a:endParaRPr lang="en-US" altLang="en-US"/>
           </a:p>
@@ -3335,7 +3336,7 @@
             </a:pPr>
             <a:fld id="{CC02872F-3C46-4632-A0D0-C67EDB2B2691}" type="datetime1">
               <a:rPr lang="en-US" altLang="en-US" smtClean="0"/>
-              <a:t>Saturday, 13 August 2016</a:t>
+              <a:t>8/13/16</a:t>
             </a:fld>
             <a:endParaRPr lang="en-US" altLang="en-US"/>
           </a:p>
@@ -3464,7 +3465,7 @@
             </a:pPr>
             <a:fld id="{B063A3BD-F745-4EC1-8838-FF51B39EF9F5}" type="datetime1">
               <a:rPr lang="en-US" altLang="en-US" smtClean="0"/>
-              <a:t>Saturday, 13 August 2016</a:t>
+              <a:t>8/13/16</a:t>
             </a:fld>
             <a:endParaRPr lang="en-US" altLang="en-US"/>
           </a:p>
@@ -3775,7 +3776,7 @@
             </a:pPr>
             <a:fld id="{F43DD9DD-561F-44C9-90A4-C217ECD8A48A}" type="datetime1">
               <a:rPr lang="en-US" altLang="en-US" smtClean="0"/>
-              <a:t>Saturday, 13 August 2016</a:t>
+              <a:t>8/13/16</a:t>
             </a:fld>
             <a:endParaRPr lang="en-US" altLang="en-US"/>
           </a:p>
@@ -4063,7 +4064,7 @@
             </a:pPr>
             <a:fld id="{1B5B985C-0DA9-4FAA-B2F2-BDCC6964FA4D}" type="datetime1">
               <a:rPr lang="en-US" altLang="en-US" smtClean="0"/>
-              <a:t>Saturday, 13 August 2016</a:t>
+              <a:t>8/13/16</a:t>
             </a:fld>
             <a:endParaRPr lang="en-US" altLang="en-US"/>
           </a:p>
@@ -4282,14 +4283,14 @@
             <a:noFill/>
           </a:ln>
           <a:extLst>
-            <a:ext uri="{909E8E84-426E-40DD-AFC4-6F175D3DCCD1}">
+            <a:ext uri="{909E8E84-426E-40dd-AFC4-6F175D3DCCD1}">
               <a14:hiddenFill xmlns:a14="http://schemas.microsoft.com/office/drawing/2010/main">
                 <a:solidFill>
                   <a:srgbClr val="FFFFFF"/>
                 </a:solidFill>
               </a14:hiddenFill>
             </a:ext>
-            <a:ext uri="{91240B29-F687-4F45-9708-019B960494DF}">
+            <a:ext uri="{91240B29-F687-4f45-9708-019B960494DF}">
               <a14:hiddenLine xmlns:a14="http://schemas.microsoft.com/office/drawing/2010/main" w="9525">
                 <a:solidFill>
                   <a:srgbClr val="000000"/>
@@ -4340,14 +4341,14 @@
             <a:noFill/>
           </a:ln>
           <a:extLst>
-            <a:ext uri="{909E8E84-426E-40DD-AFC4-6F175D3DCCD1}">
+            <a:ext uri="{909E8E84-426E-40dd-AFC4-6F175D3DCCD1}">
               <a14:hiddenFill xmlns:a14="http://schemas.microsoft.com/office/drawing/2010/main">
                 <a:solidFill>
                   <a:srgbClr val="FFFFFF"/>
                 </a:solidFill>
               </a14:hiddenFill>
             </a:ext>
-            <a:ext uri="{91240B29-F687-4F45-9708-019B960494DF}">
+            <a:ext uri="{91240B29-F687-4f45-9708-019B960494DF}">
               <a14:hiddenLine xmlns:a14="http://schemas.microsoft.com/office/drawing/2010/main" w="9525">
                 <a:solidFill>
                   <a:srgbClr val="000000"/>
@@ -4569,7 +4570,7 @@
             </a:pPr>
             <a:fld id="{FCB6550E-5833-4993-BF34-C7DB2A6FD9A7}" type="datetime1">
               <a:rPr lang="en-US" altLang="en-US" smtClean="0"/>
-              <a:t>Saturday, 13 August 2016</a:t>
+              <a:t>8/13/16</a:t>
             </a:fld>
             <a:endParaRPr lang="en-US" altLang="en-US" dirty="0"/>
           </a:p>
@@ -4621,14 +4622,14 @@
               <a:noFill/>
             </a:ln>
             <a:extLst>
-              <a:ext uri="{909E8E84-426E-40DD-AFC4-6F175D3DCCD1}">
+              <a:ext uri="{909E8E84-426E-40dd-AFC4-6F175D3DCCD1}">
                 <a14:hiddenFill xmlns:a14="http://schemas.microsoft.com/office/drawing/2010/main">
                   <a:solidFill>
                     <a:srgbClr val="FFFFFF"/>
                   </a:solidFill>
                 </a14:hiddenFill>
               </a:ext>
-              <a:ext uri="{91240B29-F687-4F45-9708-019B960494DF}">
+              <a:ext uri="{91240B29-F687-4f45-9708-019B960494DF}">
                 <a14:hiddenLine xmlns:a14="http://schemas.microsoft.com/office/drawing/2010/main" w="9525">
                   <a:solidFill>
                     <a:srgbClr val="000000"/>
@@ -5252,14 +5253,14 @@
             <a:noFill/>
           </a:ln>
           <a:extLst>
-            <a:ext uri="{909E8E84-426E-40DD-AFC4-6F175D3DCCD1}">
+            <a:ext uri="{909E8E84-426E-40dd-AFC4-6F175D3DCCD1}">
               <a14:hiddenFill xmlns:a14="http://schemas.microsoft.com/office/drawing/2010/main">
                 <a:solidFill>
                   <a:srgbClr val="FFFFFF"/>
                 </a:solidFill>
               </a14:hiddenFill>
             </a:ext>
-            <a:ext uri="{91240B29-F687-4F45-9708-019B960494DF}">
+            <a:ext uri="{91240B29-F687-4f45-9708-019B960494DF}">
               <a14:hiddenLine xmlns:a14="http://schemas.microsoft.com/office/drawing/2010/main" w="9525">
                 <a:solidFill>
                   <a:srgbClr val="000000"/>
@@ -5497,7 +5498,7 @@
   <p:timing>
     <p:tnLst>
       <p:par>
-        <p:cTn id="1" dur="indefinite" restart="never" nodeType="tmRoot"/>
+        <p:cTn xmlns:p14="http://schemas.microsoft.com/office/powerpoint/2010/main" id="1" dur="indefinite" restart="never" nodeType="tmRoot"/>
       </p:par>
     </p:tnLst>
   </p:timing>
@@ -5542,7 +5543,7 @@
             </a:r>
             <a:r>
               <a:rPr lang="en-US" dirty="0" smtClean="0"/>
-              <a:t> is Selective</a:t>
+              <a:t> in Noise or Time</a:t>
             </a:r>
             <a:endParaRPr lang="en-US" dirty="0"/>
           </a:p>
@@ -5642,7 +5643,7 @@
             </a:pPr>
             <a:fld id="{A544915F-7309-4744-8FAD-0D6B1CB5A275}" type="datetime1">
               <a:rPr lang="en-US" altLang="en-US" smtClean="0"/>
-              <a:t>Saturday, 13 August 2016</a:t>
+              <a:t>8/13/16</a:t>
             </a:fld>
             <a:endParaRPr lang="en-US" altLang="en-US"/>
           </a:p>
@@ -5651,7 +5652,7 @@
     </p:spTree>
     <p:extLst>
       <p:ext uri="{BB962C8B-B14F-4D97-AF65-F5344CB8AC3E}">
-        <p14:creationId xmlns:p14="http://schemas.microsoft.com/office/powerpoint/2010/main" val="3962903475"/>
+        <p14:creationId xmlns:p14="http://schemas.microsoft.com/office/powerpoint/2010/main" val="880327972"/>
       </p:ext>
     </p:extLst>
   </p:cSld>
@@ -5693,6 +5694,14 @@
           <a:bodyPr/>
           <a:lstStyle/>
           <a:p>
+            <a:r>
+              <a:rPr lang="en-US" dirty="0" err="1" smtClean="0"/>
+              <a:t>Deafferentiation</a:t>
+            </a:r>
+            <a:r>
+              <a:rPr lang="en-US" dirty="0" smtClean="0"/>
+              <a:t> is Selective</a:t>
+            </a:r>
             <a:endParaRPr lang="en-US" dirty="0"/>
           </a:p>
         </p:txBody>
@@ -5791,7 +5800,7 @@
             </a:pPr>
             <a:fld id="{A544915F-7309-4744-8FAD-0D6B1CB5A275}" type="datetime1">
               <a:rPr lang="en-US" altLang="en-US" smtClean="0"/>
-              <a:t>Saturday, 13 August 2016</a:t>
+              <a:t>8/13/16</a:t>
             </a:fld>
             <a:endParaRPr lang="en-US" altLang="en-US"/>
           </a:p>
@@ -5800,7 +5809,7 @@
     </p:spTree>
     <p:extLst>
       <p:ext uri="{BB962C8B-B14F-4D97-AF65-F5344CB8AC3E}">
-        <p14:creationId xmlns:p14="http://schemas.microsoft.com/office/powerpoint/2010/main" val="3069992351"/>
+        <p14:creationId xmlns:p14="http://schemas.microsoft.com/office/powerpoint/2010/main" val="3962903475"/>
       </p:ext>
     </p:extLst>
   </p:cSld>
@@ -5842,11 +5851,6 @@
           <a:bodyPr/>
           <a:lstStyle/>
           <a:p>
-            <a:pPr algn="ctr"/>
-            <a:r>
-              <a:rPr lang="en-US" dirty="0" smtClean="0"/>
-              <a:t>Acknowledgements</a:t>
-            </a:r>
             <a:endParaRPr lang="en-US" dirty="0"/>
           </a:p>
         </p:txBody>
@@ -5861,87 +5865,38 @@
             <p:ph idx="1"/>
           </p:nvPr>
         </p:nvSpPr>
-        <p:spPr>
-          <a:xfrm>
-            <a:off x="609600" y="2971800"/>
-            <a:ext cx="3886200" cy="1828800"/>
-          </a:xfrm>
-        </p:spPr>
+        <p:spPr/>
         <p:txBody>
           <a:bodyPr/>
           <a:lstStyle/>
           <a:p>
-            <a:pPr marL="0" indent="0">
-              <a:buNone/>
+            <a:endParaRPr lang="en-US"/>
+          </a:p>
+        </p:txBody>
+      </p:sp>
+      <p:sp>
+        <p:nvSpPr>
+          <p:cNvPr id="4" name="Footer Placeholder 3"/>
+          <p:cNvSpPr>
+            <a:spLocks noGrp="1"/>
+          </p:cNvSpPr>
+          <p:nvPr>
+            <p:ph type="ftr" sz="quarter" idx="10"/>
+          </p:nvPr>
+        </p:nvSpPr>
+        <p:spPr/>
+        <p:txBody>
+          <a:bodyPr/>
+          <a:lstStyle/>
+          <a:p>
+            <a:pPr>
+              <a:defRPr/>
             </a:pPr>
             <a:r>
-              <a:rPr lang="en-US" sz="2200" b="1" dirty="0" smtClean="0"/>
-              <a:t>Auditory Biophysics Lab</a:t>
-            </a:r>
-          </a:p>
-          <a:p>
-            <a:r>
-              <a:rPr lang="en-US" sz="2000" dirty="0" smtClean="0"/>
-              <a:t>Dave Mountain</a:t>
-            </a:r>
-          </a:p>
-          <a:p>
-            <a:r>
-              <a:rPr lang="en-US" sz="2000" dirty="0" smtClean="0"/>
-              <a:t>Dave Anderson</a:t>
-            </a:r>
-          </a:p>
-          <a:p>
-            <a:r>
-              <a:rPr lang="en-US" sz="2000" dirty="0" err="1" smtClean="0"/>
-              <a:t>Aleks</a:t>
-            </a:r>
-            <a:r>
-              <a:rPr lang="en-US" sz="2000" dirty="0" smtClean="0"/>
-              <a:t> </a:t>
-            </a:r>
-            <a:r>
-              <a:rPr lang="en-US" sz="2000" dirty="0" err="1" smtClean="0"/>
-              <a:t>Zosuls</a:t>
-            </a:r>
-            <a:endParaRPr lang="en-US" sz="2000" dirty="0" smtClean="0"/>
-          </a:p>
-          <a:p>
-            <a:r>
-              <a:rPr lang="en-US" sz="2000" dirty="0" smtClean="0"/>
-              <a:t>Andy </a:t>
-            </a:r>
-            <a:r>
-              <a:rPr lang="en-US" sz="2000" dirty="0" err="1" smtClean="0"/>
-              <a:t>Brughera</a:t>
-            </a:r>
-            <a:endParaRPr lang="en-US" sz="2000" dirty="0" smtClean="0"/>
-          </a:p>
-        </p:txBody>
-      </p:sp>
-      <p:sp>
-        <p:nvSpPr>
-          <p:cNvPr id="4" name="Footer Placeholder 3"/>
-          <p:cNvSpPr>
-            <a:spLocks noGrp="1"/>
-          </p:cNvSpPr>
-          <p:nvPr>
-            <p:ph type="ftr" sz="quarter" idx="10"/>
-          </p:nvPr>
-        </p:nvSpPr>
-        <p:spPr/>
-        <p:txBody>
-          <a:bodyPr/>
-          <a:lstStyle/>
-          <a:p>
-            <a:pPr>
-              <a:defRPr/>
-            </a:pPr>
-            <a:r>
-              <a:rPr lang="en-US" altLang="en-US" dirty="0"/>
-              <a:t>Modeling the Effects of Auditory Neuropathy on the ABR</a:t>
-            </a:r>
-            <a:endParaRPr lang="en-US" altLang="en-US" dirty="0"/>
+              <a:rPr lang="en-US" altLang="en-US" smtClean="0"/>
+              <a:t>Presentation Title</a:t>
+            </a:r>
+            <a:endParaRPr lang="en-US" altLang="en-US"/>
           </a:p>
         </p:txBody>
       </p:sp>
@@ -5994,7 +5949,209 @@
             </a:pPr>
             <a:fld id="{A544915F-7309-4744-8FAD-0D6B1CB5A275}" type="datetime1">
               <a:rPr lang="en-US" altLang="en-US" smtClean="0"/>
-              <a:t>Saturday, 13 August 2016</a:t>
+              <a:t>8/13/16</a:t>
+            </a:fld>
+            <a:endParaRPr lang="en-US" altLang="en-US"/>
+          </a:p>
+        </p:txBody>
+      </p:sp>
+    </p:spTree>
+    <p:extLst>
+      <p:ext uri="{BB962C8B-B14F-4D97-AF65-F5344CB8AC3E}">
+        <p14:creationId xmlns:p14="http://schemas.microsoft.com/office/powerpoint/2010/main" val="3069992351"/>
+      </p:ext>
+    </p:extLst>
+  </p:cSld>
+  <p:clrMapOvr>
+    <a:masterClrMapping/>
+  </p:clrMapOvr>
+</p:sld>
+</file>
+
+<file path=ppt/slides/slide13.xml><?xml version="1.0" encoding="utf-8"?>
+<p:sld xmlns:a="http://schemas.openxmlformats.org/drawingml/2006/main" xmlns:r="http://schemas.openxmlformats.org/officeDocument/2006/relationships" xmlns:p="http://schemas.openxmlformats.org/presentationml/2006/main">
+  <p:cSld>
+    <p:spTree>
+      <p:nvGrpSpPr>
+        <p:cNvPr id="1" name=""/>
+        <p:cNvGrpSpPr/>
+        <p:nvPr/>
+      </p:nvGrpSpPr>
+      <p:grpSpPr>
+        <a:xfrm>
+          <a:off x="0" y="0"/>
+          <a:ext cx="0" cy="0"/>
+          <a:chOff x="0" y="0"/>
+          <a:chExt cx="0" cy="0"/>
+        </a:xfrm>
+      </p:grpSpPr>
+      <p:sp>
+        <p:nvSpPr>
+          <p:cNvPr id="2" name="Title 1"/>
+          <p:cNvSpPr>
+            <a:spLocks noGrp="1"/>
+          </p:cNvSpPr>
+          <p:nvPr>
+            <p:ph type="title"/>
+          </p:nvPr>
+        </p:nvSpPr>
+        <p:spPr/>
+        <p:txBody>
+          <a:bodyPr/>
+          <a:lstStyle/>
+          <a:p>
+            <a:pPr algn="ctr"/>
+            <a:r>
+              <a:rPr lang="en-US" dirty="0" smtClean="0"/>
+              <a:t>Acknowledgements</a:t>
+            </a:r>
+            <a:endParaRPr lang="en-US" dirty="0"/>
+          </a:p>
+        </p:txBody>
+      </p:sp>
+      <p:sp>
+        <p:nvSpPr>
+          <p:cNvPr id="3" name="Content Placeholder 2"/>
+          <p:cNvSpPr>
+            <a:spLocks noGrp="1"/>
+          </p:cNvSpPr>
+          <p:nvPr>
+            <p:ph idx="1"/>
+          </p:nvPr>
+        </p:nvSpPr>
+        <p:spPr>
+          <a:xfrm>
+            <a:off x="609600" y="2971800"/>
+            <a:ext cx="3886200" cy="1828800"/>
+          </a:xfrm>
+        </p:spPr>
+        <p:txBody>
+          <a:bodyPr/>
+          <a:lstStyle/>
+          <a:p>
+            <a:pPr marL="0" indent="0">
+              <a:buNone/>
+            </a:pPr>
+            <a:r>
+              <a:rPr lang="en-US" sz="2200" b="1" dirty="0" smtClean="0"/>
+              <a:t>Auditory Biophysics Lab</a:t>
+            </a:r>
+          </a:p>
+          <a:p>
+            <a:r>
+              <a:rPr lang="en-US" sz="2000" dirty="0" smtClean="0"/>
+              <a:t>Dave Mountain</a:t>
+            </a:r>
+          </a:p>
+          <a:p>
+            <a:r>
+              <a:rPr lang="en-US" sz="2000" dirty="0" smtClean="0"/>
+              <a:t>Dave Anderson</a:t>
+            </a:r>
+          </a:p>
+          <a:p>
+            <a:r>
+              <a:rPr lang="en-US" sz="2000" dirty="0" err="1" smtClean="0"/>
+              <a:t>Aleks</a:t>
+            </a:r>
+            <a:r>
+              <a:rPr lang="en-US" sz="2000" dirty="0" smtClean="0"/>
+              <a:t> </a:t>
+            </a:r>
+            <a:r>
+              <a:rPr lang="en-US" sz="2000" dirty="0" err="1" smtClean="0"/>
+              <a:t>Zosuls</a:t>
+            </a:r>
+            <a:endParaRPr lang="en-US" sz="2000" dirty="0" smtClean="0"/>
+          </a:p>
+          <a:p>
+            <a:r>
+              <a:rPr lang="en-US" sz="2000" dirty="0" smtClean="0"/>
+              <a:t>Andy </a:t>
+            </a:r>
+            <a:r>
+              <a:rPr lang="en-US" sz="2000" dirty="0" err="1" smtClean="0"/>
+              <a:t>Brughera</a:t>
+            </a:r>
+            <a:endParaRPr lang="en-US" sz="2000" dirty="0" smtClean="0"/>
+          </a:p>
+        </p:txBody>
+      </p:sp>
+      <p:sp>
+        <p:nvSpPr>
+          <p:cNvPr id="4" name="Footer Placeholder 3"/>
+          <p:cNvSpPr>
+            <a:spLocks noGrp="1"/>
+          </p:cNvSpPr>
+          <p:nvPr>
+            <p:ph type="ftr" sz="quarter" idx="10"/>
+          </p:nvPr>
+        </p:nvSpPr>
+        <p:spPr/>
+        <p:txBody>
+          <a:bodyPr/>
+          <a:lstStyle/>
+          <a:p>
+            <a:pPr>
+              <a:defRPr/>
+            </a:pPr>
+            <a:r>
+              <a:rPr lang="en-US" altLang="en-US" dirty="0"/>
+              <a:t>Modeling the Effects of Auditory Neuropathy on the ABR</a:t>
+            </a:r>
+          </a:p>
+        </p:txBody>
+      </p:sp>
+      <p:sp>
+        <p:nvSpPr>
+          <p:cNvPr id="5" name="Slide Number Placeholder 4"/>
+          <p:cNvSpPr>
+            <a:spLocks noGrp="1"/>
+          </p:cNvSpPr>
+          <p:nvPr>
+            <p:ph type="sldNum" sz="quarter" idx="11"/>
+          </p:nvPr>
+        </p:nvSpPr>
+        <p:spPr/>
+        <p:txBody>
+          <a:bodyPr/>
+          <a:lstStyle/>
+          <a:p>
+            <a:pPr>
+              <a:defRPr/>
+            </a:pPr>
+            <a:fld id="{8840E231-D218-4982-B1DE-6520F190699A}" type="slidenum">
+              <a:rPr lang="en-US" altLang="en-US" smtClean="0"/>
+              <a:pPr>
+                <a:defRPr/>
+              </a:pPr>
+              <a:t>13</a:t>
+            </a:fld>
+            <a:endParaRPr lang="en-US" altLang="en-US" dirty="0"/>
+          </a:p>
+        </p:txBody>
+      </p:sp>
+      <p:sp>
+        <p:nvSpPr>
+          <p:cNvPr id="6" name="Date Placeholder 5"/>
+          <p:cNvSpPr>
+            <a:spLocks noGrp="1"/>
+          </p:cNvSpPr>
+          <p:nvPr>
+            <p:ph type="dt" sz="half" idx="12"/>
+          </p:nvPr>
+        </p:nvSpPr>
+        <p:spPr/>
+        <p:txBody>
+          <a:bodyPr/>
+          <a:lstStyle/>
+          <a:p>
+            <a:pPr>
+              <a:defRPr/>
+            </a:pPr>
+            <a:fld id="{A544915F-7309-4744-8FAD-0D6B1CB5A275}" type="datetime1">
+              <a:rPr lang="en-US" altLang="en-US" smtClean="0"/>
+              <a:t>8/13/16</a:t>
             </a:fld>
             <a:endParaRPr lang="en-US" altLang="en-US"/>
           </a:p>
@@ -6021,14 +6178,14 @@
             <a:noFill/>
           </a:ln>
           <a:extLst>
-            <a:ext uri="{909E8E84-426E-40DD-AFC4-6F175D3DCCD1}">
+            <a:ext uri="{909E8E84-426E-40dd-AFC4-6F175D3DCCD1}">
               <a14:hiddenFill xmlns:a14="http://schemas.microsoft.com/office/drawing/2010/main">
                 <a:solidFill>
                   <a:srgbClr val="FFFFFF"/>
                 </a:solidFill>
               </a14:hiddenFill>
             </a:ext>
-            <a:ext uri="{91240B29-F687-4F45-9708-019B960494DF}">
+            <a:ext uri="{91240B29-F687-4f45-9708-019B960494DF}">
               <a14:hiddenLine xmlns:a14="http://schemas.microsoft.com/office/drawing/2010/main" w="9525">
                 <a:solidFill>
                   <a:srgbClr val="000000"/>
@@ -6297,14 +6454,14 @@
             <a:noFill/>
           </a:ln>
           <a:extLst>
-            <a:ext uri="{909E8E84-426E-40DD-AFC4-6F175D3DCCD1}">
+            <a:ext uri="{909E8E84-426E-40dd-AFC4-6F175D3DCCD1}">
               <a14:hiddenFill xmlns:a14="http://schemas.microsoft.com/office/drawing/2010/main">
                 <a:solidFill>
                   <a:srgbClr val="FFFFFF"/>
                 </a:solidFill>
               </a14:hiddenFill>
             </a:ext>
-            <a:ext uri="{91240B29-F687-4F45-9708-019B960494DF}">
+            <a:ext uri="{91240B29-F687-4f45-9708-019B960494DF}">
               <a14:hiddenLine xmlns:a14="http://schemas.microsoft.com/office/drawing/2010/main" w="9525">
                 <a:solidFill>
                   <a:srgbClr val="000000"/>
@@ -6574,14 +6731,14 @@
             <a:noFill/>
           </a:ln>
           <a:extLst>
-            <a:ext uri="{909E8E84-426E-40DD-AFC4-6F175D3DCCD1}">
+            <a:ext uri="{909E8E84-426E-40dd-AFC4-6F175D3DCCD1}">
               <a14:hiddenFill xmlns:a14="http://schemas.microsoft.com/office/drawing/2010/main">
                 <a:solidFill>
                   <a:srgbClr val="FFFFFF"/>
                 </a:solidFill>
               </a14:hiddenFill>
             </a:ext>
-            <a:ext uri="{91240B29-F687-4F45-9708-019B960494DF}">
+            <a:ext uri="{91240B29-F687-4f45-9708-019B960494DF}">
               <a14:hiddenLine xmlns:a14="http://schemas.microsoft.com/office/drawing/2010/main" w="9525">
                 <a:solidFill>
                   <a:srgbClr val="000000"/>
@@ -6865,14 +7022,14 @@
             <a:noFill/>
           </a:ln>
           <a:extLst>
-            <a:ext uri="{909E8E84-426E-40DD-AFC4-6F175D3DCCD1}">
+            <a:ext uri="{909E8E84-426E-40dd-AFC4-6F175D3DCCD1}">
               <a14:hiddenFill xmlns:a14="http://schemas.microsoft.com/office/drawing/2010/main">
                 <a:solidFill>
                   <a:srgbClr val="FFFFFF"/>
                 </a:solidFill>
               </a14:hiddenFill>
             </a:ext>
-            <a:ext uri="{91240B29-F687-4F45-9708-019B960494DF}">
+            <a:ext uri="{91240B29-F687-4f45-9708-019B960494DF}">
               <a14:hiddenLine xmlns:a14="http://schemas.microsoft.com/office/drawing/2010/main" w="9525">
                 <a:solidFill>
                   <a:srgbClr val="000000"/>
@@ -7145,14 +7302,14 @@
   <p:timing>
     <p:tnLst>
       <p:par>
-        <p:cTn id="1" dur="indefinite" restart="never" nodeType="tmRoot"/>
+        <p:cTn xmlns:p14="http://schemas.microsoft.com/office/powerpoint/2010/main" id="1" dur="indefinite" restart="never" nodeType="tmRoot"/>
       </p:par>
     </p:tnLst>
   </p:timing>
 </p:sld>
 </file>
 
-<file path=ppt/slides/slide13.xml><?xml version="1.0" encoding="utf-8"?>
+<file path=ppt/slides/slide14.xml><?xml version="1.0" encoding="utf-8"?>
 <p:sld xmlns:a="http://schemas.openxmlformats.org/drawingml/2006/main" xmlns:r="http://schemas.openxmlformats.org/officeDocument/2006/relationships" xmlns:p="http://schemas.openxmlformats.org/presentationml/2006/main">
   <p:cSld>
     <p:spTree>
@@ -7217,7 +7374,7 @@
               <a:pPr>
                 <a:defRPr/>
               </a:pPr>
-              <a:t>13</a:t>
+              <a:t>14</a:t>
             </a:fld>
             <a:endParaRPr lang="en-US" altLang="en-US" dirty="0"/>
           </a:p>
@@ -7243,7 +7400,7 @@
             </a:pPr>
             <a:fld id="{A544915F-7309-4744-8FAD-0D6B1CB5A275}" type="datetime1">
               <a:rPr lang="en-US" altLang="en-US" smtClean="0"/>
-              <a:t>Saturday, 13 August 2016</a:t>
+              <a:t>8/13/16</a:t>
             </a:fld>
             <a:endParaRPr lang="en-US" altLang="en-US"/>
           </a:p>
@@ -7280,7 +7437,7 @@
           </a:prstGeom>
           <a:noFill/>
           <a:extLst>
-            <a:ext uri="{909E8E84-426E-40DD-AFC4-6F175D3DCCD1}">
+            <a:ext uri="{909E8E84-426E-40dd-AFC4-6F175D3DCCD1}">
               <a14:hiddenFill xmlns:a14="http://schemas.microsoft.com/office/drawing/2010/main">
                 <a:solidFill>
                   <a:srgbClr val="FFFFFF"/>
@@ -7303,14 +7460,14 @@
   <p:timing>
     <p:tnLst>
       <p:par>
-        <p:cTn id="1" dur="indefinite" restart="never" nodeType="tmRoot"/>
+        <p:cTn xmlns:p14="http://schemas.microsoft.com/office/powerpoint/2010/main" id="1" dur="indefinite" restart="never" nodeType="tmRoot"/>
       </p:par>
     </p:tnLst>
   </p:timing>
 </p:sld>
 </file>
 
-<file path=ppt/slides/slide14.xml><?xml version="1.0" encoding="utf-8"?>
+<file path=ppt/slides/slide15.xml><?xml version="1.0" encoding="utf-8"?>
 <p:sld xmlns:a="http://schemas.openxmlformats.org/drawingml/2006/main" xmlns:r="http://schemas.openxmlformats.org/officeDocument/2006/relationships" xmlns:p="http://schemas.openxmlformats.org/presentationml/2006/main">
   <p:cSld>
     <p:spTree>
@@ -7393,7 +7550,6 @@
               <a:rPr lang="en-US" altLang="en-US" dirty="0"/>
               <a:t>Modeling the Effects of Auditory Neuropathy on the ABR</a:t>
             </a:r>
-            <a:endParaRPr lang="en-US" altLang="en-US" dirty="0"/>
           </a:p>
         </p:txBody>
       </p:sp>
@@ -7420,7 +7576,7 @@
               <a:pPr>
                 <a:defRPr/>
               </a:pPr>
-              <a:t>14</a:t>
+              <a:t>15</a:t>
             </a:fld>
             <a:endParaRPr lang="en-US" altLang="en-US" dirty="0"/>
           </a:p>
@@ -7446,7 +7602,7 @@
             </a:pPr>
             <a:fld id="{A544915F-7309-4744-8FAD-0D6B1CB5A275}" type="datetime1">
               <a:rPr lang="en-US" altLang="en-US" smtClean="0"/>
-              <a:t>Saturday, 13 August 2016</a:t>
+              <a:t>8/13/16</a:t>
             </a:fld>
             <a:endParaRPr lang="en-US" altLang="en-US"/>
           </a:p>
@@ -7602,7 +7758,6 @@
               <a:rPr lang="en-US" altLang="en-US" dirty="0"/>
               <a:t>Modeling the Effects of Auditory Neuropathy on the ABR</a:t>
             </a:r>
-            <a:endParaRPr lang="en-US" altLang="en-US" dirty="0"/>
           </a:p>
         </p:txBody>
       </p:sp>
@@ -7655,7 +7810,7 @@
             </a:pPr>
             <a:fld id="{A544915F-7309-4744-8FAD-0D6B1CB5A275}" type="datetime1">
               <a:rPr lang="en-US" altLang="en-US" smtClean="0"/>
-              <a:t>Saturday, 13 August 2016</a:t>
+              <a:t>8/13/16</a:t>
             </a:fld>
             <a:endParaRPr lang="en-US" altLang="en-US"/>
           </a:p>
@@ -7717,7 +7872,7 @@
   <p:timing>
     <p:tnLst>
       <p:par>
-        <p:cTn id="1" dur="indefinite" restart="never" nodeType="tmRoot">
+        <p:cTn xmlns:p14="http://schemas.microsoft.com/office/powerpoint/2010/main" id="1" dur="indefinite" restart="never" nodeType="tmRoot">
           <p:childTnLst>
             <p:seq concurrent="1" nextAc="seek">
               <p:cTn id="2" dur="indefinite" nodeType="mainSeq">
@@ -7994,7 +8149,7 @@
             </a:pPr>
             <a:fld id="{A544915F-7309-4744-8FAD-0D6B1CB5A275}" type="datetime1">
               <a:rPr lang="en-US" altLang="en-US" smtClean="0"/>
-              <a:t>Saturday, 13 August 2016</a:t>
+              <a:t>8/13/16</a:t>
             </a:fld>
             <a:endParaRPr lang="en-US" altLang="en-US"/>
           </a:p>
@@ -8031,7 +8186,7 @@
           </a:prstGeom>
           <a:noFill/>
           <a:extLst>
-            <a:ext uri="{909E8E84-426E-40DD-AFC4-6F175D3DCCD1}">
+            <a:ext uri="{909E8E84-426E-40dd-AFC4-6F175D3DCCD1}">
               <a14:hiddenFill xmlns:a14="http://schemas.microsoft.com/office/drawing/2010/main">
                 <a:solidFill>
                   <a:srgbClr val="FFFFFF"/>
@@ -8072,7 +8227,7 @@
           </a:prstGeom>
           <a:noFill/>
           <a:extLst>
-            <a:ext uri="{909E8E84-426E-40DD-AFC4-6F175D3DCCD1}">
+            <a:ext uri="{909E8E84-426E-40dd-AFC4-6F175D3DCCD1}">
               <a14:hiddenFill xmlns:a14="http://schemas.microsoft.com/office/drawing/2010/main">
                 <a:solidFill>
                   <a:srgbClr val="FFFFFF"/>
@@ -8113,7 +8268,7 @@
           </a:prstGeom>
           <a:noFill/>
           <a:extLst>
-            <a:ext uri="{909E8E84-426E-40DD-AFC4-6F175D3DCCD1}">
+            <a:ext uri="{909E8E84-426E-40dd-AFC4-6F175D3DCCD1}">
               <a14:hiddenFill xmlns:a14="http://schemas.microsoft.com/office/drawing/2010/main">
                 <a:solidFill>
                   <a:srgbClr val="FFFFFF"/>
@@ -8136,7 +8291,7 @@
   <p:timing>
     <p:tnLst>
       <p:par>
-        <p:cTn id="1" dur="indefinite" restart="never" nodeType="tmRoot">
+        <p:cTn xmlns:p14="http://schemas.microsoft.com/office/powerpoint/2010/main" id="1" dur="indefinite" restart="never" nodeType="tmRoot">
           <p:childTnLst>
             <p:seq concurrent="1" nextAc="seek">
               <p:cTn id="2" dur="indefinite" nodeType="mainSeq">
@@ -8335,11 +8490,7 @@
           <a:p>
             <a:r>
               <a:rPr lang="en-US" dirty="0" smtClean="0"/>
-              <a:t>Potential </a:t>
-            </a:r>
-            <a:r>
-              <a:rPr lang="en-US" dirty="0" smtClean="0"/>
-              <a:t>Causes of HHL</a:t>
+              <a:t>Potential Causes of HHL</a:t>
             </a:r>
             <a:endParaRPr lang="en-US" dirty="0"/>
           </a:p>
@@ -8511,7 +8662,7 @@
             </a:pPr>
             <a:fld id="{A544915F-7309-4744-8FAD-0D6B1CB5A275}" type="datetime1">
               <a:rPr lang="en-US" altLang="en-US" smtClean="0"/>
-              <a:t>Saturday, 13 August 2016</a:t>
+              <a:t>8/13/16</a:t>
             </a:fld>
             <a:endParaRPr lang="en-US" altLang="en-US"/>
           </a:p>
@@ -8530,7 +8681,7 @@
   <p:timing>
     <p:tnLst>
       <p:par>
-        <p:cTn id="1" dur="indefinite" restart="never" nodeType="tmRoot"/>
+        <p:cTn xmlns:p14="http://schemas.microsoft.com/office/powerpoint/2010/main" id="1" dur="indefinite" restart="never" nodeType="tmRoot"/>
       </p:par>
     </p:tnLst>
   </p:timing>
@@ -8570,18 +8721,33 @@
           <a:lstStyle/>
           <a:p>
             <a:r>
-              <a:rPr lang="en-US" baseline="0" dirty="0" smtClean="0"/>
-              <a:t>Mechanics </a:t>
-            </a:r>
-            <a:r>
-              <a:rPr lang="en-US" baseline="0" dirty="0" smtClean="0"/>
-              <a:t>of </a:t>
-            </a:r>
-            <a:r>
-              <a:rPr lang="en-US" baseline="0" dirty="0" smtClean="0"/>
-              <a:t>Hearing (Review)</a:t>
-            </a:r>
-            <a:endParaRPr lang="en-US" dirty="0"/>
+              <a:rPr lang="en-US" dirty="0" smtClean="0"/>
+              <a:t>An </a:t>
+            </a:r>
+            <a:r>
+              <a:rPr lang="en-US" smtClean="0"/>
+              <a:t>Objective Measure of HHL</a:t>
+            </a:r>
+            <a:endParaRPr lang="en-US"/>
+          </a:p>
+        </p:txBody>
+      </p:sp>
+      <p:sp>
+        <p:nvSpPr>
+          <p:cNvPr id="3" name="Content Placeholder 2"/>
+          <p:cNvSpPr>
+            <a:spLocks noGrp="1"/>
+          </p:cNvSpPr>
+          <p:nvPr>
+            <p:ph idx="1"/>
+          </p:nvPr>
+        </p:nvSpPr>
+        <p:spPr/>
+        <p:txBody>
+          <a:bodyPr/>
+          <a:lstStyle/>
+          <a:p>
+            <a:endParaRPr lang="en-US"/>
           </a:p>
         </p:txBody>
       </p:sp>
@@ -8605,9 +8771,9 @@
             </a:pPr>
             <a:r>
               <a:rPr lang="en-US" altLang="en-US" smtClean="0"/>
-              <a:t>Modeling the Effects of Auditory Neuropathy on the ABR</a:t>
-            </a:r>
-            <a:endParaRPr lang="en-US" altLang="en-US" dirty="0"/>
+              <a:t>Presentation Title</a:t>
+            </a:r>
+            <a:endParaRPr lang="en-US" altLang="en-US"/>
           </a:p>
         </p:txBody>
       </p:sp>
@@ -8660,7 +8826,141 @@
             </a:pPr>
             <a:fld id="{A544915F-7309-4744-8FAD-0D6B1CB5A275}" type="datetime1">
               <a:rPr lang="en-US" altLang="en-US" smtClean="0"/>
-              <a:t>Saturday, 13 August 2016</a:t>
+              <a:t>8/13/16</a:t>
+            </a:fld>
+            <a:endParaRPr lang="en-US" altLang="en-US"/>
+          </a:p>
+        </p:txBody>
+      </p:sp>
+    </p:spTree>
+    <p:extLst>
+      <p:ext uri="{BB962C8B-B14F-4D97-AF65-F5344CB8AC3E}">
+        <p14:creationId xmlns:p14="http://schemas.microsoft.com/office/powerpoint/2010/main" val="1219536467"/>
+      </p:ext>
+    </p:extLst>
+  </p:cSld>
+  <p:clrMapOvr>
+    <a:masterClrMapping/>
+  </p:clrMapOvr>
+</p:sld>
+</file>
+
+<file path=ppt/slides/slide6.xml><?xml version="1.0" encoding="utf-8"?>
+<p:sld xmlns:a="http://schemas.openxmlformats.org/drawingml/2006/main" xmlns:r="http://schemas.openxmlformats.org/officeDocument/2006/relationships" xmlns:p="http://schemas.openxmlformats.org/presentationml/2006/main">
+  <p:cSld>
+    <p:spTree>
+      <p:nvGrpSpPr>
+        <p:cNvPr id="1" name=""/>
+        <p:cNvGrpSpPr/>
+        <p:nvPr/>
+      </p:nvGrpSpPr>
+      <p:grpSpPr>
+        <a:xfrm>
+          <a:off x="0" y="0"/>
+          <a:ext cx="0" cy="0"/>
+          <a:chOff x="0" y="0"/>
+          <a:chExt cx="0" cy="0"/>
+        </a:xfrm>
+      </p:grpSpPr>
+      <p:sp>
+        <p:nvSpPr>
+          <p:cNvPr id="2" name="Title 1"/>
+          <p:cNvSpPr>
+            <a:spLocks noGrp="1"/>
+          </p:cNvSpPr>
+          <p:nvPr>
+            <p:ph type="title"/>
+          </p:nvPr>
+        </p:nvSpPr>
+        <p:spPr/>
+        <p:txBody>
+          <a:bodyPr/>
+          <a:lstStyle/>
+          <a:p>
+            <a:r>
+              <a:rPr lang="en-US" baseline="0" dirty="0" smtClean="0"/>
+              <a:t>Mechanics of Hearing (Review)</a:t>
+            </a:r>
+            <a:endParaRPr lang="en-US" dirty="0"/>
+          </a:p>
+        </p:txBody>
+      </p:sp>
+      <p:sp>
+        <p:nvSpPr>
+          <p:cNvPr id="4" name="Footer Placeholder 3"/>
+          <p:cNvSpPr>
+            <a:spLocks noGrp="1"/>
+          </p:cNvSpPr>
+          <p:nvPr>
+            <p:ph type="ftr" sz="quarter" idx="10"/>
+          </p:nvPr>
+        </p:nvSpPr>
+        <p:spPr/>
+        <p:txBody>
+          <a:bodyPr/>
+          <a:lstStyle/>
+          <a:p>
+            <a:pPr>
+              <a:defRPr/>
+            </a:pPr>
+            <a:r>
+              <a:rPr lang="en-US" altLang="en-US" smtClean="0"/>
+              <a:t>Modeling the Effects of Auditory Neuropathy on the ABR</a:t>
+            </a:r>
+            <a:endParaRPr lang="en-US" altLang="en-US" dirty="0"/>
+          </a:p>
+        </p:txBody>
+      </p:sp>
+      <p:sp>
+        <p:nvSpPr>
+          <p:cNvPr id="5" name="Slide Number Placeholder 4"/>
+          <p:cNvSpPr>
+            <a:spLocks noGrp="1"/>
+          </p:cNvSpPr>
+          <p:nvPr>
+            <p:ph type="sldNum" sz="quarter" idx="11"/>
+          </p:nvPr>
+        </p:nvSpPr>
+        <p:spPr/>
+        <p:txBody>
+          <a:bodyPr/>
+          <a:lstStyle/>
+          <a:p>
+            <a:pPr>
+              <a:defRPr/>
+            </a:pPr>
+            <a:fld id="{8840E231-D218-4982-B1DE-6520F190699A}" type="slidenum">
+              <a:rPr lang="en-US" altLang="en-US" smtClean="0"/>
+              <a:pPr>
+                <a:defRPr/>
+              </a:pPr>
+              <a:t>6</a:t>
+            </a:fld>
+            <a:endParaRPr lang="en-US" altLang="en-US" dirty="0"/>
+          </a:p>
+        </p:txBody>
+      </p:sp>
+      <p:sp>
+        <p:nvSpPr>
+          <p:cNvPr id="6" name="Date Placeholder 5"/>
+          <p:cNvSpPr>
+            <a:spLocks noGrp="1"/>
+          </p:cNvSpPr>
+          <p:nvPr>
+            <p:ph type="dt" sz="half" idx="12"/>
+          </p:nvPr>
+        </p:nvSpPr>
+        <p:spPr/>
+        <p:txBody>
+          <a:bodyPr/>
+          <a:lstStyle/>
+          <a:p>
+            <a:pPr>
+              <a:defRPr/>
+            </a:pPr>
+            <a:fld id="{A544915F-7309-4744-8FAD-0D6B1CB5A275}" type="datetime1">
+              <a:rPr lang="en-US" altLang="en-US" smtClean="0"/>
+              <a:t>8/13/16</a:t>
             </a:fld>
             <a:endParaRPr lang="en-US" altLang="en-US"/>
           </a:p>
@@ -8700,14 +9000,14 @@
             <a:noFill/>
           </a:ln>
           <a:extLst>
-            <a:ext uri="{909E8E84-426E-40DD-AFC4-6F175D3DCCD1}">
+            <a:ext uri="{909E8E84-426E-40dd-AFC4-6F175D3DCCD1}">
               <a14:hiddenFill xmlns:a14="http://schemas.microsoft.com/office/drawing/2010/main">
                 <a:solidFill>
                   <a:schemeClr val="accent1"/>
                 </a:solidFill>
               </a14:hiddenFill>
             </a:ext>
-            <a:ext uri="{91240B29-F687-4F45-9708-019B960494DF}">
+            <a:ext uri="{91240B29-F687-4f45-9708-019B960494DF}">
               <a14:hiddenLine xmlns:a14="http://schemas.microsoft.com/office/drawing/2010/main" w="9525">
                 <a:solidFill>
                   <a:schemeClr val="tx1"/>
@@ -9002,14 +9302,14 @@
             <a:noFill/>
           </a:ln>
           <a:extLst>
-            <a:ext uri="{909E8E84-426E-40DD-AFC4-6F175D3DCCD1}">
+            <a:ext uri="{909E8E84-426E-40dd-AFC4-6F175D3DCCD1}">
               <a14:hiddenFill xmlns:a14="http://schemas.microsoft.com/office/drawing/2010/main">
                 <a:solidFill>
                   <a:schemeClr val="accent1"/>
                 </a:solidFill>
               </a14:hiddenFill>
             </a:ext>
-            <a:ext uri="{91240B29-F687-4F45-9708-019B960494DF}">
+            <a:ext uri="{91240B29-F687-4f45-9708-019B960494DF}">
               <a14:hiddenLine xmlns:a14="http://schemas.microsoft.com/office/drawing/2010/main" w="9525">
                 <a:solidFill>
                   <a:schemeClr val="tx1"/>
@@ -9154,163 +9454,10 @@
   <p:timing>
     <p:tnLst>
       <p:par>
-        <p:cTn id="1" dur="indefinite" restart="never" nodeType="tmRoot"/>
+        <p:cTn xmlns:p14="http://schemas.microsoft.com/office/powerpoint/2010/main" id="1" dur="indefinite" restart="never" nodeType="tmRoot"/>
       </p:par>
     </p:tnLst>
   </p:timing>
-</p:sld>
-</file>
-
-<file path=ppt/slides/slide6.xml><?xml version="1.0" encoding="utf-8"?>
-<p:sld xmlns:a="http://schemas.openxmlformats.org/drawingml/2006/main" xmlns:r="http://schemas.openxmlformats.org/officeDocument/2006/relationships" xmlns:p="http://schemas.openxmlformats.org/presentationml/2006/main">
-  <p:cSld>
-    <p:spTree>
-      <p:nvGrpSpPr>
-        <p:cNvPr id="1" name=""/>
-        <p:cNvGrpSpPr/>
-        <p:nvPr/>
-      </p:nvGrpSpPr>
-      <p:grpSpPr>
-        <a:xfrm>
-          <a:off x="0" y="0"/>
-          <a:ext cx="0" cy="0"/>
-          <a:chOff x="0" y="0"/>
-          <a:chExt cx="0" cy="0"/>
-        </a:xfrm>
-      </p:grpSpPr>
-      <p:sp>
-        <p:nvSpPr>
-          <p:cNvPr id="2" name="Title 1"/>
-          <p:cNvSpPr>
-            <a:spLocks noGrp="1"/>
-          </p:cNvSpPr>
-          <p:nvPr>
-            <p:ph type="title"/>
-          </p:nvPr>
-        </p:nvSpPr>
-        <p:spPr/>
-        <p:txBody>
-          <a:bodyPr/>
-          <a:lstStyle/>
-          <a:p>
-            <a:r>
-              <a:rPr lang="en-US" dirty="0" smtClean="0"/>
-              <a:t>Auditory Nerve Fiber Rates</a:t>
-            </a:r>
-            <a:endParaRPr lang="en-US" dirty="0"/>
-          </a:p>
-        </p:txBody>
-      </p:sp>
-      <p:sp>
-        <p:nvSpPr>
-          <p:cNvPr id="3" name="Content Placeholder 2"/>
-          <p:cNvSpPr>
-            <a:spLocks noGrp="1"/>
-          </p:cNvSpPr>
-          <p:nvPr>
-            <p:ph idx="1"/>
-          </p:nvPr>
-        </p:nvSpPr>
-        <p:spPr/>
-        <p:txBody>
-          <a:bodyPr/>
-          <a:lstStyle/>
-          <a:p>
-            <a:endParaRPr lang="en-US" dirty="0"/>
-          </a:p>
-        </p:txBody>
-      </p:sp>
-      <p:sp>
-        <p:nvSpPr>
-          <p:cNvPr id="4" name="Footer Placeholder 3"/>
-          <p:cNvSpPr>
-            <a:spLocks noGrp="1"/>
-          </p:cNvSpPr>
-          <p:nvPr>
-            <p:ph type="ftr" sz="quarter" idx="10"/>
-          </p:nvPr>
-        </p:nvSpPr>
-        <p:spPr/>
-        <p:txBody>
-          <a:bodyPr/>
-          <a:lstStyle/>
-          <a:p>
-            <a:pPr>
-              <a:defRPr/>
-            </a:pPr>
-            <a:r>
-              <a:rPr lang="en-US" altLang="en-US" smtClean="0"/>
-              <a:t>Presentation Title</a:t>
-            </a:r>
-            <a:endParaRPr lang="en-US" altLang="en-US"/>
-          </a:p>
-        </p:txBody>
-      </p:sp>
-      <p:sp>
-        <p:nvSpPr>
-          <p:cNvPr id="5" name="Slide Number Placeholder 4"/>
-          <p:cNvSpPr>
-            <a:spLocks noGrp="1"/>
-          </p:cNvSpPr>
-          <p:nvPr>
-            <p:ph type="sldNum" sz="quarter" idx="11"/>
-          </p:nvPr>
-        </p:nvSpPr>
-        <p:spPr/>
-        <p:txBody>
-          <a:bodyPr/>
-          <a:lstStyle/>
-          <a:p>
-            <a:pPr>
-              <a:defRPr/>
-            </a:pPr>
-            <a:fld id="{8840E231-D218-4982-B1DE-6520F190699A}" type="slidenum">
-              <a:rPr lang="en-US" altLang="en-US" smtClean="0"/>
-              <a:pPr>
-                <a:defRPr/>
-              </a:pPr>
-              <a:t>6</a:t>
-            </a:fld>
-            <a:endParaRPr lang="en-US" altLang="en-US" dirty="0"/>
-          </a:p>
-        </p:txBody>
-      </p:sp>
-      <p:sp>
-        <p:nvSpPr>
-          <p:cNvPr id="6" name="Date Placeholder 5"/>
-          <p:cNvSpPr>
-            <a:spLocks noGrp="1"/>
-          </p:cNvSpPr>
-          <p:nvPr>
-            <p:ph type="dt" sz="half" idx="12"/>
-          </p:nvPr>
-        </p:nvSpPr>
-        <p:spPr/>
-        <p:txBody>
-          <a:bodyPr/>
-          <a:lstStyle/>
-          <a:p>
-            <a:pPr>
-              <a:defRPr/>
-            </a:pPr>
-            <a:fld id="{A544915F-7309-4744-8FAD-0D6B1CB5A275}" type="datetime1">
-              <a:rPr lang="en-US" altLang="en-US" smtClean="0"/>
-              <a:t>Saturday, 13 August 2016</a:t>
-            </a:fld>
-            <a:endParaRPr lang="en-US" altLang="en-US"/>
-          </a:p>
-        </p:txBody>
-      </p:sp>
-    </p:spTree>
-    <p:extLst>
-      <p:ext uri="{BB962C8B-B14F-4D97-AF65-F5344CB8AC3E}">
-        <p14:creationId xmlns:p14="http://schemas.microsoft.com/office/powerpoint/2010/main" val="721805883"/>
-      </p:ext>
-    </p:extLst>
-  </p:cSld>
-  <p:clrMapOvr>
-    <a:masterClrMapping/>
-  </p:clrMapOvr>
 </p:sld>
 </file>
 
@@ -9348,7 +9495,7 @@
           <a:p>
             <a:r>
               <a:rPr lang="en-US" dirty="0" smtClean="0"/>
-              <a:t>Auditory Nerve Distributions</a:t>
+              <a:t>Auditory Nerve Fiber Rates</a:t>
             </a:r>
             <a:endParaRPr lang="en-US" dirty="0"/>
           </a:p>
@@ -9369,7 +9516,7 @@
           <a:bodyPr/>
           <a:lstStyle/>
           <a:p>
-            <a:endParaRPr lang="en-US"/>
+            <a:endParaRPr lang="en-US" dirty="0"/>
           </a:p>
         </p:txBody>
       </p:sp>
@@ -9448,7 +9595,7 @@
             </a:pPr>
             <a:fld id="{A544915F-7309-4744-8FAD-0D6B1CB5A275}" type="datetime1">
               <a:rPr lang="en-US" altLang="en-US" smtClean="0"/>
-              <a:t>Saturday, 13 August 2016</a:t>
+              <a:t>8/13/16</a:t>
             </a:fld>
             <a:endParaRPr lang="en-US" altLang="en-US"/>
           </a:p>
@@ -9457,7 +9604,7 @@
     </p:spTree>
     <p:extLst>
       <p:ext uri="{BB962C8B-B14F-4D97-AF65-F5344CB8AC3E}">
-        <p14:creationId xmlns:p14="http://schemas.microsoft.com/office/powerpoint/2010/main" val="3750913888"/>
+        <p14:creationId xmlns:p14="http://schemas.microsoft.com/office/powerpoint/2010/main" val="721805883"/>
       </p:ext>
     </p:extLst>
   </p:cSld>
@@ -9501,7 +9648,7 @@
           <a:p>
             <a:r>
               <a:rPr lang="en-US" dirty="0" smtClean="0"/>
-              <a:t>Auditory Nerve Projections</a:t>
+              <a:t>Auditory Nerve Distributions</a:t>
             </a:r>
             <a:endParaRPr lang="en-US" dirty="0"/>
           </a:p>
@@ -9601,7 +9748,7 @@
             </a:pPr>
             <a:fld id="{A544915F-7309-4744-8FAD-0D6B1CB5A275}" type="datetime1">
               <a:rPr lang="en-US" altLang="en-US" smtClean="0"/>
-              <a:t>Saturday, 13 August 2016</a:t>
+              <a:t>8/13/16</a:t>
             </a:fld>
             <a:endParaRPr lang="en-US" altLang="en-US"/>
           </a:p>
@@ -9610,7 +9757,7 @@
     </p:spTree>
     <p:extLst>
       <p:ext uri="{BB962C8B-B14F-4D97-AF65-F5344CB8AC3E}">
-        <p14:creationId xmlns:p14="http://schemas.microsoft.com/office/powerpoint/2010/main" val="2955395955"/>
+        <p14:creationId xmlns:p14="http://schemas.microsoft.com/office/powerpoint/2010/main" val="3750913888"/>
       </p:ext>
     </p:extLst>
   </p:cSld>
@@ -9653,12 +9800,8 @@
           <a:lstStyle/>
           <a:p>
             <a:r>
-              <a:rPr lang="en-US" dirty="0" err="1" smtClean="0"/>
-              <a:t>Deafferentiation</a:t>
-            </a:r>
-            <a:r>
               <a:rPr lang="en-US" dirty="0" smtClean="0"/>
-              <a:t> in Noise or Time</a:t>
+              <a:t>Auditory Nerve Projections</a:t>
             </a:r>
             <a:endParaRPr lang="en-US" dirty="0"/>
           </a:p>
@@ -9758,7 +9901,7 @@
             </a:pPr>
             <a:fld id="{A544915F-7309-4744-8FAD-0D6B1CB5A275}" type="datetime1">
               <a:rPr lang="en-US" altLang="en-US" smtClean="0"/>
-              <a:t>Saturday, 13 August 2016</a:t>
+              <a:t>8/13/16</a:t>
             </a:fld>
             <a:endParaRPr lang="en-US" altLang="en-US"/>
           </a:p>
@@ -9767,7 +9910,7 @@
     </p:spTree>
     <p:extLst>
       <p:ext uri="{BB962C8B-B14F-4D97-AF65-F5344CB8AC3E}">
-        <p14:creationId xmlns:p14="http://schemas.microsoft.com/office/powerpoint/2010/main" val="880327972"/>
+        <p14:creationId xmlns:p14="http://schemas.microsoft.com/office/powerpoint/2010/main" val="2955395955"/>
       </p:ext>
     </p:extLst>
   </p:cSld>
